--- a/Cyril/Projet Théléton.pptx
+++ b/Cyril/Projet Théléton.pptx
@@ -3991,54 +3991,6 @@
           </a:p>
         </p:txBody>
       </p:sp>
-      <p:sp>
-        <p:nvSpPr>
-          <p:cNvPr id="3" name="Espace réservé du contenu 2">
-            <a:extLst>
-              <a:ext uri="{FF2B5EF4-FFF2-40B4-BE49-F238E27FC236}">
-                <a16:creationId xmlns:a16="http://schemas.microsoft.com/office/drawing/2014/main" id="{E20F4170-89DF-4098-8E16-0C32E51FA8B4}"/>
-              </a:ext>
-            </a:extLst>
-          </p:cNvPr>
-          <p:cNvSpPr>
-            <a:spLocks noGrp="1"/>
-          </p:cNvSpPr>
-          <p:nvPr>
-            <p:ph idx="1"/>
-          </p:nvPr>
-        </p:nvSpPr>
-        <p:spPr>
-          <a:xfrm>
-            <a:off x="6591300" y="1978024"/>
-            <a:ext cx="4838700" cy="4064001"/>
-          </a:xfrm>
-        </p:spPr>
-        <p:txBody>
-          <a:bodyPr numCol="1"/>
-          <a:lstStyle/>
-          <a:p>
-            <a:r>
-              <a:rPr lang="fr-FR" dirty="0"/>
-              <a:t>Créer formulaire d’inscription 																	</a:t>
-            </a:r>
-          </a:p>
-          <a:p>
-            <a:endParaRPr lang="fr-FR" dirty="0"/>
-          </a:p>
-          <a:p>
-            <a:endParaRPr lang="fr-FR" dirty="0"/>
-          </a:p>
-          <a:p>
-            <a:endParaRPr lang="fr-FR" dirty="0"/>
-          </a:p>
-          <a:p>
-            <a:endParaRPr lang="fr-FR" dirty="0"/>
-          </a:p>
-          <a:p>
-            <a:endParaRPr lang="fr-FR" dirty="0"/>
-          </a:p>
-        </p:txBody>
-      </p:sp>
       <p:pic>
         <p:nvPicPr>
           <p:cNvPr id="4" name="Image 3">
@@ -4084,7 +4036,7 @@
         <p:spPr>
           <a:xfrm>
             <a:off x="762000" y="1978024"/>
-            <a:ext cx="4155358" cy="5165726"/>
+            <a:ext cx="10137648" cy="5165726"/>
           </a:xfrm>
           <a:prstGeom prst="rect">
             <a:avLst/>
@@ -4261,7 +4213,7 @@
           <a:p>
             <a:r>
               <a:rPr lang="fr-FR" dirty="0"/>
-              <a:t>Créer une BDD   	</a:t>
+              <a:t>Créer une BDD 	</a:t>
             </a:r>
           </a:p>
           <a:p>
@@ -4291,7 +4243,7 @@
           <a:p>
             <a:r>
               <a:rPr lang="fr-FR" dirty="0"/>
-              <a:t>Attribuer des privilèges					</a:t>
+              <a:t>Attribuer des privilèges sur SQL					</a:t>
             </a:r>
           </a:p>
           <a:p>
@@ -4299,40 +4251,6 @@
           </a:p>
         </p:txBody>
       </p:sp>
-      <p:pic>
-        <p:nvPicPr>
-          <p:cNvPr id="6" name="Image 5">
-            <a:extLst>
-              <a:ext uri="{FF2B5EF4-FFF2-40B4-BE49-F238E27FC236}">
-                <a16:creationId xmlns:a16="http://schemas.microsoft.com/office/drawing/2014/main" id="{B3D83074-FF3B-4316-A4FE-D5CF730BC041}"/>
-              </a:ext>
-            </a:extLst>
-          </p:cNvPr>
-          <p:cNvPicPr/>
-          <p:nvPr/>
-        </p:nvPicPr>
-        <p:blipFill>
-          <a:blip r:embed="rId3">
-            <a:extLst>
-              <a:ext uri="{28A0092B-C50C-407E-A947-70E740481C1C}">
-                <a14:useLocalDpi xmlns:a14="http://schemas.microsoft.com/office/drawing/2010/main" val="0"/>
-              </a:ext>
-            </a:extLst>
-          </a:blip>
-          <a:stretch>
-            <a:fillRect/>
-          </a:stretch>
-        </p:blipFill>
-        <p:spPr>
-          <a:xfrm>
-            <a:off x="6096000" y="2623344"/>
-            <a:ext cx="5238750" cy="2901155"/>
-          </a:xfrm>
-          <a:prstGeom prst="rect">
-            <a:avLst/>
-          </a:prstGeom>
-        </p:spPr>
-      </p:pic>
     </p:spTree>
     <p:extLst>
       <p:ext uri="{BB962C8B-B14F-4D97-AF65-F5344CB8AC3E}">
@@ -4386,7 +4304,7 @@
           <a:p>
             <a:r>
               <a:rPr lang="fr-FR" dirty="0"/>
-              <a:t>Page de connexion </a:t>
+              <a:t>Page de connexion pour superviseur </a:t>
             </a:r>
             <a:br>
               <a:rPr lang="fr-FR" dirty="0"/>
@@ -4415,12 +4333,6 @@
         <p:txBody>
           <a:bodyPr/>
           <a:lstStyle/>
-          <a:p>
-            <a:pPr marL="0" indent="0">
-              <a:buNone/>
-            </a:pPr>
-            <a:endParaRPr lang="fr-FR" dirty="0"/>
-          </a:p>
           <a:p>
             <a:r>
               <a:rPr lang="fr-FR" dirty="0"/>

--- a/Cyril/Projet Théléton.pptx
+++ b/Cyril/Projet Théléton.pptx
@@ -113,6 +113,11 @@
       </a:defRPr>
     </a:lvl9pPr>
   </p:defaultTextStyle>
+  <p:extLst>
+    <p:ext uri="{EFAFB233-063F-42B5-8137-9DF3F51BA10A}">
+      <p15:sldGuideLst xmlns:p15="http://schemas.microsoft.com/office/powerpoint/2012/main"/>
+    </p:ext>
+  </p:extLst>
 </p:presentation>
 </file>
 
@@ -263,7 +268,7 @@
           <a:p>
             <a:fld id="{285648DF-8793-4B83-9FEC-49F54CCA6733}" type="datetimeFigureOut">
               <a:rPr lang="fr-FR" smtClean="0"/>
-              <a:t>17/01/2020</a:t>
+              <a:t>22/01/2020</a:t>
             </a:fld>
             <a:endParaRPr lang="fr-FR"/>
           </a:p>
@@ -461,7 +466,7 @@
           <a:p>
             <a:fld id="{285648DF-8793-4B83-9FEC-49F54CCA6733}" type="datetimeFigureOut">
               <a:rPr lang="fr-FR" smtClean="0"/>
-              <a:t>17/01/2020</a:t>
+              <a:t>22/01/2020</a:t>
             </a:fld>
             <a:endParaRPr lang="fr-FR"/>
           </a:p>
@@ -669,7 +674,7 @@
           <a:p>
             <a:fld id="{285648DF-8793-4B83-9FEC-49F54CCA6733}" type="datetimeFigureOut">
               <a:rPr lang="fr-FR" smtClean="0"/>
-              <a:t>17/01/2020</a:t>
+              <a:t>22/01/2020</a:t>
             </a:fld>
             <a:endParaRPr lang="fr-FR"/>
           </a:p>
@@ -867,7 +872,7 @@
           <a:p>
             <a:fld id="{285648DF-8793-4B83-9FEC-49F54CCA6733}" type="datetimeFigureOut">
               <a:rPr lang="fr-FR" smtClean="0"/>
-              <a:t>17/01/2020</a:t>
+              <a:t>22/01/2020</a:t>
             </a:fld>
             <a:endParaRPr lang="fr-FR"/>
           </a:p>
@@ -1142,7 +1147,7 @@
           <a:p>
             <a:fld id="{285648DF-8793-4B83-9FEC-49F54CCA6733}" type="datetimeFigureOut">
               <a:rPr lang="fr-FR" smtClean="0"/>
-              <a:t>17/01/2020</a:t>
+              <a:t>22/01/2020</a:t>
             </a:fld>
             <a:endParaRPr lang="fr-FR"/>
           </a:p>
@@ -1407,7 +1412,7 @@
           <a:p>
             <a:fld id="{285648DF-8793-4B83-9FEC-49F54CCA6733}" type="datetimeFigureOut">
               <a:rPr lang="fr-FR" smtClean="0"/>
-              <a:t>17/01/2020</a:t>
+              <a:t>22/01/2020</a:t>
             </a:fld>
             <a:endParaRPr lang="fr-FR"/>
           </a:p>
@@ -1819,7 +1824,7 @@
           <a:p>
             <a:fld id="{285648DF-8793-4B83-9FEC-49F54CCA6733}" type="datetimeFigureOut">
               <a:rPr lang="fr-FR" smtClean="0"/>
-              <a:t>17/01/2020</a:t>
+              <a:t>22/01/2020</a:t>
             </a:fld>
             <a:endParaRPr lang="fr-FR"/>
           </a:p>
@@ -1960,7 +1965,7 @@
           <a:p>
             <a:fld id="{285648DF-8793-4B83-9FEC-49F54CCA6733}" type="datetimeFigureOut">
               <a:rPr lang="fr-FR" smtClean="0"/>
-              <a:t>17/01/2020</a:t>
+              <a:t>22/01/2020</a:t>
             </a:fld>
             <a:endParaRPr lang="fr-FR"/>
           </a:p>
@@ -2073,7 +2078,7 @@
           <a:p>
             <a:fld id="{285648DF-8793-4B83-9FEC-49F54CCA6733}" type="datetimeFigureOut">
               <a:rPr lang="fr-FR" smtClean="0"/>
-              <a:t>17/01/2020</a:t>
+              <a:t>22/01/2020</a:t>
             </a:fld>
             <a:endParaRPr lang="fr-FR"/>
           </a:p>
@@ -2384,7 +2389,7 @@
           <a:p>
             <a:fld id="{285648DF-8793-4B83-9FEC-49F54CCA6733}" type="datetimeFigureOut">
               <a:rPr lang="fr-FR" smtClean="0"/>
-              <a:t>17/01/2020</a:t>
+              <a:t>22/01/2020</a:t>
             </a:fld>
             <a:endParaRPr lang="fr-FR"/>
           </a:p>
@@ -2672,7 +2677,7 @@
           <a:p>
             <a:fld id="{285648DF-8793-4B83-9FEC-49F54CCA6733}" type="datetimeFigureOut">
               <a:rPr lang="fr-FR" smtClean="0"/>
-              <a:t>17/01/2020</a:t>
+              <a:t>22/01/2020</a:t>
             </a:fld>
             <a:endParaRPr lang="fr-FR"/>
           </a:p>
@@ -2913,7 +2918,7 @@
           <a:p>
             <a:fld id="{285648DF-8793-4B83-9FEC-49F54CCA6733}" type="datetimeFigureOut">
               <a:rPr lang="fr-FR" smtClean="0"/>
-              <a:t>17/01/2020</a:t>
+              <a:t>22/01/2020</a:t>
             </a:fld>
             <a:endParaRPr lang="fr-FR"/>
           </a:p>
@@ -3384,7 +3389,7 @@
           <a:bodyPr/>
           <a:lstStyle/>
           <a:p>
-            <a:endParaRPr lang="fr-FR"/>
+            <a:endParaRPr lang="fr-FR" dirty="0"/>
           </a:p>
         </p:txBody>
       </p:sp>

--- a/Cyril/Projet Théléton.pptx
+++ b/Cyril/Projet Théléton.pptx
@@ -7,10 +7,11 @@
   <p:sldIdLst>
     <p:sldId id="266" r:id="rId2"/>
     <p:sldId id="267" r:id="rId3"/>
-    <p:sldId id="258" r:id="rId4"/>
-    <p:sldId id="259" r:id="rId5"/>
-    <p:sldId id="263" r:id="rId6"/>
-    <p:sldId id="268" r:id="rId7"/>
+    <p:sldId id="269" r:id="rId4"/>
+    <p:sldId id="258" r:id="rId5"/>
+    <p:sldId id="259" r:id="rId6"/>
+    <p:sldId id="263" r:id="rId7"/>
+    <p:sldId id="268" r:id="rId8"/>
   </p:sldIdLst>
   <p:sldSz cx="12192000" cy="6858000"/>
   <p:notesSz cx="6858000" cy="9144000"/>
@@ -3636,7 +3637,7 @@
             <a:fld id="{B61BEF0D-F0BB-DE4B-95CE-6DB70DBA9567}" type="datetimeFigureOut">
               <a:rPr lang="en-US" dirty="0"/>
               <a:pPr/>
-              <a:t>1/30/2020</a:t>
+              <a:t>1/31/2020</a:t>
             </a:fld>
             <a:endParaRPr lang="en-US" dirty="0"/>
           </a:p>
@@ -3889,7 +3890,7 @@
             <a:fld id="{B61BEF0D-F0BB-DE4B-95CE-6DB70DBA9567}" type="datetimeFigureOut">
               <a:rPr lang="en-US" dirty="0"/>
               <a:pPr/>
-              <a:t>1/30/2020</a:t>
+              <a:t>1/31/2020</a:t>
             </a:fld>
             <a:endParaRPr lang="en-US" dirty="0"/>
           </a:p>
@@ -4205,7 +4206,7 @@
             <a:fld id="{B61BEF0D-F0BB-DE4B-95CE-6DB70DBA9567}" type="datetimeFigureOut">
               <a:rPr lang="en-US" dirty="0"/>
               <a:pPr/>
-              <a:t>1/30/2020</a:t>
+              <a:t>1/31/2020</a:t>
             </a:fld>
             <a:endParaRPr lang="en-US" dirty="0"/>
           </a:p>
@@ -4548,7 +4549,7 @@
             <a:fld id="{B61BEF0D-F0BB-DE4B-95CE-6DB70DBA9567}" type="datetimeFigureOut">
               <a:rPr lang="en-US" dirty="0"/>
               <a:pPr/>
-              <a:t>1/30/2020</a:t>
+              <a:t>1/31/2020</a:t>
             </a:fld>
             <a:endParaRPr lang="en-US" dirty="0"/>
           </a:p>
@@ -4864,7 +4865,7 @@
             <a:fld id="{B61BEF0D-F0BB-DE4B-95CE-6DB70DBA9567}" type="datetimeFigureOut">
               <a:rPr lang="en-US" dirty="0"/>
               <a:pPr/>
-              <a:t>1/30/2020</a:t>
+              <a:t>1/31/2020</a:t>
             </a:fld>
             <a:endParaRPr lang="en-US" dirty="0"/>
           </a:p>
@@ -5259,7 +5260,7 @@
             <a:fld id="{B61BEF0D-F0BB-DE4B-95CE-6DB70DBA9567}" type="datetimeFigureOut">
               <a:rPr lang="en-US" dirty="0"/>
               <a:pPr/>
-              <a:t>1/30/2020</a:t>
+              <a:t>1/31/2020</a:t>
             </a:fld>
             <a:endParaRPr lang="en-US" dirty="0"/>
           </a:p>
@@ -5430,7 +5431,7 @@
           <a:p>
             <a:fld id="{55C6B4A9-1611-4792-9094-5F34BCA07E0B}" type="datetimeFigureOut">
               <a:rPr lang="en-US" dirty="0"/>
-              <a:t>1/30/2020</a:t>
+              <a:t>1/31/2020</a:t>
             </a:fld>
             <a:endParaRPr lang="en-US" dirty="0"/>
           </a:p>
@@ -5611,7 +5612,7 @@
             <a:fld id="{B61BEF0D-F0BB-DE4B-95CE-6DB70DBA9567}" type="datetimeFigureOut">
               <a:rPr lang="en-US" dirty="0"/>
               <a:pPr/>
-              <a:t>1/30/2020</a:t>
+              <a:t>1/31/2020</a:t>
             </a:fld>
             <a:endParaRPr lang="en-US" dirty="0"/>
           </a:p>
@@ -5789,7 +5790,7 @@
             <a:fld id="{B61BEF0D-F0BB-DE4B-95CE-6DB70DBA9567}" type="datetimeFigureOut">
               <a:rPr lang="en-US" dirty="0"/>
               <a:pPr/>
-              <a:t>1/30/2020</a:t>
+              <a:t>1/31/2020</a:t>
             </a:fld>
             <a:endParaRPr lang="en-US" dirty="0"/>
           </a:p>
@@ -6038,7 +6039,7 @@
             <a:fld id="{B61BEF0D-F0BB-DE4B-95CE-6DB70DBA9567}" type="datetimeFigureOut">
               <a:rPr lang="en-US" dirty="0"/>
               <a:pPr/>
-              <a:t>1/30/2020</a:t>
+              <a:t>1/31/2020</a:t>
             </a:fld>
             <a:endParaRPr lang="en-US" dirty="0"/>
           </a:p>
@@ -6271,7 +6272,7 @@
           <a:p>
             <a:fld id="{EB712588-04B1-427B-82EE-E8DB90309F08}" type="datetimeFigureOut">
               <a:rPr lang="en-US" dirty="0"/>
-              <a:t>1/30/2020</a:t>
+              <a:t>1/31/2020</a:t>
             </a:fld>
             <a:endParaRPr lang="en-US" dirty="0"/>
           </a:p>
@@ -6646,7 +6647,7 @@
             <a:fld id="{B61BEF0D-F0BB-DE4B-95CE-6DB70DBA9567}" type="datetimeFigureOut">
               <a:rPr lang="en-US" dirty="0"/>
               <a:pPr/>
-              <a:t>1/30/2020</a:t>
+              <a:t>1/31/2020</a:t>
             </a:fld>
             <a:endParaRPr lang="en-US" dirty="0"/>
           </a:p>
@@ -6771,7 +6772,7 @@
             <a:fld id="{B61BEF0D-F0BB-DE4B-95CE-6DB70DBA9567}" type="datetimeFigureOut">
               <a:rPr lang="en-US" dirty="0"/>
               <a:pPr/>
-              <a:t>1/30/2020</a:t>
+              <a:t>1/31/2020</a:t>
             </a:fld>
             <a:endParaRPr lang="en-US" dirty="0"/>
           </a:p>
@@ -6868,7 +6869,7 @@
             <a:fld id="{B61BEF0D-F0BB-DE4B-95CE-6DB70DBA9567}" type="datetimeFigureOut">
               <a:rPr lang="en-US" dirty="0"/>
               <a:pPr/>
-              <a:t>1/30/2020</a:t>
+              <a:t>1/31/2020</a:t>
             </a:fld>
             <a:endParaRPr lang="en-US" dirty="0"/>
           </a:p>
@@ -7124,7 +7125,7 @@
           <a:p>
             <a:fld id="{42A54C80-263E-416B-A8E0-580EDEADCBDC}" type="datetimeFigureOut">
               <a:rPr lang="en-US" dirty="0"/>
-              <a:t>1/30/2020</a:t>
+              <a:t>1/31/2020</a:t>
             </a:fld>
             <a:endParaRPr lang="en-US" dirty="0"/>
           </a:p>
@@ -7388,7 +7389,7 @@
             <a:fld id="{B61BEF0D-F0BB-DE4B-95CE-6DB70DBA9567}" type="datetimeFigureOut">
               <a:rPr lang="en-US" dirty="0"/>
               <a:pPr/>
-              <a:t>1/30/2020</a:t>
+              <a:t>1/31/2020</a:t>
             </a:fld>
             <a:endParaRPr lang="en-US" dirty="0"/>
           </a:p>
@@ -8133,7 +8134,7 @@
             <a:fld id="{B61BEF0D-F0BB-DE4B-95CE-6DB70DBA9567}" type="datetimeFigureOut">
               <a:rPr lang="en-US" dirty="0"/>
               <a:pPr/>
-              <a:t>1/30/2020</a:t>
+              <a:t>1/31/2020</a:t>
             </a:fld>
             <a:endParaRPr lang="en-US" dirty="0"/>
           </a:p>
@@ -10413,20 +10414,23 @@
               <a:tabLst/>
               <a:defRPr/>
             </a:pPr>
-            <a:endParaRPr kumimoji="0" lang="fr-FR" sz="1800" b="0" i="0" u="none" strike="noStrike" kern="1200" cap="none" spc="0" normalizeH="0" baseline="0" noProof="0">
-              <a:ln>
-                <a:noFill/>
-              </a:ln>
-              <a:solidFill>
-                <a:prstClr val="white"/>
-              </a:solidFill>
-              <a:effectLst/>
-              <a:uLnTx/>
-              <a:uFillTx/>
-              <a:latin typeface="Trebuchet MS" panose="020B0603020202020204"/>
-              <a:ea typeface="+mn-ea"/>
-              <a:cs typeface="+mn-cs"/>
-            </a:endParaRPr>
+            <a:r>
+              <a:rPr kumimoji="0" lang="fr-FR" sz="1800" b="0" i="0" u="none" strike="noStrike" kern="1200" cap="none" spc="0" normalizeH="0" baseline="0" noProof="0" dirty="0">
+                <a:ln>
+                  <a:noFill/>
+                </a:ln>
+                <a:solidFill>
+                  <a:prstClr val="white"/>
+                </a:solidFill>
+                <a:effectLst/>
+                <a:uLnTx/>
+                <a:uFillTx/>
+                <a:latin typeface="Trebuchet MS" panose="020B0603020202020204"/>
+                <a:ea typeface="+mn-ea"/>
+                <a:cs typeface="+mn-cs"/>
+              </a:rPr>
+              <a:t>V</a:t>
+            </a:r>
           </a:p>
         </p:txBody>
       </p:sp>
@@ -10764,6 +10768,154 @@
       </p:sp>
       <p:sp>
         <p:nvSpPr>
+          <p:cNvPr id="21" name="ZoneTexte 20">
+            <a:extLst>
+              <a:ext uri="{FF2B5EF4-FFF2-40B4-BE49-F238E27FC236}">
+                <a16:creationId xmlns:a16="http://schemas.microsoft.com/office/drawing/2014/main" id="{342D16EA-0A9F-4BBB-835F-36188346829A}"/>
+              </a:ext>
+            </a:extLst>
+          </p:cNvPr>
+          <p:cNvSpPr txBox="1"/>
+          <p:nvPr/>
+        </p:nvSpPr>
+        <p:spPr>
+          <a:xfrm>
+            <a:off x="9806892" y="605712"/>
+            <a:ext cx="1499097" cy="584775"/>
+          </a:xfrm>
+          <a:prstGeom prst="rect">
+            <a:avLst/>
+          </a:prstGeom>
+          <a:noFill/>
+        </p:spPr>
+        <p:txBody>
+          <a:bodyPr wrap="square" rtlCol="0">
+            <a:spAutoFit/>
+          </a:bodyPr>
+          <a:lstStyle/>
+          <a:p>
+            <a:pPr marL="0" marR="0" lvl="0" indent="0" algn="l" defTabSz="457200" rtl="0" eaLnBrk="1" fontAlgn="auto" latinLnBrk="0" hangingPunct="1">
+              <a:lnSpc>
+                <a:spcPct val="100000"/>
+              </a:lnSpc>
+              <a:spcBef>
+                <a:spcPts val="0"/>
+              </a:spcBef>
+              <a:spcAft>
+                <a:spcPts val="0"/>
+              </a:spcAft>
+              <a:buClrTx/>
+              <a:buSzTx/>
+              <a:buFontTx/>
+              <a:buNone/>
+              <a:tabLst/>
+              <a:defRPr/>
+            </a:pPr>
+            <a:r>
+              <a:rPr kumimoji="0" lang="fr-FR" sz="1600" b="0" i="0" u="none" strike="noStrike" kern="1200" cap="none" spc="0" normalizeH="0" baseline="0" noProof="0" dirty="0">
+                <a:ln>
+                  <a:noFill/>
+                </a:ln>
+                <a:solidFill>
+                  <a:prstClr val="black"/>
+                </a:solidFill>
+                <a:effectLst/>
+                <a:uLnTx/>
+                <a:uFillTx/>
+                <a:latin typeface="Trebuchet MS" panose="020B0603020202020204"/>
+                <a:ea typeface="+mn-ea"/>
+                <a:cs typeface="+mn-cs"/>
+              </a:rPr>
+              <a:t>Deux grandes parties</a:t>
+            </a:r>
+          </a:p>
+        </p:txBody>
+      </p:sp>
+      <p:sp>
+        <p:nvSpPr>
+          <p:cNvPr id="22" name="Rectangle 21">
+            <a:extLst>
+              <a:ext uri="{FF2B5EF4-FFF2-40B4-BE49-F238E27FC236}">
+                <a16:creationId xmlns:a16="http://schemas.microsoft.com/office/drawing/2014/main" id="{5786218D-E021-4821-9C6E-59550602BC34}"/>
+              </a:ext>
+            </a:extLst>
+          </p:cNvPr>
+          <p:cNvSpPr/>
+          <p:nvPr/>
+        </p:nvSpPr>
+        <p:spPr>
+          <a:xfrm>
+            <a:off x="11603047" y="973022"/>
+            <a:ext cx="104775" cy="92099"/>
+          </a:xfrm>
+          <a:prstGeom prst="rect">
+            <a:avLst/>
+          </a:prstGeom>
+          <a:solidFill>
+            <a:srgbClr val="A8135A"/>
+          </a:solidFill>
+          <a:ln>
+            <a:solidFill>
+              <a:schemeClr val="bg1"/>
+            </a:solidFill>
+          </a:ln>
+        </p:spPr>
+        <p:style>
+          <a:lnRef idx="2">
+            <a:schemeClr val="accent1">
+              <a:shade val="50000"/>
+            </a:schemeClr>
+          </a:lnRef>
+          <a:fillRef idx="1">
+            <a:schemeClr val="accent1"/>
+          </a:fillRef>
+          <a:effectRef idx="0">
+            <a:schemeClr val="accent1"/>
+          </a:effectRef>
+          <a:fontRef idx="minor">
+            <a:schemeClr val="lt1"/>
+          </a:fontRef>
+        </p:style>
+        <p:txBody>
+          <a:bodyPr rtlCol="0" anchor="ctr"/>
+          <a:lstStyle/>
+          <a:p>
+            <a:pPr marL="0" marR="0" lvl="0" indent="0" algn="ctr" defTabSz="457200" rtl="0" eaLnBrk="1" fontAlgn="auto" latinLnBrk="0" hangingPunct="1">
+              <a:lnSpc>
+                <a:spcPct val="100000"/>
+              </a:lnSpc>
+              <a:spcBef>
+                <a:spcPts val="0"/>
+              </a:spcBef>
+              <a:spcAft>
+                <a:spcPts val="0"/>
+              </a:spcAft>
+              <a:buClrTx/>
+              <a:buSzTx/>
+              <a:buFontTx/>
+              <a:buNone/>
+              <a:tabLst/>
+              <a:defRPr/>
+            </a:pPr>
+            <a:endParaRPr kumimoji="0" lang="fr-FR" sz="1800" b="0" i="0" u="none" strike="noStrike" kern="1200" cap="none" spc="0" normalizeH="0" baseline="0" noProof="0" dirty="0">
+              <a:ln>
+                <a:noFill/>
+              </a:ln>
+              <a:solidFill>
+                <a:prstClr val="white"/>
+              </a:solidFill>
+              <a:effectLst/>
+              <a:uLnTx/>
+              <a:uFillTx/>
+              <a:latin typeface="Trebuchet MS" panose="020B0603020202020204"/>
+              <a:ea typeface="+mn-ea"/>
+              <a:cs typeface="+mn-cs"/>
+            </a:endParaRPr>
+          </a:p>
+        </p:txBody>
+      </p:sp>
+      <p:sp>
+        <p:nvSpPr>
           <p:cNvPr id="20" name="Ellipse 19">
             <a:extLst>
               <a:ext uri="{FF2B5EF4-FFF2-40B4-BE49-F238E27FC236}">
@@ -10828,6 +10980,390 @@
               <a:tabLst/>
               <a:defRPr/>
             </a:pPr>
+            <a:endParaRPr kumimoji="0" lang="fr-FR" sz="1800" b="0" i="0" u="none" strike="noStrike" kern="1200" cap="none" spc="0" normalizeH="0" baseline="0" noProof="0" dirty="0">
+              <a:ln>
+                <a:noFill/>
+              </a:ln>
+              <a:solidFill>
+                <a:prstClr val="white"/>
+              </a:solidFill>
+              <a:effectLst/>
+              <a:uLnTx/>
+              <a:uFillTx/>
+              <a:latin typeface="Trebuchet MS" panose="020B0603020202020204"/>
+              <a:ea typeface="+mn-ea"/>
+              <a:cs typeface="+mn-cs"/>
+            </a:endParaRPr>
+          </a:p>
+        </p:txBody>
+      </p:sp>
+      <p:sp>
+        <p:nvSpPr>
+          <p:cNvPr id="23" name="Organigramme : Terminateur 22">
+            <a:extLst>
+              <a:ext uri="{FF2B5EF4-FFF2-40B4-BE49-F238E27FC236}">
+                <a16:creationId xmlns:a16="http://schemas.microsoft.com/office/drawing/2014/main" id="{B5AF48DA-7508-411A-A88A-B15A505FCB36}"/>
+              </a:ext>
+            </a:extLst>
+          </p:cNvPr>
+          <p:cNvSpPr/>
+          <p:nvPr/>
+        </p:nvSpPr>
+        <p:spPr>
+          <a:xfrm>
+            <a:off x="11352771" y="4173628"/>
+            <a:ext cx="267772" cy="85725"/>
+          </a:xfrm>
+          <a:prstGeom prst="flowChartTerminator">
+            <a:avLst/>
+          </a:prstGeom>
+          <a:solidFill>
+            <a:schemeClr val="bg1"/>
+          </a:solidFill>
+          <a:ln>
+            <a:solidFill>
+              <a:schemeClr val="bg1"/>
+            </a:solidFill>
+          </a:ln>
+        </p:spPr>
+        <p:style>
+          <a:lnRef idx="2">
+            <a:schemeClr val="accent1">
+              <a:shade val="50000"/>
+            </a:schemeClr>
+          </a:lnRef>
+          <a:fillRef idx="1">
+            <a:schemeClr val="accent1"/>
+          </a:fillRef>
+          <a:effectRef idx="0">
+            <a:schemeClr val="accent1"/>
+          </a:effectRef>
+          <a:fontRef idx="minor">
+            <a:schemeClr val="lt1"/>
+          </a:fontRef>
+        </p:style>
+        <p:txBody>
+          <a:bodyPr rtlCol="0" anchor="ctr"/>
+          <a:lstStyle/>
+          <a:p>
+            <a:pPr marL="0" marR="0" lvl="0" indent="0" algn="ctr" defTabSz="457200" rtl="0" eaLnBrk="1" fontAlgn="auto" latinLnBrk="0" hangingPunct="1">
+              <a:lnSpc>
+                <a:spcPct val="100000"/>
+              </a:lnSpc>
+              <a:spcBef>
+                <a:spcPts val="0"/>
+              </a:spcBef>
+              <a:spcAft>
+                <a:spcPts val="0"/>
+              </a:spcAft>
+              <a:buClrTx/>
+              <a:buSzTx/>
+              <a:buFontTx/>
+              <a:buNone/>
+              <a:tabLst/>
+              <a:defRPr/>
+            </a:pPr>
+            <a:endParaRPr kumimoji="0" lang="fr-FR" sz="1800" b="0" i="0" u="none" strike="noStrike" kern="1200" cap="none" spc="0" normalizeH="0" baseline="0" noProof="0" dirty="0">
+              <a:ln>
+                <a:noFill/>
+              </a:ln>
+              <a:solidFill>
+                <a:prstClr val="white"/>
+              </a:solidFill>
+              <a:effectLst/>
+              <a:uLnTx/>
+              <a:uFillTx/>
+              <a:latin typeface="Trebuchet MS" panose="020B0603020202020204"/>
+              <a:ea typeface="+mn-ea"/>
+              <a:cs typeface="+mn-cs"/>
+            </a:endParaRPr>
+          </a:p>
+        </p:txBody>
+      </p:sp>
+    </p:spTree>
+    <p:extLst>
+      <p:ext uri="{BB962C8B-B14F-4D97-AF65-F5344CB8AC3E}">
+        <p14:creationId xmlns:p14="http://schemas.microsoft.com/office/powerpoint/2010/main" val="2476034120"/>
+      </p:ext>
+    </p:extLst>
+  </p:cSld>
+  <p:clrMapOvr>
+    <a:masterClrMapping/>
+  </p:clrMapOvr>
+  <mc:AlternateContent xmlns:mc="http://schemas.openxmlformats.org/markup-compatibility/2006" xmlns:p159="http://schemas.microsoft.com/office/powerpoint/2015/09/main">
+    <mc:Choice Requires="p159">
+      <p:transition xmlns:p14="http://schemas.microsoft.com/office/powerpoint/2010/main" spd="slow" p14:dur="2000">
+        <p159:morph option="byObject"/>
+      </p:transition>
+    </mc:Choice>
+    <mc:Fallback xmlns="">
+      <p:transition spd="slow">
+        <p:fade/>
+      </p:transition>
+    </mc:Fallback>
+  </mc:AlternateContent>
+</p:sld>
+</file>
+
+<file path=ppt/slides/slide3.xml><?xml version="1.0" encoding="utf-8"?>
+<p:sld xmlns:a="http://schemas.openxmlformats.org/drawingml/2006/main" xmlns:r="http://schemas.openxmlformats.org/officeDocument/2006/relationships" xmlns:p="http://schemas.openxmlformats.org/presentationml/2006/main">
+  <p:cSld>
+    <p:spTree>
+      <p:nvGrpSpPr>
+        <p:cNvPr id="1" name=""/>
+        <p:cNvGrpSpPr/>
+        <p:nvPr/>
+      </p:nvGrpSpPr>
+      <p:grpSpPr>
+        <a:xfrm>
+          <a:off x="0" y="0"/>
+          <a:ext cx="0" cy="0"/>
+          <a:chOff x="0" y="0"/>
+          <a:chExt cx="0" cy="0"/>
+        </a:xfrm>
+      </p:grpSpPr>
+      <p:sp>
+        <p:nvSpPr>
+          <p:cNvPr id="6" name="Organigramme : Terminateur 5">
+            <a:extLst>
+              <a:ext uri="{FF2B5EF4-FFF2-40B4-BE49-F238E27FC236}">
+                <a16:creationId xmlns:a16="http://schemas.microsoft.com/office/drawing/2014/main" id="{3A2F6578-AC6F-4ED1-B23C-212ACEE00C6B}"/>
+              </a:ext>
+            </a:extLst>
+          </p:cNvPr>
+          <p:cNvSpPr/>
+          <p:nvPr/>
+        </p:nvSpPr>
+        <p:spPr>
+          <a:xfrm>
+            <a:off x="11352771" y="1569500"/>
+            <a:ext cx="358260" cy="85725"/>
+          </a:xfrm>
+          <a:prstGeom prst="flowChartTerminator">
+            <a:avLst/>
+          </a:prstGeom>
+          <a:solidFill>
+            <a:srgbClr val="A8135A"/>
+          </a:solidFill>
+          <a:ln>
+            <a:solidFill>
+              <a:schemeClr val="bg1"/>
+            </a:solidFill>
+          </a:ln>
+        </p:spPr>
+        <p:style>
+          <a:lnRef idx="2">
+            <a:schemeClr val="accent1">
+              <a:shade val="50000"/>
+            </a:schemeClr>
+          </a:lnRef>
+          <a:fillRef idx="1">
+            <a:schemeClr val="accent1"/>
+          </a:fillRef>
+          <a:effectRef idx="0">
+            <a:schemeClr val="accent1"/>
+          </a:effectRef>
+          <a:fontRef idx="minor">
+            <a:schemeClr val="lt1"/>
+          </a:fontRef>
+        </p:style>
+        <p:txBody>
+          <a:bodyPr rtlCol="0" anchor="ctr"/>
+          <a:lstStyle/>
+          <a:p>
+            <a:pPr marL="0" marR="0" lvl="0" indent="0" algn="ctr" defTabSz="457200" rtl="0" eaLnBrk="1" fontAlgn="auto" latinLnBrk="0" hangingPunct="1">
+              <a:lnSpc>
+                <a:spcPct val="100000"/>
+              </a:lnSpc>
+              <a:spcBef>
+                <a:spcPts val="0"/>
+              </a:spcBef>
+              <a:spcAft>
+                <a:spcPts val="0"/>
+              </a:spcAft>
+              <a:buClrTx/>
+              <a:buSzTx/>
+              <a:buFontTx/>
+              <a:buNone/>
+              <a:tabLst/>
+              <a:defRPr/>
+            </a:pPr>
+            <a:endParaRPr kumimoji="0" lang="fr-FR" sz="1800" b="0" i="0" u="none" strike="noStrike" kern="1200" cap="none" spc="0" normalizeH="0" baseline="0" noProof="0" dirty="0">
+              <a:ln>
+                <a:noFill/>
+              </a:ln>
+              <a:solidFill>
+                <a:prstClr val="white"/>
+              </a:solidFill>
+              <a:effectLst/>
+              <a:uLnTx/>
+              <a:uFillTx/>
+              <a:latin typeface="Trebuchet MS" panose="020B0603020202020204"/>
+              <a:ea typeface="+mn-ea"/>
+              <a:cs typeface="+mn-cs"/>
+            </a:endParaRPr>
+          </a:p>
+        </p:txBody>
+      </p:sp>
+      <p:sp>
+        <p:nvSpPr>
+          <p:cNvPr id="2" name="Titre 1">
+            <a:extLst>
+              <a:ext uri="{FF2B5EF4-FFF2-40B4-BE49-F238E27FC236}">
+                <a16:creationId xmlns:a16="http://schemas.microsoft.com/office/drawing/2014/main" id="{22D3E740-A9FF-4C2C-BFFF-1E9FC7D7603D}"/>
+              </a:ext>
+            </a:extLst>
+          </p:cNvPr>
+          <p:cNvSpPr>
+            <a:spLocks noGrp="1"/>
+          </p:cNvSpPr>
+          <p:nvPr>
+            <p:ph type="title"/>
+          </p:nvPr>
+        </p:nvSpPr>
+        <p:spPr>
+          <a:xfrm>
+            <a:off x="3472753" y="143435"/>
+            <a:ext cx="2776159" cy="1320800"/>
+          </a:xfrm>
+        </p:spPr>
+        <p:txBody>
+          <a:bodyPr/>
+          <a:lstStyle/>
+          <a:p>
+            <a:r>
+              <a:rPr lang="fr-FR" dirty="0"/>
+              <a:t>Diagrammes</a:t>
+            </a:r>
+          </a:p>
+        </p:txBody>
+      </p:sp>
+      <p:pic>
+        <p:nvPicPr>
+          <p:cNvPr id="4" name="Espace réservé du contenu 3">
+            <a:extLst>
+              <a:ext uri="{FF2B5EF4-FFF2-40B4-BE49-F238E27FC236}">
+                <a16:creationId xmlns:a16="http://schemas.microsoft.com/office/drawing/2014/main" id="{90DAB65E-FFB5-40FB-9BBD-DE2213E92A5D}"/>
+              </a:ext>
+            </a:extLst>
+          </p:cNvPr>
+          <p:cNvPicPr>
+            <a:picLocks noGrp="1" noChangeAspect="1"/>
+          </p:cNvPicPr>
+          <p:nvPr>
+            <p:ph idx="1"/>
+          </p:nvPr>
+        </p:nvPicPr>
+        <p:blipFill rotWithShape="1">
+          <a:blip r:embed="rId2"/>
+          <a:srcRect r="48251"/>
+          <a:stretch/>
+        </p:blipFill>
+        <p:spPr>
+          <a:xfrm>
+            <a:off x="5047238" y="1467190"/>
+            <a:ext cx="4325605" cy="5326535"/>
+          </a:xfrm>
+          <a:prstGeom prst="rect">
+            <a:avLst/>
+          </a:prstGeom>
+        </p:spPr>
+      </p:pic>
+      <p:pic>
+        <p:nvPicPr>
+          <p:cNvPr id="5" name="Image 4">
+            <a:extLst>
+              <a:ext uri="{FF2B5EF4-FFF2-40B4-BE49-F238E27FC236}">
+                <a16:creationId xmlns:a16="http://schemas.microsoft.com/office/drawing/2014/main" id="{97A79086-7473-4797-88F1-BC4B8D0856F0}"/>
+              </a:ext>
+            </a:extLst>
+          </p:cNvPr>
+          <p:cNvPicPr>
+            <a:picLocks noChangeAspect="1"/>
+          </p:cNvPicPr>
+          <p:nvPr/>
+        </p:nvPicPr>
+        <p:blipFill rotWithShape="1">
+          <a:blip r:embed="rId3"/>
+          <a:srcRect l="299" t="742" r="2018"/>
+          <a:stretch/>
+        </p:blipFill>
+        <p:spPr>
+          <a:xfrm>
+            <a:off x="480969" y="1502964"/>
+            <a:ext cx="3897076" cy="5254988"/>
+          </a:xfrm>
+          <a:prstGeom prst="rect">
+            <a:avLst/>
+          </a:prstGeom>
+        </p:spPr>
+      </p:pic>
+      <p:sp>
+        <p:nvSpPr>
+          <p:cNvPr id="7" name="Rectangle 6">
+            <a:extLst>
+              <a:ext uri="{FF2B5EF4-FFF2-40B4-BE49-F238E27FC236}">
+                <a16:creationId xmlns:a16="http://schemas.microsoft.com/office/drawing/2014/main" id="{1C76443C-17D9-4F61-A5BA-DE56B54B4ECC}"/>
+              </a:ext>
+            </a:extLst>
+          </p:cNvPr>
+          <p:cNvSpPr/>
+          <p:nvPr/>
+        </p:nvSpPr>
+        <p:spPr>
+          <a:xfrm>
+            <a:off x="11606256" y="808060"/>
+            <a:ext cx="104775" cy="5614778"/>
+          </a:xfrm>
+          <a:prstGeom prst="rect">
+            <a:avLst/>
+          </a:prstGeom>
+          <a:solidFill>
+            <a:schemeClr val="bg1"/>
+          </a:solidFill>
+          <a:ln>
+            <a:solidFill>
+              <a:schemeClr val="bg1"/>
+            </a:solidFill>
+          </a:ln>
+        </p:spPr>
+        <p:style>
+          <a:lnRef idx="2">
+            <a:schemeClr val="accent1">
+              <a:shade val="50000"/>
+            </a:schemeClr>
+          </a:lnRef>
+          <a:fillRef idx="1">
+            <a:schemeClr val="accent1"/>
+          </a:fillRef>
+          <a:effectRef idx="0">
+            <a:schemeClr val="accent1"/>
+          </a:effectRef>
+          <a:fontRef idx="minor">
+            <a:schemeClr val="lt1"/>
+          </a:fontRef>
+        </p:style>
+        <p:txBody>
+          <a:bodyPr rtlCol="0" anchor="ctr"/>
+          <a:lstStyle/>
+          <a:p>
+            <a:pPr marL="0" marR="0" lvl="0" indent="0" algn="ctr" defTabSz="457200" rtl="0" eaLnBrk="1" fontAlgn="auto" latinLnBrk="0" hangingPunct="1">
+              <a:lnSpc>
+                <a:spcPct val="100000"/>
+              </a:lnSpc>
+              <a:spcBef>
+                <a:spcPts val="0"/>
+              </a:spcBef>
+              <a:spcAft>
+                <a:spcPts val="0"/>
+              </a:spcAft>
+              <a:buClrTx/>
+              <a:buSzTx/>
+              <a:buFontTx/>
+              <a:buNone/>
+              <a:tabLst/>
+              <a:defRPr/>
+            </a:pPr>
             <a:endParaRPr kumimoji="0" lang="fr-FR" sz="1800" b="0" i="0" u="none" strike="noStrike" kern="1200" cap="none" spc="0" normalizeH="0" baseline="0" noProof="0">
               <a:ln>
                 <a:noFill/>
@@ -10847,10 +11383,425 @@
       </p:sp>
       <p:sp>
         <p:nvSpPr>
-          <p:cNvPr id="21" name="ZoneTexte 20">
+          <p:cNvPr id="8" name="Ellipse 7">
             <a:extLst>
               <a:ext uri="{FF2B5EF4-FFF2-40B4-BE49-F238E27FC236}">
-                <a16:creationId xmlns:a16="http://schemas.microsoft.com/office/drawing/2014/main" id="{342D16EA-0A9F-4BBB-835F-36188346829A}"/>
+                <a16:creationId xmlns:a16="http://schemas.microsoft.com/office/drawing/2014/main" id="{9D5301C1-66FE-4A01-94A4-C667304968AB}"/>
+              </a:ext>
+            </a:extLst>
+          </p:cNvPr>
+          <p:cNvSpPr/>
+          <p:nvPr/>
+        </p:nvSpPr>
+        <p:spPr>
+          <a:xfrm>
+            <a:off x="11376584" y="3256218"/>
+            <a:ext cx="564118" cy="542925"/>
+          </a:xfrm>
+          <a:prstGeom prst="ellipse">
+            <a:avLst/>
+          </a:prstGeom>
+          <a:solidFill>
+            <a:schemeClr val="bg1"/>
+          </a:solidFill>
+          <a:ln>
+            <a:solidFill>
+              <a:schemeClr val="bg1"/>
+            </a:solidFill>
+          </a:ln>
+        </p:spPr>
+        <p:style>
+          <a:lnRef idx="2">
+            <a:schemeClr val="accent1">
+              <a:shade val="50000"/>
+            </a:schemeClr>
+          </a:lnRef>
+          <a:fillRef idx="1">
+            <a:schemeClr val="accent1"/>
+          </a:fillRef>
+          <a:effectRef idx="0">
+            <a:schemeClr val="accent1"/>
+          </a:effectRef>
+          <a:fontRef idx="minor">
+            <a:schemeClr val="lt1"/>
+          </a:fontRef>
+        </p:style>
+        <p:txBody>
+          <a:bodyPr rtlCol="0" anchor="ctr"/>
+          <a:lstStyle/>
+          <a:p>
+            <a:pPr marL="0" marR="0" lvl="0" indent="0" algn="ctr" defTabSz="457200" rtl="0" eaLnBrk="1" fontAlgn="auto" latinLnBrk="0" hangingPunct="1">
+              <a:lnSpc>
+                <a:spcPct val="100000"/>
+              </a:lnSpc>
+              <a:spcBef>
+                <a:spcPts val="0"/>
+              </a:spcBef>
+              <a:spcAft>
+                <a:spcPts val="0"/>
+              </a:spcAft>
+              <a:buClrTx/>
+              <a:buSzTx/>
+              <a:buFontTx/>
+              <a:buNone/>
+              <a:tabLst/>
+              <a:defRPr/>
+            </a:pPr>
+            <a:endParaRPr kumimoji="0" lang="fr-FR" sz="1800" b="0" i="0" u="none" strike="noStrike" kern="1200" cap="none" spc="0" normalizeH="0" baseline="0" noProof="0">
+              <a:ln>
+                <a:noFill/>
+              </a:ln>
+              <a:solidFill>
+                <a:prstClr val="white"/>
+              </a:solidFill>
+              <a:effectLst/>
+              <a:uLnTx/>
+              <a:uFillTx/>
+              <a:latin typeface="Trebuchet MS" panose="020B0603020202020204"/>
+              <a:ea typeface="+mn-ea"/>
+              <a:cs typeface="+mn-cs"/>
+            </a:endParaRPr>
+          </a:p>
+        </p:txBody>
+      </p:sp>
+      <p:sp>
+        <p:nvSpPr>
+          <p:cNvPr id="9" name="Ellipse 8">
+            <a:extLst>
+              <a:ext uri="{FF2B5EF4-FFF2-40B4-BE49-F238E27FC236}">
+                <a16:creationId xmlns:a16="http://schemas.microsoft.com/office/drawing/2014/main" id="{A12B066B-88F1-42BB-B760-F6FE09BA8C9E}"/>
+              </a:ext>
+            </a:extLst>
+          </p:cNvPr>
+          <p:cNvSpPr/>
+          <p:nvPr/>
+        </p:nvSpPr>
+        <p:spPr>
+          <a:xfrm>
+            <a:off x="11376584" y="5906725"/>
+            <a:ext cx="564118" cy="542925"/>
+          </a:xfrm>
+          <a:prstGeom prst="ellipse">
+            <a:avLst/>
+          </a:prstGeom>
+          <a:solidFill>
+            <a:schemeClr val="bg1"/>
+          </a:solidFill>
+          <a:ln>
+            <a:solidFill>
+              <a:schemeClr val="bg1"/>
+            </a:solidFill>
+          </a:ln>
+        </p:spPr>
+        <p:style>
+          <a:lnRef idx="2">
+            <a:schemeClr val="accent1">
+              <a:shade val="50000"/>
+            </a:schemeClr>
+          </a:lnRef>
+          <a:fillRef idx="1">
+            <a:schemeClr val="accent1"/>
+          </a:fillRef>
+          <a:effectRef idx="0">
+            <a:schemeClr val="accent1"/>
+          </a:effectRef>
+          <a:fontRef idx="minor">
+            <a:schemeClr val="lt1"/>
+          </a:fontRef>
+        </p:style>
+        <p:txBody>
+          <a:bodyPr rtlCol="0" anchor="ctr"/>
+          <a:lstStyle/>
+          <a:p>
+            <a:pPr marL="0" marR="0" lvl="0" indent="0" algn="ctr" defTabSz="457200" rtl="0" eaLnBrk="1" fontAlgn="auto" latinLnBrk="0" hangingPunct="1">
+              <a:lnSpc>
+                <a:spcPct val="100000"/>
+              </a:lnSpc>
+              <a:spcBef>
+                <a:spcPts val="0"/>
+              </a:spcBef>
+              <a:spcAft>
+                <a:spcPts val="0"/>
+              </a:spcAft>
+              <a:buClrTx/>
+              <a:buSzTx/>
+              <a:buFontTx/>
+              <a:buNone/>
+              <a:tabLst/>
+              <a:defRPr/>
+            </a:pPr>
+            <a:endParaRPr kumimoji="0" lang="fr-FR" sz="1800" b="0" i="0" u="none" strike="noStrike" kern="1200" cap="none" spc="0" normalizeH="0" baseline="0" noProof="0">
+              <a:ln>
+                <a:noFill/>
+              </a:ln>
+              <a:solidFill>
+                <a:prstClr val="white"/>
+              </a:solidFill>
+              <a:effectLst/>
+              <a:uLnTx/>
+              <a:uFillTx/>
+              <a:latin typeface="Trebuchet MS" panose="020B0603020202020204"/>
+              <a:ea typeface="+mn-ea"/>
+              <a:cs typeface="+mn-cs"/>
+            </a:endParaRPr>
+          </a:p>
+        </p:txBody>
+      </p:sp>
+      <p:sp>
+        <p:nvSpPr>
+          <p:cNvPr id="10" name="Organigramme : Terminateur 9">
+            <a:extLst>
+              <a:ext uri="{FF2B5EF4-FFF2-40B4-BE49-F238E27FC236}">
+                <a16:creationId xmlns:a16="http://schemas.microsoft.com/office/drawing/2014/main" id="{9C20B99D-C764-4A28-A481-AD86EA970D79}"/>
+              </a:ext>
+            </a:extLst>
+          </p:cNvPr>
+          <p:cNvSpPr/>
+          <p:nvPr/>
+        </p:nvSpPr>
+        <p:spPr>
+          <a:xfrm>
+            <a:off x="11376584" y="4170049"/>
+            <a:ext cx="267772" cy="85725"/>
+          </a:xfrm>
+          <a:prstGeom prst="flowChartTerminator">
+            <a:avLst/>
+          </a:prstGeom>
+          <a:solidFill>
+            <a:schemeClr val="bg1"/>
+          </a:solidFill>
+          <a:ln>
+            <a:solidFill>
+              <a:schemeClr val="bg1"/>
+            </a:solidFill>
+          </a:ln>
+        </p:spPr>
+        <p:style>
+          <a:lnRef idx="2">
+            <a:schemeClr val="accent1">
+              <a:shade val="50000"/>
+            </a:schemeClr>
+          </a:lnRef>
+          <a:fillRef idx="1">
+            <a:schemeClr val="accent1"/>
+          </a:fillRef>
+          <a:effectRef idx="0">
+            <a:schemeClr val="accent1"/>
+          </a:effectRef>
+          <a:fontRef idx="minor">
+            <a:schemeClr val="lt1"/>
+          </a:fontRef>
+        </p:style>
+        <p:txBody>
+          <a:bodyPr rtlCol="0" anchor="ctr"/>
+          <a:lstStyle/>
+          <a:p>
+            <a:pPr marL="0" marR="0" lvl="0" indent="0" algn="ctr" defTabSz="457200" rtl="0" eaLnBrk="1" fontAlgn="auto" latinLnBrk="0" hangingPunct="1">
+              <a:lnSpc>
+                <a:spcPct val="100000"/>
+              </a:lnSpc>
+              <a:spcBef>
+                <a:spcPts val="0"/>
+              </a:spcBef>
+              <a:spcAft>
+                <a:spcPts val="0"/>
+              </a:spcAft>
+              <a:buClrTx/>
+              <a:buSzTx/>
+              <a:buFontTx/>
+              <a:buNone/>
+              <a:tabLst/>
+              <a:defRPr/>
+            </a:pPr>
+            <a:endParaRPr kumimoji="0" lang="fr-FR" sz="1800" b="0" i="0" u="none" strike="noStrike" kern="1200" cap="none" spc="0" normalizeH="0" baseline="0" noProof="0">
+              <a:ln>
+                <a:noFill/>
+              </a:ln>
+              <a:solidFill>
+                <a:prstClr val="white"/>
+              </a:solidFill>
+              <a:effectLst/>
+              <a:uLnTx/>
+              <a:uFillTx/>
+              <a:latin typeface="Trebuchet MS" panose="020B0603020202020204"/>
+              <a:ea typeface="+mn-ea"/>
+              <a:cs typeface="+mn-cs"/>
+            </a:endParaRPr>
+          </a:p>
+        </p:txBody>
+      </p:sp>
+      <p:sp>
+        <p:nvSpPr>
+          <p:cNvPr id="11" name="Rectangle 10">
+            <a:extLst>
+              <a:ext uri="{FF2B5EF4-FFF2-40B4-BE49-F238E27FC236}">
+                <a16:creationId xmlns:a16="http://schemas.microsoft.com/office/drawing/2014/main" id="{055A0321-5810-49FF-AD10-D6D766CE9F86}"/>
+              </a:ext>
+            </a:extLst>
+          </p:cNvPr>
+          <p:cNvSpPr/>
+          <p:nvPr/>
+        </p:nvSpPr>
+        <p:spPr>
+          <a:xfrm>
+            <a:off x="11606256" y="1010409"/>
+            <a:ext cx="104775" cy="54712"/>
+          </a:xfrm>
+          <a:prstGeom prst="rect">
+            <a:avLst/>
+          </a:prstGeom>
+          <a:solidFill>
+            <a:srgbClr val="A8135A"/>
+          </a:solidFill>
+          <a:ln>
+            <a:solidFill>
+              <a:schemeClr val="bg1"/>
+            </a:solidFill>
+          </a:ln>
+        </p:spPr>
+        <p:style>
+          <a:lnRef idx="2">
+            <a:schemeClr val="accent1">
+              <a:shade val="50000"/>
+            </a:schemeClr>
+          </a:lnRef>
+          <a:fillRef idx="1">
+            <a:schemeClr val="accent1"/>
+          </a:fillRef>
+          <a:effectRef idx="0">
+            <a:schemeClr val="accent1"/>
+          </a:effectRef>
+          <a:fontRef idx="minor">
+            <a:schemeClr val="lt1"/>
+          </a:fontRef>
+        </p:style>
+        <p:txBody>
+          <a:bodyPr rtlCol="0" anchor="ctr"/>
+          <a:lstStyle/>
+          <a:p>
+            <a:pPr marL="0" marR="0" lvl="0" indent="0" algn="ctr" defTabSz="457200" rtl="0" eaLnBrk="1" fontAlgn="auto" latinLnBrk="0" hangingPunct="1">
+              <a:lnSpc>
+                <a:spcPct val="100000"/>
+              </a:lnSpc>
+              <a:spcBef>
+                <a:spcPts val="0"/>
+              </a:spcBef>
+              <a:spcAft>
+                <a:spcPts val="0"/>
+              </a:spcAft>
+              <a:buClrTx/>
+              <a:buSzTx/>
+              <a:buFontTx/>
+              <a:buNone/>
+              <a:tabLst/>
+              <a:defRPr/>
+            </a:pPr>
+            <a:endParaRPr kumimoji="0" lang="fr-FR" sz="1800" b="0" i="0" u="none" strike="noStrike" kern="1200" cap="none" spc="0" normalizeH="0" baseline="0" noProof="0">
+              <a:ln>
+                <a:noFill/>
+              </a:ln>
+              <a:solidFill>
+                <a:prstClr val="white"/>
+              </a:solidFill>
+              <a:effectLst/>
+              <a:uLnTx/>
+              <a:uFillTx/>
+              <a:latin typeface="Trebuchet MS" panose="020B0603020202020204"/>
+              <a:ea typeface="+mn-ea"/>
+              <a:cs typeface="+mn-cs"/>
+            </a:endParaRPr>
+          </a:p>
+        </p:txBody>
+      </p:sp>
+      <p:sp>
+        <p:nvSpPr>
+          <p:cNvPr id="13" name="Organigramme : Terminateur 12">
+            <a:extLst>
+              <a:ext uri="{FF2B5EF4-FFF2-40B4-BE49-F238E27FC236}">
+                <a16:creationId xmlns:a16="http://schemas.microsoft.com/office/drawing/2014/main" id="{B7A2192A-734D-4C25-AA00-6B0C5F2D78DE}"/>
+              </a:ext>
+            </a:extLst>
+          </p:cNvPr>
+          <p:cNvSpPr/>
+          <p:nvPr/>
+        </p:nvSpPr>
+        <p:spPr>
+          <a:xfrm>
+            <a:off x="11352771" y="2412274"/>
+            <a:ext cx="358260" cy="85725"/>
+          </a:xfrm>
+          <a:prstGeom prst="flowChartTerminator">
+            <a:avLst/>
+          </a:prstGeom>
+          <a:solidFill>
+            <a:schemeClr val="bg1"/>
+          </a:solidFill>
+          <a:ln>
+            <a:solidFill>
+              <a:schemeClr val="bg1"/>
+            </a:solidFill>
+          </a:ln>
+        </p:spPr>
+        <p:style>
+          <a:lnRef idx="2">
+            <a:schemeClr val="accent1">
+              <a:shade val="50000"/>
+            </a:schemeClr>
+          </a:lnRef>
+          <a:fillRef idx="1">
+            <a:schemeClr val="accent1"/>
+          </a:fillRef>
+          <a:effectRef idx="0">
+            <a:schemeClr val="accent1"/>
+          </a:effectRef>
+          <a:fontRef idx="minor">
+            <a:schemeClr val="lt1"/>
+          </a:fontRef>
+        </p:style>
+        <p:txBody>
+          <a:bodyPr rtlCol="0" anchor="ctr"/>
+          <a:lstStyle/>
+          <a:p>
+            <a:pPr marL="0" marR="0" lvl="0" indent="0" algn="ctr" defTabSz="457200" rtl="0" eaLnBrk="1" fontAlgn="auto" latinLnBrk="0" hangingPunct="1">
+              <a:lnSpc>
+                <a:spcPct val="100000"/>
+              </a:lnSpc>
+              <a:spcBef>
+                <a:spcPts val="0"/>
+              </a:spcBef>
+              <a:spcAft>
+                <a:spcPts val="0"/>
+              </a:spcAft>
+              <a:buClrTx/>
+              <a:buSzTx/>
+              <a:buFontTx/>
+              <a:buNone/>
+              <a:tabLst/>
+              <a:defRPr/>
+            </a:pPr>
+            <a:endParaRPr kumimoji="0" lang="fr-FR" sz="1800" b="0" i="0" u="none" strike="noStrike" kern="1200" cap="none" spc="0" normalizeH="0" baseline="0" noProof="0" dirty="0">
+              <a:ln>
+                <a:noFill/>
+              </a:ln>
+              <a:solidFill>
+                <a:prstClr val="white"/>
+              </a:solidFill>
+              <a:effectLst/>
+              <a:uLnTx/>
+              <a:uFillTx/>
+              <a:latin typeface="Trebuchet MS" panose="020B0603020202020204"/>
+              <a:ea typeface="+mn-ea"/>
+              <a:cs typeface="+mn-cs"/>
+            </a:endParaRPr>
+          </a:p>
+        </p:txBody>
+      </p:sp>
+      <p:sp>
+        <p:nvSpPr>
+          <p:cNvPr id="14" name="ZoneTexte 13">
+            <a:extLst>
+              <a:ext uri="{FF2B5EF4-FFF2-40B4-BE49-F238E27FC236}">
+                <a16:creationId xmlns:a16="http://schemas.microsoft.com/office/drawing/2014/main" id="{BB427E49-FA20-402C-B6D6-712EDD9842C6}"/>
               </a:ext>
             </a:extLst>
           </p:cNvPr>
@@ -10859,8 +11810,8 @@
         </p:nvSpPr>
         <p:spPr>
           <a:xfrm>
-            <a:off x="9808520" y="605712"/>
-            <a:ext cx="1770078" cy="584775"/>
+            <a:off x="10042036" y="1443085"/>
+            <a:ext cx="1310735" cy="338554"/>
           </a:xfrm>
           <a:prstGeom prst="rect">
             <a:avLst/>
@@ -10905,7 +11856,348 @@
                 <a:ea typeface="+mn-ea"/>
                 <a:cs typeface="+mn-cs"/>
               </a:rPr>
-              <a:t>Deux grandes parties</a:t>
+              <a:t>Diagrammes</a:t>
+            </a:r>
+          </a:p>
+        </p:txBody>
+      </p:sp>
+      <p:sp>
+        <p:nvSpPr>
+          <p:cNvPr id="15" name="Rectangle 14">
+            <a:extLst>
+              <a:ext uri="{FF2B5EF4-FFF2-40B4-BE49-F238E27FC236}">
+                <a16:creationId xmlns:a16="http://schemas.microsoft.com/office/drawing/2014/main" id="{6C9706A4-DB59-4078-A6C8-393A3F991B17}"/>
+              </a:ext>
+            </a:extLst>
+          </p:cNvPr>
+          <p:cNvSpPr/>
+          <p:nvPr/>
+        </p:nvSpPr>
+        <p:spPr>
+          <a:xfrm>
+            <a:off x="11603047" y="973022"/>
+            <a:ext cx="104775" cy="682203"/>
+          </a:xfrm>
+          <a:prstGeom prst="rect">
+            <a:avLst/>
+          </a:prstGeom>
+          <a:solidFill>
+            <a:srgbClr val="A8135A"/>
+          </a:solidFill>
+          <a:ln>
+            <a:solidFill>
+              <a:schemeClr val="bg1"/>
+            </a:solidFill>
+          </a:ln>
+        </p:spPr>
+        <p:style>
+          <a:lnRef idx="2">
+            <a:schemeClr val="accent1">
+              <a:shade val="50000"/>
+            </a:schemeClr>
+          </a:lnRef>
+          <a:fillRef idx="1">
+            <a:schemeClr val="accent1"/>
+          </a:fillRef>
+          <a:effectRef idx="0">
+            <a:schemeClr val="accent1"/>
+          </a:effectRef>
+          <a:fontRef idx="minor">
+            <a:schemeClr val="lt1"/>
+          </a:fontRef>
+        </p:style>
+        <p:txBody>
+          <a:bodyPr rtlCol="0" anchor="ctr"/>
+          <a:lstStyle/>
+          <a:p>
+            <a:pPr marL="0" marR="0" lvl="0" indent="0" algn="ctr" defTabSz="457200" rtl="0" eaLnBrk="1" fontAlgn="auto" latinLnBrk="0" hangingPunct="1">
+              <a:lnSpc>
+                <a:spcPct val="100000"/>
+              </a:lnSpc>
+              <a:spcBef>
+                <a:spcPts val="0"/>
+              </a:spcBef>
+              <a:spcAft>
+                <a:spcPts val="0"/>
+              </a:spcAft>
+              <a:buClrTx/>
+              <a:buSzTx/>
+              <a:buFontTx/>
+              <a:buNone/>
+              <a:tabLst/>
+              <a:defRPr/>
+            </a:pPr>
+            <a:endParaRPr kumimoji="0" lang="fr-FR" sz="1800" b="0" i="0" u="none" strike="noStrike" kern="1200" cap="none" spc="0" normalizeH="0" baseline="0" noProof="0" dirty="0">
+              <a:ln>
+                <a:noFill/>
+              </a:ln>
+              <a:solidFill>
+                <a:prstClr val="white"/>
+              </a:solidFill>
+              <a:effectLst/>
+              <a:uLnTx/>
+              <a:uFillTx/>
+              <a:latin typeface="Trebuchet MS" panose="020B0603020202020204"/>
+              <a:ea typeface="+mn-ea"/>
+              <a:cs typeface="+mn-cs"/>
+            </a:endParaRPr>
+          </a:p>
+        </p:txBody>
+      </p:sp>
+      <p:sp>
+        <p:nvSpPr>
+          <p:cNvPr id="12" name="Ellipse 11">
+            <a:extLst>
+              <a:ext uri="{FF2B5EF4-FFF2-40B4-BE49-F238E27FC236}">
+                <a16:creationId xmlns:a16="http://schemas.microsoft.com/office/drawing/2014/main" id="{E812B697-1760-4389-A32C-D23E0C09542A}"/>
+              </a:ext>
+            </a:extLst>
+          </p:cNvPr>
+          <p:cNvSpPr/>
+          <p:nvPr/>
+        </p:nvSpPr>
+        <p:spPr>
+          <a:xfrm>
+            <a:off x="11376584" y="605712"/>
+            <a:ext cx="564118" cy="542925"/>
+          </a:xfrm>
+          <a:prstGeom prst="ellipse">
+            <a:avLst/>
+          </a:prstGeom>
+          <a:solidFill>
+            <a:srgbClr val="A8135A"/>
+          </a:solidFill>
+          <a:ln>
+            <a:solidFill>
+              <a:schemeClr val="bg1"/>
+            </a:solidFill>
+          </a:ln>
+        </p:spPr>
+        <p:style>
+          <a:lnRef idx="2">
+            <a:schemeClr val="accent1">
+              <a:shade val="50000"/>
+            </a:schemeClr>
+          </a:lnRef>
+          <a:fillRef idx="1">
+            <a:schemeClr val="accent1"/>
+          </a:fillRef>
+          <a:effectRef idx="0">
+            <a:schemeClr val="accent1"/>
+          </a:effectRef>
+          <a:fontRef idx="minor">
+            <a:schemeClr val="lt1"/>
+          </a:fontRef>
+        </p:style>
+        <p:txBody>
+          <a:bodyPr rtlCol="0" anchor="ctr"/>
+          <a:lstStyle/>
+          <a:p>
+            <a:pPr marL="0" marR="0" lvl="0" indent="0" algn="ctr" defTabSz="457200" rtl="0" eaLnBrk="1" fontAlgn="auto" latinLnBrk="0" hangingPunct="1">
+              <a:lnSpc>
+                <a:spcPct val="100000"/>
+              </a:lnSpc>
+              <a:spcBef>
+                <a:spcPts val="0"/>
+              </a:spcBef>
+              <a:spcAft>
+                <a:spcPts val="0"/>
+              </a:spcAft>
+              <a:buClrTx/>
+              <a:buSzTx/>
+              <a:buFontTx/>
+              <a:buNone/>
+              <a:tabLst/>
+              <a:defRPr/>
+            </a:pPr>
+            <a:endParaRPr kumimoji="0" lang="fr-FR" sz="1800" b="0" i="0" u="none" strike="noStrike" kern="1200" cap="none" spc="0" normalizeH="0" baseline="0" noProof="0">
+              <a:ln>
+                <a:noFill/>
+              </a:ln>
+              <a:solidFill>
+                <a:prstClr val="white"/>
+              </a:solidFill>
+              <a:effectLst/>
+              <a:uLnTx/>
+              <a:uFillTx/>
+              <a:latin typeface="Trebuchet MS" panose="020B0603020202020204"/>
+              <a:ea typeface="+mn-ea"/>
+              <a:cs typeface="+mn-cs"/>
+            </a:endParaRPr>
+          </a:p>
+        </p:txBody>
+      </p:sp>
+      <p:pic>
+        <p:nvPicPr>
+          <p:cNvPr id="16" name="Picture 2" descr="Image associée">
+            <a:extLst>
+              <a:ext uri="{FF2B5EF4-FFF2-40B4-BE49-F238E27FC236}">
+                <a16:creationId xmlns:a16="http://schemas.microsoft.com/office/drawing/2014/main" id="{CE54AA40-5A69-44B5-A196-6AAD86E13592}"/>
+              </a:ext>
+            </a:extLst>
+          </p:cNvPr>
+          <p:cNvPicPr>
+            <a:picLocks noChangeAspect="1" noChangeArrowheads="1"/>
+          </p:cNvPicPr>
+          <p:nvPr/>
+        </p:nvPicPr>
+        <p:blipFill rotWithShape="1">
+          <a:blip r:embed="rId4">
+            <a:extLst>
+              <a:ext uri="{28A0092B-C50C-407E-A947-70E740481C1C}">
+                <a14:useLocalDpi xmlns:a14="http://schemas.microsoft.com/office/drawing/2010/main" val="0"/>
+              </a:ext>
+            </a:extLst>
+          </a:blip>
+          <a:srcRect l="18677" r="15441"/>
+          <a:stretch/>
+        </p:blipFill>
+        <p:spPr bwMode="auto">
+          <a:xfrm>
+            <a:off x="143436" y="143435"/>
+            <a:ext cx="2269635" cy="609600"/>
+          </a:xfrm>
+          <a:prstGeom prst="rect">
+            <a:avLst/>
+          </a:prstGeom>
+          <a:noFill/>
+          <a:extLst>
+            <a:ext uri="{909E8E84-426E-40DD-AFC4-6F175D3DCCD1}">
+              <a14:hiddenFill xmlns:a14="http://schemas.microsoft.com/office/drawing/2010/main">
+                <a:solidFill>
+                  <a:srgbClr val="FFFFFF"/>
+                </a:solidFill>
+              </a14:hiddenFill>
+            </a:ext>
+          </a:extLst>
+        </p:spPr>
+      </p:pic>
+      <p:sp>
+        <p:nvSpPr>
+          <p:cNvPr id="17" name="ZoneTexte 16">
+            <a:extLst>
+              <a:ext uri="{FF2B5EF4-FFF2-40B4-BE49-F238E27FC236}">
+                <a16:creationId xmlns:a16="http://schemas.microsoft.com/office/drawing/2014/main" id="{FFD7AA6B-BA26-42A9-804F-66A35ED2335E}"/>
+              </a:ext>
+            </a:extLst>
+          </p:cNvPr>
+          <p:cNvSpPr txBox="1"/>
+          <p:nvPr/>
+        </p:nvSpPr>
+        <p:spPr>
+          <a:xfrm>
+            <a:off x="1004275" y="1037765"/>
+            <a:ext cx="3219936" cy="338554"/>
+          </a:xfrm>
+          <a:prstGeom prst="rect">
+            <a:avLst/>
+          </a:prstGeom>
+          <a:noFill/>
+        </p:spPr>
+        <p:txBody>
+          <a:bodyPr wrap="square" rtlCol="0">
+            <a:spAutoFit/>
+          </a:bodyPr>
+          <a:lstStyle/>
+          <a:p>
+            <a:pPr marL="0" marR="0" lvl="0" indent="0" algn="l" defTabSz="457200" rtl="0" eaLnBrk="1" fontAlgn="auto" latinLnBrk="0" hangingPunct="1">
+              <a:lnSpc>
+                <a:spcPct val="100000"/>
+              </a:lnSpc>
+              <a:spcBef>
+                <a:spcPts val="0"/>
+              </a:spcBef>
+              <a:spcAft>
+                <a:spcPts val="0"/>
+              </a:spcAft>
+              <a:buClrTx/>
+              <a:buSzTx/>
+              <a:buFontTx/>
+              <a:buNone/>
+              <a:tabLst/>
+              <a:defRPr/>
+            </a:pPr>
+            <a:r>
+              <a:rPr kumimoji="0" lang="fr-FR" sz="1600" b="0" i="0" u="sng" strike="noStrike" kern="1200" cap="none" spc="0" normalizeH="0" baseline="0" noProof="0" dirty="0">
+                <a:ln>
+                  <a:noFill/>
+                </a:ln>
+                <a:solidFill>
+                  <a:prstClr val="black"/>
+                </a:solidFill>
+                <a:effectLst/>
+                <a:uLnTx/>
+                <a:uFillTx/>
+                <a:latin typeface="Trebuchet MS" panose="020B0603020202020204"/>
+                <a:ea typeface="+mn-ea"/>
+                <a:cs typeface="+mn-cs"/>
+              </a:rPr>
+              <a:t>Diagrammes de cas d’utilisation</a:t>
+            </a:r>
+          </a:p>
+        </p:txBody>
+      </p:sp>
+      <p:sp>
+        <p:nvSpPr>
+          <p:cNvPr id="18" name="ZoneTexte 17">
+            <a:extLst>
+              <a:ext uri="{FF2B5EF4-FFF2-40B4-BE49-F238E27FC236}">
+                <a16:creationId xmlns:a16="http://schemas.microsoft.com/office/drawing/2014/main" id="{AA87ED74-B2BD-4AEA-92FD-2A8D805E3151}"/>
+              </a:ext>
+            </a:extLst>
+          </p:cNvPr>
+          <p:cNvSpPr txBox="1"/>
+          <p:nvPr/>
+        </p:nvSpPr>
+        <p:spPr>
+          <a:xfrm>
+            <a:off x="5925806" y="1042334"/>
+            <a:ext cx="3219936" cy="338554"/>
+          </a:xfrm>
+          <a:prstGeom prst="rect">
+            <a:avLst/>
+          </a:prstGeom>
+          <a:noFill/>
+        </p:spPr>
+        <p:txBody>
+          <a:bodyPr wrap="square" rtlCol="0">
+            <a:spAutoFit/>
+          </a:bodyPr>
+          <a:lstStyle/>
+          <a:p>
+            <a:pPr marL="0" marR="0" lvl="0" indent="0" algn="l" defTabSz="457200" rtl="0" eaLnBrk="1" fontAlgn="auto" latinLnBrk="0" hangingPunct="1">
+              <a:lnSpc>
+                <a:spcPct val="100000"/>
+              </a:lnSpc>
+              <a:spcBef>
+                <a:spcPts val="0"/>
+              </a:spcBef>
+              <a:spcAft>
+                <a:spcPts val="0"/>
+              </a:spcAft>
+              <a:buClrTx/>
+              <a:buSzTx/>
+              <a:buFontTx/>
+              <a:buNone/>
+              <a:tabLst/>
+              <a:defRPr/>
+            </a:pPr>
+            <a:r>
+              <a:rPr kumimoji="0" lang="fr-FR" sz="1600" b="0" i="0" u="sng" strike="noStrike" kern="1200" cap="none" spc="0" normalizeH="0" baseline="0" noProof="0" dirty="0">
+                <a:ln>
+                  <a:noFill/>
+                </a:ln>
+                <a:solidFill>
+                  <a:prstClr val="black"/>
+                </a:solidFill>
+                <a:effectLst/>
+                <a:uLnTx/>
+                <a:uFillTx/>
+                <a:latin typeface="Trebuchet MS" panose="020B0603020202020204"/>
+                <a:ea typeface="+mn-ea"/>
+                <a:cs typeface="+mn-cs"/>
+              </a:rPr>
+              <a:t>Diagrammes de Gantt </a:t>
             </a:r>
           </a:p>
         </p:txBody>
@@ -10913,7 +12205,7 @@
     </p:spTree>
     <p:extLst>
       <p:ext uri="{BB962C8B-B14F-4D97-AF65-F5344CB8AC3E}">
-        <p14:creationId xmlns:p14="http://schemas.microsoft.com/office/powerpoint/2010/main" val="2476034120"/>
+        <p14:creationId xmlns:p14="http://schemas.microsoft.com/office/powerpoint/2010/main" val="3213455617"/>
       </p:ext>
     </p:extLst>
   </p:cSld>
@@ -10935,7 +12227,7 @@
 </p:sld>
 </file>
 
-<file path=ppt/slides/slide3.xml><?xml version="1.0" encoding="utf-8"?>
+<file path=ppt/slides/slide4.xml><?xml version="1.0" encoding="utf-8"?>
 <p:sld xmlns:a="http://schemas.openxmlformats.org/drawingml/2006/main" xmlns:r="http://schemas.openxmlformats.org/officeDocument/2006/relationships" xmlns:p="http://schemas.openxmlformats.org/presentationml/2006/main">
   <p:cSld>
     <p:bg>
@@ -11074,7 +12366,7 @@
             </a:pPr>
             <a:r>
               <a:rPr lang="fr-FR" sz="2000" dirty="0"/>
-              <a:t>Créer la page de connexion</a:t>
+              <a:t>Créer la page de web de connexion</a:t>
             </a:r>
           </a:p>
           <a:p>
@@ -11503,7 +12795,7 @@
             <a:avLst/>
           </a:prstGeom>
           <a:solidFill>
-            <a:schemeClr val="bg1"/>
+            <a:srgbClr val="A8135A"/>
           </a:solidFill>
           <a:ln>
             <a:solidFill>
@@ -11548,7 +12840,7 @@
               <a:tabLst/>
               <a:defRPr/>
             </a:pPr>
-            <a:endParaRPr kumimoji="0" lang="fr-FR" sz="1800" b="0" i="0" u="none" strike="noStrike" kern="1200" cap="none" spc="0" normalizeH="0" baseline="0" noProof="0">
+            <a:endParaRPr kumimoji="0" lang="fr-FR" sz="1800" b="0" i="0" u="none" strike="noStrike" kern="1200" cap="none" spc="0" normalizeH="0" baseline="0" noProof="0" dirty="0">
               <a:ln>
                 <a:noFill/>
               </a:ln>
@@ -11580,7 +12872,7 @@
         <p:spPr>
           <a:xfrm>
             <a:off x="11603047" y="973022"/>
-            <a:ext cx="104775" cy="644817"/>
+            <a:ext cx="104775" cy="1478166"/>
           </a:xfrm>
           <a:prstGeom prst="rect">
             <a:avLst/>
@@ -11745,8 +13037,8 @@
         </p:nvSpPr>
         <p:spPr>
           <a:xfrm>
-            <a:off x="9238538" y="1428542"/>
-            <a:ext cx="2290154" cy="338554"/>
+            <a:off x="9781592" y="2244879"/>
+            <a:ext cx="1661719" cy="584775"/>
           </a:xfrm>
           <a:prstGeom prst="rect">
             <a:avLst/>
@@ -11899,6 +13191,89 @@
           </a:fontRef>
         </p:style>
       </p:cxnSp>
+      <p:sp>
+        <p:nvSpPr>
+          <p:cNvPr id="17" name="Organigramme : Terminateur 16">
+            <a:extLst>
+              <a:ext uri="{FF2B5EF4-FFF2-40B4-BE49-F238E27FC236}">
+                <a16:creationId xmlns:a16="http://schemas.microsoft.com/office/drawing/2014/main" id="{57EDD6CF-BBC4-478D-AD02-6A4BCBA05627}"/>
+              </a:ext>
+            </a:extLst>
+          </p:cNvPr>
+          <p:cNvSpPr/>
+          <p:nvPr/>
+        </p:nvSpPr>
+        <p:spPr>
+          <a:xfrm>
+            <a:off x="11349562" y="4150935"/>
+            <a:ext cx="267772" cy="85725"/>
+          </a:xfrm>
+          <a:prstGeom prst="flowChartTerminator">
+            <a:avLst/>
+          </a:prstGeom>
+          <a:solidFill>
+            <a:schemeClr val="bg1"/>
+          </a:solidFill>
+          <a:ln>
+            <a:solidFill>
+              <a:schemeClr val="bg1"/>
+            </a:solidFill>
+          </a:ln>
+        </p:spPr>
+        <p:style>
+          <a:lnRef idx="2">
+            <a:schemeClr val="accent1">
+              <a:shade val="50000"/>
+            </a:schemeClr>
+          </a:lnRef>
+          <a:fillRef idx="1">
+            <a:schemeClr val="accent1"/>
+          </a:fillRef>
+          <a:effectRef idx="0">
+            <a:schemeClr val="accent1"/>
+          </a:effectRef>
+          <a:fontRef idx="minor">
+            <a:schemeClr val="lt1"/>
+          </a:fontRef>
+        </p:style>
+        <p:txBody>
+          <a:bodyPr rtlCol="0" anchor="ctr"/>
+          <a:lstStyle/>
+          <a:p>
+            <a:pPr marL="0" marR="0" lvl="0" indent="0" algn="ctr" defTabSz="457200" rtl="0" eaLnBrk="1" fontAlgn="auto" latinLnBrk="0" hangingPunct="1">
+              <a:lnSpc>
+                <a:spcPct val="100000"/>
+              </a:lnSpc>
+              <a:spcBef>
+                <a:spcPts val="0"/>
+              </a:spcBef>
+              <a:spcAft>
+                <a:spcPts val="0"/>
+              </a:spcAft>
+              <a:buClrTx/>
+              <a:buSzTx/>
+              <a:buFontTx/>
+              <a:buNone/>
+              <a:tabLst/>
+              <a:defRPr/>
+            </a:pPr>
+            <a:endParaRPr kumimoji="0" lang="fr-FR" sz="1800" b="0" i="0" u="none" strike="noStrike" kern="1200" cap="none" spc="0" normalizeH="0" baseline="0" noProof="0" dirty="0">
+              <a:ln>
+                <a:noFill/>
+              </a:ln>
+              <a:solidFill>
+                <a:prstClr val="white"/>
+              </a:solidFill>
+              <a:effectLst/>
+              <a:uLnTx/>
+              <a:uFillTx/>
+              <a:latin typeface="Trebuchet MS" panose="020B0603020202020204"/>
+              <a:ea typeface="+mn-ea"/>
+              <a:cs typeface="+mn-cs"/>
+            </a:endParaRPr>
+          </a:p>
+        </p:txBody>
+      </p:sp>
     </p:spTree>
     <p:extLst>
       <p:ext uri="{BB962C8B-B14F-4D97-AF65-F5344CB8AC3E}">
@@ -11924,7 +13299,7 @@
 </p:sld>
 </file>
 
-<file path=ppt/slides/slide4.xml><?xml version="1.0" encoding="utf-8"?>
+<file path=ppt/slides/slide5.xml><?xml version="1.0" encoding="utf-8"?>
 <p:sld xmlns:a="http://schemas.openxmlformats.org/drawingml/2006/main" xmlns:r="http://schemas.openxmlformats.org/officeDocument/2006/relationships" xmlns:p="http://schemas.openxmlformats.org/presentationml/2006/main">
   <p:cSld>
     <p:spTree>
@@ -11941,6 +13316,89 @@
           <a:chExt cx="0" cy="0"/>
         </a:xfrm>
       </p:grpSpPr>
+      <p:sp>
+        <p:nvSpPr>
+          <p:cNvPr id="15" name="Organigramme : Terminateur 14">
+            <a:extLst>
+              <a:ext uri="{FF2B5EF4-FFF2-40B4-BE49-F238E27FC236}">
+                <a16:creationId xmlns:a16="http://schemas.microsoft.com/office/drawing/2014/main" id="{EB949E70-7159-49D5-8691-6D03175CC981}"/>
+              </a:ext>
+            </a:extLst>
+          </p:cNvPr>
+          <p:cNvSpPr/>
+          <p:nvPr/>
+        </p:nvSpPr>
+        <p:spPr>
+          <a:xfrm>
+            <a:off x="11349562" y="4167569"/>
+            <a:ext cx="267772" cy="85725"/>
+          </a:xfrm>
+          <a:prstGeom prst="flowChartTerminator">
+            <a:avLst/>
+          </a:prstGeom>
+          <a:solidFill>
+            <a:schemeClr val="bg1"/>
+          </a:solidFill>
+          <a:ln>
+            <a:solidFill>
+              <a:schemeClr val="bg1"/>
+            </a:solidFill>
+          </a:ln>
+        </p:spPr>
+        <p:style>
+          <a:lnRef idx="2">
+            <a:schemeClr val="accent1">
+              <a:shade val="50000"/>
+            </a:schemeClr>
+          </a:lnRef>
+          <a:fillRef idx="1">
+            <a:schemeClr val="accent1"/>
+          </a:fillRef>
+          <a:effectRef idx="0">
+            <a:schemeClr val="accent1"/>
+          </a:effectRef>
+          <a:fontRef idx="minor">
+            <a:schemeClr val="lt1"/>
+          </a:fontRef>
+        </p:style>
+        <p:txBody>
+          <a:bodyPr rtlCol="0" anchor="ctr"/>
+          <a:lstStyle/>
+          <a:p>
+            <a:pPr marL="0" marR="0" lvl="0" indent="0" algn="ctr" defTabSz="457200" rtl="0" eaLnBrk="1" fontAlgn="auto" latinLnBrk="0" hangingPunct="1">
+              <a:lnSpc>
+                <a:spcPct val="100000"/>
+              </a:lnSpc>
+              <a:spcBef>
+                <a:spcPts val="0"/>
+              </a:spcBef>
+              <a:spcAft>
+                <a:spcPts val="0"/>
+              </a:spcAft>
+              <a:buClrTx/>
+              <a:buSzTx/>
+              <a:buFontTx/>
+              <a:buNone/>
+              <a:tabLst/>
+              <a:defRPr/>
+            </a:pPr>
+            <a:endParaRPr kumimoji="0" lang="fr-FR" sz="1800" b="0" i="0" u="none" strike="noStrike" kern="1200" cap="none" spc="0" normalizeH="0" baseline="0" noProof="0" dirty="0">
+              <a:ln>
+                <a:noFill/>
+              </a:ln>
+              <a:solidFill>
+                <a:prstClr val="white"/>
+              </a:solidFill>
+              <a:effectLst/>
+              <a:uLnTx/>
+              <a:uFillTx/>
+              <a:latin typeface="Trebuchet MS" panose="020B0603020202020204"/>
+              <a:ea typeface="+mn-ea"/>
+              <a:cs typeface="+mn-cs"/>
+            </a:endParaRPr>
+          </a:p>
+        </p:txBody>
+      </p:sp>
       <p:sp>
         <p:nvSpPr>
           <p:cNvPr id="3" name="Espace réservé du contenu 2">
@@ -11981,6 +13439,14 @@
               <a:rPr lang="fr-FR" sz="2000" dirty="0"/>
               <a:t> : </a:t>
             </a:r>
+          </a:p>
+          <a:p>
+            <a:pPr marL="0" indent="0">
+              <a:buClr>
+                <a:schemeClr val="accent4"/>
+              </a:buClr>
+              <a:buNone/>
+            </a:pPr>
             <a:endParaRPr lang="fr-FR" dirty="0"/>
           </a:p>
           <a:p>
@@ -11991,7 +13457,7 @@
             </a:pPr>
             <a:r>
               <a:rPr lang="fr-FR" dirty="0"/>
-              <a:t>Esthétique </a:t>
+              <a:t>Esthétique (Template, Bootstrap)</a:t>
             </a:r>
           </a:p>
           <a:p>
@@ -12002,8 +13468,28 @@
             </a:pPr>
             <a:r>
               <a:rPr lang="fr-FR" dirty="0"/>
-              <a:t>Ergonomie : Permettre au client de réservé un créneau et de naviguer entre les pages facilement.</a:t>
+              <a:t>Ergonomie : Permettre au client de réservé un créneau (formulaire) et de naviguer entre les pages facilement (Bootstrap, plugins).</a:t>
             </a:r>
+          </a:p>
+          <a:p>
+            <a:pPr>
+              <a:buClr>
+                <a:schemeClr val="accent4"/>
+              </a:buClr>
+            </a:pPr>
+            <a:r>
+              <a:rPr lang="fr-FR" dirty="0"/>
+              <a:t>Apache pour mettre en ligne le site web.</a:t>
+            </a:r>
+          </a:p>
+          <a:p>
+            <a:pPr marL="0" indent="0">
+              <a:buClr>
+                <a:schemeClr val="accent4"/>
+              </a:buClr>
+              <a:buNone/>
+            </a:pPr>
+            <a:endParaRPr lang="fr-FR" dirty="0"/>
           </a:p>
         </p:txBody>
       </p:sp>
@@ -12068,8 +13554,8 @@
         </p:nvSpPr>
         <p:spPr>
           <a:xfrm>
-            <a:off x="5020733" y="2160589"/>
-            <a:ext cx="5037666" cy="3538082"/>
+            <a:off x="4962679" y="2160588"/>
+            <a:ext cx="4739953" cy="3538082"/>
           </a:xfrm>
           <a:prstGeom prst="rect">
             <a:avLst/>
@@ -12077,7 +13563,7 @@
         </p:spPr>
         <p:txBody>
           <a:bodyPr vert="horz" lIns="91440" tIns="45720" rIns="91440" bIns="45720" rtlCol="0">
-            <a:normAutofit/>
+            <a:normAutofit fontScale="85000" lnSpcReduction="20000"/>
           </a:bodyPr>
           <a:lstStyle>
             <a:lvl1pPr marL="342900" indent="-342900" algn="l" defTabSz="457200" rtl="0" eaLnBrk="1" latinLnBrk="0" hangingPunct="1">
@@ -12311,24 +13797,62 @@
               <a:buNone/>
             </a:pPr>
             <a:r>
-              <a:rPr lang="fr-FR" u="sng" dirty="0"/>
-              <a:t>Page de connexion</a:t>
+              <a:rPr lang="fr-FR" sz="2400" u="sng" dirty="0"/>
+              <a:t>Page de connexion :</a:t>
             </a:r>
+          </a:p>
+          <a:p>
+            <a:pPr marL="0" indent="0">
+              <a:buNone/>
+            </a:pPr>
+            <a:endParaRPr lang="fr-FR" dirty="0"/>
+          </a:p>
+          <a:p>
             <a:r>
               <a:rPr lang="fr-FR" dirty="0"/>
-              <a:t> :</a:t>
+              <a:t>Formulaire de connexion</a:t>
             </a:r>
           </a:p>
           <a:p>
             <a:r>
               <a:rPr lang="fr-FR" dirty="0"/>
-              <a:t>Permettre à l’administrateur et au superviseur de se connecter</a:t>
+              <a:t>Permettre à l’administrateur et au superviseur de se connecter.</a:t>
             </a:r>
           </a:p>
           <a:p>
             <a:r>
               <a:rPr lang="fr-FR" dirty="0"/>
-              <a:t>En fonction du pseudo et mot de passe saisie, la personne sera redirigé vers une page dédié.</a:t>
+              <a:t>En fonction du pseudo et mot de passe saisie, la personne sera redirigé vers une page dédié : </a:t>
+            </a:r>
+          </a:p>
+          <a:p>
+            <a:pPr marL="0" indent="0">
+              <a:buNone/>
+            </a:pPr>
+            <a:r>
+              <a:rPr lang="fr-FR" dirty="0"/>
+              <a:t>Administrateur -&gt; formulaire (ajout, modification et suppression de comptes superviseur) </a:t>
+            </a:r>
+          </a:p>
+          <a:p>
+            <a:pPr marL="0" indent="0">
+              <a:buNone/>
+            </a:pPr>
+            <a:r>
+              <a:rPr lang="fr-FR" dirty="0"/>
+              <a:t>Superviseur -&gt; formulaire (ajout de créneaux)</a:t>
+            </a:r>
+          </a:p>
+          <a:p>
+            <a:pPr marL="0" indent="0">
+              <a:buNone/>
+            </a:pPr>
+            <a:endParaRPr lang="fr-FR" dirty="0"/>
+          </a:p>
+          <a:p>
+            <a:r>
+              <a:rPr lang="fr-FR" dirty="0"/>
+              <a:t>MySQL pour les BDD</a:t>
             </a:r>
           </a:p>
         </p:txBody>
@@ -12501,89 +14025,6 @@
       </p:sp>
       <p:sp>
         <p:nvSpPr>
-          <p:cNvPr id="8" name="Ellipse 7">
-            <a:extLst>
-              <a:ext uri="{FF2B5EF4-FFF2-40B4-BE49-F238E27FC236}">
-                <a16:creationId xmlns:a16="http://schemas.microsoft.com/office/drawing/2014/main" id="{8F312CC4-74D1-443C-B0C7-28C93D9A1F8A}"/>
-              </a:ext>
-            </a:extLst>
-          </p:cNvPr>
-          <p:cNvSpPr/>
-          <p:nvPr/>
-        </p:nvSpPr>
-        <p:spPr>
-          <a:xfrm>
-            <a:off x="11373375" y="3218832"/>
-            <a:ext cx="564118" cy="542925"/>
-          </a:xfrm>
-          <a:prstGeom prst="ellipse">
-            <a:avLst/>
-          </a:prstGeom>
-          <a:solidFill>
-            <a:schemeClr val="bg1"/>
-          </a:solidFill>
-          <a:ln>
-            <a:solidFill>
-              <a:schemeClr val="bg1"/>
-            </a:solidFill>
-          </a:ln>
-        </p:spPr>
-        <p:style>
-          <a:lnRef idx="2">
-            <a:schemeClr val="accent1">
-              <a:shade val="50000"/>
-            </a:schemeClr>
-          </a:lnRef>
-          <a:fillRef idx="1">
-            <a:schemeClr val="accent1"/>
-          </a:fillRef>
-          <a:effectRef idx="0">
-            <a:schemeClr val="accent1"/>
-          </a:effectRef>
-          <a:fontRef idx="minor">
-            <a:schemeClr val="lt1"/>
-          </a:fontRef>
-        </p:style>
-        <p:txBody>
-          <a:bodyPr rtlCol="0" anchor="ctr"/>
-          <a:lstStyle/>
-          <a:p>
-            <a:pPr marL="0" marR="0" lvl="0" indent="0" algn="ctr" defTabSz="457200" rtl="0" eaLnBrk="1" fontAlgn="auto" latinLnBrk="0" hangingPunct="1">
-              <a:lnSpc>
-                <a:spcPct val="100000"/>
-              </a:lnSpc>
-              <a:spcBef>
-                <a:spcPts val="0"/>
-              </a:spcBef>
-              <a:spcAft>
-                <a:spcPts val="0"/>
-              </a:spcAft>
-              <a:buClrTx/>
-              <a:buSzTx/>
-              <a:buFontTx/>
-              <a:buNone/>
-              <a:tabLst/>
-              <a:defRPr/>
-            </a:pPr>
-            <a:endParaRPr kumimoji="0" lang="fr-FR" sz="1800" b="0" i="0" u="none" strike="noStrike" kern="1200" cap="none" spc="0" normalizeH="0" baseline="0" noProof="0">
-              <a:ln>
-                <a:noFill/>
-              </a:ln>
-              <a:solidFill>
-                <a:prstClr val="white"/>
-              </a:solidFill>
-              <a:effectLst/>
-              <a:uLnTx/>
-              <a:uFillTx/>
-              <a:latin typeface="Trebuchet MS" panose="020B0603020202020204"/>
-              <a:ea typeface="+mn-ea"/>
-              <a:cs typeface="+mn-cs"/>
-            </a:endParaRPr>
-          </a:p>
-        </p:txBody>
-      </p:sp>
-      <p:sp>
-        <p:nvSpPr>
           <p:cNvPr id="9" name="Ellipse 8">
             <a:extLst>
               <a:ext uri="{FF2B5EF4-FFF2-40B4-BE49-F238E27FC236}">
@@ -12763,7 +14204,7 @@
         <p:spPr>
           <a:xfrm>
             <a:off x="11603047" y="973022"/>
-            <a:ext cx="104775" cy="1478166"/>
+            <a:ext cx="99857" cy="2703012"/>
           </a:xfrm>
           <a:prstGeom prst="rect">
             <a:avLst/>
@@ -12963,8 +14404,8 @@
         </p:nvSpPr>
         <p:spPr>
           <a:xfrm>
-            <a:off x="9238538" y="2239048"/>
-            <a:ext cx="2111024" cy="338554"/>
+            <a:off x="9793120" y="3326711"/>
+            <a:ext cx="1724357" cy="584775"/>
           </a:xfrm>
           <a:prstGeom prst="rect">
             <a:avLst/>
@@ -13014,6 +14455,89 @@
           </a:p>
         </p:txBody>
       </p:sp>
+      <p:sp>
+        <p:nvSpPr>
+          <p:cNvPr id="8" name="Ellipse 7">
+            <a:extLst>
+              <a:ext uri="{FF2B5EF4-FFF2-40B4-BE49-F238E27FC236}">
+                <a16:creationId xmlns:a16="http://schemas.microsoft.com/office/drawing/2014/main" id="{8F312CC4-74D1-443C-B0C7-28C93D9A1F8A}"/>
+              </a:ext>
+            </a:extLst>
+          </p:cNvPr>
+          <p:cNvSpPr/>
+          <p:nvPr/>
+        </p:nvSpPr>
+        <p:spPr>
+          <a:xfrm>
+            <a:off x="11373375" y="3218832"/>
+            <a:ext cx="564118" cy="542925"/>
+          </a:xfrm>
+          <a:prstGeom prst="ellipse">
+            <a:avLst/>
+          </a:prstGeom>
+          <a:solidFill>
+            <a:srgbClr val="A8135A"/>
+          </a:solidFill>
+          <a:ln>
+            <a:solidFill>
+              <a:schemeClr val="bg1"/>
+            </a:solidFill>
+          </a:ln>
+        </p:spPr>
+        <p:style>
+          <a:lnRef idx="2">
+            <a:schemeClr val="accent1">
+              <a:shade val="50000"/>
+            </a:schemeClr>
+          </a:lnRef>
+          <a:fillRef idx="1">
+            <a:schemeClr val="accent1"/>
+          </a:fillRef>
+          <a:effectRef idx="0">
+            <a:schemeClr val="accent1"/>
+          </a:effectRef>
+          <a:fontRef idx="minor">
+            <a:schemeClr val="lt1"/>
+          </a:fontRef>
+        </p:style>
+        <p:txBody>
+          <a:bodyPr rtlCol="0" anchor="ctr"/>
+          <a:lstStyle/>
+          <a:p>
+            <a:pPr marL="0" marR="0" lvl="0" indent="0" algn="ctr" defTabSz="457200" rtl="0" eaLnBrk="1" fontAlgn="auto" latinLnBrk="0" hangingPunct="1">
+              <a:lnSpc>
+                <a:spcPct val="100000"/>
+              </a:lnSpc>
+              <a:spcBef>
+                <a:spcPts val="0"/>
+              </a:spcBef>
+              <a:spcAft>
+                <a:spcPts val="0"/>
+              </a:spcAft>
+              <a:buClrTx/>
+              <a:buSzTx/>
+              <a:buFontTx/>
+              <a:buNone/>
+              <a:tabLst/>
+              <a:defRPr/>
+            </a:pPr>
+            <a:endParaRPr kumimoji="0" lang="fr-FR" sz="1800" b="0" i="0" u="none" strike="noStrike" kern="1200" cap="none" spc="0" normalizeH="0" baseline="0" noProof="0">
+              <a:ln>
+                <a:noFill/>
+              </a:ln>
+              <a:solidFill>
+                <a:prstClr val="white"/>
+              </a:solidFill>
+              <a:effectLst/>
+              <a:uLnTx/>
+              <a:uFillTx/>
+              <a:latin typeface="Trebuchet MS" panose="020B0603020202020204"/>
+              <a:ea typeface="+mn-ea"/>
+              <a:cs typeface="+mn-cs"/>
+            </a:endParaRPr>
+          </a:p>
+        </p:txBody>
+      </p:sp>
     </p:spTree>
     <p:extLst>
       <p:ext uri="{BB962C8B-B14F-4D97-AF65-F5344CB8AC3E}">
@@ -13024,13 +14548,13 @@
   <p:clrMapOvr>
     <a:masterClrMapping/>
   </p:clrMapOvr>
-  <mc:AlternateContent xmlns:mc="http://schemas.openxmlformats.org/markup-compatibility/2006">
-    <mc:Choice xmlns:p159="http://schemas.microsoft.com/office/powerpoint/2015/09/main" Requires="p159">
+  <mc:AlternateContent xmlns:mc="http://schemas.openxmlformats.org/markup-compatibility/2006" xmlns:p159="http://schemas.microsoft.com/office/powerpoint/2015/09/main">
+    <mc:Choice Requires="p159">
       <p:transition xmlns:p14="http://schemas.microsoft.com/office/powerpoint/2010/main" spd="slow" p14:dur="2000">
         <p159:morph option="byObject"/>
       </p:transition>
     </mc:Choice>
-    <mc:Fallback>
+    <mc:Fallback xmlns="">
       <p:transition spd="slow">
         <p:fade/>
       </p:transition>
@@ -13039,7 +14563,7 @@
 </p:sld>
 </file>
 
-<file path=ppt/slides/slide5.xml><?xml version="1.0" encoding="utf-8"?>
+<file path=ppt/slides/slide6.xml><?xml version="1.0" encoding="utf-8"?>
 <p:sld xmlns:a="http://schemas.openxmlformats.org/drawingml/2006/main" xmlns:r="http://schemas.openxmlformats.org/officeDocument/2006/relationships" xmlns:p="http://schemas.openxmlformats.org/presentationml/2006/main">
   <p:cSld>
     <p:bg>
@@ -13064,6 +14588,89 @@
           <a:chExt cx="0" cy="0"/>
         </a:xfrm>
       </p:grpSpPr>
+      <p:sp>
+        <p:nvSpPr>
+          <p:cNvPr id="15" name="Organigramme : Terminateur 14">
+            <a:extLst>
+              <a:ext uri="{FF2B5EF4-FFF2-40B4-BE49-F238E27FC236}">
+                <a16:creationId xmlns:a16="http://schemas.microsoft.com/office/drawing/2014/main" id="{25B81A28-E446-4038-994E-BB4BFA9C6767}"/>
+              </a:ext>
+            </a:extLst>
+          </p:cNvPr>
+          <p:cNvSpPr/>
+          <p:nvPr/>
+        </p:nvSpPr>
+        <p:spPr>
+          <a:xfrm>
+            <a:off x="11349562" y="4144035"/>
+            <a:ext cx="267772" cy="85725"/>
+          </a:xfrm>
+          <a:prstGeom prst="flowChartTerminator">
+            <a:avLst/>
+          </a:prstGeom>
+          <a:solidFill>
+            <a:srgbClr val="A8135A"/>
+          </a:solidFill>
+          <a:ln>
+            <a:solidFill>
+              <a:schemeClr val="bg1"/>
+            </a:solidFill>
+          </a:ln>
+        </p:spPr>
+        <p:style>
+          <a:lnRef idx="2">
+            <a:schemeClr val="accent1">
+              <a:shade val="50000"/>
+            </a:schemeClr>
+          </a:lnRef>
+          <a:fillRef idx="1">
+            <a:schemeClr val="accent1"/>
+          </a:fillRef>
+          <a:effectRef idx="0">
+            <a:schemeClr val="accent1"/>
+          </a:effectRef>
+          <a:fontRef idx="minor">
+            <a:schemeClr val="lt1"/>
+          </a:fontRef>
+        </p:style>
+        <p:txBody>
+          <a:bodyPr rtlCol="0" anchor="ctr"/>
+          <a:lstStyle/>
+          <a:p>
+            <a:pPr marL="0" marR="0" lvl="0" indent="0" algn="ctr" defTabSz="457200" rtl="0" eaLnBrk="1" fontAlgn="auto" latinLnBrk="0" hangingPunct="1">
+              <a:lnSpc>
+                <a:spcPct val="100000"/>
+              </a:lnSpc>
+              <a:spcBef>
+                <a:spcPts val="0"/>
+              </a:spcBef>
+              <a:spcAft>
+                <a:spcPts val="0"/>
+              </a:spcAft>
+              <a:buClrTx/>
+              <a:buSzTx/>
+              <a:buFontTx/>
+              <a:buNone/>
+              <a:tabLst/>
+              <a:defRPr/>
+            </a:pPr>
+            <a:endParaRPr kumimoji="0" lang="fr-FR" sz="1800" b="0" i="0" u="none" strike="noStrike" kern="1200" cap="none" spc="0" normalizeH="0" baseline="0" noProof="0" dirty="0">
+              <a:ln>
+                <a:noFill/>
+              </a:ln>
+              <a:solidFill>
+                <a:prstClr val="white"/>
+              </a:solidFill>
+              <a:effectLst/>
+              <a:uLnTx/>
+              <a:uFillTx/>
+              <a:latin typeface="Trebuchet MS" panose="020B0603020202020204"/>
+              <a:ea typeface="+mn-ea"/>
+              <a:cs typeface="+mn-cs"/>
+            </a:endParaRPr>
+          </a:p>
+        </p:txBody>
+      </p:sp>
       <p:sp>
         <p:nvSpPr>
           <p:cNvPr id="2" name="Titre 1">
@@ -13422,89 +15029,6 @@
       </p:sp>
       <p:sp>
         <p:nvSpPr>
-          <p:cNvPr id="9" name="Ellipse 8">
-            <a:extLst>
-              <a:ext uri="{FF2B5EF4-FFF2-40B4-BE49-F238E27FC236}">
-                <a16:creationId xmlns:a16="http://schemas.microsoft.com/office/drawing/2014/main" id="{AD5DA702-D09B-4F0A-B07A-888FDA16CA09}"/>
-              </a:ext>
-            </a:extLst>
-          </p:cNvPr>
-          <p:cNvSpPr/>
-          <p:nvPr/>
-        </p:nvSpPr>
-        <p:spPr>
-          <a:xfrm>
-            <a:off x="11373375" y="3218832"/>
-            <a:ext cx="564118" cy="542925"/>
-          </a:xfrm>
-          <a:prstGeom prst="ellipse">
-            <a:avLst/>
-          </a:prstGeom>
-          <a:solidFill>
-            <a:srgbClr val="A8135A"/>
-          </a:solidFill>
-          <a:ln>
-            <a:solidFill>
-              <a:schemeClr val="bg1"/>
-            </a:solidFill>
-          </a:ln>
-        </p:spPr>
-        <p:style>
-          <a:lnRef idx="2">
-            <a:schemeClr val="accent1">
-              <a:shade val="50000"/>
-            </a:schemeClr>
-          </a:lnRef>
-          <a:fillRef idx="1">
-            <a:schemeClr val="accent1"/>
-          </a:fillRef>
-          <a:effectRef idx="0">
-            <a:schemeClr val="accent1"/>
-          </a:effectRef>
-          <a:fontRef idx="minor">
-            <a:schemeClr val="lt1"/>
-          </a:fontRef>
-        </p:style>
-        <p:txBody>
-          <a:bodyPr rtlCol="0" anchor="ctr"/>
-          <a:lstStyle/>
-          <a:p>
-            <a:pPr marL="0" marR="0" lvl="0" indent="0" algn="ctr" defTabSz="457200" rtl="0" eaLnBrk="1" fontAlgn="auto" latinLnBrk="0" hangingPunct="1">
-              <a:lnSpc>
-                <a:spcPct val="100000"/>
-              </a:lnSpc>
-              <a:spcBef>
-                <a:spcPts val="0"/>
-              </a:spcBef>
-              <a:spcAft>
-                <a:spcPts val="0"/>
-              </a:spcAft>
-              <a:buClrTx/>
-              <a:buSzTx/>
-              <a:buFontTx/>
-              <a:buNone/>
-              <a:tabLst/>
-              <a:defRPr/>
-            </a:pPr>
-            <a:endParaRPr kumimoji="0" lang="fr-FR" sz="1800" b="0" i="0" u="none" strike="noStrike" kern="1200" cap="none" spc="0" normalizeH="0" baseline="0" noProof="0">
-              <a:ln>
-                <a:noFill/>
-              </a:ln>
-              <a:solidFill>
-                <a:prstClr val="white"/>
-              </a:solidFill>
-              <a:effectLst/>
-              <a:uLnTx/>
-              <a:uFillTx/>
-              <a:latin typeface="Trebuchet MS" panose="020B0603020202020204"/>
-              <a:ea typeface="+mn-ea"/>
-              <a:cs typeface="+mn-cs"/>
-            </a:endParaRPr>
-          </a:p>
-        </p:txBody>
-      </p:sp>
-      <p:sp>
-        <p:nvSpPr>
           <p:cNvPr id="10" name="Ellipse 9">
             <a:extLst>
               <a:ext uri="{FF2B5EF4-FFF2-40B4-BE49-F238E27FC236}">
@@ -13683,8 +15207,8 @@
         </p:nvSpPr>
         <p:spPr>
           <a:xfrm>
-            <a:off x="11603047" y="973021"/>
-            <a:ext cx="104775" cy="2245811"/>
+            <a:off x="11603047" y="973020"/>
+            <a:ext cx="104775" cy="3256740"/>
           </a:xfrm>
           <a:prstGeom prst="rect">
             <a:avLst/>
@@ -13849,8 +15373,8 @@
         </p:nvSpPr>
         <p:spPr>
           <a:xfrm>
-            <a:off x="9809155" y="3283101"/>
-            <a:ext cx="1667150" cy="584775"/>
+            <a:off x="9793678" y="3973994"/>
+            <a:ext cx="1645291" cy="584775"/>
           </a:xfrm>
           <a:prstGeom prst="rect">
             <a:avLst/>
@@ -13923,6 +15447,89 @@
           </a:p>
         </p:txBody>
       </p:sp>
+      <p:sp>
+        <p:nvSpPr>
+          <p:cNvPr id="9" name="Ellipse 8">
+            <a:extLst>
+              <a:ext uri="{FF2B5EF4-FFF2-40B4-BE49-F238E27FC236}">
+                <a16:creationId xmlns:a16="http://schemas.microsoft.com/office/drawing/2014/main" id="{AD5DA702-D09B-4F0A-B07A-888FDA16CA09}"/>
+              </a:ext>
+            </a:extLst>
+          </p:cNvPr>
+          <p:cNvSpPr/>
+          <p:nvPr/>
+        </p:nvSpPr>
+        <p:spPr>
+          <a:xfrm>
+            <a:off x="11373375" y="3218832"/>
+            <a:ext cx="564118" cy="542925"/>
+          </a:xfrm>
+          <a:prstGeom prst="ellipse">
+            <a:avLst/>
+          </a:prstGeom>
+          <a:solidFill>
+            <a:srgbClr val="A8135A"/>
+          </a:solidFill>
+          <a:ln>
+            <a:solidFill>
+              <a:schemeClr val="bg1"/>
+            </a:solidFill>
+          </a:ln>
+        </p:spPr>
+        <p:style>
+          <a:lnRef idx="2">
+            <a:schemeClr val="accent1">
+              <a:shade val="50000"/>
+            </a:schemeClr>
+          </a:lnRef>
+          <a:fillRef idx="1">
+            <a:schemeClr val="accent1"/>
+          </a:fillRef>
+          <a:effectRef idx="0">
+            <a:schemeClr val="accent1"/>
+          </a:effectRef>
+          <a:fontRef idx="minor">
+            <a:schemeClr val="lt1"/>
+          </a:fontRef>
+        </p:style>
+        <p:txBody>
+          <a:bodyPr rtlCol="0" anchor="ctr"/>
+          <a:lstStyle/>
+          <a:p>
+            <a:pPr marL="0" marR="0" lvl="0" indent="0" algn="ctr" defTabSz="457200" rtl="0" eaLnBrk="1" fontAlgn="auto" latinLnBrk="0" hangingPunct="1">
+              <a:lnSpc>
+                <a:spcPct val="100000"/>
+              </a:lnSpc>
+              <a:spcBef>
+                <a:spcPts val="0"/>
+              </a:spcBef>
+              <a:spcAft>
+                <a:spcPts val="0"/>
+              </a:spcAft>
+              <a:buClrTx/>
+              <a:buSzTx/>
+              <a:buFontTx/>
+              <a:buNone/>
+              <a:tabLst/>
+              <a:defRPr/>
+            </a:pPr>
+            <a:endParaRPr kumimoji="0" lang="fr-FR" sz="1800" b="0" i="0" u="none" strike="noStrike" kern="1200" cap="none" spc="0" normalizeH="0" baseline="0" noProof="0" dirty="0">
+              <a:ln>
+                <a:noFill/>
+              </a:ln>
+              <a:solidFill>
+                <a:prstClr val="white"/>
+              </a:solidFill>
+              <a:effectLst/>
+              <a:uLnTx/>
+              <a:uFillTx/>
+              <a:latin typeface="Trebuchet MS" panose="020B0603020202020204"/>
+              <a:ea typeface="+mn-ea"/>
+              <a:cs typeface="+mn-cs"/>
+            </a:endParaRPr>
+          </a:p>
+        </p:txBody>
+      </p:sp>
     </p:spTree>
     <p:extLst>
       <p:ext uri="{BB962C8B-B14F-4D97-AF65-F5344CB8AC3E}">
@@ -13933,13 +15540,13 @@
   <p:clrMapOvr>
     <a:masterClrMapping/>
   </p:clrMapOvr>
-  <mc:AlternateContent xmlns:mc="http://schemas.openxmlformats.org/markup-compatibility/2006">
-    <mc:Choice xmlns:p159="http://schemas.microsoft.com/office/powerpoint/2015/09/main" Requires="p159">
+  <mc:AlternateContent xmlns:mc="http://schemas.openxmlformats.org/markup-compatibility/2006" xmlns:p159="http://schemas.microsoft.com/office/powerpoint/2015/09/main">
+    <mc:Choice Requires="p159">
       <p:transition xmlns:p14="http://schemas.microsoft.com/office/powerpoint/2010/main" spd="slow" p14:dur="2000">
         <p159:morph option="byObject"/>
       </p:transition>
     </mc:Choice>
-    <mc:Fallback>
+    <mc:Fallback xmlns="">
       <p:transition spd="slow">
         <p:fade/>
       </p:transition>
@@ -13948,7 +15555,7 @@
 </p:sld>
 </file>
 
-<file path=ppt/slides/slide6.xml><?xml version="1.0" encoding="utf-8"?>
+<file path=ppt/slides/slide7.xml><?xml version="1.0" encoding="utf-8"?>
 <p:sld xmlns:a="http://schemas.openxmlformats.org/drawingml/2006/main" xmlns:r="http://schemas.openxmlformats.org/officeDocument/2006/relationships" xmlns:p="http://schemas.openxmlformats.org/presentationml/2006/main">
   <p:cSld>
     <p:spTree>
@@ -13965,6 +15572,89 @@
           <a:chExt cx="0" cy="0"/>
         </a:xfrm>
       </p:grpSpPr>
+      <p:sp>
+        <p:nvSpPr>
+          <p:cNvPr id="14" name="Organigramme : Terminateur 13">
+            <a:extLst>
+              <a:ext uri="{FF2B5EF4-FFF2-40B4-BE49-F238E27FC236}">
+                <a16:creationId xmlns:a16="http://schemas.microsoft.com/office/drawing/2014/main" id="{7361694F-02FD-4CBE-9492-B903FCDE5EBF}"/>
+              </a:ext>
+            </a:extLst>
+          </p:cNvPr>
+          <p:cNvSpPr/>
+          <p:nvPr/>
+        </p:nvSpPr>
+        <p:spPr>
+          <a:xfrm>
+            <a:off x="11373375" y="4166453"/>
+            <a:ext cx="267772" cy="85725"/>
+          </a:xfrm>
+          <a:prstGeom prst="flowChartTerminator">
+            <a:avLst/>
+          </a:prstGeom>
+          <a:solidFill>
+            <a:srgbClr val="A8135A"/>
+          </a:solidFill>
+          <a:ln>
+            <a:solidFill>
+              <a:schemeClr val="bg1"/>
+            </a:solidFill>
+          </a:ln>
+        </p:spPr>
+        <p:style>
+          <a:lnRef idx="2">
+            <a:schemeClr val="accent1">
+              <a:shade val="50000"/>
+            </a:schemeClr>
+          </a:lnRef>
+          <a:fillRef idx="1">
+            <a:schemeClr val="accent1"/>
+          </a:fillRef>
+          <a:effectRef idx="0">
+            <a:schemeClr val="accent1"/>
+          </a:effectRef>
+          <a:fontRef idx="minor">
+            <a:schemeClr val="lt1"/>
+          </a:fontRef>
+        </p:style>
+        <p:txBody>
+          <a:bodyPr rtlCol="0" anchor="ctr"/>
+          <a:lstStyle/>
+          <a:p>
+            <a:pPr marL="0" marR="0" lvl="0" indent="0" algn="ctr" defTabSz="457200" rtl="0" eaLnBrk="1" fontAlgn="auto" latinLnBrk="0" hangingPunct="1">
+              <a:lnSpc>
+                <a:spcPct val="100000"/>
+              </a:lnSpc>
+              <a:spcBef>
+                <a:spcPts val="0"/>
+              </a:spcBef>
+              <a:spcAft>
+                <a:spcPts val="0"/>
+              </a:spcAft>
+              <a:buClrTx/>
+              <a:buSzTx/>
+              <a:buFontTx/>
+              <a:buNone/>
+              <a:tabLst/>
+              <a:defRPr/>
+            </a:pPr>
+            <a:endParaRPr kumimoji="0" lang="fr-FR" sz="1800" b="0" i="0" u="none" strike="noStrike" kern="1200" cap="none" spc="0" normalizeH="0" baseline="0" noProof="0" dirty="0">
+              <a:ln>
+                <a:noFill/>
+              </a:ln>
+              <a:solidFill>
+                <a:prstClr val="white"/>
+              </a:solidFill>
+              <a:effectLst/>
+              <a:uLnTx/>
+              <a:uFillTx/>
+              <a:latin typeface="Trebuchet MS" panose="020B0603020202020204"/>
+              <a:ea typeface="+mn-ea"/>
+              <a:cs typeface="+mn-cs"/>
+            </a:endParaRPr>
+          </a:p>
+        </p:txBody>
+      </p:sp>
       <p:sp>
         <p:nvSpPr>
           <p:cNvPr id="3" name="Espace réservé du contenu 2">
@@ -14014,7 +15704,7 @@
           <a:p>
             <a:r>
               <a:rPr lang="fr-FR" dirty="0"/>
-              <a:t>Coder la connexion sur l’Arduino avec les librairies correspondantes.</a:t>
+              <a:t>Coder le programme de connexion sur l’Arduino avec les librairies correspondantes.</a:t>
             </a:r>
           </a:p>
         </p:txBody>
@@ -14035,7 +15725,7 @@
         </p:nvSpPr>
         <p:spPr>
           <a:xfrm>
-            <a:off x="681086" y="751304"/>
+            <a:off x="677333" y="568326"/>
             <a:ext cx="5921049" cy="1320800"/>
           </a:xfrm>
           <a:prstGeom prst="rect">
@@ -14644,7 +16334,7 @@
         </p:nvSpPr>
         <p:spPr>
           <a:xfrm>
-            <a:off x="11373375" y="5869339"/>
+            <a:off x="11359088" y="5869338"/>
             <a:ext cx="564118" cy="542925"/>
           </a:xfrm>
           <a:prstGeom prst="ellipse">
@@ -14811,7 +16501,7 @@
         <p:spPr>
           <a:xfrm>
             <a:off x="11603047" y="973022"/>
-            <a:ext cx="150724" cy="4896318"/>
+            <a:ext cx="104775" cy="4979855"/>
           </a:xfrm>
           <a:prstGeom prst="rect">
             <a:avLst/>
@@ -15143,13 +16833,13 @@
   <p:clrMapOvr>
     <a:masterClrMapping/>
   </p:clrMapOvr>
-  <mc:AlternateContent xmlns:mc="http://schemas.openxmlformats.org/markup-compatibility/2006">
-    <mc:Choice xmlns:p159="http://schemas.microsoft.com/office/powerpoint/2015/09/main" Requires="p159">
+  <mc:AlternateContent xmlns:mc="http://schemas.openxmlformats.org/markup-compatibility/2006" xmlns:p159="http://schemas.microsoft.com/office/powerpoint/2015/09/main">
+    <mc:Choice Requires="p159">
       <p:transition xmlns:p14="http://schemas.microsoft.com/office/powerpoint/2010/main" spd="slow" p14:dur="2000">
         <p159:morph option="byObject"/>
       </p:transition>
     </mc:Choice>
-    <mc:Fallback>
+    <mc:Fallback xmlns="">
       <p:transition spd="slow">
         <p:fade/>
       </p:transition>

--- a/Cyril/Projet Théléton.pptx
+++ b/Cyril/Projet Théléton.pptx
@@ -6,8 +6,8 @@
   </p:sldMasterIdLst>
   <p:sldIdLst>
     <p:sldId id="266" r:id="rId2"/>
-    <p:sldId id="267" r:id="rId3"/>
-    <p:sldId id="269" r:id="rId4"/>
+    <p:sldId id="269" r:id="rId3"/>
+    <p:sldId id="267" r:id="rId4"/>
     <p:sldId id="258" r:id="rId5"/>
     <p:sldId id="259" r:id="rId6"/>
     <p:sldId id="263" r:id="rId7"/>
@@ -10137,6 +10137,967 @@
 <file path=ppt/slides/slide2.xml><?xml version="1.0" encoding="utf-8"?>
 <p:sld xmlns:a="http://schemas.openxmlformats.org/drawingml/2006/main" xmlns:r="http://schemas.openxmlformats.org/officeDocument/2006/relationships" xmlns:p="http://schemas.openxmlformats.org/presentationml/2006/main">
   <p:cSld>
+    <p:spTree>
+      <p:nvGrpSpPr>
+        <p:cNvPr id="1" name=""/>
+        <p:cNvGrpSpPr/>
+        <p:nvPr/>
+      </p:nvGrpSpPr>
+      <p:grpSpPr>
+        <a:xfrm>
+          <a:off x="0" y="0"/>
+          <a:ext cx="0" cy="0"/>
+          <a:chOff x="0" y="0"/>
+          <a:chExt cx="0" cy="0"/>
+        </a:xfrm>
+      </p:grpSpPr>
+      <p:sp>
+        <p:nvSpPr>
+          <p:cNvPr id="6" name="Organigramme : Terminateur 5">
+            <a:extLst>
+              <a:ext uri="{FF2B5EF4-FFF2-40B4-BE49-F238E27FC236}">
+                <a16:creationId xmlns:a16="http://schemas.microsoft.com/office/drawing/2014/main" id="{3A2F6578-AC6F-4ED1-B23C-212ACEE00C6B}"/>
+              </a:ext>
+            </a:extLst>
+          </p:cNvPr>
+          <p:cNvSpPr/>
+          <p:nvPr/>
+        </p:nvSpPr>
+        <p:spPr>
+          <a:xfrm>
+            <a:off x="11352771" y="1569500"/>
+            <a:ext cx="358260" cy="85725"/>
+          </a:xfrm>
+          <a:prstGeom prst="flowChartTerminator">
+            <a:avLst/>
+          </a:prstGeom>
+          <a:solidFill>
+            <a:srgbClr val="A8135A"/>
+          </a:solidFill>
+          <a:ln>
+            <a:solidFill>
+              <a:schemeClr val="bg1"/>
+            </a:solidFill>
+          </a:ln>
+        </p:spPr>
+        <p:style>
+          <a:lnRef idx="2">
+            <a:schemeClr val="accent1">
+              <a:shade val="50000"/>
+            </a:schemeClr>
+          </a:lnRef>
+          <a:fillRef idx="1">
+            <a:schemeClr val="accent1"/>
+          </a:fillRef>
+          <a:effectRef idx="0">
+            <a:schemeClr val="accent1"/>
+          </a:effectRef>
+          <a:fontRef idx="minor">
+            <a:schemeClr val="lt1"/>
+          </a:fontRef>
+        </p:style>
+        <p:txBody>
+          <a:bodyPr rtlCol="0" anchor="ctr"/>
+          <a:lstStyle/>
+          <a:p>
+            <a:pPr marL="0" marR="0" lvl="0" indent="0" algn="ctr" defTabSz="457200" rtl="0" eaLnBrk="1" fontAlgn="auto" latinLnBrk="0" hangingPunct="1">
+              <a:lnSpc>
+                <a:spcPct val="100000"/>
+              </a:lnSpc>
+              <a:spcBef>
+                <a:spcPts val="0"/>
+              </a:spcBef>
+              <a:spcAft>
+                <a:spcPts val="0"/>
+              </a:spcAft>
+              <a:buClrTx/>
+              <a:buSzTx/>
+              <a:buFontTx/>
+              <a:buNone/>
+              <a:tabLst/>
+              <a:defRPr/>
+            </a:pPr>
+            <a:endParaRPr kumimoji="0" lang="fr-FR" sz="1800" b="0" i="0" u="none" strike="noStrike" kern="1200" cap="none" spc="0" normalizeH="0" baseline="0" noProof="0" dirty="0">
+              <a:ln>
+                <a:noFill/>
+              </a:ln>
+              <a:solidFill>
+                <a:prstClr val="white"/>
+              </a:solidFill>
+              <a:effectLst/>
+              <a:uLnTx/>
+              <a:uFillTx/>
+              <a:latin typeface="Trebuchet MS" panose="020B0603020202020204"/>
+              <a:ea typeface="+mn-ea"/>
+              <a:cs typeface="+mn-cs"/>
+            </a:endParaRPr>
+          </a:p>
+        </p:txBody>
+      </p:sp>
+      <p:sp>
+        <p:nvSpPr>
+          <p:cNvPr id="2" name="Titre 1">
+            <a:extLst>
+              <a:ext uri="{FF2B5EF4-FFF2-40B4-BE49-F238E27FC236}">
+                <a16:creationId xmlns:a16="http://schemas.microsoft.com/office/drawing/2014/main" id="{22D3E740-A9FF-4C2C-BFFF-1E9FC7D7603D}"/>
+              </a:ext>
+            </a:extLst>
+          </p:cNvPr>
+          <p:cNvSpPr>
+            <a:spLocks noGrp="1"/>
+          </p:cNvSpPr>
+          <p:nvPr>
+            <p:ph type="title"/>
+          </p:nvPr>
+        </p:nvSpPr>
+        <p:spPr>
+          <a:xfrm>
+            <a:off x="3472753" y="143435"/>
+            <a:ext cx="3330383" cy="1320800"/>
+          </a:xfrm>
+        </p:spPr>
+        <p:txBody>
+          <a:bodyPr/>
+          <a:lstStyle/>
+          <a:p>
+            <a:r>
+              <a:rPr lang="fr-FR" dirty="0"/>
+              <a:t>Schéma global</a:t>
+            </a:r>
+          </a:p>
+        </p:txBody>
+      </p:sp>
+      <p:sp>
+        <p:nvSpPr>
+          <p:cNvPr id="7" name="Rectangle 6">
+            <a:extLst>
+              <a:ext uri="{FF2B5EF4-FFF2-40B4-BE49-F238E27FC236}">
+                <a16:creationId xmlns:a16="http://schemas.microsoft.com/office/drawing/2014/main" id="{1C76443C-17D9-4F61-A5BA-DE56B54B4ECC}"/>
+              </a:ext>
+            </a:extLst>
+          </p:cNvPr>
+          <p:cNvSpPr/>
+          <p:nvPr/>
+        </p:nvSpPr>
+        <p:spPr>
+          <a:xfrm>
+            <a:off x="11606256" y="808060"/>
+            <a:ext cx="104775" cy="5614778"/>
+          </a:xfrm>
+          <a:prstGeom prst="rect">
+            <a:avLst/>
+          </a:prstGeom>
+          <a:solidFill>
+            <a:schemeClr val="bg1"/>
+          </a:solidFill>
+          <a:ln>
+            <a:solidFill>
+              <a:schemeClr val="bg1"/>
+            </a:solidFill>
+          </a:ln>
+        </p:spPr>
+        <p:style>
+          <a:lnRef idx="2">
+            <a:schemeClr val="accent1">
+              <a:shade val="50000"/>
+            </a:schemeClr>
+          </a:lnRef>
+          <a:fillRef idx="1">
+            <a:schemeClr val="accent1"/>
+          </a:fillRef>
+          <a:effectRef idx="0">
+            <a:schemeClr val="accent1"/>
+          </a:effectRef>
+          <a:fontRef idx="minor">
+            <a:schemeClr val="lt1"/>
+          </a:fontRef>
+        </p:style>
+        <p:txBody>
+          <a:bodyPr rtlCol="0" anchor="ctr"/>
+          <a:lstStyle/>
+          <a:p>
+            <a:pPr marL="0" marR="0" lvl="0" indent="0" algn="ctr" defTabSz="457200" rtl="0" eaLnBrk="1" fontAlgn="auto" latinLnBrk="0" hangingPunct="1">
+              <a:lnSpc>
+                <a:spcPct val="100000"/>
+              </a:lnSpc>
+              <a:spcBef>
+                <a:spcPts val="0"/>
+              </a:spcBef>
+              <a:spcAft>
+                <a:spcPts val="0"/>
+              </a:spcAft>
+              <a:buClrTx/>
+              <a:buSzTx/>
+              <a:buFontTx/>
+              <a:buNone/>
+              <a:tabLst/>
+              <a:defRPr/>
+            </a:pPr>
+            <a:endParaRPr kumimoji="0" lang="fr-FR" sz="1800" b="0" i="0" u="none" strike="noStrike" kern="1200" cap="none" spc="0" normalizeH="0" baseline="0" noProof="0">
+              <a:ln>
+                <a:noFill/>
+              </a:ln>
+              <a:solidFill>
+                <a:prstClr val="white"/>
+              </a:solidFill>
+              <a:effectLst/>
+              <a:uLnTx/>
+              <a:uFillTx/>
+              <a:latin typeface="Trebuchet MS" panose="020B0603020202020204"/>
+              <a:ea typeface="+mn-ea"/>
+              <a:cs typeface="+mn-cs"/>
+            </a:endParaRPr>
+          </a:p>
+        </p:txBody>
+      </p:sp>
+      <p:sp>
+        <p:nvSpPr>
+          <p:cNvPr id="8" name="Ellipse 7">
+            <a:extLst>
+              <a:ext uri="{FF2B5EF4-FFF2-40B4-BE49-F238E27FC236}">
+                <a16:creationId xmlns:a16="http://schemas.microsoft.com/office/drawing/2014/main" id="{9D5301C1-66FE-4A01-94A4-C667304968AB}"/>
+              </a:ext>
+            </a:extLst>
+          </p:cNvPr>
+          <p:cNvSpPr/>
+          <p:nvPr/>
+        </p:nvSpPr>
+        <p:spPr>
+          <a:xfrm>
+            <a:off x="11376584" y="3256218"/>
+            <a:ext cx="564118" cy="542925"/>
+          </a:xfrm>
+          <a:prstGeom prst="ellipse">
+            <a:avLst/>
+          </a:prstGeom>
+          <a:solidFill>
+            <a:schemeClr val="bg1"/>
+          </a:solidFill>
+          <a:ln>
+            <a:solidFill>
+              <a:schemeClr val="bg1"/>
+            </a:solidFill>
+          </a:ln>
+        </p:spPr>
+        <p:style>
+          <a:lnRef idx="2">
+            <a:schemeClr val="accent1">
+              <a:shade val="50000"/>
+            </a:schemeClr>
+          </a:lnRef>
+          <a:fillRef idx="1">
+            <a:schemeClr val="accent1"/>
+          </a:fillRef>
+          <a:effectRef idx="0">
+            <a:schemeClr val="accent1"/>
+          </a:effectRef>
+          <a:fontRef idx="minor">
+            <a:schemeClr val="lt1"/>
+          </a:fontRef>
+        </p:style>
+        <p:txBody>
+          <a:bodyPr rtlCol="0" anchor="ctr"/>
+          <a:lstStyle/>
+          <a:p>
+            <a:pPr marL="0" marR="0" lvl="0" indent="0" algn="ctr" defTabSz="457200" rtl="0" eaLnBrk="1" fontAlgn="auto" latinLnBrk="0" hangingPunct="1">
+              <a:lnSpc>
+                <a:spcPct val="100000"/>
+              </a:lnSpc>
+              <a:spcBef>
+                <a:spcPts val="0"/>
+              </a:spcBef>
+              <a:spcAft>
+                <a:spcPts val="0"/>
+              </a:spcAft>
+              <a:buClrTx/>
+              <a:buSzTx/>
+              <a:buFontTx/>
+              <a:buNone/>
+              <a:tabLst/>
+              <a:defRPr/>
+            </a:pPr>
+            <a:endParaRPr kumimoji="0" lang="fr-FR" sz="1800" b="0" i="0" u="none" strike="noStrike" kern="1200" cap="none" spc="0" normalizeH="0" baseline="0" noProof="0">
+              <a:ln>
+                <a:noFill/>
+              </a:ln>
+              <a:solidFill>
+                <a:prstClr val="white"/>
+              </a:solidFill>
+              <a:effectLst/>
+              <a:uLnTx/>
+              <a:uFillTx/>
+              <a:latin typeface="Trebuchet MS" panose="020B0603020202020204"/>
+              <a:ea typeface="+mn-ea"/>
+              <a:cs typeface="+mn-cs"/>
+            </a:endParaRPr>
+          </a:p>
+        </p:txBody>
+      </p:sp>
+      <p:sp>
+        <p:nvSpPr>
+          <p:cNvPr id="9" name="Ellipse 8">
+            <a:extLst>
+              <a:ext uri="{FF2B5EF4-FFF2-40B4-BE49-F238E27FC236}">
+                <a16:creationId xmlns:a16="http://schemas.microsoft.com/office/drawing/2014/main" id="{A12B066B-88F1-42BB-B760-F6FE09BA8C9E}"/>
+              </a:ext>
+            </a:extLst>
+          </p:cNvPr>
+          <p:cNvSpPr/>
+          <p:nvPr/>
+        </p:nvSpPr>
+        <p:spPr>
+          <a:xfrm>
+            <a:off x="11376584" y="5906725"/>
+            <a:ext cx="564118" cy="542925"/>
+          </a:xfrm>
+          <a:prstGeom prst="ellipse">
+            <a:avLst/>
+          </a:prstGeom>
+          <a:solidFill>
+            <a:schemeClr val="bg1"/>
+          </a:solidFill>
+          <a:ln>
+            <a:solidFill>
+              <a:schemeClr val="bg1"/>
+            </a:solidFill>
+          </a:ln>
+        </p:spPr>
+        <p:style>
+          <a:lnRef idx="2">
+            <a:schemeClr val="accent1">
+              <a:shade val="50000"/>
+            </a:schemeClr>
+          </a:lnRef>
+          <a:fillRef idx="1">
+            <a:schemeClr val="accent1"/>
+          </a:fillRef>
+          <a:effectRef idx="0">
+            <a:schemeClr val="accent1"/>
+          </a:effectRef>
+          <a:fontRef idx="minor">
+            <a:schemeClr val="lt1"/>
+          </a:fontRef>
+        </p:style>
+        <p:txBody>
+          <a:bodyPr rtlCol="0" anchor="ctr"/>
+          <a:lstStyle/>
+          <a:p>
+            <a:pPr marL="0" marR="0" lvl="0" indent="0" algn="ctr" defTabSz="457200" rtl="0" eaLnBrk="1" fontAlgn="auto" latinLnBrk="0" hangingPunct="1">
+              <a:lnSpc>
+                <a:spcPct val="100000"/>
+              </a:lnSpc>
+              <a:spcBef>
+                <a:spcPts val="0"/>
+              </a:spcBef>
+              <a:spcAft>
+                <a:spcPts val="0"/>
+              </a:spcAft>
+              <a:buClrTx/>
+              <a:buSzTx/>
+              <a:buFontTx/>
+              <a:buNone/>
+              <a:tabLst/>
+              <a:defRPr/>
+            </a:pPr>
+            <a:endParaRPr kumimoji="0" lang="fr-FR" sz="1800" b="0" i="0" u="none" strike="noStrike" kern="1200" cap="none" spc="0" normalizeH="0" baseline="0" noProof="0">
+              <a:ln>
+                <a:noFill/>
+              </a:ln>
+              <a:solidFill>
+                <a:prstClr val="white"/>
+              </a:solidFill>
+              <a:effectLst/>
+              <a:uLnTx/>
+              <a:uFillTx/>
+              <a:latin typeface="Trebuchet MS" panose="020B0603020202020204"/>
+              <a:ea typeface="+mn-ea"/>
+              <a:cs typeface="+mn-cs"/>
+            </a:endParaRPr>
+          </a:p>
+        </p:txBody>
+      </p:sp>
+      <p:sp>
+        <p:nvSpPr>
+          <p:cNvPr id="10" name="Organigramme : Terminateur 9">
+            <a:extLst>
+              <a:ext uri="{FF2B5EF4-FFF2-40B4-BE49-F238E27FC236}">
+                <a16:creationId xmlns:a16="http://schemas.microsoft.com/office/drawing/2014/main" id="{9C20B99D-C764-4A28-A481-AD86EA970D79}"/>
+              </a:ext>
+            </a:extLst>
+          </p:cNvPr>
+          <p:cNvSpPr/>
+          <p:nvPr/>
+        </p:nvSpPr>
+        <p:spPr>
+          <a:xfrm>
+            <a:off x="11376584" y="4170049"/>
+            <a:ext cx="267772" cy="85725"/>
+          </a:xfrm>
+          <a:prstGeom prst="flowChartTerminator">
+            <a:avLst/>
+          </a:prstGeom>
+          <a:solidFill>
+            <a:schemeClr val="bg1"/>
+          </a:solidFill>
+          <a:ln>
+            <a:solidFill>
+              <a:schemeClr val="bg1"/>
+            </a:solidFill>
+          </a:ln>
+        </p:spPr>
+        <p:style>
+          <a:lnRef idx="2">
+            <a:schemeClr val="accent1">
+              <a:shade val="50000"/>
+            </a:schemeClr>
+          </a:lnRef>
+          <a:fillRef idx="1">
+            <a:schemeClr val="accent1"/>
+          </a:fillRef>
+          <a:effectRef idx="0">
+            <a:schemeClr val="accent1"/>
+          </a:effectRef>
+          <a:fontRef idx="minor">
+            <a:schemeClr val="lt1"/>
+          </a:fontRef>
+        </p:style>
+        <p:txBody>
+          <a:bodyPr rtlCol="0" anchor="ctr"/>
+          <a:lstStyle/>
+          <a:p>
+            <a:pPr marL="0" marR="0" lvl="0" indent="0" algn="ctr" defTabSz="457200" rtl="0" eaLnBrk="1" fontAlgn="auto" latinLnBrk="0" hangingPunct="1">
+              <a:lnSpc>
+                <a:spcPct val="100000"/>
+              </a:lnSpc>
+              <a:spcBef>
+                <a:spcPts val="0"/>
+              </a:spcBef>
+              <a:spcAft>
+                <a:spcPts val="0"/>
+              </a:spcAft>
+              <a:buClrTx/>
+              <a:buSzTx/>
+              <a:buFontTx/>
+              <a:buNone/>
+              <a:tabLst/>
+              <a:defRPr/>
+            </a:pPr>
+            <a:endParaRPr kumimoji="0" lang="fr-FR" sz="1800" b="0" i="0" u="none" strike="noStrike" kern="1200" cap="none" spc="0" normalizeH="0" baseline="0" noProof="0">
+              <a:ln>
+                <a:noFill/>
+              </a:ln>
+              <a:solidFill>
+                <a:prstClr val="white"/>
+              </a:solidFill>
+              <a:effectLst/>
+              <a:uLnTx/>
+              <a:uFillTx/>
+              <a:latin typeface="Trebuchet MS" panose="020B0603020202020204"/>
+              <a:ea typeface="+mn-ea"/>
+              <a:cs typeface="+mn-cs"/>
+            </a:endParaRPr>
+          </a:p>
+        </p:txBody>
+      </p:sp>
+      <p:sp>
+        <p:nvSpPr>
+          <p:cNvPr id="11" name="Rectangle 10">
+            <a:extLst>
+              <a:ext uri="{FF2B5EF4-FFF2-40B4-BE49-F238E27FC236}">
+                <a16:creationId xmlns:a16="http://schemas.microsoft.com/office/drawing/2014/main" id="{055A0321-5810-49FF-AD10-D6D766CE9F86}"/>
+              </a:ext>
+            </a:extLst>
+          </p:cNvPr>
+          <p:cNvSpPr/>
+          <p:nvPr/>
+        </p:nvSpPr>
+        <p:spPr>
+          <a:xfrm>
+            <a:off x="11606256" y="1010409"/>
+            <a:ext cx="104775" cy="54712"/>
+          </a:xfrm>
+          <a:prstGeom prst="rect">
+            <a:avLst/>
+          </a:prstGeom>
+          <a:solidFill>
+            <a:srgbClr val="A8135A"/>
+          </a:solidFill>
+          <a:ln>
+            <a:solidFill>
+              <a:schemeClr val="bg1"/>
+            </a:solidFill>
+          </a:ln>
+        </p:spPr>
+        <p:style>
+          <a:lnRef idx="2">
+            <a:schemeClr val="accent1">
+              <a:shade val="50000"/>
+            </a:schemeClr>
+          </a:lnRef>
+          <a:fillRef idx="1">
+            <a:schemeClr val="accent1"/>
+          </a:fillRef>
+          <a:effectRef idx="0">
+            <a:schemeClr val="accent1"/>
+          </a:effectRef>
+          <a:fontRef idx="minor">
+            <a:schemeClr val="lt1"/>
+          </a:fontRef>
+        </p:style>
+        <p:txBody>
+          <a:bodyPr rtlCol="0" anchor="ctr"/>
+          <a:lstStyle/>
+          <a:p>
+            <a:pPr marL="0" marR="0" lvl="0" indent="0" algn="ctr" defTabSz="457200" rtl="0" eaLnBrk="1" fontAlgn="auto" latinLnBrk="0" hangingPunct="1">
+              <a:lnSpc>
+                <a:spcPct val="100000"/>
+              </a:lnSpc>
+              <a:spcBef>
+                <a:spcPts val="0"/>
+              </a:spcBef>
+              <a:spcAft>
+                <a:spcPts val="0"/>
+              </a:spcAft>
+              <a:buClrTx/>
+              <a:buSzTx/>
+              <a:buFontTx/>
+              <a:buNone/>
+              <a:tabLst/>
+              <a:defRPr/>
+            </a:pPr>
+            <a:endParaRPr kumimoji="0" lang="fr-FR" sz="1800" b="0" i="0" u="none" strike="noStrike" kern="1200" cap="none" spc="0" normalizeH="0" baseline="0" noProof="0">
+              <a:ln>
+                <a:noFill/>
+              </a:ln>
+              <a:solidFill>
+                <a:prstClr val="white"/>
+              </a:solidFill>
+              <a:effectLst/>
+              <a:uLnTx/>
+              <a:uFillTx/>
+              <a:latin typeface="Trebuchet MS" panose="020B0603020202020204"/>
+              <a:ea typeface="+mn-ea"/>
+              <a:cs typeface="+mn-cs"/>
+            </a:endParaRPr>
+          </a:p>
+        </p:txBody>
+      </p:sp>
+      <p:sp>
+        <p:nvSpPr>
+          <p:cNvPr id="13" name="Organigramme : Terminateur 12">
+            <a:extLst>
+              <a:ext uri="{FF2B5EF4-FFF2-40B4-BE49-F238E27FC236}">
+                <a16:creationId xmlns:a16="http://schemas.microsoft.com/office/drawing/2014/main" id="{B7A2192A-734D-4C25-AA00-6B0C5F2D78DE}"/>
+              </a:ext>
+            </a:extLst>
+          </p:cNvPr>
+          <p:cNvSpPr/>
+          <p:nvPr/>
+        </p:nvSpPr>
+        <p:spPr>
+          <a:xfrm>
+            <a:off x="11352771" y="2412274"/>
+            <a:ext cx="358260" cy="85725"/>
+          </a:xfrm>
+          <a:prstGeom prst="flowChartTerminator">
+            <a:avLst/>
+          </a:prstGeom>
+          <a:solidFill>
+            <a:schemeClr val="bg1"/>
+          </a:solidFill>
+          <a:ln>
+            <a:solidFill>
+              <a:schemeClr val="bg1"/>
+            </a:solidFill>
+          </a:ln>
+        </p:spPr>
+        <p:style>
+          <a:lnRef idx="2">
+            <a:schemeClr val="accent1">
+              <a:shade val="50000"/>
+            </a:schemeClr>
+          </a:lnRef>
+          <a:fillRef idx="1">
+            <a:schemeClr val="accent1"/>
+          </a:fillRef>
+          <a:effectRef idx="0">
+            <a:schemeClr val="accent1"/>
+          </a:effectRef>
+          <a:fontRef idx="minor">
+            <a:schemeClr val="lt1"/>
+          </a:fontRef>
+        </p:style>
+        <p:txBody>
+          <a:bodyPr rtlCol="0" anchor="ctr"/>
+          <a:lstStyle/>
+          <a:p>
+            <a:pPr marL="0" marR="0" lvl="0" indent="0" algn="ctr" defTabSz="457200" rtl="0" eaLnBrk="1" fontAlgn="auto" latinLnBrk="0" hangingPunct="1">
+              <a:lnSpc>
+                <a:spcPct val="100000"/>
+              </a:lnSpc>
+              <a:spcBef>
+                <a:spcPts val="0"/>
+              </a:spcBef>
+              <a:spcAft>
+                <a:spcPts val="0"/>
+              </a:spcAft>
+              <a:buClrTx/>
+              <a:buSzTx/>
+              <a:buFontTx/>
+              <a:buNone/>
+              <a:tabLst/>
+              <a:defRPr/>
+            </a:pPr>
+            <a:endParaRPr kumimoji="0" lang="fr-FR" sz="1800" b="0" i="0" u="none" strike="noStrike" kern="1200" cap="none" spc="0" normalizeH="0" baseline="0" noProof="0" dirty="0">
+              <a:ln>
+                <a:noFill/>
+              </a:ln>
+              <a:solidFill>
+                <a:prstClr val="white"/>
+              </a:solidFill>
+              <a:effectLst/>
+              <a:uLnTx/>
+              <a:uFillTx/>
+              <a:latin typeface="Trebuchet MS" panose="020B0603020202020204"/>
+              <a:ea typeface="+mn-ea"/>
+              <a:cs typeface="+mn-cs"/>
+            </a:endParaRPr>
+          </a:p>
+        </p:txBody>
+      </p:sp>
+      <p:sp>
+        <p:nvSpPr>
+          <p:cNvPr id="14" name="ZoneTexte 13">
+            <a:extLst>
+              <a:ext uri="{FF2B5EF4-FFF2-40B4-BE49-F238E27FC236}">
+                <a16:creationId xmlns:a16="http://schemas.microsoft.com/office/drawing/2014/main" id="{BB427E49-FA20-402C-B6D6-712EDD9842C6}"/>
+              </a:ext>
+            </a:extLst>
+          </p:cNvPr>
+          <p:cNvSpPr txBox="1"/>
+          <p:nvPr/>
+        </p:nvSpPr>
+        <p:spPr>
+          <a:xfrm>
+            <a:off x="9885891" y="1435990"/>
+            <a:ext cx="1602320" cy="338554"/>
+          </a:xfrm>
+          <a:prstGeom prst="rect">
+            <a:avLst/>
+          </a:prstGeom>
+          <a:noFill/>
+        </p:spPr>
+        <p:txBody>
+          <a:bodyPr wrap="square" rtlCol="0">
+            <a:spAutoFit/>
+          </a:bodyPr>
+          <a:lstStyle/>
+          <a:p>
+            <a:pPr marL="0" marR="0" lvl="0" indent="0" algn="l" defTabSz="457200" rtl="0" eaLnBrk="1" fontAlgn="auto" latinLnBrk="0" hangingPunct="1">
+              <a:lnSpc>
+                <a:spcPct val="100000"/>
+              </a:lnSpc>
+              <a:spcBef>
+                <a:spcPts val="0"/>
+              </a:spcBef>
+              <a:spcAft>
+                <a:spcPts val="0"/>
+              </a:spcAft>
+              <a:buClrTx/>
+              <a:buSzTx/>
+              <a:buFontTx/>
+              <a:buNone/>
+              <a:tabLst/>
+              <a:defRPr/>
+            </a:pPr>
+            <a:r>
+              <a:rPr kumimoji="0" lang="fr-FR" sz="1600" b="0" i="0" u="none" strike="noStrike" kern="1200" cap="none" spc="0" normalizeH="0" baseline="0" noProof="0" dirty="0">
+                <a:ln>
+                  <a:noFill/>
+                </a:ln>
+                <a:solidFill>
+                  <a:prstClr val="black"/>
+                </a:solidFill>
+                <a:effectLst/>
+                <a:uLnTx/>
+                <a:uFillTx/>
+                <a:latin typeface="Trebuchet MS" panose="020B0603020202020204"/>
+                <a:ea typeface="+mn-ea"/>
+                <a:cs typeface="+mn-cs"/>
+              </a:rPr>
+              <a:t>Schéma global</a:t>
+            </a:r>
+          </a:p>
+        </p:txBody>
+      </p:sp>
+      <p:sp>
+        <p:nvSpPr>
+          <p:cNvPr id="15" name="Rectangle 14">
+            <a:extLst>
+              <a:ext uri="{FF2B5EF4-FFF2-40B4-BE49-F238E27FC236}">
+                <a16:creationId xmlns:a16="http://schemas.microsoft.com/office/drawing/2014/main" id="{6C9706A4-DB59-4078-A6C8-393A3F991B17}"/>
+              </a:ext>
+            </a:extLst>
+          </p:cNvPr>
+          <p:cNvSpPr/>
+          <p:nvPr/>
+        </p:nvSpPr>
+        <p:spPr>
+          <a:xfrm>
+            <a:off x="11603047" y="973022"/>
+            <a:ext cx="104775" cy="682203"/>
+          </a:xfrm>
+          <a:prstGeom prst="rect">
+            <a:avLst/>
+          </a:prstGeom>
+          <a:solidFill>
+            <a:srgbClr val="A8135A"/>
+          </a:solidFill>
+          <a:ln>
+            <a:solidFill>
+              <a:schemeClr val="bg1"/>
+            </a:solidFill>
+          </a:ln>
+        </p:spPr>
+        <p:style>
+          <a:lnRef idx="2">
+            <a:schemeClr val="accent1">
+              <a:shade val="50000"/>
+            </a:schemeClr>
+          </a:lnRef>
+          <a:fillRef idx="1">
+            <a:schemeClr val="accent1"/>
+          </a:fillRef>
+          <a:effectRef idx="0">
+            <a:schemeClr val="accent1"/>
+          </a:effectRef>
+          <a:fontRef idx="minor">
+            <a:schemeClr val="lt1"/>
+          </a:fontRef>
+        </p:style>
+        <p:txBody>
+          <a:bodyPr rtlCol="0" anchor="ctr"/>
+          <a:lstStyle/>
+          <a:p>
+            <a:pPr marL="0" marR="0" lvl="0" indent="0" algn="ctr" defTabSz="457200" rtl="0" eaLnBrk="1" fontAlgn="auto" latinLnBrk="0" hangingPunct="1">
+              <a:lnSpc>
+                <a:spcPct val="100000"/>
+              </a:lnSpc>
+              <a:spcBef>
+                <a:spcPts val="0"/>
+              </a:spcBef>
+              <a:spcAft>
+                <a:spcPts val="0"/>
+              </a:spcAft>
+              <a:buClrTx/>
+              <a:buSzTx/>
+              <a:buFontTx/>
+              <a:buNone/>
+              <a:tabLst/>
+              <a:defRPr/>
+            </a:pPr>
+            <a:endParaRPr kumimoji="0" lang="fr-FR" sz="1800" b="0" i="0" u="none" strike="noStrike" kern="1200" cap="none" spc="0" normalizeH="0" baseline="0" noProof="0" dirty="0">
+              <a:ln>
+                <a:noFill/>
+              </a:ln>
+              <a:solidFill>
+                <a:prstClr val="white"/>
+              </a:solidFill>
+              <a:effectLst/>
+              <a:uLnTx/>
+              <a:uFillTx/>
+              <a:latin typeface="Trebuchet MS" panose="020B0603020202020204"/>
+              <a:ea typeface="+mn-ea"/>
+              <a:cs typeface="+mn-cs"/>
+            </a:endParaRPr>
+          </a:p>
+        </p:txBody>
+      </p:sp>
+      <p:sp>
+        <p:nvSpPr>
+          <p:cNvPr id="12" name="Ellipse 11">
+            <a:extLst>
+              <a:ext uri="{FF2B5EF4-FFF2-40B4-BE49-F238E27FC236}">
+                <a16:creationId xmlns:a16="http://schemas.microsoft.com/office/drawing/2014/main" id="{E812B697-1760-4389-A32C-D23E0C09542A}"/>
+              </a:ext>
+            </a:extLst>
+          </p:cNvPr>
+          <p:cNvSpPr/>
+          <p:nvPr/>
+        </p:nvSpPr>
+        <p:spPr>
+          <a:xfrm>
+            <a:off x="11376584" y="605712"/>
+            <a:ext cx="564118" cy="542925"/>
+          </a:xfrm>
+          <a:prstGeom prst="ellipse">
+            <a:avLst/>
+          </a:prstGeom>
+          <a:solidFill>
+            <a:srgbClr val="A8135A"/>
+          </a:solidFill>
+          <a:ln>
+            <a:solidFill>
+              <a:schemeClr val="bg1"/>
+            </a:solidFill>
+          </a:ln>
+        </p:spPr>
+        <p:style>
+          <a:lnRef idx="2">
+            <a:schemeClr val="accent1">
+              <a:shade val="50000"/>
+            </a:schemeClr>
+          </a:lnRef>
+          <a:fillRef idx="1">
+            <a:schemeClr val="accent1"/>
+          </a:fillRef>
+          <a:effectRef idx="0">
+            <a:schemeClr val="accent1"/>
+          </a:effectRef>
+          <a:fontRef idx="minor">
+            <a:schemeClr val="lt1"/>
+          </a:fontRef>
+        </p:style>
+        <p:txBody>
+          <a:bodyPr rtlCol="0" anchor="ctr"/>
+          <a:lstStyle/>
+          <a:p>
+            <a:pPr marL="0" marR="0" lvl="0" indent="0" algn="ctr" defTabSz="457200" rtl="0" eaLnBrk="1" fontAlgn="auto" latinLnBrk="0" hangingPunct="1">
+              <a:lnSpc>
+                <a:spcPct val="100000"/>
+              </a:lnSpc>
+              <a:spcBef>
+                <a:spcPts val="0"/>
+              </a:spcBef>
+              <a:spcAft>
+                <a:spcPts val="0"/>
+              </a:spcAft>
+              <a:buClrTx/>
+              <a:buSzTx/>
+              <a:buFontTx/>
+              <a:buNone/>
+              <a:tabLst/>
+              <a:defRPr/>
+            </a:pPr>
+            <a:endParaRPr kumimoji="0" lang="fr-FR" sz="1800" b="0" i="0" u="none" strike="noStrike" kern="1200" cap="none" spc="0" normalizeH="0" baseline="0" noProof="0">
+              <a:ln>
+                <a:noFill/>
+              </a:ln>
+              <a:solidFill>
+                <a:prstClr val="white"/>
+              </a:solidFill>
+              <a:effectLst/>
+              <a:uLnTx/>
+              <a:uFillTx/>
+              <a:latin typeface="Trebuchet MS" panose="020B0603020202020204"/>
+              <a:ea typeface="+mn-ea"/>
+              <a:cs typeface="+mn-cs"/>
+            </a:endParaRPr>
+          </a:p>
+        </p:txBody>
+      </p:sp>
+      <p:pic>
+        <p:nvPicPr>
+          <p:cNvPr id="16" name="Picture 2" descr="Image associée">
+            <a:extLst>
+              <a:ext uri="{FF2B5EF4-FFF2-40B4-BE49-F238E27FC236}">
+                <a16:creationId xmlns:a16="http://schemas.microsoft.com/office/drawing/2014/main" id="{CE54AA40-5A69-44B5-A196-6AAD86E13592}"/>
+              </a:ext>
+            </a:extLst>
+          </p:cNvPr>
+          <p:cNvPicPr>
+            <a:picLocks noChangeAspect="1" noChangeArrowheads="1"/>
+          </p:cNvPicPr>
+          <p:nvPr/>
+        </p:nvPicPr>
+        <p:blipFill rotWithShape="1">
+          <a:blip r:embed="rId2">
+            <a:extLst>
+              <a:ext uri="{28A0092B-C50C-407E-A947-70E740481C1C}">
+                <a14:useLocalDpi xmlns:a14="http://schemas.microsoft.com/office/drawing/2010/main" val="0"/>
+              </a:ext>
+            </a:extLst>
+          </a:blip>
+          <a:srcRect l="18677" r="15441"/>
+          <a:stretch/>
+        </p:blipFill>
+        <p:spPr bwMode="auto">
+          <a:xfrm>
+            <a:off x="143436" y="143435"/>
+            <a:ext cx="2269635" cy="609600"/>
+          </a:xfrm>
+          <a:prstGeom prst="rect">
+            <a:avLst/>
+          </a:prstGeom>
+          <a:noFill/>
+          <a:extLst>
+            <a:ext uri="{909E8E84-426E-40DD-AFC4-6F175D3DCCD1}">
+              <a14:hiddenFill xmlns:a14="http://schemas.microsoft.com/office/drawing/2010/main">
+                <a:solidFill>
+                  <a:srgbClr val="FFFFFF"/>
+                </a:solidFill>
+              </a14:hiddenFill>
+            </a:ext>
+          </a:extLst>
+        </p:spPr>
+      </p:pic>
+      <p:pic>
+        <p:nvPicPr>
+          <p:cNvPr id="20" name="Image 19">
+            <a:extLst>
+              <a:ext uri="{FF2B5EF4-FFF2-40B4-BE49-F238E27FC236}">
+                <a16:creationId xmlns:a16="http://schemas.microsoft.com/office/drawing/2014/main" id="{870C8066-5E29-4E9B-A9A5-F5345F254DBD}"/>
+              </a:ext>
+            </a:extLst>
+          </p:cNvPr>
+          <p:cNvPicPr>
+            <a:picLocks noChangeAspect="1"/>
+          </p:cNvPicPr>
+          <p:nvPr/>
+        </p:nvPicPr>
+        <p:blipFill rotWithShape="1">
+          <a:blip r:embed="rId3"/>
+          <a:srcRect t="4170"/>
+          <a:stretch/>
+        </p:blipFill>
+        <p:spPr>
+          <a:xfrm>
+            <a:off x="488363" y="877174"/>
+            <a:ext cx="8954429" cy="5914304"/>
+          </a:xfrm>
+          <a:prstGeom prst="rect">
+            <a:avLst/>
+          </a:prstGeom>
+        </p:spPr>
+      </p:pic>
+    </p:spTree>
+    <p:extLst>
+      <p:ext uri="{BB962C8B-B14F-4D97-AF65-F5344CB8AC3E}">
+        <p14:creationId xmlns:p14="http://schemas.microsoft.com/office/powerpoint/2010/main" val="3213455617"/>
+      </p:ext>
+    </p:extLst>
+  </p:cSld>
+  <p:clrMapOvr>
+    <a:masterClrMapping/>
+  </p:clrMapOvr>
+  <mc:AlternateContent xmlns:mc="http://schemas.openxmlformats.org/markup-compatibility/2006" xmlns:p159="http://schemas.microsoft.com/office/powerpoint/2015/09/main">
+    <mc:Choice Requires="p159">
+      <p:transition xmlns:p14="http://schemas.microsoft.com/office/powerpoint/2010/main" spd="slow" p14:dur="2000">
+        <p159:morph option="byObject"/>
+      </p:transition>
+    </mc:Choice>
+    <mc:Fallback xmlns="">
+      <p:transition spd="slow">
+        <p:fade/>
+      </p:transition>
+    </mc:Fallback>
+  </mc:AlternateContent>
+</p:sld>
+</file>
+
+<file path=ppt/slides/slide3.xml><?xml version="1.0" encoding="utf-8"?>
+<p:sld xmlns:a="http://schemas.openxmlformats.org/drawingml/2006/main" xmlns:r="http://schemas.openxmlformats.org/officeDocument/2006/relationships" xmlns:p="http://schemas.openxmlformats.org/presentationml/2006/main">
+  <p:cSld>
     <p:bg>
       <p:bgPr>
         <a:solidFill>
@@ -11097,1128 +12058,6 @@
       </p:transition>
     </mc:Choice>
     <mc:Fallback xmlns="">
-      <p:transition spd="slow">
-        <p:fade/>
-      </p:transition>
-    </mc:Fallback>
-  </mc:AlternateContent>
-</p:sld>
-</file>
-
-<file path=ppt/slides/slide3.xml><?xml version="1.0" encoding="utf-8"?>
-<p:sld xmlns:a="http://schemas.openxmlformats.org/drawingml/2006/main" xmlns:r="http://schemas.openxmlformats.org/officeDocument/2006/relationships" xmlns:p="http://schemas.openxmlformats.org/presentationml/2006/main">
-  <p:cSld>
-    <p:spTree>
-      <p:nvGrpSpPr>
-        <p:cNvPr id="1" name=""/>
-        <p:cNvGrpSpPr/>
-        <p:nvPr/>
-      </p:nvGrpSpPr>
-      <p:grpSpPr>
-        <a:xfrm>
-          <a:off x="0" y="0"/>
-          <a:ext cx="0" cy="0"/>
-          <a:chOff x="0" y="0"/>
-          <a:chExt cx="0" cy="0"/>
-        </a:xfrm>
-      </p:grpSpPr>
-      <p:sp>
-        <p:nvSpPr>
-          <p:cNvPr id="6" name="Organigramme : Terminateur 5">
-            <a:extLst>
-              <a:ext uri="{FF2B5EF4-FFF2-40B4-BE49-F238E27FC236}">
-                <a16:creationId xmlns:a16="http://schemas.microsoft.com/office/drawing/2014/main" id="{3A2F6578-AC6F-4ED1-B23C-212ACEE00C6B}"/>
-              </a:ext>
-            </a:extLst>
-          </p:cNvPr>
-          <p:cNvSpPr/>
-          <p:nvPr/>
-        </p:nvSpPr>
-        <p:spPr>
-          <a:xfrm>
-            <a:off x="11352771" y="1569500"/>
-            <a:ext cx="358260" cy="85725"/>
-          </a:xfrm>
-          <a:prstGeom prst="flowChartTerminator">
-            <a:avLst/>
-          </a:prstGeom>
-          <a:solidFill>
-            <a:srgbClr val="A8135A"/>
-          </a:solidFill>
-          <a:ln>
-            <a:solidFill>
-              <a:schemeClr val="bg1"/>
-            </a:solidFill>
-          </a:ln>
-        </p:spPr>
-        <p:style>
-          <a:lnRef idx="2">
-            <a:schemeClr val="accent1">
-              <a:shade val="50000"/>
-            </a:schemeClr>
-          </a:lnRef>
-          <a:fillRef idx="1">
-            <a:schemeClr val="accent1"/>
-          </a:fillRef>
-          <a:effectRef idx="0">
-            <a:schemeClr val="accent1"/>
-          </a:effectRef>
-          <a:fontRef idx="minor">
-            <a:schemeClr val="lt1"/>
-          </a:fontRef>
-        </p:style>
-        <p:txBody>
-          <a:bodyPr rtlCol="0" anchor="ctr"/>
-          <a:lstStyle/>
-          <a:p>
-            <a:pPr marL="0" marR="0" lvl="0" indent="0" algn="ctr" defTabSz="457200" rtl="0" eaLnBrk="1" fontAlgn="auto" latinLnBrk="0" hangingPunct="1">
-              <a:lnSpc>
-                <a:spcPct val="100000"/>
-              </a:lnSpc>
-              <a:spcBef>
-                <a:spcPts val="0"/>
-              </a:spcBef>
-              <a:spcAft>
-                <a:spcPts val="0"/>
-              </a:spcAft>
-              <a:buClrTx/>
-              <a:buSzTx/>
-              <a:buFontTx/>
-              <a:buNone/>
-              <a:tabLst/>
-              <a:defRPr/>
-            </a:pPr>
-            <a:endParaRPr kumimoji="0" lang="fr-FR" sz="1800" b="0" i="0" u="none" strike="noStrike" kern="1200" cap="none" spc="0" normalizeH="0" baseline="0" noProof="0" dirty="0">
-              <a:ln>
-                <a:noFill/>
-              </a:ln>
-              <a:solidFill>
-                <a:prstClr val="white"/>
-              </a:solidFill>
-              <a:effectLst/>
-              <a:uLnTx/>
-              <a:uFillTx/>
-              <a:latin typeface="Trebuchet MS" panose="020B0603020202020204"/>
-              <a:ea typeface="+mn-ea"/>
-              <a:cs typeface="+mn-cs"/>
-            </a:endParaRPr>
-          </a:p>
-        </p:txBody>
-      </p:sp>
-      <p:sp>
-        <p:nvSpPr>
-          <p:cNvPr id="2" name="Titre 1">
-            <a:extLst>
-              <a:ext uri="{FF2B5EF4-FFF2-40B4-BE49-F238E27FC236}">
-                <a16:creationId xmlns:a16="http://schemas.microsoft.com/office/drawing/2014/main" id="{22D3E740-A9FF-4C2C-BFFF-1E9FC7D7603D}"/>
-              </a:ext>
-            </a:extLst>
-          </p:cNvPr>
-          <p:cNvSpPr>
-            <a:spLocks noGrp="1"/>
-          </p:cNvSpPr>
-          <p:nvPr>
-            <p:ph type="title"/>
-          </p:nvPr>
-        </p:nvSpPr>
-        <p:spPr>
-          <a:xfrm>
-            <a:off x="3472753" y="143435"/>
-            <a:ext cx="2776159" cy="1320800"/>
-          </a:xfrm>
-        </p:spPr>
-        <p:txBody>
-          <a:bodyPr/>
-          <a:lstStyle/>
-          <a:p>
-            <a:r>
-              <a:rPr lang="fr-FR" dirty="0"/>
-              <a:t>Diagrammes</a:t>
-            </a:r>
-          </a:p>
-        </p:txBody>
-      </p:sp>
-      <p:pic>
-        <p:nvPicPr>
-          <p:cNvPr id="4" name="Espace réservé du contenu 3">
-            <a:extLst>
-              <a:ext uri="{FF2B5EF4-FFF2-40B4-BE49-F238E27FC236}">
-                <a16:creationId xmlns:a16="http://schemas.microsoft.com/office/drawing/2014/main" id="{90DAB65E-FFB5-40FB-9BBD-DE2213E92A5D}"/>
-              </a:ext>
-            </a:extLst>
-          </p:cNvPr>
-          <p:cNvPicPr>
-            <a:picLocks noGrp="1" noChangeAspect="1"/>
-          </p:cNvPicPr>
-          <p:nvPr>
-            <p:ph idx="1"/>
-          </p:nvPr>
-        </p:nvPicPr>
-        <p:blipFill rotWithShape="1">
-          <a:blip r:embed="rId2"/>
-          <a:srcRect r="48251"/>
-          <a:stretch/>
-        </p:blipFill>
-        <p:spPr>
-          <a:xfrm>
-            <a:off x="5047238" y="1467190"/>
-            <a:ext cx="4325605" cy="5326535"/>
-          </a:xfrm>
-          <a:prstGeom prst="rect">
-            <a:avLst/>
-          </a:prstGeom>
-        </p:spPr>
-      </p:pic>
-      <p:pic>
-        <p:nvPicPr>
-          <p:cNvPr id="5" name="Image 4">
-            <a:extLst>
-              <a:ext uri="{FF2B5EF4-FFF2-40B4-BE49-F238E27FC236}">
-                <a16:creationId xmlns:a16="http://schemas.microsoft.com/office/drawing/2014/main" id="{97A79086-7473-4797-88F1-BC4B8D0856F0}"/>
-              </a:ext>
-            </a:extLst>
-          </p:cNvPr>
-          <p:cNvPicPr>
-            <a:picLocks noChangeAspect="1"/>
-          </p:cNvPicPr>
-          <p:nvPr/>
-        </p:nvPicPr>
-        <p:blipFill rotWithShape="1">
-          <a:blip r:embed="rId3"/>
-          <a:srcRect l="299" t="742" r="2018"/>
-          <a:stretch/>
-        </p:blipFill>
-        <p:spPr>
-          <a:xfrm>
-            <a:off x="480969" y="1502964"/>
-            <a:ext cx="3897076" cy="5254988"/>
-          </a:xfrm>
-          <a:prstGeom prst="rect">
-            <a:avLst/>
-          </a:prstGeom>
-        </p:spPr>
-      </p:pic>
-      <p:sp>
-        <p:nvSpPr>
-          <p:cNvPr id="7" name="Rectangle 6">
-            <a:extLst>
-              <a:ext uri="{FF2B5EF4-FFF2-40B4-BE49-F238E27FC236}">
-                <a16:creationId xmlns:a16="http://schemas.microsoft.com/office/drawing/2014/main" id="{1C76443C-17D9-4F61-A5BA-DE56B54B4ECC}"/>
-              </a:ext>
-            </a:extLst>
-          </p:cNvPr>
-          <p:cNvSpPr/>
-          <p:nvPr/>
-        </p:nvSpPr>
-        <p:spPr>
-          <a:xfrm>
-            <a:off x="11606256" y="808060"/>
-            <a:ext cx="104775" cy="5614778"/>
-          </a:xfrm>
-          <a:prstGeom prst="rect">
-            <a:avLst/>
-          </a:prstGeom>
-          <a:solidFill>
-            <a:schemeClr val="bg1"/>
-          </a:solidFill>
-          <a:ln>
-            <a:solidFill>
-              <a:schemeClr val="bg1"/>
-            </a:solidFill>
-          </a:ln>
-        </p:spPr>
-        <p:style>
-          <a:lnRef idx="2">
-            <a:schemeClr val="accent1">
-              <a:shade val="50000"/>
-            </a:schemeClr>
-          </a:lnRef>
-          <a:fillRef idx="1">
-            <a:schemeClr val="accent1"/>
-          </a:fillRef>
-          <a:effectRef idx="0">
-            <a:schemeClr val="accent1"/>
-          </a:effectRef>
-          <a:fontRef idx="minor">
-            <a:schemeClr val="lt1"/>
-          </a:fontRef>
-        </p:style>
-        <p:txBody>
-          <a:bodyPr rtlCol="0" anchor="ctr"/>
-          <a:lstStyle/>
-          <a:p>
-            <a:pPr marL="0" marR="0" lvl="0" indent="0" algn="ctr" defTabSz="457200" rtl="0" eaLnBrk="1" fontAlgn="auto" latinLnBrk="0" hangingPunct="1">
-              <a:lnSpc>
-                <a:spcPct val="100000"/>
-              </a:lnSpc>
-              <a:spcBef>
-                <a:spcPts val="0"/>
-              </a:spcBef>
-              <a:spcAft>
-                <a:spcPts val="0"/>
-              </a:spcAft>
-              <a:buClrTx/>
-              <a:buSzTx/>
-              <a:buFontTx/>
-              <a:buNone/>
-              <a:tabLst/>
-              <a:defRPr/>
-            </a:pPr>
-            <a:endParaRPr kumimoji="0" lang="fr-FR" sz="1800" b="0" i="0" u="none" strike="noStrike" kern="1200" cap="none" spc="0" normalizeH="0" baseline="0" noProof="0">
-              <a:ln>
-                <a:noFill/>
-              </a:ln>
-              <a:solidFill>
-                <a:prstClr val="white"/>
-              </a:solidFill>
-              <a:effectLst/>
-              <a:uLnTx/>
-              <a:uFillTx/>
-              <a:latin typeface="Trebuchet MS" panose="020B0603020202020204"/>
-              <a:ea typeface="+mn-ea"/>
-              <a:cs typeface="+mn-cs"/>
-            </a:endParaRPr>
-          </a:p>
-        </p:txBody>
-      </p:sp>
-      <p:sp>
-        <p:nvSpPr>
-          <p:cNvPr id="8" name="Ellipse 7">
-            <a:extLst>
-              <a:ext uri="{FF2B5EF4-FFF2-40B4-BE49-F238E27FC236}">
-                <a16:creationId xmlns:a16="http://schemas.microsoft.com/office/drawing/2014/main" id="{9D5301C1-66FE-4A01-94A4-C667304968AB}"/>
-              </a:ext>
-            </a:extLst>
-          </p:cNvPr>
-          <p:cNvSpPr/>
-          <p:nvPr/>
-        </p:nvSpPr>
-        <p:spPr>
-          <a:xfrm>
-            <a:off x="11376584" y="3256218"/>
-            <a:ext cx="564118" cy="542925"/>
-          </a:xfrm>
-          <a:prstGeom prst="ellipse">
-            <a:avLst/>
-          </a:prstGeom>
-          <a:solidFill>
-            <a:schemeClr val="bg1"/>
-          </a:solidFill>
-          <a:ln>
-            <a:solidFill>
-              <a:schemeClr val="bg1"/>
-            </a:solidFill>
-          </a:ln>
-        </p:spPr>
-        <p:style>
-          <a:lnRef idx="2">
-            <a:schemeClr val="accent1">
-              <a:shade val="50000"/>
-            </a:schemeClr>
-          </a:lnRef>
-          <a:fillRef idx="1">
-            <a:schemeClr val="accent1"/>
-          </a:fillRef>
-          <a:effectRef idx="0">
-            <a:schemeClr val="accent1"/>
-          </a:effectRef>
-          <a:fontRef idx="minor">
-            <a:schemeClr val="lt1"/>
-          </a:fontRef>
-        </p:style>
-        <p:txBody>
-          <a:bodyPr rtlCol="0" anchor="ctr"/>
-          <a:lstStyle/>
-          <a:p>
-            <a:pPr marL="0" marR="0" lvl="0" indent="0" algn="ctr" defTabSz="457200" rtl="0" eaLnBrk="1" fontAlgn="auto" latinLnBrk="0" hangingPunct="1">
-              <a:lnSpc>
-                <a:spcPct val="100000"/>
-              </a:lnSpc>
-              <a:spcBef>
-                <a:spcPts val="0"/>
-              </a:spcBef>
-              <a:spcAft>
-                <a:spcPts val="0"/>
-              </a:spcAft>
-              <a:buClrTx/>
-              <a:buSzTx/>
-              <a:buFontTx/>
-              <a:buNone/>
-              <a:tabLst/>
-              <a:defRPr/>
-            </a:pPr>
-            <a:endParaRPr kumimoji="0" lang="fr-FR" sz="1800" b="0" i="0" u="none" strike="noStrike" kern="1200" cap="none" spc="0" normalizeH="0" baseline="0" noProof="0">
-              <a:ln>
-                <a:noFill/>
-              </a:ln>
-              <a:solidFill>
-                <a:prstClr val="white"/>
-              </a:solidFill>
-              <a:effectLst/>
-              <a:uLnTx/>
-              <a:uFillTx/>
-              <a:latin typeface="Trebuchet MS" panose="020B0603020202020204"/>
-              <a:ea typeface="+mn-ea"/>
-              <a:cs typeface="+mn-cs"/>
-            </a:endParaRPr>
-          </a:p>
-        </p:txBody>
-      </p:sp>
-      <p:sp>
-        <p:nvSpPr>
-          <p:cNvPr id="9" name="Ellipse 8">
-            <a:extLst>
-              <a:ext uri="{FF2B5EF4-FFF2-40B4-BE49-F238E27FC236}">
-                <a16:creationId xmlns:a16="http://schemas.microsoft.com/office/drawing/2014/main" id="{A12B066B-88F1-42BB-B760-F6FE09BA8C9E}"/>
-              </a:ext>
-            </a:extLst>
-          </p:cNvPr>
-          <p:cNvSpPr/>
-          <p:nvPr/>
-        </p:nvSpPr>
-        <p:spPr>
-          <a:xfrm>
-            <a:off x="11376584" y="5906725"/>
-            <a:ext cx="564118" cy="542925"/>
-          </a:xfrm>
-          <a:prstGeom prst="ellipse">
-            <a:avLst/>
-          </a:prstGeom>
-          <a:solidFill>
-            <a:schemeClr val="bg1"/>
-          </a:solidFill>
-          <a:ln>
-            <a:solidFill>
-              <a:schemeClr val="bg1"/>
-            </a:solidFill>
-          </a:ln>
-        </p:spPr>
-        <p:style>
-          <a:lnRef idx="2">
-            <a:schemeClr val="accent1">
-              <a:shade val="50000"/>
-            </a:schemeClr>
-          </a:lnRef>
-          <a:fillRef idx="1">
-            <a:schemeClr val="accent1"/>
-          </a:fillRef>
-          <a:effectRef idx="0">
-            <a:schemeClr val="accent1"/>
-          </a:effectRef>
-          <a:fontRef idx="minor">
-            <a:schemeClr val="lt1"/>
-          </a:fontRef>
-        </p:style>
-        <p:txBody>
-          <a:bodyPr rtlCol="0" anchor="ctr"/>
-          <a:lstStyle/>
-          <a:p>
-            <a:pPr marL="0" marR="0" lvl="0" indent="0" algn="ctr" defTabSz="457200" rtl="0" eaLnBrk="1" fontAlgn="auto" latinLnBrk="0" hangingPunct="1">
-              <a:lnSpc>
-                <a:spcPct val="100000"/>
-              </a:lnSpc>
-              <a:spcBef>
-                <a:spcPts val="0"/>
-              </a:spcBef>
-              <a:spcAft>
-                <a:spcPts val="0"/>
-              </a:spcAft>
-              <a:buClrTx/>
-              <a:buSzTx/>
-              <a:buFontTx/>
-              <a:buNone/>
-              <a:tabLst/>
-              <a:defRPr/>
-            </a:pPr>
-            <a:endParaRPr kumimoji="0" lang="fr-FR" sz="1800" b="0" i="0" u="none" strike="noStrike" kern="1200" cap="none" spc="0" normalizeH="0" baseline="0" noProof="0">
-              <a:ln>
-                <a:noFill/>
-              </a:ln>
-              <a:solidFill>
-                <a:prstClr val="white"/>
-              </a:solidFill>
-              <a:effectLst/>
-              <a:uLnTx/>
-              <a:uFillTx/>
-              <a:latin typeface="Trebuchet MS" panose="020B0603020202020204"/>
-              <a:ea typeface="+mn-ea"/>
-              <a:cs typeface="+mn-cs"/>
-            </a:endParaRPr>
-          </a:p>
-        </p:txBody>
-      </p:sp>
-      <p:sp>
-        <p:nvSpPr>
-          <p:cNvPr id="10" name="Organigramme : Terminateur 9">
-            <a:extLst>
-              <a:ext uri="{FF2B5EF4-FFF2-40B4-BE49-F238E27FC236}">
-                <a16:creationId xmlns:a16="http://schemas.microsoft.com/office/drawing/2014/main" id="{9C20B99D-C764-4A28-A481-AD86EA970D79}"/>
-              </a:ext>
-            </a:extLst>
-          </p:cNvPr>
-          <p:cNvSpPr/>
-          <p:nvPr/>
-        </p:nvSpPr>
-        <p:spPr>
-          <a:xfrm>
-            <a:off x="11376584" y="4170049"/>
-            <a:ext cx="267772" cy="85725"/>
-          </a:xfrm>
-          <a:prstGeom prst="flowChartTerminator">
-            <a:avLst/>
-          </a:prstGeom>
-          <a:solidFill>
-            <a:schemeClr val="bg1"/>
-          </a:solidFill>
-          <a:ln>
-            <a:solidFill>
-              <a:schemeClr val="bg1"/>
-            </a:solidFill>
-          </a:ln>
-        </p:spPr>
-        <p:style>
-          <a:lnRef idx="2">
-            <a:schemeClr val="accent1">
-              <a:shade val="50000"/>
-            </a:schemeClr>
-          </a:lnRef>
-          <a:fillRef idx="1">
-            <a:schemeClr val="accent1"/>
-          </a:fillRef>
-          <a:effectRef idx="0">
-            <a:schemeClr val="accent1"/>
-          </a:effectRef>
-          <a:fontRef idx="minor">
-            <a:schemeClr val="lt1"/>
-          </a:fontRef>
-        </p:style>
-        <p:txBody>
-          <a:bodyPr rtlCol="0" anchor="ctr"/>
-          <a:lstStyle/>
-          <a:p>
-            <a:pPr marL="0" marR="0" lvl="0" indent="0" algn="ctr" defTabSz="457200" rtl="0" eaLnBrk="1" fontAlgn="auto" latinLnBrk="0" hangingPunct="1">
-              <a:lnSpc>
-                <a:spcPct val="100000"/>
-              </a:lnSpc>
-              <a:spcBef>
-                <a:spcPts val="0"/>
-              </a:spcBef>
-              <a:spcAft>
-                <a:spcPts val="0"/>
-              </a:spcAft>
-              <a:buClrTx/>
-              <a:buSzTx/>
-              <a:buFontTx/>
-              <a:buNone/>
-              <a:tabLst/>
-              <a:defRPr/>
-            </a:pPr>
-            <a:endParaRPr kumimoji="0" lang="fr-FR" sz="1800" b="0" i="0" u="none" strike="noStrike" kern="1200" cap="none" spc="0" normalizeH="0" baseline="0" noProof="0">
-              <a:ln>
-                <a:noFill/>
-              </a:ln>
-              <a:solidFill>
-                <a:prstClr val="white"/>
-              </a:solidFill>
-              <a:effectLst/>
-              <a:uLnTx/>
-              <a:uFillTx/>
-              <a:latin typeface="Trebuchet MS" panose="020B0603020202020204"/>
-              <a:ea typeface="+mn-ea"/>
-              <a:cs typeface="+mn-cs"/>
-            </a:endParaRPr>
-          </a:p>
-        </p:txBody>
-      </p:sp>
-      <p:sp>
-        <p:nvSpPr>
-          <p:cNvPr id="11" name="Rectangle 10">
-            <a:extLst>
-              <a:ext uri="{FF2B5EF4-FFF2-40B4-BE49-F238E27FC236}">
-                <a16:creationId xmlns:a16="http://schemas.microsoft.com/office/drawing/2014/main" id="{055A0321-5810-49FF-AD10-D6D766CE9F86}"/>
-              </a:ext>
-            </a:extLst>
-          </p:cNvPr>
-          <p:cNvSpPr/>
-          <p:nvPr/>
-        </p:nvSpPr>
-        <p:spPr>
-          <a:xfrm>
-            <a:off x="11606256" y="1010409"/>
-            <a:ext cx="104775" cy="54712"/>
-          </a:xfrm>
-          <a:prstGeom prst="rect">
-            <a:avLst/>
-          </a:prstGeom>
-          <a:solidFill>
-            <a:srgbClr val="A8135A"/>
-          </a:solidFill>
-          <a:ln>
-            <a:solidFill>
-              <a:schemeClr val="bg1"/>
-            </a:solidFill>
-          </a:ln>
-        </p:spPr>
-        <p:style>
-          <a:lnRef idx="2">
-            <a:schemeClr val="accent1">
-              <a:shade val="50000"/>
-            </a:schemeClr>
-          </a:lnRef>
-          <a:fillRef idx="1">
-            <a:schemeClr val="accent1"/>
-          </a:fillRef>
-          <a:effectRef idx="0">
-            <a:schemeClr val="accent1"/>
-          </a:effectRef>
-          <a:fontRef idx="minor">
-            <a:schemeClr val="lt1"/>
-          </a:fontRef>
-        </p:style>
-        <p:txBody>
-          <a:bodyPr rtlCol="0" anchor="ctr"/>
-          <a:lstStyle/>
-          <a:p>
-            <a:pPr marL="0" marR="0" lvl="0" indent="0" algn="ctr" defTabSz="457200" rtl="0" eaLnBrk="1" fontAlgn="auto" latinLnBrk="0" hangingPunct="1">
-              <a:lnSpc>
-                <a:spcPct val="100000"/>
-              </a:lnSpc>
-              <a:spcBef>
-                <a:spcPts val="0"/>
-              </a:spcBef>
-              <a:spcAft>
-                <a:spcPts val="0"/>
-              </a:spcAft>
-              <a:buClrTx/>
-              <a:buSzTx/>
-              <a:buFontTx/>
-              <a:buNone/>
-              <a:tabLst/>
-              <a:defRPr/>
-            </a:pPr>
-            <a:endParaRPr kumimoji="0" lang="fr-FR" sz="1800" b="0" i="0" u="none" strike="noStrike" kern="1200" cap="none" spc="0" normalizeH="0" baseline="0" noProof="0">
-              <a:ln>
-                <a:noFill/>
-              </a:ln>
-              <a:solidFill>
-                <a:prstClr val="white"/>
-              </a:solidFill>
-              <a:effectLst/>
-              <a:uLnTx/>
-              <a:uFillTx/>
-              <a:latin typeface="Trebuchet MS" panose="020B0603020202020204"/>
-              <a:ea typeface="+mn-ea"/>
-              <a:cs typeface="+mn-cs"/>
-            </a:endParaRPr>
-          </a:p>
-        </p:txBody>
-      </p:sp>
-      <p:sp>
-        <p:nvSpPr>
-          <p:cNvPr id="13" name="Organigramme : Terminateur 12">
-            <a:extLst>
-              <a:ext uri="{FF2B5EF4-FFF2-40B4-BE49-F238E27FC236}">
-                <a16:creationId xmlns:a16="http://schemas.microsoft.com/office/drawing/2014/main" id="{B7A2192A-734D-4C25-AA00-6B0C5F2D78DE}"/>
-              </a:ext>
-            </a:extLst>
-          </p:cNvPr>
-          <p:cNvSpPr/>
-          <p:nvPr/>
-        </p:nvSpPr>
-        <p:spPr>
-          <a:xfrm>
-            <a:off x="11352771" y="2412274"/>
-            <a:ext cx="358260" cy="85725"/>
-          </a:xfrm>
-          <a:prstGeom prst="flowChartTerminator">
-            <a:avLst/>
-          </a:prstGeom>
-          <a:solidFill>
-            <a:schemeClr val="bg1"/>
-          </a:solidFill>
-          <a:ln>
-            <a:solidFill>
-              <a:schemeClr val="bg1"/>
-            </a:solidFill>
-          </a:ln>
-        </p:spPr>
-        <p:style>
-          <a:lnRef idx="2">
-            <a:schemeClr val="accent1">
-              <a:shade val="50000"/>
-            </a:schemeClr>
-          </a:lnRef>
-          <a:fillRef idx="1">
-            <a:schemeClr val="accent1"/>
-          </a:fillRef>
-          <a:effectRef idx="0">
-            <a:schemeClr val="accent1"/>
-          </a:effectRef>
-          <a:fontRef idx="minor">
-            <a:schemeClr val="lt1"/>
-          </a:fontRef>
-        </p:style>
-        <p:txBody>
-          <a:bodyPr rtlCol="0" anchor="ctr"/>
-          <a:lstStyle/>
-          <a:p>
-            <a:pPr marL="0" marR="0" lvl="0" indent="0" algn="ctr" defTabSz="457200" rtl="0" eaLnBrk="1" fontAlgn="auto" latinLnBrk="0" hangingPunct="1">
-              <a:lnSpc>
-                <a:spcPct val="100000"/>
-              </a:lnSpc>
-              <a:spcBef>
-                <a:spcPts val="0"/>
-              </a:spcBef>
-              <a:spcAft>
-                <a:spcPts val="0"/>
-              </a:spcAft>
-              <a:buClrTx/>
-              <a:buSzTx/>
-              <a:buFontTx/>
-              <a:buNone/>
-              <a:tabLst/>
-              <a:defRPr/>
-            </a:pPr>
-            <a:endParaRPr kumimoji="0" lang="fr-FR" sz="1800" b="0" i="0" u="none" strike="noStrike" kern="1200" cap="none" spc="0" normalizeH="0" baseline="0" noProof="0" dirty="0">
-              <a:ln>
-                <a:noFill/>
-              </a:ln>
-              <a:solidFill>
-                <a:prstClr val="white"/>
-              </a:solidFill>
-              <a:effectLst/>
-              <a:uLnTx/>
-              <a:uFillTx/>
-              <a:latin typeface="Trebuchet MS" panose="020B0603020202020204"/>
-              <a:ea typeface="+mn-ea"/>
-              <a:cs typeface="+mn-cs"/>
-            </a:endParaRPr>
-          </a:p>
-        </p:txBody>
-      </p:sp>
-      <p:sp>
-        <p:nvSpPr>
-          <p:cNvPr id="14" name="ZoneTexte 13">
-            <a:extLst>
-              <a:ext uri="{FF2B5EF4-FFF2-40B4-BE49-F238E27FC236}">
-                <a16:creationId xmlns:a16="http://schemas.microsoft.com/office/drawing/2014/main" id="{BB427E49-FA20-402C-B6D6-712EDD9842C6}"/>
-              </a:ext>
-            </a:extLst>
-          </p:cNvPr>
-          <p:cNvSpPr txBox="1"/>
-          <p:nvPr/>
-        </p:nvSpPr>
-        <p:spPr>
-          <a:xfrm>
-            <a:off x="10042036" y="1443085"/>
-            <a:ext cx="1310735" cy="338554"/>
-          </a:xfrm>
-          <a:prstGeom prst="rect">
-            <a:avLst/>
-          </a:prstGeom>
-          <a:noFill/>
-        </p:spPr>
-        <p:txBody>
-          <a:bodyPr wrap="square" rtlCol="0">
-            <a:spAutoFit/>
-          </a:bodyPr>
-          <a:lstStyle/>
-          <a:p>
-            <a:pPr marL="0" marR="0" lvl="0" indent="0" algn="l" defTabSz="457200" rtl="0" eaLnBrk="1" fontAlgn="auto" latinLnBrk="0" hangingPunct="1">
-              <a:lnSpc>
-                <a:spcPct val="100000"/>
-              </a:lnSpc>
-              <a:spcBef>
-                <a:spcPts val="0"/>
-              </a:spcBef>
-              <a:spcAft>
-                <a:spcPts val="0"/>
-              </a:spcAft>
-              <a:buClrTx/>
-              <a:buSzTx/>
-              <a:buFontTx/>
-              <a:buNone/>
-              <a:tabLst/>
-              <a:defRPr/>
-            </a:pPr>
-            <a:r>
-              <a:rPr kumimoji="0" lang="fr-FR" sz="1600" b="0" i="0" u="none" strike="noStrike" kern="1200" cap="none" spc="0" normalizeH="0" baseline="0" noProof="0" dirty="0">
-                <a:ln>
-                  <a:noFill/>
-                </a:ln>
-                <a:solidFill>
-                  <a:prstClr val="black"/>
-                </a:solidFill>
-                <a:effectLst/>
-                <a:uLnTx/>
-                <a:uFillTx/>
-                <a:latin typeface="Trebuchet MS" panose="020B0603020202020204"/>
-                <a:ea typeface="+mn-ea"/>
-                <a:cs typeface="+mn-cs"/>
-              </a:rPr>
-              <a:t>Diagrammes</a:t>
-            </a:r>
-          </a:p>
-        </p:txBody>
-      </p:sp>
-      <p:sp>
-        <p:nvSpPr>
-          <p:cNvPr id="15" name="Rectangle 14">
-            <a:extLst>
-              <a:ext uri="{FF2B5EF4-FFF2-40B4-BE49-F238E27FC236}">
-                <a16:creationId xmlns:a16="http://schemas.microsoft.com/office/drawing/2014/main" id="{6C9706A4-DB59-4078-A6C8-393A3F991B17}"/>
-              </a:ext>
-            </a:extLst>
-          </p:cNvPr>
-          <p:cNvSpPr/>
-          <p:nvPr/>
-        </p:nvSpPr>
-        <p:spPr>
-          <a:xfrm>
-            <a:off x="11603047" y="973022"/>
-            <a:ext cx="104775" cy="682203"/>
-          </a:xfrm>
-          <a:prstGeom prst="rect">
-            <a:avLst/>
-          </a:prstGeom>
-          <a:solidFill>
-            <a:srgbClr val="A8135A"/>
-          </a:solidFill>
-          <a:ln>
-            <a:solidFill>
-              <a:schemeClr val="bg1"/>
-            </a:solidFill>
-          </a:ln>
-        </p:spPr>
-        <p:style>
-          <a:lnRef idx="2">
-            <a:schemeClr val="accent1">
-              <a:shade val="50000"/>
-            </a:schemeClr>
-          </a:lnRef>
-          <a:fillRef idx="1">
-            <a:schemeClr val="accent1"/>
-          </a:fillRef>
-          <a:effectRef idx="0">
-            <a:schemeClr val="accent1"/>
-          </a:effectRef>
-          <a:fontRef idx="minor">
-            <a:schemeClr val="lt1"/>
-          </a:fontRef>
-        </p:style>
-        <p:txBody>
-          <a:bodyPr rtlCol="0" anchor="ctr"/>
-          <a:lstStyle/>
-          <a:p>
-            <a:pPr marL="0" marR="0" lvl="0" indent="0" algn="ctr" defTabSz="457200" rtl="0" eaLnBrk="1" fontAlgn="auto" latinLnBrk="0" hangingPunct="1">
-              <a:lnSpc>
-                <a:spcPct val="100000"/>
-              </a:lnSpc>
-              <a:spcBef>
-                <a:spcPts val="0"/>
-              </a:spcBef>
-              <a:spcAft>
-                <a:spcPts val="0"/>
-              </a:spcAft>
-              <a:buClrTx/>
-              <a:buSzTx/>
-              <a:buFontTx/>
-              <a:buNone/>
-              <a:tabLst/>
-              <a:defRPr/>
-            </a:pPr>
-            <a:endParaRPr kumimoji="0" lang="fr-FR" sz="1800" b="0" i="0" u="none" strike="noStrike" kern="1200" cap="none" spc="0" normalizeH="0" baseline="0" noProof="0" dirty="0">
-              <a:ln>
-                <a:noFill/>
-              </a:ln>
-              <a:solidFill>
-                <a:prstClr val="white"/>
-              </a:solidFill>
-              <a:effectLst/>
-              <a:uLnTx/>
-              <a:uFillTx/>
-              <a:latin typeface="Trebuchet MS" panose="020B0603020202020204"/>
-              <a:ea typeface="+mn-ea"/>
-              <a:cs typeface="+mn-cs"/>
-            </a:endParaRPr>
-          </a:p>
-        </p:txBody>
-      </p:sp>
-      <p:sp>
-        <p:nvSpPr>
-          <p:cNvPr id="12" name="Ellipse 11">
-            <a:extLst>
-              <a:ext uri="{FF2B5EF4-FFF2-40B4-BE49-F238E27FC236}">
-                <a16:creationId xmlns:a16="http://schemas.microsoft.com/office/drawing/2014/main" id="{E812B697-1760-4389-A32C-D23E0C09542A}"/>
-              </a:ext>
-            </a:extLst>
-          </p:cNvPr>
-          <p:cNvSpPr/>
-          <p:nvPr/>
-        </p:nvSpPr>
-        <p:spPr>
-          <a:xfrm>
-            <a:off x="11376584" y="605712"/>
-            <a:ext cx="564118" cy="542925"/>
-          </a:xfrm>
-          <a:prstGeom prst="ellipse">
-            <a:avLst/>
-          </a:prstGeom>
-          <a:solidFill>
-            <a:srgbClr val="A8135A"/>
-          </a:solidFill>
-          <a:ln>
-            <a:solidFill>
-              <a:schemeClr val="bg1"/>
-            </a:solidFill>
-          </a:ln>
-        </p:spPr>
-        <p:style>
-          <a:lnRef idx="2">
-            <a:schemeClr val="accent1">
-              <a:shade val="50000"/>
-            </a:schemeClr>
-          </a:lnRef>
-          <a:fillRef idx="1">
-            <a:schemeClr val="accent1"/>
-          </a:fillRef>
-          <a:effectRef idx="0">
-            <a:schemeClr val="accent1"/>
-          </a:effectRef>
-          <a:fontRef idx="minor">
-            <a:schemeClr val="lt1"/>
-          </a:fontRef>
-        </p:style>
-        <p:txBody>
-          <a:bodyPr rtlCol="0" anchor="ctr"/>
-          <a:lstStyle/>
-          <a:p>
-            <a:pPr marL="0" marR="0" lvl="0" indent="0" algn="ctr" defTabSz="457200" rtl="0" eaLnBrk="1" fontAlgn="auto" latinLnBrk="0" hangingPunct="1">
-              <a:lnSpc>
-                <a:spcPct val="100000"/>
-              </a:lnSpc>
-              <a:spcBef>
-                <a:spcPts val="0"/>
-              </a:spcBef>
-              <a:spcAft>
-                <a:spcPts val="0"/>
-              </a:spcAft>
-              <a:buClrTx/>
-              <a:buSzTx/>
-              <a:buFontTx/>
-              <a:buNone/>
-              <a:tabLst/>
-              <a:defRPr/>
-            </a:pPr>
-            <a:endParaRPr kumimoji="0" lang="fr-FR" sz="1800" b="0" i="0" u="none" strike="noStrike" kern="1200" cap="none" spc="0" normalizeH="0" baseline="0" noProof="0">
-              <a:ln>
-                <a:noFill/>
-              </a:ln>
-              <a:solidFill>
-                <a:prstClr val="white"/>
-              </a:solidFill>
-              <a:effectLst/>
-              <a:uLnTx/>
-              <a:uFillTx/>
-              <a:latin typeface="Trebuchet MS" panose="020B0603020202020204"/>
-              <a:ea typeface="+mn-ea"/>
-              <a:cs typeface="+mn-cs"/>
-            </a:endParaRPr>
-          </a:p>
-        </p:txBody>
-      </p:sp>
-      <p:pic>
-        <p:nvPicPr>
-          <p:cNvPr id="16" name="Picture 2" descr="Image associée">
-            <a:extLst>
-              <a:ext uri="{FF2B5EF4-FFF2-40B4-BE49-F238E27FC236}">
-                <a16:creationId xmlns:a16="http://schemas.microsoft.com/office/drawing/2014/main" id="{CE54AA40-5A69-44B5-A196-6AAD86E13592}"/>
-              </a:ext>
-            </a:extLst>
-          </p:cNvPr>
-          <p:cNvPicPr>
-            <a:picLocks noChangeAspect="1" noChangeArrowheads="1"/>
-          </p:cNvPicPr>
-          <p:nvPr/>
-        </p:nvPicPr>
-        <p:blipFill rotWithShape="1">
-          <a:blip r:embed="rId4">
-            <a:extLst>
-              <a:ext uri="{28A0092B-C50C-407E-A947-70E740481C1C}">
-                <a14:useLocalDpi xmlns:a14="http://schemas.microsoft.com/office/drawing/2010/main" val="0"/>
-              </a:ext>
-            </a:extLst>
-          </a:blip>
-          <a:srcRect l="18677" r="15441"/>
-          <a:stretch/>
-        </p:blipFill>
-        <p:spPr bwMode="auto">
-          <a:xfrm>
-            <a:off x="143436" y="143435"/>
-            <a:ext cx="2269635" cy="609600"/>
-          </a:xfrm>
-          <a:prstGeom prst="rect">
-            <a:avLst/>
-          </a:prstGeom>
-          <a:noFill/>
-          <a:extLst>
-            <a:ext uri="{909E8E84-426E-40DD-AFC4-6F175D3DCCD1}">
-              <a14:hiddenFill xmlns:a14="http://schemas.microsoft.com/office/drawing/2010/main">
-                <a:solidFill>
-                  <a:srgbClr val="FFFFFF"/>
-                </a:solidFill>
-              </a14:hiddenFill>
-            </a:ext>
-          </a:extLst>
-        </p:spPr>
-      </p:pic>
-      <p:sp>
-        <p:nvSpPr>
-          <p:cNvPr id="17" name="ZoneTexte 16">
-            <a:extLst>
-              <a:ext uri="{FF2B5EF4-FFF2-40B4-BE49-F238E27FC236}">
-                <a16:creationId xmlns:a16="http://schemas.microsoft.com/office/drawing/2014/main" id="{FFD7AA6B-BA26-42A9-804F-66A35ED2335E}"/>
-              </a:ext>
-            </a:extLst>
-          </p:cNvPr>
-          <p:cNvSpPr txBox="1"/>
-          <p:nvPr/>
-        </p:nvSpPr>
-        <p:spPr>
-          <a:xfrm>
-            <a:off x="1004275" y="1037765"/>
-            <a:ext cx="3219936" cy="338554"/>
-          </a:xfrm>
-          <a:prstGeom prst="rect">
-            <a:avLst/>
-          </a:prstGeom>
-          <a:noFill/>
-        </p:spPr>
-        <p:txBody>
-          <a:bodyPr wrap="square" rtlCol="0">
-            <a:spAutoFit/>
-          </a:bodyPr>
-          <a:lstStyle/>
-          <a:p>
-            <a:pPr marL="0" marR="0" lvl="0" indent="0" algn="l" defTabSz="457200" rtl="0" eaLnBrk="1" fontAlgn="auto" latinLnBrk="0" hangingPunct="1">
-              <a:lnSpc>
-                <a:spcPct val="100000"/>
-              </a:lnSpc>
-              <a:spcBef>
-                <a:spcPts val="0"/>
-              </a:spcBef>
-              <a:spcAft>
-                <a:spcPts val="0"/>
-              </a:spcAft>
-              <a:buClrTx/>
-              <a:buSzTx/>
-              <a:buFontTx/>
-              <a:buNone/>
-              <a:tabLst/>
-              <a:defRPr/>
-            </a:pPr>
-            <a:r>
-              <a:rPr kumimoji="0" lang="fr-FR" sz="1600" b="0" i="0" u="sng" strike="noStrike" kern="1200" cap="none" spc="0" normalizeH="0" baseline="0" noProof="0" dirty="0">
-                <a:ln>
-                  <a:noFill/>
-                </a:ln>
-                <a:solidFill>
-                  <a:prstClr val="black"/>
-                </a:solidFill>
-                <a:effectLst/>
-                <a:uLnTx/>
-                <a:uFillTx/>
-                <a:latin typeface="Trebuchet MS" panose="020B0603020202020204"/>
-                <a:ea typeface="+mn-ea"/>
-                <a:cs typeface="+mn-cs"/>
-              </a:rPr>
-              <a:t>Diagrammes de cas d’utilisation</a:t>
-            </a:r>
-          </a:p>
-        </p:txBody>
-      </p:sp>
-      <p:sp>
-        <p:nvSpPr>
-          <p:cNvPr id="18" name="ZoneTexte 17">
-            <a:extLst>
-              <a:ext uri="{FF2B5EF4-FFF2-40B4-BE49-F238E27FC236}">
-                <a16:creationId xmlns:a16="http://schemas.microsoft.com/office/drawing/2014/main" id="{AA87ED74-B2BD-4AEA-92FD-2A8D805E3151}"/>
-              </a:ext>
-            </a:extLst>
-          </p:cNvPr>
-          <p:cNvSpPr txBox="1"/>
-          <p:nvPr/>
-        </p:nvSpPr>
-        <p:spPr>
-          <a:xfrm>
-            <a:off x="5925806" y="1042334"/>
-            <a:ext cx="3219936" cy="338554"/>
-          </a:xfrm>
-          <a:prstGeom prst="rect">
-            <a:avLst/>
-          </a:prstGeom>
-          <a:noFill/>
-        </p:spPr>
-        <p:txBody>
-          <a:bodyPr wrap="square" rtlCol="0">
-            <a:spAutoFit/>
-          </a:bodyPr>
-          <a:lstStyle/>
-          <a:p>
-            <a:pPr marL="0" marR="0" lvl="0" indent="0" algn="l" defTabSz="457200" rtl="0" eaLnBrk="1" fontAlgn="auto" latinLnBrk="0" hangingPunct="1">
-              <a:lnSpc>
-                <a:spcPct val="100000"/>
-              </a:lnSpc>
-              <a:spcBef>
-                <a:spcPts val="0"/>
-              </a:spcBef>
-              <a:spcAft>
-                <a:spcPts val="0"/>
-              </a:spcAft>
-              <a:buClrTx/>
-              <a:buSzTx/>
-              <a:buFontTx/>
-              <a:buNone/>
-              <a:tabLst/>
-              <a:defRPr/>
-            </a:pPr>
-            <a:r>
-              <a:rPr kumimoji="0" lang="fr-FR" sz="1600" b="0" i="0" u="sng" strike="noStrike" kern="1200" cap="none" spc="0" normalizeH="0" baseline="0" noProof="0" dirty="0">
-                <a:ln>
-                  <a:noFill/>
-                </a:ln>
-                <a:solidFill>
-                  <a:prstClr val="black"/>
-                </a:solidFill>
-                <a:effectLst/>
-                <a:uLnTx/>
-                <a:uFillTx/>
-                <a:latin typeface="Trebuchet MS" panose="020B0603020202020204"/>
-                <a:ea typeface="+mn-ea"/>
-                <a:cs typeface="+mn-cs"/>
-              </a:rPr>
-              <a:t>Diagrammes de Gantt </a:t>
-            </a:r>
-          </a:p>
-        </p:txBody>
-      </p:sp>
-    </p:spTree>
-    <p:extLst>
-      <p:ext uri="{BB962C8B-B14F-4D97-AF65-F5344CB8AC3E}">
-        <p14:creationId xmlns:p14="http://schemas.microsoft.com/office/powerpoint/2010/main" val="3213455617"/>
-      </p:ext>
-    </p:extLst>
-  </p:cSld>
-  <p:clrMapOvr>
-    <a:masterClrMapping/>
-  </p:clrMapOvr>
-  <mc:AlternateContent xmlns:mc="http://schemas.openxmlformats.org/markup-compatibility/2006">
-    <mc:Choice xmlns:p159="http://schemas.microsoft.com/office/powerpoint/2015/09/main" Requires="p159">
-      <p:transition xmlns:p14="http://schemas.microsoft.com/office/powerpoint/2010/main" spd="slow" p14:dur="2000">
-        <p159:morph option="byObject"/>
-      </p:transition>
-    </mc:Choice>
-    <mc:Fallback>
       <p:transition spd="slow">
         <p:fade/>
       </p:transition>
@@ -16322,89 +16161,6 @@
       </p:sp>
       <p:sp>
         <p:nvSpPr>
-          <p:cNvPr id="19" name="Ellipse 18">
-            <a:extLst>
-              <a:ext uri="{FF2B5EF4-FFF2-40B4-BE49-F238E27FC236}">
-                <a16:creationId xmlns:a16="http://schemas.microsoft.com/office/drawing/2014/main" id="{FEA445A8-208D-426C-92BF-3F8E1D9F5C39}"/>
-              </a:ext>
-            </a:extLst>
-          </p:cNvPr>
-          <p:cNvSpPr/>
-          <p:nvPr/>
-        </p:nvSpPr>
-        <p:spPr>
-          <a:xfrm>
-            <a:off x="11359088" y="5869338"/>
-            <a:ext cx="564118" cy="542925"/>
-          </a:xfrm>
-          <a:prstGeom prst="ellipse">
-            <a:avLst/>
-          </a:prstGeom>
-          <a:solidFill>
-            <a:srgbClr val="A8135A"/>
-          </a:solidFill>
-          <a:ln>
-            <a:solidFill>
-              <a:schemeClr val="bg1"/>
-            </a:solidFill>
-          </a:ln>
-        </p:spPr>
-        <p:style>
-          <a:lnRef idx="2">
-            <a:schemeClr val="accent1">
-              <a:shade val="50000"/>
-            </a:schemeClr>
-          </a:lnRef>
-          <a:fillRef idx="1">
-            <a:schemeClr val="accent1"/>
-          </a:fillRef>
-          <a:effectRef idx="0">
-            <a:schemeClr val="accent1"/>
-          </a:effectRef>
-          <a:fontRef idx="minor">
-            <a:schemeClr val="lt1"/>
-          </a:fontRef>
-        </p:style>
-        <p:txBody>
-          <a:bodyPr rtlCol="0" anchor="ctr"/>
-          <a:lstStyle/>
-          <a:p>
-            <a:pPr marL="0" marR="0" lvl="0" indent="0" algn="ctr" defTabSz="457200" rtl="0" eaLnBrk="1" fontAlgn="auto" latinLnBrk="0" hangingPunct="1">
-              <a:lnSpc>
-                <a:spcPct val="100000"/>
-              </a:lnSpc>
-              <a:spcBef>
-                <a:spcPts val="0"/>
-              </a:spcBef>
-              <a:spcAft>
-                <a:spcPts val="0"/>
-              </a:spcAft>
-              <a:buClrTx/>
-              <a:buSzTx/>
-              <a:buFontTx/>
-              <a:buNone/>
-              <a:tabLst/>
-              <a:defRPr/>
-            </a:pPr>
-            <a:endParaRPr kumimoji="0" lang="fr-FR" sz="1800" b="0" i="0" u="none" strike="noStrike" kern="1200" cap="none" spc="0" normalizeH="0" baseline="0" noProof="0">
-              <a:ln>
-                <a:noFill/>
-              </a:ln>
-              <a:solidFill>
-                <a:prstClr val="white"/>
-              </a:solidFill>
-              <a:effectLst/>
-              <a:uLnTx/>
-              <a:uFillTx/>
-              <a:latin typeface="Trebuchet MS" panose="020B0603020202020204"/>
-              <a:ea typeface="+mn-ea"/>
-              <a:cs typeface="+mn-cs"/>
-            </a:endParaRPr>
-          </a:p>
-        </p:txBody>
-      </p:sp>
-      <p:sp>
-        <p:nvSpPr>
           <p:cNvPr id="20" name="Organigramme : Terminateur 19">
             <a:extLst>
               <a:ext uri="{FF2B5EF4-FFF2-40B4-BE49-F238E27FC236}">
@@ -16807,6 +16563,89 @@
               <a:defRPr/>
             </a:pPr>
             <a:endParaRPr kumimoji="0" lang="fr-FR" sz="1800" b="0" i="0" u="none" strike="noStrike" kern="1200" cap="none" spc="0" normalizeH="0" baseline="0" noProof="0" dirty="0">
+              <a:ln>
+                <a:noFill/>
+              </a:ln>
+              <a:solidFill>
+                <a:prstClr val="white"/>
+              </a:solidFill>
+              <a:effectLst/>
+              <a:uLnTx/>
+              <a:uFillTx/>
+              <a:latin typeface="Trebuchet MS" panose="020B0603020202020204"/>
+              <a:ea typeface="+mn-ea"/>
+              <a:cs typeface="+mn-cs"/>
+            </a:endParaRPr>
+          </a:p>
+        </p:txBody>
+      </p:sp>
+      <p:sp>
+        <p:nvSpPr>
+          <p:cNvPr id="19" name="Ellipse 18">
+            <a:extLst>
+              <a:ext uri="{FF2B5EF4-FFF2-40B4-BE49-F238E27FC236}">
+                <a16:creationId xmlns:a16="http://schemas.microsoft.com/office/drawing/2014/main" id="{FEA445A8-208D-426C-92BF-3F8E1D9F5C39}"/>
+              </a:ext>
+            </a:extLst>
+          </p:cNvPr>
+          <p:cNvSpPr/>
+          <p:nvPr/>
+        </p:nvSpPr>
+        <p:spPr>
+          <a:xfrm>
+            <a:off x="11359088" y="5869338"/>
+            <a:ext cx="564118" cy="542925"/>
+          </a:xfrm>
+          <a:prstGeom prst="ellipse">
+            <a:avLst/>
+          </a:prstGeom>
+          <a:solidFill>
+            <a:srgbClr val="A8135A"/>
+          </a:solidFill>
+          <a:ln>
+            <a:solidFill>
+              <a:schemeClr val="bg1"/>
+            </a:solidFill>
+          </a:ln>
+        </p:spPr>
+        <p:style>
+          <a:lnRef idx="2">
+            <a:schemeClr val="accent1">
+              <a:shade val="50000"/>
+            </a:schemeClr>
+          </a:lnRef>
+          <a:fillRef idx="1">
+            <a:schemeClr val="accent1"/>
+          </a:fillRef>
+          <a:effectRef idx="0">
+            <a:schemeClr val="accent1"/>
+          </a:effectRef>
+          <a:fontRef idx="minor">
+            <a:schemeClr val="lt1"/>
+          </a:fontRef>
+        </p:style>
+        <p:txBody>
+          <a:bodyPr rtlCol="0" anchor="ctr"/>
+          <a:lstStyle/>
+          <a:p>
+            <a:pPr marL="0" marR="0" lvl="0" indent="0" algn="ctr" defTabSz="457200" rtl="0" eaLnBrk="1" fontAlgn="auto" latinLnBrk="0" hangingPunct="1">
+              <a:lnSpc>
+                <a:spcPct val="100000"/>
+              </a:lnSpc>
+              <a:spcBef>
+                <a:spcPts val="0"/>
+              </a:spcBef>
+              <a:spcAft>
+                <a:spcPts val="0"/>
+              </a:spcAft>
+              <a:buClrTx/>
+              <a:buSzTx/>
+              <a:buFontTx/>
+              <a:buNone/>
+              <a:tabLst/>
+              <a:defRPr/>
+            </a:pPr>
+            <a:endParaRPr kumimoji="0" lang="fr-FR" sz="1800" b="0" i="0" u="none" strike="noStrike" kern="1200" cap="none" spc="0" normalizeH="0" baseline="0" noProof="0">
               <a:ln>
                 <a:noFill/>
               </a:ln>

--- a/Cyril/Projet Théléton.pptx
+++ b/Cyril/Projet Théléton.pptx
@@ -6,8 +6,8 @@
   </p:sldMasterIdLst>
   <p:sldIdLst>
     <p:sldId id="266" r:id="rId2"/>
-    <p:sldId id="269" r:id="rId3"/>
-    <p:sldId id="267" r:id="rId4"/>
+    <p:sldId id="270" r:id="rId3"/>
+    <p:sldId id="269" r:id="rId4"/>
     <p:sldId id="258" r:id="rId5"/>
     <p:sldId id="259" r:id="rId6"/>
     <p:sldId id="263" r:id="rId7"/>
@@ -116,2802 +116,6 @@
     </p:ext>
   </p:extLst>
 </p:presentation>
-</file>
-
-<file path=ppt/diagrams/colors1.xml><?xml version="1.0" encoding="utf-8"?>
-<dgm:colorsDef xmlns:dgm="http://schemas.openxmlformats.org/drawingml/2006/diagram" xmlns:a="http://schemas.openxmlformats.org/drawingml/2006/main" uniqueId="urn:microsoft.com/office/officeart/2005/8/colors/accent0_3">
-  <dgm:title val=""/>
-  <dgm:desc val=""/>
-  <dgm:catLst>
-    <dgm:cat type="mainScheme" pri="10300"/>
-  </dgm:catLst>
-  <dgm:styleLbl name="node0">
-    <dgm:fillClrLst meth="repeat">
-      <a:schemeClr val="dk2"/>
-    </dgm:fillClrLst>
-    <dgm:linClrLst meth="repeat">
-      <a:schemeClr val="lt2"/>
-    </dgm:linClrLst>
-    <dgm:effectClrLst/>
-    <dgm:txLinClrLst/>
-    <dgm:txFillClrLst/>
-    <dgm:txEffectClrLst/>
-  </dgm:styleLbl>
-  <dgm:styleLbl name="alignNode1">
-    <dgm:fillClrLst meth="repeat">
-      <a:schemeClr val="dk2"/>
-    </dgm:fillClrLst>
-    <dgm:linClrLst meth="repeat">
-      <a:schemeClr val="dk2"/>
-    </dgm:linClrLst>
-    <dgm:effectClrLst/>
-    <dgm:txLinClrLst/>
-    <dgm:txFillClrLst/>
-    <dgm:txEffectClrLst/>
-  </dgm:styleLbl>
-  <dgm:styleLbl name="node1">
-    <dgm:fillClrLst meth="repeat">
-      <a:schemeClr val="dk2"/>
-    </dgm:fillClrLst>
-    <dgm:linClrLst meth="repeat">
-      <a:schemeClr val="lt2"/>
-    </dgm:linClrLst>
-    <dgm:effectClrLst/>
-    <dgm:txLinClrLst/>
-    <dgm:txFillClrLst/>
-    <dgm:txEffectClrLst/>
-  </dgm:styleLbl>
-  <dgm:styleLbl name="lnNode1">
-    <dgm:fillClrLst meth="repeat">
-      <a:schemeClr val="dk2"/>
-    </dgm:fillClrLst>
-    <dgm:linClrLst meth="repeat">
-      <a:schemeClr val="lt2"/>
-    </dgm:linClrLst>
-    <dgm:effectClrLst/>
-    <dgm:txLinClrLst/>
-    <dgm:txFillClrLst/>
-    <dgm:txEffectClrLst/>
-  </dgm:styleLbl>
-  <dgm:styleLbl name="vennNode1">
-    <dgm:fillClrLst meth="repeat">
-      <a:schemeClr val="dk2">
-        <a:alpha val="50000"/>
-      </a:schemeClr>
-    </dgm:fillClrLst>
-    <dgm:linClrLst meth="repeat">
-      <a:schemeClr val="lt2"/>
-    </dgm:linClrLst>
-    <dgm:effectClrLst/>
-    <dgm:txLinClrLst/>
-    <dgm:txFillClrLst/>
-    <dgm:txEffectClrLst/>
-  </dgm:styleLbl>
-  <dgm:styleLbl name="node2">
-    <dgm:fillClrLst meth="repeat">
-      <a:schemeClr val="dk2"/>
-    </dgm:fillClrLst>
-    <dgm:linClrLst meth="repeat">
-      <a:schemeClr val="lt2"/>
-    </dgm:linClrLst>
-    <dgm:effectClrLst/>
-    <dgm:txLinClrLst/>
-    <dgm:txFillClrLst/>
-    <dgm:txEffectClrLst/>
-  </dgm:styleLbl>
-  <dgm:styleLbl name="node3">
-    <dgm:fillClrLst meth="repeat">
-      <a:schemeClr val="dk2"/>
-    </dgm:fillClrLst>
-    <dgm:linClrLst meth="repeat">
-      <a:schemeClr val="lt2"/>
-    </dgm:linClrLst>
-    <dgm:effectClrLst/>
-    <dgm:txLinClrLst/>
-    <dgm:txFillClrLst/>
-    <dgm:txEffectClrLst/>
-  </dgm:styleLbl>
-  <dgm:styleLbl name="node4">
-    <dgm:fillClrLst meth="repeat">
-      <a:schemeClr val="dk2"/>
-    </dgm:fillClrLst>
-    <dgm:linClrLst meth="repeat">
-      <a:schemeClr val="lt2"/>
-    </dgm:linClrLst>
-    <dgm:effectClrLst/>
-    <dgm:txLinClrLst/>
-    <dgm:txFillClrLst/>
-    <dgm:txEffectClrLst/>
-  </dgm:styleLbl>
-  <dgm:styleLbl name="fgImgPlace1">
-    <dgm:fillClrLst meth="repeat">
-      <a:schemeClr val="dk2">
-        <a:tint val="50000"/>
-      </a:schemeClr>
-    </dgm:fillClrLst>
-    <dgm:linClrLst meth="repeat">
-      <a:schemeClr val="lt2"/>
-    </dgm:linClrLst>
-    <dgm:effectClrLst/>
-    <dgm:txLinClrLst/>
-    <dgm:txFillClrLst meth="repeat">
-      <a:schemeClr val="lt2"/>
-    </dgm:txFillClrLst>
-    <dgm:txEffectClrLst/>
-  </dgm:styleLbl>
-  <dgm:styleLbl name="alignImgPlace1">
-    <dgm:fillClrLst meth="repeat">
-      <a:schemeClr val="dk2">
-        <a:tint val="50000"/>
-      </a:schemeClr>
-    </dgm:fillClrLst>
-    <dgm:linClrLst meth="repeat">
-      <a:schemeClr val="dk2">
-        <a:shade val="80000"/>
-      </a:schemeClr>
-    </dgm:linClrLst>
-    <dgm:effectClrLst/>
-    <dgm:txLinClrLst/>
-    <dgm:txFillClrLst meth="repeat">
-      <a:schemeClr val="lt2"/>
-    </dgm:txFillClrLst>
-    <dgm:txEffectClrLst/>
-  </dgm:styleLbl>
-  <dgm:styleLbl name="bgImgPlace1">
-    <dgm:fillClrLst meth="repeat">
-      <a:schemeClr val="dk2">
-        <a:tint val="50000"/>
-      </a:schemeClr>
-    </dgm:fillClrLst>
-    <dgm:linClrLst meth="repeat">
-      <a:schemeClr val="dk2">
-        <a:shade val="80000"/>
-      </a:schemeClr>
-    </dgm:linClrLst>
-    <dgm:effectClrLst/>
-    <dgm:txLinClrLst/>
-    <dgm:txFillClrLst meth="repeat">
-      <a:schemeClr val="lt2"/>
-    </dgm:txFillClrLst>
-    <dgm:txEffectClrLst/>
-  </dgm:styleLbl>
-  <dgm:styleLbl name="sibTrans2D1">
-    <dgm:fillClrLst meth="repeat">
-      <a:schemeClr val="dk2">
-        <a:tint val="60000"/>
-      </a:schemeClr>
-    </dgm:fillClrLst>
-    <dgm:linClrLst meth="repeat">
-      <a:schemeClr val="dk2">
-        <a:tint val="60000"/>
-      </a:schemeClr>
-    </dgm:linClrLst>
-    <dgm:effectClrLst/>
-    <dgm:txLinClrLst/>
-    <dgm:txFillClrLst/>
-    <dgm:txEffectClrLst/>
-  </dgm:styleLbl>
-  <dgm:styleLbl name="fgSibTrans2D1">
-    <dgm:fillClrLst meth="repeat">
-      <a:schemeClr val="dk2">
-        <a:tint val="60000"/>
-      </a:schemeClr>
-    </dgm:fillClrLst>
-    <dgm:linClrLst meth="repeat">
-      <a:schemeClr val="dk2">
-        <a:tint val="60000"/>
-      </a:schemeClr>
-    </dgm:linClrLst>
-    <dgm:effectClrLst/>
-    <dgm:txLinClrLst/>
-    <dgm:txFillClrLst/>
-    <dgm:txEffectClrLst/>
-  </dgm:styleLbl>
-  <dgm:styleLbl name="bgSibTrans2D1">
-    <dgm:fillClrLst meth="repeat">
-      <a:schemeClr val="dk2">
-        <a:tint val="60000"/>
-      </a:schemeClr>
-    </dgm:fillClrLst>
-    <dgm:linClrLst meth="repeat">
-      <a:schemeClr val="dk2">
-        <a:tint val="60000"/>
-      </a:schemeClr>
-    </dgm:linClrLst>
-    <dgm:effectClrLst/>
-    <dgm:txLinClrLst/>
-    <dgm:txFillClrLst/>
-    <dgm:txEffectClrLst/>
-  </dgm:styleLbl>
-  <dgm:styleLbl name="sibTrans1D1">
-    <dgm:fillClrLst meth="repeat">
-      <a:schemeClr val="dk2"/>
-    </dgm:fillClrLst>
-    <dgm:linClrLst meth="repeat">
-      <a:schemeClr val="dk2"/>
-    </dgm:linClrLst>
-    <dgm:effectClrLst/>
-    <dgm:txLinClrLst/>
-    <dgm:txFillClrLst meth="repeat">
-      <a:schemeClr val="lt2"/>
-    </dgm:txFillClrLst>
-    <dgm:txEffectClrLst/>
-  </dgm:styleLbl>
-  <dgm:styleLbl name="callout">
-    <dgm:fillClrLst meth="repeat">
-      <a:schemeClr val="dk2"/>
-    </dgm:fillClrLst>
-    <dgm:linClrLst meth="repeat">
-      <a:schemeClr val="dk2">
-        <a:tint val="50000"/>
-      </a:schemeClr>
-    </dgm:linClrLst>
-    <dgm:effectClrLst/>
-    <dgm:txLinClrLst/>
-    <dgm:txFillClrLst meth="repeat">
-      <a:schemeClr val="lt2"/>
-    </dgm:txFillClrLst>
-    <dgm:txEffectClrLst/>
-  </dgm:styleLbl>
-  <dgm:styleLbl name="asst0">
-    <dgm:fillClrLst meth="repeat">
-      <a:schemeClr val="dk2"/>
-    </dgm:fillClrLst>
-    <dgm:linClrLst meth="repeat">
-      <a:schemeClr val="lt2"/>
-    </dgm:linClrLst>
-    <dgm:effectClrLst/>
-    <dgm:txLinClrLst/>
-    <dgm:txFillClrLst/>
-    <dgm:txEffectClrLst/>
-  </dgm:styleLbl>
-  <dgm:styleLbl name="asst1">
-    <dgm:fillClrLst meth="repeat">
-      <a:schemeClr val="dk2"/>
-    </dgm:fillClrLst>
-    <dgm:linClrLst meth="repeat">
-      <a:schemeClr val="lt2"/>
-    </dgm:linClrLst>
-    <dgm:effectClrLst/>
-    <dgm:txLinClrLst/>
-    <dgm:txFillClrLst/>
-    <dgm:txEffectClrLst/>
-  </dgm:styleLbl>
-  <dgm:styleLbl name="asst2">
-    <dgm:fillClrLst meth="repeat">
-      <a:schemeClr val="dk2"/>
-    </dgm:fillClrLst>
-    <dgm:linClrLst meth="repeat">
-      <a:schemeClr val="lt2"/>
-    </dgm:linClrLst>
-    <dgm:effectClrLst/>
-    <dgm:txLinClrLst/>
-    <dgm:txFillClrLst/>
-    <dgm:txEffectClrLst/>
-  </dgm:styleLbl>
-  <dgm:styleLbl name="asst3">
-    <dgm:fillClrLst meth="repeat">
-      <a:schemeClr val="dk2"/>
-    </dgm:fillClrLst>
-    <dgm:linClrLst meth="repeat">
-      <a:schemeClr val="lt2"/>
-    </dgm:linClrLst>
-    <dgm:effectClrLst/>
-    <dgm:txLinClrLst/>
-    <dgm:txFillClrLst/>
-    <dgm:txEffectClrLst/>
-  </dgm:styleLbl>
-  <dgm:styleLbl name="asst4">
-    <dgm:fillClrLst meth="repeat">
-      <a:schemeClr val="dk2"/>
-    </dgm:fillClrLst>
-    <dgm:linClrLst meth="repeat">
-      <a:schemeClr val="lt2"/>
-    </dgm:linClrLst>
-    <dgm:effectClrLst/>
-    <dgm:txLinClrLst/>
-    <dgm:txFillClrLst/>
-    <dgm:txEffectClrLst/>
-  </dgm:styleLbl>
-  <dgm:styleLbl name="parChTrans2D1">
-    <dgm:fillClrLst meth="repeat">
-      <a:schemeClr val="dk2">
-        <a:tint val="60000"/>
-      </a:schemeClr>
-    </dgm:fillClrLst>
-    <dgm:linClrLst meth="repeat">
-      <a:schemeClr val="dk2">
-        <a:tint val="60000"/>
-      </a:schemeClr>
-    </dgm:linClrLst>
-    <dgm:effectClrLst/>
-    <dgm:txLinClrLst/>
-    <dgm:txFillClrLst meth="repeat">
-      <a:schemeClr val="lt2"/>
-    </dgm:txFillClrLst>
-    <dgm:txEffectClrLst/>
-  </dgm:styleLbl>
-  <dgm:styleLbl name="parChTrans2D2">
-    <dgm:fillClrLst meth="repeat">
-      <a:schemeClr val="dk2"/>
-    </dgm:fillClrLst>
-    <dgm:linClrLst meth="repeat">
-      <a:schemeClr val="dk2"/>
-    </dgm:linClrLst>
-    <dgm:effectClrLst/>
-    <dgm:txLinClrLst/>
-    <dgm:txFillClrLst meth="repeat">
-      <a:schemeClr val="lt2"/>
-    </dgm:txFillClrLst>
-    <dgm:txEffectClrLst/>
-  </dgm:styleLbl>
-  <dgm:styleLbl name="parChTrans2D3">
-    <dgm:fillClrLst meth="repeat">
-      <a:schemeClr val="dk2"/>
-    </dgm:fillClrLst>
-    <dgm:linClrLst meth="repeat">
-      <a:schemeClr val="dk2"/>
-    </dgm:linClrLst>
-    <dgm:effectClrLst/>
-    <dgm:txLinClrLst/>
-    <dgm:txFillClrLst meth="repeat">
-      <a:schemeClr val="lt2"/>
-    </dgm:txFillClrLst>
-    <dgm:txEffectClrLst/>
-  </dgm:styleLbl>
-  <dgm:styleLbl name="parChTrans2D4">
-    <dgm:fillClrLst meth="repeat">
-      <a:schemeClr val="dk2"/>
-    </dgm:fillClrLst>
-    <dgm:linClrLst meth="repeat">
-      <a:schemeClr val="dk2"/>
-    </dgm:linClrLst>
-    <dgm:effectClrLst/>
-    <dgm:txLinClrLst/>
-    <dgm:txFillClrLst meth="repeat">
-      <a:schemeClr val="lt2"/>
-    </dgm:txFillClrLst>
-    <dgm:txEffectClrLst/>
-  </dgm:styleLbl>
-  <dgm:styleLbl name="parChTrans1D1">
-    <dgm:fillClrLst meth="repeat">
-      <a:schemeClr val="dk2"/>
-    </dgm:fillClrLst>
-    <dgm:linClrLst meth="repeat">
-      <a:schemeClr val="dk2">
-        <a:shade val="60000"/>
-      </a:schemeClr>
-    </dgm:linClrLst>
-    <dgm:effectClrLst/>
-    <dgm:txLinClrLst/>
-    <dgm:txFillClrLst meth="repeat">
-      <a:schemeClr val="tx1"/>
-    </dgm:txFillClrLst>
-    <dgm:txEffectClrLst/>
-  </dgm:styleLbl>
-  <dgm:styleLbl name="parChTrans1D2">
-    <dgm:fillClrLst meth="repeat">
-      <a:schemeClr val="dk2"/>
-    </dgm:fillClrLst>
-    <dgm:linClrLst meth="repeat">
-      <a:schemeClr val="dk2">
-        <a:shade val="60000"/>
-      </a:schemeClr>
-    </dgm:linClrLst>
-    <dgm:effectClrLst/>
-    <dgm:txLinClrLst/>
-    <dgm:txFillClrLst meth="repeat">
-      <a:schemeClr val="tx1"/>
-    </dgm:txFillClrLst>
-    <dgm:txEffectClrLst/>
-  </dgm:styleLbl>
-  <dgm:styleLbl name="parChTrans1D3">
-    <dgm:fillClrLst meth="repeat">
-      <a:schemeClr val="dk2"/>
-    </dgm:fillClrLst>
-    <dgm:linClrLst meth="repeat">
-      <a:schemeClr val="dk2">
-        <a:shade val="80000"/>
-      </a:schemeClr>
-    </dgm:linClrLst>
-    <dgm:effectClrLst/>
-    <dgm:txLinClrLst/>
-    <dgm:txFillClrLst meth="repeat">
-      <a:schemeClr val="tx1"/>
-    </dgm:txFillClrLst>
-    <dgm:txEffectClrLst/>
-  </dgm:styleLbl>
-  <dgm:styleLbl name="parChTrans1D4">
-    <dgm:fillClrLst meth="repeat">
-      <a:schemeClr val="dk2"/>
-    </dgm:fillClrLst>
-    <dgm:linClrLst meth="repeat">
-      <a:schemeClr val="dk2">
-        <a:shade val="80000"/>
-      </a:schemeClr>
-    </dgm:linClrLst>
-    <dgm:effectClrLst/>
-    <dgm:txLinClrLst/>
-    <dgm:txFillClrLst meth="repeat">
-      <a:schemeClr val="tx1"/>
-    </dgm:txFillClrLst>
-    <dgm:txEffectClrLst/>
-  </dgm:styleLbl>
-  <dgm:styleLbl name="fgAcc1">
-    <dgm:fillClrLst meth="repeat">
-      <a:schemeClr val="lt2">
-        <a:alpha val="90000"/>
-      </a:schemeClr>
-    </dgm:fillClrLst>
-    <dgm:linClrLst meth="repeat">
-      <a:schemeClr val="dk2"/>
-    </dgm:linClrLst>
-    <dgm:effectClrLst/>
-    <dgm:txLinClrLst/>
-    <dgm:txFillClrLst meth="repeat">
-      <a:schemeClr val="dk1"/>
-    </dgm:txFillClrLst>
-    <dgm:txEffectClrLst/>
-  </dgm:styleLbl>
-  <dgm:styleLbl name="conFgAcc1">
-    <dgm:fillClrLst meth="repeat">
-      <a:schemeClr val="lt2">
-        <a:alpha val="90000"/>
-      </a:schemeClr>
-    </dgm:fillClrLst>
-    <dgm:linClrLst meth="repeat">
-      <a:schemeClr val="dk2"/>
-    </dgm:linClrLst>
-    <dgm:effectClrLst/>
-    <dgm:txLinClrLst/>
-    <dgm:txFillClrLst meth="repeat">
-      <a:schemeClr val="dk1"/>
-    </dgm:txFillClrLst>
-    <dgm:txEffectClrLst/>
-  </dgm:styleLbl>
-  <dgm:styleLbl name="alignAcc1">
-    <dgm:fillClrLst meth="repeat">
-      <a:schemeClr val="lt2">
-        <a:alpha val="90000"/>
-      </a:schemeClr>
-    </dgm:fillClrLst>
-    <dgm:linClrLst meth="repeat">
-      <a:schemeClr val="dk2"/>
-    </dgm:linClrLst>
-    <dgm:effectClrLst/>
-    <dgm:txLinClrLst/>
-    <dgm:txFillClrLst meth="repeat">
-      <a:schemeClr val="dk1"/>
-    </dgm:txFillClrLst>
-    <dgm:txEffectClrLst/>
-  </dgm:styleLbl>
-  <dgm:styleLbl name="trAlignAcc1">
-    <dgm:fillClrLst meth="repeat">
-      <a:schemeClr val="lt2">
-        <a:alpha val="40000"/>
-      </a:schemeClr>
-    </dgm:fillClrLst>
-    <dgm:linClrLst meth="repeat">
-      <a:schemeClr val="dk2"/>
-    </dgm:linClrLst>
-    <dgm:effectClrLst/>
-    <dgm:txLinClrLst/>
-    <dgm:txFillClrLst meth="repeat">
-      <a:schemeClr val="dk1"/>
-    </dgm:txFillClrLst>
-    <dgm:txEffectClrLst/>
-  </dgm:styleLbl>
-  <dgm:styleLbl name="bgAcc1">
-    <dgm:fillClrLst meth="repeat">
-      <a:schemeClr val="lt2">
-        <a:alpha val="90000"/>
-      </a:schemeClr>
-    </dgm:fillClrLst>
-    <dgm:linClrLst meth="repeat">
-      <a:schemeClr val="dk2"/>
-    </dgm:linClrLst>
-    <dgm:effectClrLst/>
-    <dgm:txLinClrLst/>
-    <dgm:txFillClrLst meth="repeat">
-      <a:schemeClr val="dk1"/>
-    </dgm:txFillClrLst>
-    <dgm:txEffectClrLst/>
-  </dgm:styleLbl>
-  <dgm:styleLbl name="solidFgAcc1">
-    <dgm:fillClrLst meth="repeat">
-      <a:schemeClr val="lt2"/>
-    </dgm:fillClrLst>
-    <dgm:linClrLst meth="repeat">
-      <a:schemeClr val="dk2"/>
-    </dgm:linClrLst>
-    <dgm:effectClrLst/>
-    <dgm:txLinClrLst/>
-    <dgm:txFillClrLst meth="repeat">
-      <a:schemeClr val="dk1"/>
-    </dgm:txFillClrLst>
-    <dgm:txEffectClrLst/>
-  </dgm:styleLbl>
-  <dgm:styleLbl name="solidAlignAcc1">
-    <dgm:fillClrLst meth="repeat">
-      <a:schemeClr val="lt2"/>
-    </dgm:fillClrLst>
-    <dgm:linClrLst meth="repeat">
-      <a:schemeClr val="dk2"/>
-    </dgm:linClrLst>
-    <dgm:effectClrLst/>
-    <dgm:txLinClrLst/>
-    <dgm:txFillClrLst meth="repeat">
-      <a:schemeClr val="dk1"/>
-    </dgm:txFillClrLst>
-    <dgm:txEffectClrLst/>
-  </dgm:styleLbl>
-  <dgm:styleLbl name="solidBgAcc1">
-    <dgm:fillClrLst meth="repeat">
-      <a:schemeClr val="lt2"/>
-    </dgm:fillClrLst>
-    <dgm:linClrLst meth="repeat">
-      <a:schemeClr val="dk2"/>
-    </dgm:linClrLst>
-    <dgm:effectClrLst/>
-    <dgm:txLinClrLst/>
-    <dgm:txFillClrLst meth="repeat">
-      <a:schemeClr val="dk1"/>
-    </dgm:txFillClrLst>
-    <dgm:txEffectClrLst/>
-  </dgm:styleLbl>
-  <dgm:styleLbl name="fgAccFollowNode1">
-    <dgm:fillClrLst meth="repeat">
-      <a:schemeClr val="dk2">
-        <a:alpha val="90000"/>
-        <a:tint val="40000"/>
-      </a:schemeClr>
-    </dgm:fillClrLst>
-    <dgm:linClrLst meth="repeat">
-      <a:schemeClr val="dk2">
-        <a:alpha val="90000"/>
-        <a:tint val="40000"/>
-      </a:schemeClr>
-    </dgm:linClrLst>
-    <dgm:effectClrLst/>
-    <dgm:txLinClrLst/>
-    <dgm:txFillClrLst meth="repeat">
-      <a:schemeClr val="dk1"/>
-    </dgm:txFillClrLst>
-    <dgm:txEffectClrLst/>
-  </dgm:styleLbl>
-  <dgm:styleLbl name="alignAccFollowNode1">
-    <dgm:fillClrLst meth="repeat">
-      <a:schemeClr val="dk2">
-        <a:alpha val="90000"/>
-        <a:tint val="40000"/>
-      </a:schemeClr>
-    </dgm:fillClrLst>
-    <dgm:linClrLst meth="repeat">
-      <a:schemeClr val="dk2">
-        <a:alpha val="90000"/>
-        <a:tint val="40000"/>
-      </a:schemeClr>
-    </dgm:linClrLst>
-    <dgm:effectClrLst/>
-    <dgm:txLinClrLst/>
-    <dgm:txFillClrLst meth="repeat">
-      <a:schemeClr val="dk1"/>
-    </dgm:txFillClrLst>
-    <dgm:txEffectClrLst/>
-  </dgm:styleLbl>
-  <dgm:styleLbl name="bgAccFollowNode1">
-    <dgm:fillClrLst meth="repeat">
-      <a:schemeClr val="dk2">
-        <a:alpha val="90000"/>
-        <a:tint val="40000"/>
-      </a:schemeClr>
-    </dgm:fillClrLst>
-    <dgm:linClrLst meth="repeat">
-      <a:schemeClr val="dk2">
-        <a:alpha val="90000"/>
-        <a:tint val="40000"/>
-      </a:schemeClr>
-    </dgm:linClrLst>
-    <dgm:effectClrLst/>
-    <dgm:txLinClrLst/>
-    <dgm:txFillClrLst meth="repeat">
-      <a:schemeClr val="dk1"/>
-    </dgm:txFillClrLst>
-    <dgm:txEffectClrLst/>
-  </dgm:styleLbl>
-  <dgm:styleLbl name="fgAcc0">
-    <dgm:fillClrLst meth="repeat">
-      <a:schemeClr val="lt2">
-        <a:alpha val="90000"/>
-      </a:schemeClr>
-    </dgm:fillClrLst>
-    <dgm:linClrLst meth="repeat">
-      <a:schemeClr val="dk2"/>
-    </dgm:linClrLst>
-    <dgm:effectClrLst/>
-    <dgm:txLinClrLst/>
-    <dgm:txFillClrLst meth="repeat">
-      <a:schemeClr val="dk1"/>
-    </dgm:txFillClrLst>
-    <dgm:txEffectClrLst/>
-  </dgm:styleLbl>
-  <dgm:styleLbl name="fgAcc2">
-    <dgm:fillClrLst meth="repeat">
-      <a:schemeClr val="lt2">
-        <a:alpha val="90000"/>
-      </a:schemeClr>
-    </dgm:fillClrLst>
-    <dgm:linClrLst meth="repeat">
-      <a:schemeClr val="dk2"/>
-    </dgm:linClrLst>
-    <dgm:effectClrLst/>
-    <dgm:txLinClrLst/>
-    <dgm:txFillClrLst meth="repeat">
-      <a:schemeClr val="dk1"/>
-    </dgm:txFillClrLst>
-    <dgm:txEffectClrLst/>
-  </dgm:styleLbl>
-  <dgm:styleLbl name="fgAcc3">
-    <dgm:fillClrLst meth="repeat">
-      <a:schemeClr val="lt2">
-        <a:alpha val="90000"/>
-      </a:schemeClr>
-    </dgm:fillClrLst>
-    <dgm:linClrLst meth="repeat">
-      <a:schemeClr val="dk2"/>
-    </dgm:linClrLst>
-    <dgm:effectClrLst/>
-    <dgm:txLinClrLst/>
-    <dgm:txFillClrLst meth="repeat">
-      <a:schemeClr val="dk1"/>
-    </dgm:txFillClrLst>
-    <dgm:txEffectClrLst/>
-  </dgm:styleLbl>
-  <dgm:styleLbl name="fgAcc4">
-    <dgm:fillClrLst meth="repeat">
-      <a:schemeClr val="lt2">
-        <a:alpha val="90000"/>
-      </a:schemeClr>
-    </dgm:fillClrLst>
-    <dgm:linClrLst meth="repeat">
-      <a:schemeClr val="dk2"/>
-    </dgm:linClrLst>
-    <dgm:effectClrLst/>
-    <dgm:txLinClrLst/>
-    <dgm:txFillClrLst meth="repeat">
-      <a:schemeClr val="dk1"/>
-    </dgm:txFillClrLst>
-    <dgm:txEffectClrLst/>
-  </dgm:styleLbl>
-  <dgm:styleLbl name="bgShp">
-    <dgm:fillClrLst meth="repeat">
-      <a:schemeClr val="dk2">
-        <a:tint val="40000"/>
-      </a:schemeClr>
-    </dgm:fillClrLst>
-    <dgm:linClrLst meth="repeat">
-      <a:schemeClr val="dk2"/>
-    </dgm:linClrLst>
-    <dgm:effectClrLst/>
-    <dgm:txLinClrLst/>
-    <dgm:txFillClrLst meth="repeat">
-      <a:schemeClr val="dk1"/>
-    </dgm:txFillClrLst>
-    <dgm:txEffectClrLst/>
-  </dgm:styleLbl>
-  <dgm:styleLbl name="dkBgShp">
-    <dgm:fillClrLst meth="repeat">
-      <a:schemeClr val="dk2">
-        <a:shade val="80000"/>
-      </a:schemeClr>
-    </dgm:fillClrLst>
-    <dgm:linClrLst meth="repeat">
-      <a:schemeClr val="dk2"/>
-    </dgm:linClrLst>
-    <dgm:effectClrLst/>
-    <dgm:txLinClrLst/>
-    <dgm:txFillClrLst meth="repeat">
-      <a:schemeClr val="lt1"/>
-    </dgm:txFillClrLst>
-    <dgm:txEffectClrLst/>
-  </dgm:styleLbl>
-  <dgm:styleLbl name="trBgShp">
-    <dgm:fillClrLst meth="repeat">
-      <a:schemeClr val="dk2">
-        <a:tint val="50000"/>
-        <a:alpha val="40000"/>
-      </a:schemeClr>
-    </dgm:fillClrLst>
-    <dgm:linClrLst meth="repeat">
-      <a:schemeClr val="dk2"/>
-    </dgm:linClrLst>
-    <dgm:effectClrLst/>
-    <dgm:txLinClrLst/>
-    <dgm:txFillClrLst meth="repeat">
-      <a:schemeClr val="lt1"/>
-    </dgm:txFillClrLst>
-    <dgm:txEffectClrLst/>
-  </dgm:styleLbl>
-  <dgm:styleLbl name="fgShp">
-    <dgm:fillClrLst meth="repeat">
-      <a:schemeClr val="dk2">
-        <a:tint val="60000"/>
-      </a:schemeClr>
-    </dgm:fillClrLst>
-    <dgm:linClrLst meth="repeat">
-      <a:schemeClr val="lt2"/>
-    </dgm:linClrLst>
-    <dgm:effectClrLst/>
-    <dgm:txLinClrLst/>
-    <dgm:txFillClrLst meth="repeat">
-      <a:schemeClr val="dk1"/>
-    </dgm:txFillClrLst>
-    <dgm:txEffectClrLst/>
-  </dgm:styleLbl>
-  <dgm:styleLbl name="revTx">
-    <dgm:fillClrLst meth="repeat">
-      <a:schemeClr val="lt2">
-        <a:alpha val="0"/>
-      </a:schemeClr>
-    </dgm:fillClrLst>
-    <dgm:linClrLst meth="repeat">
-      <a:schemeClr val="dk1">
-        <a:alpha val="0"/>
-      </a:schemeClr>
-    </dgm:linClrLst>
-    <dgm:effectClrLst/>
-    <dgm:txLinClrLst/>
-    <dgm:txFillClrLst meth="repeat">
-      <a:schemeClr val="tx1"/>
-    </dgm:txFillClrLst>
-    <dgm:txEffectClrLst/>
-  </dgm:styleLbl>
-</dgm:colorsDef>
-</file>
-
-<file path=ppt/diagrams/data1.xml><?xml version="1.0" encoding="utf-8"?>
-<dgm:dataModel xmlns:dgm="http://schemas.openxmlformats.org/drawingml/2006/diagram" xmlns:a="http://schemas.openxmlformats.org/drawingml/2006/main">
-  <dgm:ptLst>
-    <dgm:pt modelId="{8BF2B4A2-16C0-4454-A701-C00353AE4052}" type="doc">
-      <dgm:prSet loTypeId="urn:microsoft.com/office/officeart/2005/8/layout/hierarchy1" loCatId="hierarchy" qsTypeId="urn:microsoft.com/office/officeart/2005/8/quickstyle/simple1" qsCatId="simple" csTypeId="urn:microsoft.com/office/officeart/2005/8/colors/accent0_3" csCatId="mainScheme"/>
-      <dgm:spPr/>
-      <dgm:t>
-        <a:bodyPr/>
-        <a:lstStyle/>
-        <a:p>
-          <a:endParaRPr lang="en-US"/>
-        </a:p>
-      </dgm:t>
-    </dgm:pt>
-    <dgm:pt modelId="{8EA36276-56EE-4495-A6A4-4E6091C2AFD2}">
-      <dgm:prSet/>
-      <dgm:spPr/>
-      <dgm:t>
-        <a:bodyPr/>
-        <a:lstStyle/>
-        <a:p>
-          <a:r>
-            <a:rPr lang="fr-FR"/>
-            <a:t>Développement web </a:t>
-          </a:r>
-          <a:endParaRPr lang="en-US"/>
-        </a:p>
-      </dgm:t>
-    </dgm:pt>
-    <dgm:pt modelId="{BBD7CB56-DF04-4CDC-B5A7-AE95C5EB4DE1}" type="parTrans" cxnId="{0B314A39-5896-457F-B280-99A1CAE321CA}">
-      <dgm:prSet/>
-      <dgm:spPr/>
-      <dgm:t>
-        <a:bodyPr/>
-        <a:lstStyle/>
-        <a:p>
-          <a:endParaRPr lang="en-US"/>
-        </a:p>
-      </dgm:t>
-    </dgm:pt>
-    <dgm:pt modelId="{AB10C6FA-5067-447B-AD1D-8ABF7405BAB0}" type="sibTrans" cxnId="{0B314A39-5896-457F-B280-99A1CAE321CA}">
-      <dgm:prSet/>
-      <dgm:spPr/>
-      <dgm:t>
-        <a:bodyPr/>
-        <a:lstStyle/>
-        <a:p>
-          <a:endParaRPr lang="en-US"/>
-        </a:p>
-      </dgm:t>
-    </dgm:pt>
-    <dgm:pt modelId="{0846C06E-2657-43FC-959A-0C2355D87C66}">
-      <dgm:prSet/>
-      <dgm:spPr/>
-      <dgm:t>
-        <a:bodyPr/>
-        <a:lstStyle/>
-        <a:p>
-          <a:r>
-            <a:rPr lang="fr-FR"/>
-            <a:t>Développement sur Arduino </a:t>
-          </a:r>
-          <a:endParaRPr lang="en-US"/>
-        </a:p>
-      </dgm:t>
-    </dgm:pt>
-    <dgm:pt modelId="{00DC344B-495D-43DF-8152-E4D6CA3F78A1}" type="parTrans" cxnId="{39594879-08F7-4522-87A9-D2E3F8C8C78C}">
-      <dgm:prSet/>
-      <dgm:spPr/>
-      <dgm:t>
-        <a:bodyPr/>
-        <a:lstStyle/>
-        <a:p>
-          <a:endParaRPr lang="en-US"/>
-        </a:p>
-      </dgm:t>
-    </dgm:pt>
-    <dgm:pt modelId="{8CBBEC33-3170-4A25-81CD-E4AC157EDB2E}" type="sibTrans" cxnId="{39594879-08F7-4522-87A9-D2E3F8C8C78C}">
-      <dgm:prSet/>
-      <dgm:spPr/>
-      <dgm:t>
-        <a:bodyPr/>
-        <a:lstStyle/>
-        <a:p>
-          <a:endParaRPr lang="en-US"/>
-        </a:p>
-      </dgm:t>
-    </dgm:pt>
-    <dgm:pt modelId="{867C20BB-C98F-4C88-9529-6EF236959518}" type="pres">
-      <dgm:prSet presAssocID="{8BF2B4A2-16C0-4454-A701-C00353AE4052}" presName="hierChild1" presStyleCnt="0">
-        <dgm:presLayoutVars>
-          <dgm:chPref val="1"/>
-          <dgm:dir/>
-          <dgm:animOne val="branch"/>
-          <dgm:animLvl val="lvl"/>
-          <dgm:resizeHandles/>
-        </dgm:presLayoutVars>
-      </dgm:prSet>
-      <dgm:spPr/>
-    </dgm:pt>
-    <dgm:pt modelId="{4346756F-9658-49F5-996D-FD5B29F629C8}" type="pres">
-      <dgm:prSet presAssocID="{8EA36276-56EE-4495-A6A4-4E6091C2AFD2}" presName="hierRoot1" presStyleCnt="0"/>
-      <dgm:spPr/>
-    </dgm:pt>
-    <dgm:pt modelId="{92FF18DA-7F67-48E2-BE5D-9E60418284D1}" type="pres">
-      <dgm:prSet presAssocID="{8EA36276-56EE-4495-A6A4-4E6091C2AFD2}" presName="composite" presStyleCnt="0"/>
-      <dgm:spPr/>
-    </dgm:pt>
-    <dgm:pt modelId="{FF4A64BE-9359-4885-B684-D3DBD5160869}" type="pres">
-      <dgm:prSet presAssocID="{8EA36276-56EE-4495-A6A4-4E6091C2AFD2}" presName="background" presStyleLbl="node0" presStyleIdx="0" presStyleCnt="2"/>
-      <dgm:spPr/>
-    </dgm:pt>
-    <dgm:pt modelId="{B81A3A91-4792-442D-BDDD-62CE37646E21}" type="pres">
-      <dgm:prSet presAssocID="{8EA36276-56EE-4495-A6A4-4E6091C2AFD2}" presName="text" presStyleLbl="fgAcc0" presStyleIdx="0" presStyleCnt="2">
-        <dgm:presLayoutVars>
-          <dgm:chPref val="3"/>
-        </dgm:presLayoutVars>
-      </dgm:prSet>
-      <dgm:spPr/>
-    </dgm:pt>
-    <dgm:pt modelId="{634EC1F1-D3A2-43ED-BA88-D31389FD9351}" type="pres">
-      <dgm:prSet presAssocID="{8EA36276-56EE-4495-A6A4-4E6091C2AFD2}" presName="hierChild2" presStyleCnt="0"/>
-      <dgm:spPr/>
-    </dgm:pt>
-    <dgm:pt modelId="{4F61D06F-CCF5-4DBE-8978-26DE083CBB35}" type="pres">
-      <dgm:prSet presAssocID="{0846C06E-2657-43FC-959A-0C2355D87C66}" presName="hierRoot1" presStyleCnt="0"/>
-      <dgm:spPr/>
-    </dgm:pt>
-    <dgm:pt modelId="{9516FDCC-30F4-41FC-B938-7EC3A5EDA8F2}" type="pres">
-      <dgm:prSet presAssocID="{0846C06E-2657-43FC-959A-0C2355D87C66}" presName="composite" presStyleCnt="0"/>
-      <dgm:spPr/>
-    </dgm:pt>
-    <dgm:pt modelId="{7B13B237-B5DD-4E42-BC9B-9079A41CC6AB}" type="pres">
-      <dgm:prSet presAssocID="{0846C06E-2657-43FC-959A-0C2355D87C66}" presName="background" presStyleLbl="node0" presStyleIdx="1" presStyleCnt="2"/>
-      <dgm:spPr/>
-    </dgm:pt>
-    <dgm:pt modelId="{98717E7A-FD05-481E-9E56-07B61D31BD5B}" type="pres">
-      <dgm:prSet presAssocID="{0846C06E-2657-43FC-959A-0C2355D87C66}" presName="text" presStyleLbl="fgAcc0" presStyleIdx="1" presStyleCnt="2">
-        <dgm:presLayoutVars>
-          <dgm:chPref val="3"/>
-        </dgm:presLayoutVars>
-      </dgm:prSet>
-      <dgm:spPr/>
-    </dgm:pt>
-    <dgm:pt modelId="{51B5AE3A-2D6E-498D-8657-560DFED15522}" type="pres">
-      <dgm:prSet presAssocID="{0846C06E-2657-43FC-959A-0C2355D87C66}" presName="hierChild2" presStyleCnt="0"/>
-      <dgm:spPr/>
-    </dgm:pt>
-  </dgm:ptLst>
-  <dgm:cxnLst>
-    <dgm:cxn modelId="{0B314A39-5896-457F-B280-99A1CAE321CA}" srcId="{8BF2B4A2-16C0-4454-A701-C00353AE4052}" destId="{8EA36276-56EE-4495-A6A4-4E6091C2AFD2}" srcOrd="0" destOrd="0" parTransId="{BBD7CB56-DF04-4CDC-B5A7-AE95C5EB4DE1}" sibTransId="{AB10C6FA-5067-447B-AD1D-8ABF7405BAB0}"/>
-    <dgm:cxn modelId="{EAB17B4F-890E-41AF-89A8-0CBB8419EF15}" type="presOf" srcId="{8BF2B4A2-16C0-4454-A701-C00353AE4052}" destId="{867C20BB-C98F-4C88-9529-6EF236959518}" srcOrd="0" destOrd="0" presId="urn:microsoft.com/office/officeart/2005/8/layout/hierarchy1"/>
-    <dgm:cxn modelId="{4466AB74-2819-4D34-A0D1-5E4FC4644419}" type="presOf" srcId="{0846C06E-2657-43FC-959A-0C2355D87C66}" destId="{98717E7A-FD05-481E-9E56-07B61D31BD5B}" srcOrd="0" destOrd="0" presId="urn:microsoft.com/office/officeart/2005/8/layout/hierarchy1"/>
-    <dgm:cxn modelId="{39594879-08F7-4522-87A9-D2E3F8C8C78C}" srcId="{8BF2B4A2-16C0-4454-A701-C00353AE4052}" destId="{0846C06E-2657-43FC-959A-0C2355D87C66}" srcOrd="1" destOrd="0" parTransId="{00DC344B-495D-43DF-8152-E4D6CA3F78A1}" sibTransId="{8CBBEC33-3170-4A25-81CD-E4AC157EDB2E}"/>
-    <dgm:cxn modelId="{F2FA99C0-4360-4DDA-AE09-109EDC9174F1}" type="presOf" srcId="{8EA36276-56EE-4495-A6A4-4E6091C2AFD2}" destId="{B81A3A91-4792-442D-BDDD-62CE37646E21}" srcOrd="0" destOrd="0" presId="urn:microsoft.com/office/officeart/2005/8/layout/hierarchy1"/>
-    <dgm:cxn modelId="{C1FDBB43-D62E-441B-A72C-7230A3BFAEAB}" type="presParOf" srcId="{867C20BB-C98F-4C88-9529-6EF236959518}" destId="{4346756F-9658-49F5-996D-FD5B29F629C8}" srcOrd="0" destOrd="0" presId="urn:microsoft.com/office/officeart/2005/8/layout/hierarchy1"/>
-    <dgm:cxn modelId="{E5497487-8810-4AF4-9381-8C3D53A4902B}" type="presParOf" srcId="{4346756F-9658-49F5-996D-FD5B29F629C8}" destId="{92FF18DA-7F67-48E2-BE5D-9E60418284D1}" srcOrd="0" destOrd="0" presId="urn:microsoft.com/office/officeart/2005/8/layout/hierarchy1"/>
-    <dgm:cxn modelId="{D3F28836-9043-4300-8D41-70CB974FFF87}" type="presParOf" srcId="{92FF18DA-7F67-48E2-BE5D-9E60418284D1}" destId="{FF4A64BE-9359-4885-B684-D3DBD5160869}" srcOrd="0" destOrd="0" presId="urn:microsoft.com/office/officeart/2005/8/layout/hierarchy1"/>
-    <dgm:cxn modelId="{FEB36AE6-2029-40E9-A190-8445AC9E598F}" type="presParOf" srcId="{92FF18DA-7F67-48E2-BE5D-9E60418284D1}" destId="{B81A3A91-4792-442D-BDDD-62CE37646E21}" srcOrd="1" destOrd="0" presId="urn:microsoft.com/office/officeart/2005/8/layout/hierarchy1"/>
-    <dgm:cxn modelId="{A9CF6E49-8BCD-4B62-A3C1-4684752058F2}" type="presParOf" srcId="{4346756F-9658-49F5-996D-FD5B29F629C8}" destId="{634EC1F1-D3A2-43ED-BA88-D31389FD9351}" srcOrd="1" destOrd="0" presId="urn:microsoft.com/office/officeart/2005/8/layout/hierarchy1"/>
-    <dgm:cxn modelId="{1C233FBC-2046-4A28-B63C-BFD452533614}" type="presParOf" srcId="{867C20BB-C98F-4C88-9529-6EF236959518}" destId="{4F61D06F-CCF5-4DBE-8978-26DE083CBB35}" srcOrd="1" destOrd="0" presId="urn:microsoft.com/office/officeart/2005/8/layout/hierarchy1"/>
-    <dgm:cxn modelId="{1DE52810-352B-4DA9-82A9-A939E1CB1EF0}" type="presParOf" srcId="{4F61D06F-CCF5-4DBE-8978-26DE083CBB35}" destId="{9516FDCC-30F4-41FC-B938-7EC3A5EDA8F2}" srcOrd="0" destOrd="0" presId="urn:microsoft.com/office/officeart/2005/8/layout/hierarchy1"/>
-    <dgm:cxn modelId="{F5B77BFC-63C9-4EE3-B648-ABCE0AF84012}" type="presParOf" srcId="{9516FDCC-30F4-41FC-B938-7EC3A5EDA8F2}" destId="{7B13B237-B5DD-4E42-BC9B-9079A41CC6AB}" srcOrd="0" destOrd="0" presId="urn:microsoft.com/office/officeart/2005/8/layout/hierarchy1"/>
-    <dgm:cxn modelId="{4B523168-7CED-4032-A5A3-1DD2CCFF01F4}" type="presParOf" srcId="{9516FDCC-30F4-41FC-B938-7EC3A5EDA8F2}" destId="{98717E7A-FD05-481E-9E56-07B61D31BD5B}" srcOrd="1" destOrd="0" presId="urn:microsoft.com/office/officeart/2005/8/layout/hierarchy1"/>
-    <dgm:cxn modelId="{BF52AB6B-C400-44A7-96AF-C6B38C24C1F1}" type="presParOf" srcId="{4F61D06F-CCF5-4DBE-8978-26DE083CBB35}" destId="{51B5AE3A-2D6E-498D-8657-560DFED15522}" srcOrd="1" destOrd="0" presId="urn:microsoft.com/office/officeart/2005/8/layout/hierarchy1"/>
-  </dgm:cxnLst>
-  <dgm:bg/>
-  <dgm:whole/>
-  <dgm:extLst>
-    <a:ext uri="http://schemas.microsoft.com/office/drawing/2008/diagram">
-      <dsp:dataModelExt xmlns:dsp="http://schemas.microsoft.com/office/drawing/2008/diagram" relId="rId7" minVer="http://schemas.openxmlformats.org/drawingml/2006/diagram"/>
-    </a:ext>
-  </dgm:extLst>
-</dgm:dataModel>
-</file>
-
-<file path=ppt/diagrams/drawing1.xml><?xml version="1.0" encoding="utf-8"?>
-<dsp:drawing xmlns:dgm="http://schemas.openxmlformats.org/drawingml/2006/diagram" xmlns:dsp="http://schemas.microsoft.com/office/drawing/2008/diagram" xmlns:a="http://schemas.openxmlformats.org/drawingml/2006/main">
-  <dsp:spTree>
-    <dsp:nvGrpSpPr>
-      <dsp:cNvPr id="0" name=""/>
-      <dsp:cNvGrpSpPr/>
-    </dsp:nvGrpSpPr>
-    <dsp:grpSpPr/>
-    <dsp:sp modelId="{FF4A64BE-9359-4885-B684-D3DBD5160869}">
-      <dsp:nvSpPr>
-        <dsp:cNvPr id="0" name=""/>
-        <dsp:cNvSpPr/>
-      </dsp:nvSpPr>
-      <dsp:spPr>
-        <a:xfrm>
-          <a:off x="1049" y="576898"/>
-          <a:ext cx="3683234" cy="2338853"/>
-        </a:xfrm>
-        <a:prstGeom prst="roundRect">
-          <a:avLst>
-            <a:gd name="adj" fmla="val 10000"/>
-          </a:avLst>
-        </a:prstGeom>
-        <a:solidFill>
-          <a:schemeClr val="dk2">
-            <a:hueOff val="0"/>
-            <a:satOff val="0"/>
-            <a:lumOff val="0"/>
-            <a:alphaOff val="0"/>
-          </a:schemeClr>
-        </a:solidFill>
-        <a:ln w="19050" cap="rnd" cmpd="sng" algn="ctr">
-          <a:solidFill>
-            <a:schemeClr val="lt2">
-              <a:hueOff val="0"/>
-              <a:satOff val="0"/>
-              <a:lumOff val="0"/>
-              <a:alphaOff val="0"/>
-            </a:schemeClr>
-          </a:solidFill>
-          <a:prstDash val="solid"/>
-        </a:ln>
-        <a:effectLst/>
-      </dsp:spPr>
-      <dsp:style>
-        <a:lnRef idx="2">
-          <a:scrgbClr r="0" g="0" b="0"/>
-        </a:lnRef>
-        <a:fillRef idx="1">
-          <a:scrgbClr r="0" g="0" b="0"/>
-        </a:fillRef>
-        <a:effectRef idx="0">
-          <a:scrgbClr r="0" g="0" b="0"/>
-        </a:effectRef>
-        <a:fontRef idx="minor">
-          <a:schemeClr val="lt1"/>
-        </a:fontRef>
-      </dsp:style>
-    </dsp:sp>
-    <dsp:sp modelId="{B81A3A91-4792-442D-BDDD-62CE37646E21}">
-      <dsp:nvSpPr>
-        <dsp:cNvPr id="0" name=""/>
-        <dsp:cNvSpPr/>
-      </dsp:nvSpPr>
-      <dsp:spPr>
-        <a:xfrm>
-          <a:off x="410297" y="965684"/>
-          <a:ext cx="3683234" cy="2338853"/>
-        </a:xfrm>
-        <a:prstGeom prst="roundRect">
-          <a:avLst>
-            <a:gd name="adj" fmla="val 10000"/>
-          </a:avLst>
-        </a:prstGeom>
-        <a:solidFill>
-          <a:schemeClr val="lt2">
-            <a:alpha val="90000"/>
-            <a:hueOff val="0"/>
-            <a:satOff val="0"/>
-            <a:lumOff val="0"/>
-            <a:alphaOff val="0"/>
-          </a:schemeClr>
-        </a:solidFill>
-        <a:ln w="19050" cap="rnd" cmpd="sng" algn="ctr">
-          <a:solidFill>
-            <a:schemeClr val="dk2">
-              <a:hueOff val="0"/>
-              <a:satOff val="0"/>
-              <a:lumOff val="0"/>
-              <a:alphaOff val="0"/>
-            </a:schemeClr>
-          </a:solidFill>
-          <a:prstDash val="solid"/>
-        </a:ln>
-        <a:effectLst/>
-      </dsp:spPr>
-      <dsp:style>
-        <a:lnRef idx="2">
-          <a:scrgbClr r="0" g="0" b="0"/>
-        </a:lnRef>
-        <a:fillRef idx="1">
-          <a:scrgbClr r="0" g="0" b="0"/>
-        </a:fillRef>
-        <a:effectRef idx="0">
-          <a:scrgbClr r="0" g="0" b="0"/>
-        </a:effectRef>
-        <a:fontRef idx="minor"/>
-      </dsp:style>
-      <dsp:txBody>
-        <a:bodyPr spcFirstLastPara="0" vert="horz" wrap="square" lIns="137160" tIns="137160" rIns="137160" bIns="137160" numCol="1" spcCol="1270" anchor="ctr" anchorCtr="0">
-          <a:noAutofit/>
-        </a:bodyPr>
-        <a:lstStyle/>
-        <a:p>
-          <a:pPr marL="0" lvl="0" indent="0" algn="ctr" defTabSz="1600200">
-            <a:lnSpc>
-              <a:spcPct val="90000"/>
-            </a:lnSpc>
-            <a:spcBef>
-              <a:spcPct val="0"/>
-            </a:spcBef>
-            <a:spcAft>
-              <a:spcPct val="35000"/>
-            </a:spcAft>
-            <a:buNone/>
-          </a:pPr>
-          <a:r>
-            <a:rPr lang="fr-FR" sz="3600" kern="1200"/>
-            <a:t>Développement web </a:t>
-          </a:r>
-          <a:endParaRPr lang="en-US" sz="3600" kern="1200"/>
-        </a:p>
-      </dsp:txBody>
-      <dsp:txXfrm>
-        <a:off x="478800" y="1034187"/>
-        <a:ext cx="3546228" cy="2201847"/>
-      </dsp:txXfrm>
-    </dsp:sp>
-    <dsp:sp modelId="{7B13B237-B5DD-4E42-BC9B-9079A41CC6AB}">
-      <dsp:nvSpPr>
-        <dsp:cNvPr id="0" name=""/>
-        <dsp:cNvSpPr/>
-      </dsp:nvSpPr>
-      <dsp:spPr>
-        <a:xfrm>
-          <a:off x="4502780" y="576898"/>
-          <a:ext cx="3683234" cy="2338853"/>
-        </a:xfrm>
-        <a:prstGeom prst="roundRect">
-          <a:avLst>
-            <a:gd name="adj" fmla="val 10000"/>
-          </a:avLst>
-        </a:prstGeom>
-        <a:solidFill>
-          <a:schemeClr val="dk2">
-            <a:hueOff val="0"/>
-            <a:satOff val="0"/>
-            <a:lumOff val="0"/>
-            <a:alphaOff val="0"/>
-          </a:schemeClr>
-        </a:solidFill>
-        <a:ln w="19050" cap="rnd" cmpd="sng" algn="ctr">
-          <a:solidFill>
-            <a:schemeClr val="lt2">
-              <a:hueOff val="0"/>
-              <a:satOff val="0"/>
-              <a:lumOff val="0"/>
-              <a:alphaOff val="0"/>
-            </a:schemeClr>
-          </a:solidFill>
-          <a:prstDash val="solid"/>
-        </a:ln>
-        <a:effectLst/>
-      </dsp:spPr>
-      <dsp:style>
-        <a:lnRef idx="2">
-          <a:scrgbClr r="0" g="0" b="0"/>
-        </a:lnRef>
-        <a:fillRef idx="1">
-          <a:scrgbClr r="0" g="0" b="0"/>
-        </a:fillRef>
-        <a:effectRef idx="0">
-          <a:scrgbClr r="0" g="0" b="0"/>
-        </a:effectRef>
-        <a:fontRef idx="minor">
-          <a:schemeClr val="lt1"/>
-        </a:fontRef>
-      </dsp:style>
-    </dsp:sp>
-    <dsp:sp modelId="{98717E7A-FD05-481E-9E56-07B61D31BD5B}">
-      <dsp:nvSpPr>
-        <dsp:cNvPr id="0" name=""/>
-        <dsp:cNvSpPr/>
-      </dsp:nvSpPr>
-      <dsp:spPr>
-        <a:xfrm>
-          <a:off x="4912028" y="965684"/>
-          <a:ext cx="3683234" cy="2338853"/>
-        </a:xfrm>
-        <a:prstGeom prst="roundRect">
-          <a:avLst>
-            <a:gd name="adj" fmla="val 10000"/>
-          </a:avLst>
-        </a:prstGeom>
-        <a:solidFill>
-          <a:schemeClr val="lt2">
-            <a:alpha val="90000"/>
-            <a:hueOff val="0"/>
-            <a:satOff val="0"/>
-            <a:lumOff val="0"/>
-            <a:alphaOff val="0"/>
-          </a:schemeClr>
-        </a:solidFill>
-        <a:ln w="19050" cap="rnd" cmpd="sng" algn="ctr">
-          <a:solidFill>
-            <a:schemeClr val="dk2">
-              <a:hueOff val="0"/>
-              <a:satOff val="0"/>
-              <a:lumOff val="0"/>
-              <a:alphaOff val="0"/>
-            </a:schemeClr>
-          </a:solidFill>
-          <a:prstDash val="solid"/>
-        </a:ln>
-        <a:effectLst/>
-      </dsp:spPr>
-      <dsp:style>
-        <a:lnRef idx="2">
-          <a:scrgbClr r="0" g="0" b="0"/>
-        </a:lnRef>
-        <a:fillRef idx="1">
-          <a:scrgbClr r="0" g="0" b="0"/>
-        </a:fillRef>
-        <a:effectRef idx="0">
-          <a:scrgbClr r="0" g="0" b="0"/>
-        </a:effectRef>
-        <a:fontRef idx="minor"/>
-      </dsp:style>
-      <dsp:txBody>
-        <a:bodyPr spcFirstLastPara="0" vert="horz" wrap="square" lIns="137160" tIns="137160" rIns="137160" bIns="137160" numCol="1" spcCol="1270" anchor="ctr" anchorCtr="0">
-          <a:noAutofit/>
-        </a:bodyPr>
-        <a:lstStyle/>
-        <a:p>
-          <a:pPr marL="0" lvl="0" indent="0" algn="ctr" defTabSz="1600200">
-            <a:lnSpc>
-              <a:spcPct val="90000"/>
-            </a:lnSpc>
-            <a:spcBef>
-              <a:spcPct val="0"/>
-            </a:spcBef>
-            <a:spcAft>
-              <a:spcPct val="35000"/>
-            </a:spcAft>
-            <a:buNone/>
-          </a:pPr>
-          <a:r>
-            <a:rPr lang="fr-FR" sz="3600" kern="1200"/>
-            <a:t>Développement sur Arduino </a:t>
-          </a:r>
-          <a:endParaRPr lang="en-US" sz="3600" kern="1200"/>
-        </a:p>
-      </dsp:txBody>
-      <dsp:txXfrm>
-        <a:off x="4980531" y="1034187"/>
-        <a:ext cx="3546228" cy="2201847"/>
-      </dsp:txXfrm>
-    </dsp:sp>
-  </dsp:spTree>
-</dsp:drawing>
-</file>
-
-<file path=ppt/diagrams/layout1.xml><?xml version="1.0" encoding="utf-8"?>
-<dgm:layoutDef xmlns:dgm="http://schemas.openxmlformats.org/drawingml/2006/diagram" xmlns:a="http://schemas.openxmlformats.org/drawingml/2006/main" uniqueId="urn:microsoft.com/office/officeart/2005/8/layout/hierarchy1">
-  <dgm:title val=""/>
-  <dgm:desc val=""/>
-  <dgm:catLst>
-    <dgm:cat type="hierarchy" pri="2000"/>
-  </dgm:catLst>
-  <dgm:sampData>
-    <dgm:dataModel>
-      <dgm:ptLst>
-        <dgm:pt modelId="0" type="doc"/>
-        <dgm:pt modelId="1">
-          <dgm:prSet phldr="1"/>
-        </dgm:pt>
-        <dgm:pt modelId="2">
-          <dgm:prSet phldr="1"/>
-        </dgm:pt>
-        <dgm:pt modelId="21">
-          <dgm:prSet phldr="1"/>
-        </dgm:pt>
-        <dgm:pt modelId="22">
-          <dgm:prSet phldr="1"/>
-        </dgm:pt>
-        <dgm:pt modelId="3">
-          <dgm:prSet phldr="1"/>
-        </dgm:pt>
-        <dgm:pt modelId="31">
-          <dgm:prSet phldr="1"/>
-        </dgm:pt>
-      </dgm:ptLst>
-      <dgm:cxnLst>
-        <dgm:cxn modelId="4" srcId="0" destId="1" srcOrd="0" destOrd="0"/>
-        <dgm:cxn modelId="5" srcId="1" destId="2" srcOrd="0" destOrd="0"/>
-        <dgm:cxn modelId="6" srcId="1" destId="3" srcOrd="1" destOrd="0"/>
-        <dgm:cxn modelId="23" srcId="2" destId="21" srcOrd="0" destOrd="0"/>
-        <dgm:cxn modelId="24" srcId="2" destId="22" srcOrd="1" destOrd="0"/>
-        <dgm:cxn modelId="33" srcId="3" destId="31" srcOrd="0" destOrd="0"/>
-      </dgm:cxnLst>
-      <dgm:bg/>
-      <dgm:whole/>
-    </dgm:dataModel>
-  </dgm:sampData>
-  <dgm:styleData>
-    <dgm:dataModel>
-      <dgm:ptLst>
-        <dgm:pt modelId="0" type="doc"/>
-        <dgm:pt modelId="1"/>
-        <dgm:pt modelId="11"/>
-        <dgm:pt modelId="12"/>
-      </dgm:ptLst>
-      <dgm:cxnLst>
-        <dgm:cxn modelId="2" srcId="0" destId="1" srcOrd="0" destOrd="0"/>
-        <dgm:cxn modelId="13" srcId="1" destId="11" srcOrd="0" destOrd="0"/>
-        <dgm:cxn modelId="14" srcId="1" destId="12" srcOrd="1" destOrd="0"/>
-      </dgm:cxnLst>
-      <dgm:bg/>
-      <dgm:whole/>
-    </dgm:dataModel>
-  </dgm:styleData>
-  <dgm:clrData>
-    <dgm:dataModel>
-      <dgm:ptLst>
-        <dgm:pt modelId="0" type="doc"/>
-        <dgm:pt modelId="1"/>
-        <dgm:pt modelId="2"/>
-        <dgm:pt modelId="21"/>
-        <dgm:pt modelId="211"/>
-        <dgm:pt modelId="3"/>
-        <dgm:pt modelId="31"/>
-        <dgm:pt modelId="311"/>
-      </dgm:ptLst>
-      <dgm:cxnLst>
-        <dgm:cxn modelId="4" srcId="0" destId="1" srcOrd="0" destOrd="0"/>
-        <dgm:cxn modelId="5" srcId="1" destId="2" srcOrd="0" destOrd="0"/>
-        <dgm:cxn modelId="6" srcId="1" destId="3" srcOrd="1" destOrd="0"/>
-        <dgm:cxn modelId="23" srcId="2" destId="21" srcOrd="0" destOrd="0"/>
-        <dgm:cxn modelId="24" srcId="21" destId="211" srcOrd="0" destOrd="0"/>
-        <dgm:cxn modelId="33" srcId="3" destId="31" srcOrd="0" destOrd="0"/>
-        <dgm:cxn modelId="34" srcId="31" destId="311" srcOrd="0" destOrd="0"/>
-      </dgm:cxnLst>
-      <dgm:bg/>
-      <dgm:whole/>
-    </dgm:dataModel>
-  </dgm:clrData>
-  <dgm:layoutNode name="hierChild1">
-    <dgm:varLst>
-      <dgm:chPref val="1"/>
-      <dgm:dir/>
-      <dgm:animOne val="branch"/>
-      <dgm:animLvl val="lvl"/>
-      <dgm:resizeHandles/>
-    </dgm:varLst>
-    <dgm:choose name="Name0">
-      <dgm:if name="Name1" func="var" arg="dir" op="equ" val="norm">
-        <dgm:alg type="hierChild">
-          <dgm:param type="linDir" val="fromL"/>
-        </dgm:alg>
-      </dgm:if>
-      <dgm:else name="Name2">
-        <dgm:alg type="hierChild">
-          <dgm:param type="linDir" val="fromR"/>
-        </dgm:alg>
-      </dgm:else>
-    </dgm:choose>
-    <dgm:shape xmlns:r="http://schemas.openxmlformats.org/officeDocument/2006/relationships" r:blip="">
-      <dgm:adjLst/>
-    </dgm:shape>
-    <dgm:presOf/>
-    <dgm:constrLst>
-      <dgm:constr type="primFontSz" for="des" ptType="node" op="equ" val="65"/>
-      <dgm:constr type="w" for="des" forName="composite" refType="w"/>
-      <dgm:constr type="h" for="des" forName="composite" refType="w" refFor="des" refForName="composite" fact="0.667"/>
-      <dgm:constr type="w" for="des" forName="composite2" refType="w" refFor="des" refForName="composite"/>
-      <dgm:constr type="h" for="des" forName="composite2" refType="h" refFor="des" refForName="composite"/>
-      <dgm:constr type="w" for="des" forName="composite3" refType="w" refFor="des" refForName="composite"/>
-      <dgm:constr type="h" for="des" forName="composite3" refType="h" refFor="des" refForName="composite"/>
-      <dgm:constr type="w" for="des" forName="composite4" refType="w" refFor="des" refForName="composite"/>
-      <dgm:constr type="h" for="des" forName="composite4" refType="h" refFor="des" refForName="composite"/>
-      <dgm:constr type="w" for="des" forName="composite5" refType="w" refFor="des" refForName="composite"/>
-      <dgm:constr type="h" for="des" forName="composite5" refType="h" refFor="des" refForName="composite"/>
-      <dgm:constr type="sibSp" refType="w" refFor="des" refForName="composite" fact="0.1"/>
-      <dgm:constr type="sibSp" for="des" forName="hierChild2" refType="sibSp"/>
-      <dgm:constr type="sibSp" for="des" forName="hierChild3" refType="sibSp"/>
-      <dgm:constr type="sibSp" for="des" forName="hierChild4" refType="sibSp"/>
-      <dgm:constr type="sibSp" for="des" forName="hierChild5" refType="sibSp"/>
-      <dgm:constr type="sibSp" for="des" forName="hierChild6" refType="sibSp"/>
-      <dgm:constr type="sp" for="des" forName="hierRoot1" refType="h" refFor="des" refForName="composite" fact="0.25"/>
-      <dgm:constr type="sp" for="des" forName="hierRoot2" refType="sp" refFor="des" refForName="hierRoot1"/>
-      <dgm:constr type="sp" for="des" forName="hierRoot3" refType="sp" refFor="des" refForName="hierRoot1"/>
-      <dgm:constr type="sp" for="des" forName="hierRoot4" refType="sp" refFor="des" refForName="hierRoot1"/>
-      <dgm:constr type="sp" for="des" forName="hierRoot5" refType="sp" refFor="des" refForName="hierRoot1"/>
-    </dgm:constrLst>
-    <dgm:ruleLst/>
-    <dgm:forEach name="Name3" axis="ch">
-      <dgm:forEach name="Name4" axis="self" ptType="node">
-        <dgm:layoutNode name="hierRoot1">
-          <dgm:alg type="hierRoot"/>
-          <dgm:shape xmlns:r="http://schemas.openxmlformats.org/officeDocument/2006/relationships" r:blip="">
-            <dgm:adjLst/>
-          </dgm:shape>
-          <dgm:presOf/>
-          <dgm:constrLst>
-            <dgm:constr type="bendDist" for="des" ptType="parTrans" refType="sp" fact="0.5"/>
-          </dgm:constrLst>
-          <dgm:ruleLst/>
-          <dgm:layoutNode name="composite">
-            <dgm:alg type="composite"/>
-            <dgm:shape xmlns:r="http://schemas.openxmlformats.org/officeDocument/2006/relationships" r:blip="">
-              <dgm:adjLst/>
-            </dgm:shape>
-            <dgm:presOf/>
-            <dgm:constrLst>
-              <dgm:constr type="w" for="ch" forName="background" refType="w" fact="0.9"/>
-              <dgm:constr type="h" for="ch" forName="background" refType="w" refFor="ch" refForName="background" fact="0.635"/>
-              <dgm:constr type="t" for="ch" forName="background"/>
-              <dgm:constr type="l" for="ch" forName="background"/>
-              <dgm:constr type="w" for="ch" forName="text" refType="w" fact="0.9"/>
-              <dgm:constr type="h" for="ch" forName="text" refType="w" refFor="ch" refForName="text" fact="0.635"/>
-              <dgm:constr type="t" for="ch" forName="text" refType="w" fact="0.095"/>
-              <dgm:constr type="l" for="ch" forName="text" refType="w" fact="0.1"/>
-            </dgm:constrLst>
-            <dgm:ruleLst/>
-            <dgm:layoutNode name="background" styleLbl="node0" moveWith="text">
-              <dgm:alg type="sp"/>
-              <dgm:shape xmlns:r="http://schemas.openxmlformats.org/officeDocument/2006/relationships" type="roundRect" r:blip="">
-                <dgm:adjLst>
-                  <dgm:adj idx="1" val="0.1"/>
-                </dgm:adjLst>
-              </dgm:shape>
-              <dgm:presOf/>
-              <dgm:constrLst/>
-              <dgm:ruleLst/>
-            </dgm:layoutNode>
-            <dgm:layoutNode name="text" styleLbl="fgAcc0">
-              <dgm:varLst>
-                <dgm:chPref val="3"/>
-              </dgm:varLst>
-              <dgm:alg type="tx"/>
-              <dgm:shape xmlns:r="http://schemas.openxmlformats.org/officeDocument/2006/relationships" type="roundRect" r:blip="">
-                <dgm:adjLst>
-                  <dgm:adj idx="1" val="0.1"/>
-                </dgm:adjLst>
-              </dgm:shape>
-              <dgm:presOf axis="self"/>
-              <dgm:constrLst>
-                <dgm:constr type="tMarg" refType="primFontSz" fact="0.3"/>
-                <dgm:constr type="bMarg" refType="primFontSz" fact="0.3"/>
-                <dgm:constr type="lMarg" refType="primFontSz" fact="0.3"/>
-                <dgm:constr type="rMarg" refType="primFontSz" fact="0.3"/>
-              </dgm:constrLst>
-              <dgm:ruleLst>
-                <dgm:rule type="primFontSz" val="5" fact="NaN" max="NaN"/>
-              </dgm:ruleLst>
-            </dgm:layoutNode>
-          </dgm:layoutNode>
-          <dgm:layoutNode name="hierChild2">
-            <dgm:choose name="Name5">
-              <dgm:if name="Name6" func="var" arg="dir" op="equ" val="norm">
-                <dgm:alg type="hierChild">
-                  <dgm:param type="linDir" val="fromL"/>
-                </dgm:alg>
-              </dgm:if>
-              <dgm:else name="Name7">
-                <dgm:alg type="hierChild">
-                  <dgm:param type="linDir" val="fromR"/>
-                </dgm:alg>
-              </dgm:else>
-            </dgm:choose>
-            <dgm:shape xmlns:r="http://schemas.openxmlformats.org/officeDocument/2006/relationships" r:blip="">
-              <dgm:adjLst/>
-            </dgm:shape>
-            <dgm:presOf/>
-            <dgm:constrLst/>
-            <dgm:ruleLst/>
-            <dgm:forEach name="Name8" axis="ch">
-              <dgm:forEach name="Name9" axis="self" ptType="parTrans" cnt="1">
-                <dgm:layoutNode name="Name10">
-                  <dgm:alg type="conn">
-                    <dgm:param type="dim" val="1D"/>
-                    <dgm:param type="endSty" val="noArr"/>
-                    <dgm:param type="connRout" val="bend"/>
-                    <dgm:param type="bendPt" val="end"/>
-                    <dgm:param type="begPts" val="bCtr"/>
-                    <dgm:param type="endPts" val="tCtr"/>
-                    <dgm:param type="srcNode" val="background"/>
-                    <dgm:param type="dstNode" val="background2"/>
-                  </dgm:alg>
-                  <dgm:shape xmlns:r="http://schemas.openxmlformats.org/officeDocument/2006/relationships" type="conn" r:blip="" zOrderOff="-999">
-                    <dgm:adjLst/>
-                  </dgm:shape>
-                  <dgm:presOf axis="self"/>
-                  <dgm:constrLst>
-                    <dgm:constr type="begPad"/>
-                    <dgm:constr type="endPad"/>
-                  </dgm:constrLst>
-                  <dgm:ruleLst/>
-                </dgm:layoutNode>
-              </dgm:forEach>
-              <dgm:forEach name="Name11" axis="self" ptType="node">
-                <dgm:layoutNode name="hierRoot2">
-                  <dgm:alg type="hierRoot"/>
-                  <dgm:shape xmlns:r="http://schemas.openxmlformats.org/officeDocument/2006/relationships" r:blip="">
-                    <dgm:adjLst/>
-                  </dgm:shape>
-                  <dgm:presOf/>
-                  <dgm:constrLst>
-                    <dgm:constr type="bendDist" for="des" ptType="parTrans" refType="sp" fact="0.5"/>
-                  </dgm:constrLst>
-                  <dgm:ruleLst/>
-                  <dgm:layoutNode name="composite2">
-                    <dgm:alg type="composite"/>
-                    <dgm:shape xmlns:r="http://schemas.openxmlformats.org/officeDocument/2006/relationships" r:blip="">
-                      <dgm:adjLst/>
-                    </dgm:shape>
-                    <dgm:presOf/>
-                    <dgm:constrLst>
-                      <dgm:constr type="w" for="ch" forName="background2" refType="w" fact="0.9"/>
-                      <dgm:constr type="h" for="ch" forName="background2" refType="w" refFor="ch" refForName="background2" fact="0.635"/>
-                      <dgm:constr type="t" for="ch" forName="background2"/>
-                      <dgm:constr type="l" for="ch" forName="background2"/>
-                      <dgm:constr type="w" for="ch" forName="text2" refType="w" fact="0.9"/>
-                      <dgm:constr type="h" for="ch" forName="text2" refType="w" refFor="ch" refForName="text2" fact="0.635"/>
-                      <dgm:constr type="t" for="ch" forName="text2" refType="w" fact="0.095"/>
-                      <dgm:constr type="l" for="ch" forName="text2" refType="w" fact="0.1"/>
-                    </dgm:constrLst>
-                    <dgm:ruleLst/>
-                    <dgm:layoutNode name="background2" moveWith="text2">
-                      <dgm:alg type="sp"/>
-                      <dgm:shape xmlns:r="http://schemas.openxmlformats.org/officeDocument/2006/relationships" type="roundRect" r:blip="">
-                        <dgm:adjLst>
-                          <dgm:adj idx="1" val="0.1"/>
-                        </dgm:adjLst>
-                      </dgm:shape>
-                      <dgm:presOf/>
-                      <dgm:constrLst/>
-                      <dgm:ruleLst/>
-                    </dgm:layoutNode>
-                    <dgm:layoutNode name="text2" styleLbl="fgAcc2">
-                      <dgm:varLst>
-                        <dgm:chPref val="3"/>
-                      </dgm:varLst>
-                      <dgm:alg type="tx"/>
-                      <dgm:shape xmlns:r="http://schemas.openxmlformats.org/officeDocument/2006/relationships" type="roundRect" r:blip="">
-                        <dgm:adjLst>
-                          <dgm:adj idx="1" val="0.1"/>
-                        </dgm:adjLst>
-                      </dgm:shape>
-                      <dgm:presOf axis="self"/>
-                      <dgm:constrLst>
-                        <dgm:constr type="tMarg" refType="primFontSz" fact="0.3"/>
-                        <dgm:constr type="bMarg" refType="primFontSz" fact="0.3"/>
-                        <dgm:constr type="lMarg" refType="primFontSz" fact="0.3"/>
-                        <dgm:constr type="rMarg" refType="primFontSz" fact="0.3"/>
-                      </dgm:constrLst>
-                      <dgm:ruleLst>
-                        <dgm:rule type="primFontSz" val="5" fact="NaN" max="NaN"/>
-                      </dgm:ruleLst>
-                    </dgm:layoutNode>
-                  </dgm:layoutNode>
-                  <dgm:layoutNode name="hierChild3">
-                    <dgm:choose name="Name12">
-                      <dgm:if name="Name13" func="var" arg="dir" op="equ" val="norm">
-                        <dgm:alg type="hierChild">
-                          <dgm:param type="linDir" val="fromL"/>
-                        </dgm:alg>
-                      </dgm:if>
-                      <dgm:else name="Name14">
-                        <dgm:alg type="hierChild">
-                          <dgm:param type="linDir" val="fromR"/>
-                        </dgm:alg>
-                      </dgm:else>
-                    </dgm:choose>
-                    <dgm:shape xmlns:r="http://schemas.openxmlformats.org/officeDocument/2006/relationships" r:blip="">
-                      <dgm:adjLst/>
-                    </dgm:shape>
-                    <dgm:presOf/>
-                    <dgm:constrLst/>
-                    <dgm:ruleLst/>
-                    <dgm:forEach name="Name15" axis="ch">
-                      <dgm:forEach name="Name16" axis="self" ptType="parTrans" cnt="1">
-                        <dgm:layoutNode name="Name17">
-                          <dgm:alg type="conn">
-                            <dgm:param type="dim" val="1D"/>
-                            <dgm:param type="endSty" val="noArr"/>
-                            <dgm:param type="connRout" val="bend"/>
-                            <dgm:param type="bendPt" val="end"/>
-                            <dgm:param type="begPts" val="bCtr"/>
-                            <dgm:param type="endPts" val="tCtr"/>
-                            <dgm:param type="srcNode" val="background2"/>
-                            <dgm:param type="dstNode" val="background3"/>
-                          </dgm:alg>
-                          <dgm:shape xmlns:r="http://schemas.openxmlformats.org/officeDocument/2006/relationships" type="conn" r:blip="" zOrderOff="-999">
-                            <dgm:adjLst/>
-                          </dgm:shape>
-                          <dgm:presOf axis="self"/>
-                          <dgm:constrLst>
-                            <dgm:constr type="begPad"/>
-                            <dgm:constr type="endPad"/>
-                          </dgm:constrLst>
-                          <dgm:ruleLst/>
-                        </dgm:layoutNode>
-                      </dgm:forEach>
-                      <dgm:forEach name="Name18" axis="self" ptType="node">
-                        <dgm:layoutNode name="hierRoot3">
-                          <dgm:alg type="hierRoot"/>
-                          <dgm:shape xmlns:r="http://schemas.openxmlformats.org/officeDocument/2006/relationships" r:blip="">
-                            <dgm:adjLst/>
-                          </dgm:shape>
-                          <dgm:presOf/>
-                          <dgm:constrLst>
-                            <dgm:constr type="bendDist" for="des" ptType="parTrans" refType="sp" fact="0.5"/>
-                          </dgm:constrLst>
-                          <dgm:ruleLst/>
-                          <dgm:layoutNode name="composite3">
-                            <dgm:alg type="composite"/>
-                            <dgm:shape xmlns:r="http://schemas.openxmlformats.org/officeDocument/2006/relationships" r:blip="">
-                              <dgm:adjLst/>
-                            </dgm:shape>
-                            <dgm:presOf/>
-                            <dgm:constrLst>
-                              <dgm:constr type="w" for="ch" forName="background3" refType="w" fact="0.9"/>
-                              <dgm:constr type="h" for="ch" forName="background3" refType="w" refFor="ch" refForName="background3" fact="0.635"/>
-                              <dgm:constr type="t" for="ch" forName="background3"/>
-                              <dgm:constr type="l" for="ch" forName="background3"/>
-                              <dgm:constr type="w" for="ch" forName="text3" refType="w" fact="0.9"/>
-                              <dgm:constr type="h" for="ch" forName="text3" refType="w" refFor="ch" refForName="text3" fact="0.635"/>
-                              <dgm:constr type="t" for="ch" forName="text3" refType="w" fact="0.095"/>
-                              <dgm:constr type="l" for="ch" forName="text3" refType="w" fact="0.1"/>
-                            </dgm:constrLst>
-                            <dgm:ruleLst/>
-                            <dgm:layoutNode name="background3" moveWith="text3">
-                              <dgm:alg type="sp"/>
-                              <dgm:shape xmlns:r="http://schemas.openxmlformats.org/officeDocument/2006/relationships" type="roundRect" r:blip="">
-                                <dgm:adjLst>
-                                  <dgm:adj idx="1" val="0.1"/>
-                                </dgm:adjLst>
-                              </dgm:shape>
-                              <dgm:presOf/>
-                              <dgm:constrLst/>
-                              <dgm:ruleLst/>
-                            </dgm:layoutNode>
-                            <dgm:layoutNode name="text3" styleLbl="fgAcc3">
-                              <dgm:varLst>
-                                <dgm:chPref val="3"/>
-                              </dgm:varLst>
-                              <dgm:alg type="tx"/>
-                              <dgm:shape xmlns:r="http://schemas.openxmlformats.org/officeDocument/2006/relationships" type="roundRect" r:blip="">
-                                <dgm:adjLst>
-                                  <dgm:adj idx="1" val="0.1"/>
-                                </dgm:adjLst>
-                              </dgm:shape>
-                              <dgm:presOf axis="self"/>
-                              <dgm:constrLst>
-                                <dgm:constr type="tMarg" refType="primFontSz" fact="0.3"/>
-                                <dgm:constr type="bMarg" refType="primFontSz" fact="0.3"/>
-                                <dgm:constr type="lMarg" refType="primFontSz" fact="0.3"/>
-                                <dgm:constr type="rMarg" refType="primFontSz" fact="0.3"/>
-                              </dgm:constrLst>
-                              <dgm:ruleLst>
-                                <dgm:rule type="primFontSz" val="5" fact="NaN" max="NaN"/>
-                              </dgm:ruleLst>
-                            </dgm:layoutNode>
-                          </dgm:layoutNode>
-                          <dgm:layoutNode name="hierChild4">
-                            <dgm:choose name="Name19">
-                              <dgm:if name="Name20" func="var" arg="dir" op="equ" val="norm">
-                                <dgm:alg type="hierChild">
-                                  <dgm:param type="linDir" val="fromL"/>
-                                </dgm:alg>
-                              </dgm:if>
-                              <dgm:else name="Name21">
-                                <dgm:alg type="hierChild">
-                                  <dgm:param type="linDir" val="fromR"/>
-                                </dgm:alg>
-                              </dgm:else>
-                            </dgm:choose>
-                            <dgm:shape xmlns:r="http://schemas.openxmlformats.org/officeDocument/2006/relationships" r:blip="">
-                              <dgm:adjLst/>
-                            </dgm:shape>
-                            <dgm:presOf/>
-                            <dgm:constrLst/>
-                            <dgm:ruleLst/>
-                            <dgm:forEach name="repeat" axis="ch">
-                              <dgm:forEach name="Name22" axis="self" ptType="parTrans" cnt="1">
-                                <dgm:layoutNode name="Name23">
-                                  <dgm:choose name="Name24">
-                                    <dgm:if name="Name25" axis="self" func="depth" op="lte" val="4">
-                                      <dgm:alg type="conn">
-                                        <dgm:param type="dim" val="1D"/>
-                                        <dgm:param type="endSty" val="noArr"/>
-                                        <dgm:param type="connRout" val="bend"/>
-                                        <dgm:param type="bendPt" val="end"/>
-                                        <dgm:param type="begPts" val="bCtr"/>
-                                        <dgm:param type="endPts" val="tCtr"/>
-                                        <dgm:param type="srcNode" val="background3"/>
-                                        <dgm:param type="dstNode" val="background4"/>
-                                      </dgm:alg>
-                                    </dgm:if>
-                                    <dgm:else name="Name26">
-                                      <dgm:alg type="conn">
-                                        <dgm:param type="dim" val="1D"/>
-                                        <dgm:param type="endSty" val="noArr"/>
-                                        <dgm:param type="connRout" val="bend"/>
-                                        <dgm:param type="bendPt" val="end"/>
-                                        <dgm:param type="begPts" val="bCtr"/>
-                                        <dgm:param type="endPts" val="tCtr"/>
-                                        <dgm:param type="srcNode" val="background4"/>
-                                        <dgm:param type="dstNode" val="background4"/>
-                                      </dgm:alg>
-                                    </dgm:else>
-                                  </dgm:choose>
-                                  <dgm:shape xmlns:r="http://schemas.openxmlformats.org/officeDocument/2006/relationships" type="conn" r:blip="" zOrderOff="-999">
-                                    <dgm:adjLst/>
-                                  </dgm:shape>
-                                  <dgm:presOf axis="self"/>
-                                  <dgm:constrLst>
-                                    <dgm:constr type="begPad"/>
-                                    <dgm:constr type="endPad"/>
-                                  </dgm:constrLst>
-                                  <dgm:ruleLst/>
-                                </dgm:layoutNode>
-                              </dgm:forEach>
-                              <dgm:forEach name="Name27" axis="self" ptType="node">
-                                <dgm:layoutNode name="hierRoot4">
-                                  <dgm:alg type="hierRoot"/>
-                                  <dgm:shape xmlns:r="http://schemas.openxmlformats.org/officeDocument/2006/relationships" r:blip="">
-                                    <dgm:adjLst/>
-                                  </dgm:shape>
-                                  <dgm:presOf/>
-                                  <dgm:constrLst>
-                                    <dgm:constr type="bendDist" for="des" ptType="parTrans" refType="sp" fact="0.5"/>
-                                  </dgm:constrLst>
-                                  <dgm:ruleLst/>
-                                  <dgm:layoutNode name="composite4">
-                                    <dgm:alg type="composite"/>
-                                    <dgm:shape xmlns:r="http://schemas.openxmlformats.org/officeDocument/2006/relationships" r:blip="">
-                                      <dgm:adjLst/>
-                                    </dgm:shape>
-                                    <dgm:presOf/>
-                                    <dgm:constrLst>
-                                      <dgm:constr type="w" for="ch" forName="background4" refType="w" fact="0.9"/>
-                                      <dgm:constr type="h" for="ch" forName="background4" refType="w" refFor="ch" refForName="background4" fact="0.635"/>
-                                      <dgm:constr type="t" for="ch" forName="background4"/>
-                                      <dgm:constr type="l" for="ch" forName="background4"/>
-                                      <dgm:constr type="w" for="ch" forName="text4" refType="w" fact="0.9"/>
-                                      <dgm:constr type="h" for="ch" forName="text4" refType="w" refFor="ch" refForName="text4" fact="0.635"/>
-                                      <dgm:constr type="t" for="ch" forName="text4" refType="w" fact="0.095"/>
-                                      <dgm:constr type="l" for="ch" forName="text4" refType="w" fact="0.1"/>
-                                    </dgm:constrLst>
-                                    <dgm:ruleLst/>
-                                    <dgm:layoutNode name="background4" moveWith="text4">
-                                      <dgm:alg type="sp"/>
-                                      <dgm:shape xmlns:r="http://schemas.openxmlformats.org/officeDocument/2006/relationships" type="roundRect" r:blip="">
-                                        <dgm:adjLst>
-                                          <dgm:adj idx="1" val="0.1"/>
-                                        </dgm:adjLst>
-                                      </dgm:shape>
-                                      <dgm:presOf/>
-                                      <dgm:constrLst/>
-                                      <dgm:ruleLst/>
-                                    </dgm:layoutNode>
-                                    <dgm:layoutNode name="text4" styleLbl="fgAcc4">
-                                      <dgm:varLst>
-                                        <dgm:chPref val="3"/>
-                                      </dgm:varLst>
-                                      <dgm:alg type="tx"/>
-                                      <dgm:shape xmlns:r="http://schemas.openxmlformats.org/officeDocument/2006/relationships" type="roundRect" r:blip="">
-                                        <dgm:adjLst>
-                                          <dgm:adj idx="1" val="0.1"/>
-                                        </dgm:adjLst>
-                                      </dgm:shape>
-                                      <dgm:presOf axis="self"/>
-                                      <dgm:constrLst>
-                                        <dgm:constr type="tMarg" refType="primFontSz" fact="0.3"/>
-                                        <dgm:constr type="bMarg" refType="primFontSz" fact="0.3"/>
-                                        <dgm:constr type="lMarg" refType="primFontSz" fact="0.3"/>
-                                        <dgm:constr type="rMarg" refType="primFontSz" fact="0.3"/>
-                                      </dgm:constrLst>
-                                      <dgm:ruleLst>
-                                        <dgm:rule type="primFontSz" val="5" fact="NaN" max="NaN"/>
-                                      </dgm:ruleLst>
-                                    </dgm:layoutNode>
-                                  </dgm:layoutNode>
-                                  <dgm:layoutNode name="hierChild5">
-                                    <dgm:choose name="Name28">
-                                      <dgm:if name="Name29" func="var" arg="dir" op="equ" val="norm">
-                                        <dgm:alg type="hierChild">
-                                          <dgm:param type="linDir" val="fromL"/>
-                                        </dgm:alg>
-                                      </dgm:if>
-                                      <dgm:else name="Name30">
-                                        <dgm:alg type="hierChild">
-                                          <dgm:param type="linDir" val="fromR"/>
-                                        </dgm:alg>
-                                      </dgm:else>
-                                    </dgm:choose>
-                                    <dgm:shape xmlns:r="http://schemas.openxmlformats.org/officeDocument/2006/relationships" r:blip="">
-                                      <dgm:adjLst/>
-                                    </dgm:shape>
-                                    <dgm:presOf/>
-                                    <dgm:constrLst/>
-                                    <dgm:ruleLst/>
-                                    <dgm:forEach name="Name31" ref="repeat"/>
-                                  </dgm:layoutNode>
-                                </dgm:layoutNode>
-                              </dgm:forEach>
-                            </dgm:forEach>
-                          </dgm:layoutNode>
-                        </dgm:layoutNode>
-                      </dgm:forEach>
-                    </dgm:forEach>
-                  </dgm:layoutNode>
-                </dgm:layoutNode>
-              </dgm:forEach>
-            </dgm:forEach>
-          </dgm:layoutNode>
-        </dgm:layoutNode>
-      </dgm:forEach>
-    </dgm:forEach>
-  </dgm:layoutNode>
-</dgm:layoutDef>
-</file>
-
-<file path=ppt/diagrams/quickStyle1.xml><?xml version="1.0" encoding="utf-8"?>
-<dgm:styleDef xmlns:dgm="http://schemas.openxmlformats.org/drawingml/2006/diagram" xmlns:a="http://schemas.openxmlformats.org/drawingml/2006/main" uniqueId="urn:microsoft.com/office/officeart/2005/8/quickstyle/simple1">
-  <dgm:title val=""/>
-  <dgm:desc val=""/>
-  <dgm:catLst>
-    <dgm:cat type="simple" pri="10100"/>
-  </dgm:catLst>
-  <dgm:scene3d>
-    <a:camera prst="orthographicFront"/>
-    <a:lightRig rig="threePt" dir="t"/>
-  </dgm:scene3d>
-  <dgm:styleLbl name="node0">
-    <dgm:scene3d>
-      <a:camera prst="orthographicFront"/>
-      <a:lightRig rig="threePt" dir="t"/>
-    </dgm:scene3d>
-    <dgm:sp3d/>
-    <dgm:txPr/>
-    <dgm:style>
-      <a:lnRef idx="2">
-        <a:scrgbClr r="0" g="0" b="0"/>
-      </a:lnRef>
-      <a:fillRef idx="1">
-        <a:scrgbClr r="0" g="0" b="0"/>
-      </a:fillRef>
-      <a:effectRef idx="0">
-        <a:scrgbClr r="0" g="0" b="0"/>
-      </a:effectRef>
-      <a:fontRef idx="minor">
-        <a:schemeClr val="lt1"/>
-      </a:fontRef>
-    </dgm:style>
-  </dgm:styleLbl>
-  <dgm:styleLbl name="lnNode1">
-    <dgm:scene3d>
-      <a:camera prst="orthographicFront"/>
-      <a:lightRig rig="threePt" dir="t"/>
-    </dgm:scene3d>
-    <dgm:sp3d/>
-    <dgm:txPr/>
-    <dgm:style>
-      <a:lnRef idx="2">
-        <a:scrgbClr r="0" g="0" b="0"/>
-      </a:lnRef>
-      <a:fillRef idx="1">
-        <a:scrgbClr r="0" g="0" b="0"/>
-      </a:fillRef>
-      <a:effectRef idx="0">
-        <a:scrgbClr r="0" g="0" b="0"/>
-      </a:effectRef>
-      <a:fontRef idx="minor">
-        <a:schemeClr val="lt1"/>
-      </a:fontRef>
-    </dgm:style>
-  </dgm:styleLbl>
-  <dgm:styleLbl name="vennNode1">
-    <dgm:scene3d>
-      <a:camera prst="orthographicFront"/>
-      <a:lightRig rig="threePt" dir="t"/>
-    </dgm:scene3d>
-    <dgm:sp3d/>
-    <dgm:txPr/>
-    <dgm:style>
-      <a:lnRef idx="2">
-        <a:scrgbClr r="0" g="0" b="0"/>
-      </a:lnRef>
-      <a:fillRef idx="1">
-        <a:scrgbClr r="0" g="0" b="0"/>
-      </a:fillRef>
-      <a:effectRef idx="0">
-        <a:scrgbClr r="0" g="0" b="0"/>
-      </a:effectRef>
-      <a:fontRef idx="minor">
-        <a:schemeClr val="tx1"/>
-      </a:fontRef>
-    </dgm:style>
-  </dgm:styleLbl>
-  <dgm:styleLbl name="alignNode1">
-    <dgm:scene3d>
-      <a:camera prst="orthographicFront"/>
-      <a:lightRig rig="threePt" dir="t"/>
-    </dgm:scene3d>
-    <dgm:sp3d/>
-    <dgm:txPr/>
-    <dgm:style>
-      <a:lnRef idx="2">
-        <a:scrgbClr r="0" g="0" b="0"/>
-      </a:lnRef>
-      <a:fillRef idx="1">
-        <a:scrgbClr r="0" g="0" b="0"/>
-      </a:fillRef>
-      <a:effectRef idx="0">
-        <a:scrgbClr r="0" g="0" b="0"/>
-      </a:effectRef>
-      <a:fontRef idx="minor">
-        <a:schemeClr val="lt1"/>
-      </a:fontRef>
-    </dgm:style>
-  </dgm:styleLbl>
-  <dgm:styleLbl name="node1">
-    <dgm:scene3d>
-      <a:camera prst="orthographicFront"/>
-      <a:lightRig rig="threePt" dir="t"/>
-    </dgm:scene3d>
-    <dgm:sp3d/>
-    <dgm:txPr/>
-    <dgm:style>
-      <a:lnRef idx="2">
-        <a:scrgbClr r="0" g="0" b="0"/>
-      </a:lnRef>
-      <a:fillRef idx="1">
-        <a:scrgbClr r="0" g="0" b="0"/>
-      </a:fillRef>
-      <a:effectRef idx="0">
-        <a:scrgbClr r="0" g="0" b="0"/>
-      </a:effectRef>
-      <a:fontRef idx="minor">
-        <a:schemeClr val="lt1"/>
-      </a:fontRef>
-    </dgm:style>
-  </dgm:styleLbl>
-  <dgm:styleLbl name="node2">
-    <dgm:scene3d>
-      <a:camera prst="orthographicFront"/>
-      <a:lightRig rig="threePt" dir="t"/>
-    </dgm:scene3d>
-    <dgm:sp3d/>
-    <dgm:txPr/>
-    <dgm:style>
-      <a:lnRef idx="2">
-        <a:scrgbClr r="0" g="0" b="0"/>
-      </a:lnRef>
-      <a:fillRef idx="1">
-        <a:scrgbClr r="0" g="0" b="0"/>
-      </a:fillRef>
-      <a:effectRef idx="0">
-        <a:scrgbClr r="0" g="0" b="0"/>
-      </a:effectRef>
-      <a:fontRef idx="minor">
-        <a:schemeClr val="lt1"/>
-      </a:fontRef>
-    </dgm:style>
-  </dgm:styleLbl>
-  <dgm:styleLbl name="node3">
-    <dgm:scene3d>
-      <a:camera prst="orthographicFront"/>
-      <a:lightRig rig="threePt" dir="t"/>
-    </dgm:scene3d>
-    <dgm:sp3d/>
-    <dgm:txPr/>
-    <dgm:style>
-      <a:lnRef idx="2">
-        <a:scrgbClr r="0" g="0" b="0"/>
-      </a:lnRef>
-      <a:fillRef idx="1">
-        <a:scrgbClr r="0" g="0" b="0"/>
-      </a:fillRef>
-      <a:effectRef idx="0">
-        <a:scrgbClr r="0" g="0" b="0"/>
-      </a:effectRef>
-      <a:fontRef idx="minor">
-        <a:schemeClr val="lt1"/>
-      </a:fontRef>
-    </dgm:style>
-  </dgm:styleLbl>
-  <dgm:styleLbl name="node4">
-    <dgm:scene3d>
-      <a:camera prst="orthographicFront"/>
-      <a:lightRig rig="threePt" dir="t"/>
-    </dgm:scene3d>
-    <dgm:sp3d/>
-    <dgm:txPr/>
-    <dgm:style>
-      <a:lnRef idx="2">
-        <a:scrgbClr r="0" g="0" b="0"/>
-      </a:lnRef>
-      <a:fillRef idx="1">
-        <a:scrgbClr r="0" g="0" b="0"/>
-      </a:fillRef>
-      <a:effectRef idx="0">
-        <a:scrgbClr r="0" g="0" b="0"/>
-      </a:effectRef>
-      <a:fontRef idx="minor">
-        <a:schemeClr val="lt1"/>
-      </a:fontRef>
-    </dgm:style>
-  </dgm:styleLbl>
-  <dgm:styleLbl name="fgImgPlace1">
-    <dgm:scene3d>
-      <a:camera prst="orthographicFront"/>
-      <a:lightRig rig="threePt" dir="t"/>
-    </dgm:scene3d>
-    <dgm:sp3d/>
-    <dgm:txPr/>
-    <dgm:style>
-      <a:lnRef idx="2">
-        <a:scrgbClr r="0" g="0" b="0"/>
-      </a:lnRef>
-      <a:fillRef idx="1">
-        <a:scrgbClr r="0" g="0" b="0"/>
-      </a:fillRef>
-      <a:effectRef idx="0">
-        <a:scrgbClr r="0" g="0" b="0"/>
-      </a:effectRef>
-      <a:fontRef idx="minor"/>
-    </dgm:style>
-  </dgm:styleLbl>
-  <dgm:styleLbl name="alignImgPlace1">
-    <dgm:scene3d>
-      <a:camera prst="orthographicFront"/>
-      <a:lightRig rig="threePt" dir="t"/>
-    </dgm:scene3d>
-    <dgm:sp3d/>
-    <dgm:txPr/>
-    <dgm:style>
-      <a:lnRef idx="2">
-        <a:scrgbClr r="0" g="0" b="0"/>
-      </a:lnRef>
-      <a:fillRef idx="1">
-        <a:scrgbClr r="0" g="0" b="0"/>
-      </a:fillRef>
-      <a:effectRef idx="0">
-        <a:scrgbClr r="0" g="0" b="0"/>
-      </a:effectRef>
-      <a:fontRef idx="minor"/>
-    </dgm:style>
-  </dgm:styleLbl>
-  <dgm:styleLbl name="bgImgPlace1">
-    <dgm:scene3d>
-      <a:camera prst="orthographicFront"/>
-      <a:lightRig rig="threePt" dir="t"/>
-    </dgm:scene3d>
-    <dgm:sp3d/>
-    <dgm:txPr/>
-    <dgm:style>
-      <a:lnRef idx="2">
-        <a:scrgbClr r="0" g="0" b="0"/>
-      </a:lnRef>
-      <a:fillRef idx="1">
-        <a:scrgbClr r="0" g="0" b="0"/>
-      </a:fillRef>
-      <a:effectRef idx="0">
-        <a:scrgbClr r="0" g="0" b="0"/>
-      </a:effectRef>
-      <a:fontRef idx="minor"/>
-    </dgm:style>
-  </dgm:styleLbl>
-  <dgm:styleLbl name="sibTrans2D1">
-    <dgm:scene3d>
-      <a:camera prst="orthographicFront"/>
-      <a:lightRig rig="threePt" dir="t"/>
-    </dgm:scene3d>
-    <dgm:sp3d/>
-    <dgm:txPr/>
-    <dgm:style>
-      <a:lnRef idx="0">
-        <a:scrgbClr r="0" g="0" b="0"/>
-      </a:lnRef>
-      <a:fillRef idx="1">
-        <a:scrgbClr r="0" g="0" b="0"/>
-      </a:fillRef>
-      <a:effectRef idx="0">
-        <a:scrgbClr r="0" g="0" b="0"/>
-      </a:effectRef>
-      <a:fontRef idx="minor">
-        <a:schemeClr val="lt1"/>
-      </a:fontRef>
-    </dgm:style>
-  </dgm:styleLbl>
-  <dgm:styleLbl name="fgSibTrans2D1">
-    <dgm:scene3d>
-      <a:camera prst="orthographicFront"/>
-      <a:lightRig rig="threePt" dir="t"/>
-    </dgm:scene3d>
-    <dgm:sp3d/>
-    <dgm:txPr/>
-    <dgm:style>
-      <a:lnRef idx="0">
-        <a:scrgbClr r="0" g="0" b="0"/>
-      </a:lnRef>
-      <a:fillRef idx="1">
-        <a:scrgbClr r="0" g="0" b="0"/>
-      </a:fillRef>
-      <a:effectRef idx="0">
-        <a:scrgbClr r="0" g="0" b="0"/>
-      </a:effectRef>
-      <a:fontRef idx="minor">
-        <a:schemeClr val="lt1"/>
-      </a:fontRef>
-    </dgm:style>
-  </dgm:styleLbl>
-  <dgm:styleLbl name="bgSibTrans2D1">
-    <dgm:scene3d>
-      <a:camera prst="orthographicFront"/>
-      <a:lightRig rig="threePt" dir="t"/>
-    </dgm:scene3d>
-    <dgm:sp3d/>
-    <dgm:txPr/>
-    <dgm:style>
-      <a:lnRef idx="0">
-        <a:scrgbClr r="0" g="0" b="0"/>
-      </a:lnRef>
-      <a:fillRef idx="1">
-        <a:scrgbClr r="0" g="0" b="0"/>
-      </a:fillRef>
-      <a:effectRef idx="0">
-        <a:scrgbClr r="0" g="0" b="0"/>
-      </a:effectRef>
-      <a:fontRef idx="minor">
-        <a:schemeClr val="lt1"/>
-      </a:fontRef>
-    </dgm:style>
-  </dgm:styleLbl>
-  <dgm:styleLbl name="sibTrans1D1">
-    <dgm:scene3d>
-      <a:camera prst="orthographicFront"/>
-      <a:lightRig rig="threePt" dir="t"/>
-    </dgm:scene3d>
-    <dgm:sp3d/>
-    <dgm:txPr/>
-    <dgm:style>
-      <a:lnRef idx="1">
-        <a:scrgbClr r="0" g="0" b="0"/>
-      </a:lnRef>
-      <a:fillRef idx="0">
-        <a:scrgbClr r="0" g="0" b="0"/>
-      </a:fillRef>
-      <a:effectRef idx="0">
-        <a:scrgbClr r="0" g="0" b="0"/>
-      </a:effectRef>
-      <a:fontRef idx="minor"/>
-    </dgm:style>
-  </dgm:styleLbl>
-  <dgm:styleLbl name="callout">
-    <dgm:scene3d>
-      <a:camera prst="orthographicFront"/>
-      <a:lightRig rig="threePt" dir="t"/>
-    </dgm:scene3d>
-    <dgm:sp3d/>
-    <dgm:txPr/>
-    <dgm:style>
-      <a:lnRef idx="2">
-        <a:scrgbClr r="0" g="0" b="0"/>
-      </a:lnRef>
-      <a:fillRef idx="1">
-        <a:scrgbClr r="0" g="0" b="0"/>
-      </a:fillRef>
-      <a:effectRef idx="0">
-        <a:scrgbClr r="0" g="0" b="0"/>
-      </a:effectRef>
-      <a:fontRef idx="minor"/>
-    </dgm:style>
-  </dgm:styleLbl>
-  <dgm:styleLbl name="asst0">
-    <dgm:scene3d>
-      <a:camera prst="orthographicFront"/>
-      <a:lightRig rig="threePt" dir="t"/>
-    </dgm:scene3d>
-    <dgm:sp3d/>
-    <dgm:txPr/>
-    <dgm:style>
-      <a:lnRef idx="2">
-        <a:scrgbClr r="0" g="0" b="0"/>
-      </a:lnRef>
-      <a:fillRef idx="1">
-        <a:scrgbClr r="0" g="0" b="0"/>
-      </a:fillRef>
-      <a:effectRef idx="0">
-        <a:scrgbClr r="0" g="0" b="0"/>
-      </a:effectRef>
-      <a:fontRef idx="minor">
-        <a:schemeClr val="lt1"/>
-      </a:fontRef>
-    </dgm:style>
-  </dgm:styleLbl>
-  <dgm:styleLbl name="asst1">
-    <dgm:scene3d>
-      <a:camera prst="orthographicFront"/>
-      <a:lightRig rig="threePt" dir="t"/>
-    </dgm:scene3d>
-    <dgm:sp3d/>
-    <dgm:txPr/>
-    <dgm:style>
-      <a:lnRef idx="2">
-        <a:scrgbClr r="0" g="0" b="0"/>
-      </a:lnRef>
-      <a:fillRef idx="1">
-        <a:scrgbClr r="0" g="0" b="0"/>
-      </a:fillRef>
-      <a:effectRef idx="0">
-        <a:scrgbClr r="0" g="0" b="0"/>
-      </a:effectRef>
-      <a:fontRef idx="minor">
-        <a:schemeClr val="lt1"/>
-      </a:fontRef>
-    </dgm:style>
-  </dgm:styleLbl>
-  <dgm:styleLbl name="asst2">
-    <dgm:scene3d>
-      <a:camera prst="orthographicFront"/>
-      <a:lightRig rig="threePt" dir="t"/>
-    </dgm:scene3d>
-    <dgm:sp3d/>
-    <dgm:txPr/>
-    <dgm:style>
-      <a:lnRef idx="2">
-        <a:scrgbClr r="0" g="0" b="0"/>
-      </a:lnRef>
-      <a:fillRef idx="1">
-        <a:scrgbClr r="0" g="0" b="0"/>
-      </a:fillRef>
-      <a:effectRef idx="0">
-        <a:scrgbClr r="0" g="0" b="0"/>
-      </a:effectRef>
-      <a:fontRef idx="minor">
-        <a:schemeClr val="lt1"/>
-      </a:fontRef>
-    </dgm:style>
-  </dgm:styleLbl>
-  <dgm:styleLbl name="asst3">
-    <dgm:scene3d>
-      <a:camera prst="orthographicFront"/>
-      <a:lightRig rig="threePt" dir="t"/>
-    </dgm:scene3d>
-    <dgm:sp3d/>
-    <dgm:txPr/>
-    <dgm:style>
-      <a:lnRef idx="2">
-        <a:scrgbClr r="0" g="0" b="0"/>
-      </a:lnRef>
-      <a:fillRef idx="1">
-        <a:scrgbClr r="0" g="0" b="0"/>
-      </a:fillRef>
-      <a:effectRef idx="0">
-        <a:scrgbClr r="0" g="0" b="0"/>
-      </a:effectRef>
-      <a:fontRef idx="minor">
-        <a:schemeClr val="lt1"/>
-      </a:fontRef>
-    </dgm:style>
-  </dgm:styleLbl>
-  <dgm:styleLbl name="asst4">
-    <dgm:scene3d>
-      <a:camera prst="orthographicFront"/>
-      <a:lightRig rig="threePt" dir="t"/>
-    </dgm:scene3d>
-    <dgm:sp3d/>
-    <dgm:txPr/>
-    <dgm:style>
-      <a:lnRef idx="2">
-        <a:scrgbClr r="0" g="0" b="0"/>
-      </a:lnRef>
-      <a:fillRef idx="1">
-        <a:scrgbClr r="0" g="0" b="0"/>
-      </a:fillRef>
-      <a:effectRef idx="0">
-        <a:scrgbClr r="0" g="0" b="0"/>
-      </a:effectRef>
-      <a:fontRef idx="minor">
-        <a:schemeClr val="lt1"/>
-      </a:fontRef>
-    </dgm:style>
-  </dgm:styleLbl>
-  <dgm:styleLbl name="parChTrans2D1">
-    <dgm:scene3d>
-      <a:camera prst="orthographicFront"/>
-      <a:lightRig rig="threePt" dir="t"/>
-    </dgm:scene3d>
-    <dgm:sp3d/>
-    <dgm:txPr/>
-    <dgm:style>
-      <a:lnRef idx="2">
-        <a:scrgbClr r="0" g="0" b="0"/>
-      </a:lnRef>
-      <a:fillRef idx="1">
-        <a:scrgbClr r="0" g="0" b="0"/>
-      </a:fillRef>
-      <a:effectRef idx="0">
-        <a:scrgbClr r="0" g="0" b="0"/>
-      </a:effectRef>
-      <a:fontRef idx="minor">
-        <a:schemeClr val="lt1"/>
-      </a:fontRef>
-    </dgm:style>
-  </dgm:styleLbl>
-  <dgm:styleLbl name="parChTrans2D2">
-    <dgm:scene3d>
-      <a:camera prst="orthographicFront"/>
-      <a:lightRig rig="threePt" dir="t"/>
-    </dgm:scene3d>
-    <dgm:sp3d/>
-    <dgm:txPr/>
-    <dgm:style>
-      <a:lnRef idx="2">
-        <a:scrgbClr r="0" g="0" b="0"/>
-      </a:lnRef>
-      <a:fillRef idx="1">
-        <a:scrgbClr r="0" g="0" b="0"/>
-      </a:fillRef>
-      <a:effectRef idx="0">
-        <a:scrgbClr r="0" g="0" b="0"/>
-      </a:effectRef>
-      <a:fontRef idx="minor">
-        <a:schemeClr val="lt1"/>
-      </a:fontRef>
-    </dgm:style>
-  </dgm:styleLbl>
-  <dgm:styleLbl name="parChTrans2D3">
-    <dgm:scene3d>
-      <a:camera prst="orthographicFront"/>
-      <a:lightRig rig="threePt" dir="t"/>
-    </dgm:scene3d>
-    <dgm:sp3d/>
-    <dgm:txPr/>
-    <dgm:style>
-      <a:lnRef idx="2">
-        <a:scrgbClr r="0" g="0" b="0"/>
-      </a:lnRef>
-      <a:fillRef idx="1">
-        <a:scrgbClr r="0" g="0" b="0"/>
-      </a:fillRef>
-      <a:effectRef idx="0">
-        <a:scrgbClr r="0" g="0" b="0"/>
-      </a:effectRef>
-      <a:fontRef idx="minor">
-        <a:schemeClr val="lt1"/>
-      </a:fontRef>
-    </dgm:style>
-  </dgm:styleLbl>
-  <dgm:styleLbl name="parChTrans2D4">
-    <dgm:scene3d>
-      <a:camera prst="orthographicFront"/>
-      <a:lightRig rig="threePt" dir="t"/>
-    </dgm:scene3d>
-    <dgm:sp3d/>
-    <dgm:txPr/>
-    <dgm:style>
-      <a:lnRef idx="2">
-        <a:scrgbClr r="0" g="0" b="0"/>
-      </a:lnRef>
-      <a:fillRef idx="1">
-        <a:scrgbClr r="0" g="0" b="0"/>
-      </a:fillRef>
-      <a:effectRef idx="0">
-        <a:scrgbClr r="0" g="0" b="0"/>
-      </a:effectRef>
-      <a:fontRef idx="minor">
-        <a:schemeClr val="lt1"/>
-      </a:fontRef>
-    </dgm:style>
-  </dgm:styleLbl>
-  <dgm:styleLbl name="parChTrans1D1">
-    <dgm:scene3d>
-      <a:camera prst="orthographicFront"/>
-      <a:lightRig rig="threePt" dir="t"/>
-    </dgm:scene3d>
-    <dgm:sp3d/>
-    <dgm:txPr/>
-    <dgm:style>
-      <a:lnRef idx="2">
-        <a:scrgbClr r="0" g="0" b="0"/>
-      </a:lnRef>
-      <a:fillRef idx="0">
-        <a:scrgbClr r="0" g="0" b="0"/>
-      </a:fillRef>
-      <a:effectRef idx="0">
-        <a:scrgbClr r="0" g="0" b="0"/>
-      </a:effectRef>
-      <a:fontRef idx="minor"/>
-    </dgm:style>
-  </dgm:styleLbl>
-  <dgm:styleLbl name="parChTrans1D2">
-    <dgm:scene3d>
-      <a:camera prst="orthographicFront"/>
-      <a:lightRig rig="threePt" dir="t"/>
-    </dgm:scene3d>
-    <dgm:sp3d/>
-    <dgm:txPr/>
-    <dgm:style>
-      <a:lnRef idx="2">
-        <a:scrgbClr r="0" g="0" b="0"/>
-      </a:lnRef>
-      <a:fillRef idx="0">
-        <a:scrgbClr r="0" g="0" b="0"/>
-      </a:fillRef>
-      <a:effectRef idx="0">
-        <a:scrgbClr r="0" g="0" b="0"/>
-      </a:effectRef>
-      <a:fontRef idx="minor"/>
-    </dgm:style>
-  </dgm:styleLbl>
-  <dgm:styleLbl name="parChTrans1D3">
-    <dgm:scene3d>
-      <a:camera prst="orthographicFront"/>
-      <a:lightRig rig="threePt" dir="t"/>
-    </dgm:scene3d>
-    <dgm:sp3d/>
-    <dgm:txPr/>
-    <dgm:style>
-      <a:lnRef idx="2">
-        <a:scrgbClr r="0" g="0" b="0"/>
-      </a:lnRef>
-      <a:fillRef idx="0">
-        <a:scrgbClr r="0" g="0" b="0"/>
-      </a:fillRef>
-      <a:effectRef idx="0">
-        <a:scrgbClr r="0" g="0" b="0"/>
-      </a:effectRef>
-      <a:fontRef idx="minor"/>
-    </dgm:style>
-  </dgm:styleLbl>
-  <dgm:styleLbl name="parChTrans1D4">
-    <dgm:scene3d>
-      <a:camera prst="orthographicFront"/>
-      <a:lightRig rig="threePt" dir="t"/>
-    </dgm:scene3d>
-    <dgm:sp3d/>
-    <dgm:txPr/>
-    <dgm:style>
-      <a:lnRef idx="2">
-        <a:scrgbClr r="0" g="0" b="0"/>
-      </a:lnRef>
-      <a:fillRef idx="0">
-        <a:scrgbClr r="0" g="0" b="0"/>
-      </a:fillRef>
-      <a:effectRef idx="0">
-        <a:scrgbClr r="0" g="0" b="0"/>
-      </a:effectRef>
-      <a:fontRef idx="minor"/>
-    </dgm:style>
-  </dgm:styleLbl>
-  <dgm:styleLbl name="fgAcc1">
-    <dgm:scene3d>
-      <a:camera prst="orthographicFront"/>
-      <a:lightRig rig="threePt" dir="t"/>
-    </dgm:scene3d>
-    <dgm:sp3d/>
-    <dgm:txPr/>
-    <dgm:style>
-      <a:lnRef idx="2">
-        <a:scrgbClr r="0" g="0" b="0"/>
-      </a:lnRef>
-      <a:fillRef idx="1">
-        <a:scrgbClr r="0" g="0" b="0"/>
-      </a:fillRef>
-      <a:effectRef idx="0">
-        <a:scrgbClr r="0" g="0" b="0"/>
-      </a:effectRef>
-      <a:fontRef idx="minor"/>
-    </dgm:style>
-  </dgm:styleLbl>
-  <dgm:styleLbl name="conFgAcc1">
-    <dgm:scene3d>
-      <a:camera prst="orthographicFront"/>
-      <a:lightRig rig="threePt" dir="t"/>
-    </dgm:scene3d>
-    <dgm:sp3d/>
-    <dgm:txPr/>
-    <dgm:style>
-      <a:lnRef idx="2">
-        <a:scrgbClr r="0" g="0" b="0"/>
-      </a:lnRef>
-      <a:fillRef idx="1">
-        <a:scrgbClr r="0" g="0" b="0"/>
-      </a:fillRef>
-      <a:effectRef idx="0">
-        <a:scrgbClr r="0" g="0" b="0"/>
-      </a:effectRef>
-      <a:fontRef idx="minor"/>
-    </dgm:style>
-  </dgm:styleLbl>
-  <dgm:styleLbl name="alignAcc1">
-    <dgm:scene3d>
-      <a:camera prst="orthographicFront"/>
-      <a:lightRig rig="threePt" dir="t"/>
-    </dgm:scene3d>
-    <dgm:sp3d/>
-    <dgm:txPr/>
-    <dgm:style>
-      <a:lnRef idx="2">
-        <a:scrgbClr r="0" g="0" b="0"/>
-      </a:lnRef>
-      <a:fillRef idx="1">
-        <a:scrgbClr r="0" g="0" b="0"/>
-      </a:fillRef>
-      <a:effectRef idx="0">
-        <a:scrgbClr r="0" g="0" b="0"/>
-      </a:effectRef>
-      <a:fontRef idx="minor"/>
-    </dgm:style>
-  </dgm:styleLbl>
-  <dgm:styleLbl name="trAlignAcc1">
-    <dgm:scene3d>
-      <a:camera prst="orthographicFront"/>
-      <a:lightRig rig="threePt" dir="t"/>
-    </dgm:scene3d>
-    <dgm:sp3d/>
-    <dgm:txPr/>
-    <dgm:style>
-      <a:lnRef idx="1">
-        <a:scrgbClr r="0" g="0" b="0"/>
-      </a:lnRef>
-      <a:fillRef idx="1">
-        <a:scrgbClr r="0" g="0" b="0"/>
-      </a:fillRef>
-      <a:effectRef idx="0">
-        <a:scrgbClr r="0" g="0" b="0"/>
-      </a:effectRef>
-      <a:fontRef idx="minor"/>
-    </dgm:style>
-  </dgm:styleLbl>
-  <dgm:styleLbl name="bgAcc1">
-    <dgm:scene3d>
-      <a:camera prst="orthographicFront"/>
-      <a:lightRig rig="threePt" dir="t"/>
-    </dgm:scene3d>
-    <dgm:sp3d/>
-    <dgm:txPr/>
-    <dgm:style>
-      <a:lnRef idx="2">
-        <a:scrgbClr r="0" g="0" b="0"/>
-      </a:lnRef>
-      <a:fillRef idx="1">
-        <a:scrgbClr r="0" g="0" b="0"/>
-      </a:fillRef>
-      <a:effectRef idx="0">
-        <a:scrgbClr r="0" g="0" b="0"/>
-      </a:effectRef>
-      <a:fontRef idx="minor"/>
-    </dgm:style>
-  </dgm:styleLbl>
-  <dgm:styleLbl name="solidFgAcc1">
-    <dgm:scene3d>
-      <a:camera prst="orthographicFront"/>
-      <a:lightRig rig="threePt" dir="t"/>
-    </dgm:scene3d>
-    <dgm:sp3d/>
-    <dgm:txPr/>
-    <dgm:style>
-      <a:lnRef idx="2">
-        <a:scrgbClr r="0" g="0" b="0"/>
-      </a:lnRef>
-      <a:fillRef idx="1">
-        <a:scrgbClr r="0" g="0" b="0"/>
-      </a:fillRef>
-      <a:effectRef idx="0">
-        <a:scrgbClr r="0" g="0" b="0"/>
-      </a:effectRef>
-      <a:fontRef idx="minor"/>
-    </dgm:style>
-  </dgm:styleLbl>
-  <dgm:styleLbl name="solidAlignAcc1">
-    <dgm:scene3d>
-      <a:camera prst="orthographicFront"/>
-      <a:lightRig rig="threePt" dir="t"/>
-    </dgm:scene3d>
-    <dgm:sp3d/>
-    <dgm:txPr/>
-    <dgm:style>
-      <a:lnRef idx="2">
-        <a:scrgbClr r="0" g="0" b="0"/>
-      </a:lnRef>
-      <a:fillRef idx="1">
-        <a:scrgbClr r="0" g="0" b="0"/>
-      </a:fillRef>
-      <a:effectRef idx="0">
-        <a:scrgbClr r="0" g="0" b="0"/>
-      </a:effectRef>
-      <a:fontRef idx="minor"/>
-    </dgm:style>
-  </dgm:styleLbl>
-  <dgm:styleLbl name="solidBgAcc1">
-    <dgm:scene3d>
-      <a:camera prst="orthographicFront"/>
-      <a:lightRig rig="threePt" dir="t"/>
-    </dgm:scene3d>
-    <dgm:sp3d/>
-    <dgm:txPr/>
-    <dgm:style>
-      <a:lnRef idx="2">
-        <a:scrgbClr r="0" g="0" b="0"/>
-      </a:lnRef>
-      <a:fillRef idx="1">
-        <a:scrgbClr r="0" g="0" b="0"/>
-      </a:fillRef>
-      <a:effectRef idx="0">
-        <a:scrgbClr r="0" g="0" b="0"/>
-      </a:effectRef>
-      <a:fontRef idx="minor"/>
-    </dgm:style>
-  </dgm:styleLbl>
-  <dgm:styleLbl name="fgAccFollowNode1">
-    <dgm:scene3d>
-      <a:camera prst="orthographicFront"/>
-      <a:lightRig rig="threePt" dir="t"/>
-    </dgm:scene3d>
-    <dgm:sp3d/>
-    <dgm:txPr/>
-    <dgm:style>
-      <a:lnRef idx="2">
-        <a:scrgbClr r="0" g="0" b="0"/>
-      </a:lnRef>
-      <a:fillRef idx="1">
-        <a:scrgbClr r="0" g="0" b="0"/>
-      </a:fillRef>
-      <a:effectRef idx="0">
-        <a:scrgbClr r="0" g="0" b="0"/>
-      </a:effectRef>
-      <a:fontRef idx="minor"/>
-    </dgm:style>
-  </dgm:styleLbl>
-  <dgm:styleLbl name="alignAccFollowNode1">
-    <dgm:scene3d>
-      <a:camera prst="orthographicFront"/>
-      <a:lightRig rig="threePt" dir="t"/>
-    </dgm:scene3d>
-    <dgm:sp3d/>
-    <dgm:txPr/>
-    <dgm:style>
-      <a:lnRef idx="2">
-        <a:scrgbClr r="0" g="0" b="0"/>
-      </a:lnRef>
-      <a:fillRef idx="1">
-        <a:scrgbClr r="0" g="0" b="0"/>
-      </a:fillRef>
-      <a:effectRef idx="0">
-        <a:scrgbClr r="0" g="0" b="0"/>
-      </a:effectRef>
-      <a:fontRef idx="minor"/>
-    </dgm:style>
-  </dgm:styleLbl>
-  <dgm:styleLbl name="bgAccFollowNode1">
-    <dgm:scene3d>
-      <a:camera prst="orthographicFront"/>
-      <a:lightRig rig="threePt" dir="t"/>
-    </dgm:scene3d>
-    <dgm:sp3d/>
-    <dgm:txPr/>
-    <dgm:style>
-      <a:lnRef idx="2">
-        <a:scrgbClr r="0" g="0" b="0"/>
-      </a:lnRef>
-      <a:fillRef idx="1">
-        <a:scrgbClr r="0" g="0" b="0"/>
-      </a:fillRef>
-      <a:effectRef idx="0">
-        <a:scrgbClr r="0" g="0" b="0"/>
-      </a:effectRef>
-      <a:fontRef idx="minor"/>
-    </dgm:style>
-  </dgm:styleLbl>
-  <dgm:styleLbl name="fgAcc0">
-    <dgm:scene3d>
-      <a:camera prst="orthographicFront"/>
-      <a:lightRig rig="threePt" dir="t"/>
-    </dgm:scene3d>
-    <dgm:sp3d/>
-    <dgm:txPr/>
-    <dgm:style>
-      <a:lnRef idx="2">
-        <a:scrgbClr r="0" g="0" b="0"/>
-      </a:lnRef>
-      <a:fillRef idx="1">
-        <a:scrgbClr r="0" g="0" b="0"/>
-      </a:fillRef>
-      <a:effectRef idx="0">
-        <a:scrgbClr r="0" g="0" b="0"/>
-      </a:effectRef>
-      <a:fontRef idx="minor"/>
-    </dgm:style>
-  </dgm:styleLbl>
-  <dgm:styleLbl name="fgAcc2">
-    <dgm:scene3d>
-      <a:camera prst="orthographicFront"/>
-      <a:lightRig rig="threePt" dir="t"/>
-    </dgm:scene3d>
-    <dgm:sp3d/>
-    <dgm:txPr/>
-    <dgm:style>
-      <a:lnRef idx="2">
-        <a:scrgbClr r="0" g="0" b="0"/>
-      </a:lnRef>
-      <a:fillRef idx="1">
-        <a:scrgbClr r="0" g="0" b="0"/>
-      </a:fillRef>
-      <a:effectRef idx="0">
-        <a:scrgbClr r="0" g="0" b="0"/>
-      </a:effectRef>
-      <a:fontRef idx="minor"/>
-    </dgm:style>
-  </dgm:styleLbl>
-  <dgm:styleLbl name="fgAcc3">
-    <dgm:scene3d>
-      <a:camera prst="orthographicFront"/>
-      <a:lightRig rig="threePt" dir="t"/>
-    </dgm:scene3d>
-    <dgm:sp3d/>
-    <dgm:txPr/>
-    <dgm:style>
-      <a:lnRef idx="2">
-        <a:scrgbClr r="0" g="0" b="0"/>
-      </a:lnRef>
-      <a:fillRef idx="1">
-        <a:scrgbClr r="0" g="0" b="0"/>
-      </a:fillRef>
-      <a:effectRef idx="0">
-        <a:scrgbClr r="0" g="0" b="0"/>
-      </a:effectRef>
-      <a:fontRef idx="minor"/>
-    </dgm:style>
-  </dgm:styleLbl>
-  <dgm:styleLbl name="fgAcc4">
-    <dgm:scene3d>
-      <a:camera prst="orthographicFront"/>
-      <a:lightRig rig="threePt" dir="t"/>
-    </dgm:scene3d>
-    <dgm:sp3d/>
-    <dgm:txPr/>
-    <dgm:style>
-      <a:lnRef idx="2">
-        <a:scrgbClr r="0" g="0" b="0"/>
-      </a:lnRef>
-      <a:fillRef idx="1">
-        <a:scrgbClr r="0" g="0" b="0"/>
-      </a:fillRef>
-      <a:effectRef idx="0">
-        <a:scrgbClr r="0" g="0" b="0"/>
-      </a:effectRef>
-      <a:fontRef idx="minor"/>
-    </dgm:style>
-  </dgm:styleLbl>
-  <dgm:styleLbl name="bgShp">
-    <dgm:scene3d>
-      <a:camera prst="orthographicFront"/>
-      <a:lightRig rig="threePt" dir="t"/>
-    </dgm:scene3d>
-    <dgm:sp3d/>
-    <dgm:txPr/>
-    <dgm:style>
-      <a:lnRef idx="0">
-        <a:scrgbClr r="0" g="0" b="0"/>
-      </a:lnRef>
-      <a:fillRef idx="1">
-        <a:scrgbClr r="0" g="0" b="0"/>
-      </a:fillRef>
-      <a:effectRef idx="0">
-        <a:scrgbClr r="0" g="0" b="0"/>
-      </a:effectRef>
-      <a:fontRef idx="minor"/>
-    </dgm:style>
-  </dgm:styleLbl>
-  <dgm:styleLbl name="dkBgShp">
-    <dgm:scene3d>
-      <a:camera prst="orthographicFront"/>
-      <a:lightRig rig="threePt" dir="t"/>
-    </dgm:scene3d>
-    <dgm:sp3d/>
-    <dgm:txPr/>
-    <dgm:style>
-      <a:lnRef idx="0">
-        <a:scrgbClr r="0" g="0" b="0"/>
-      </a:lnRef>
-      <a:fillRef idx="1">
-        <a:scrgbClr r="0" g="0" b="0"/>
-      </a:fillRef>
-      <a:effectRef idx="0">
-        <a:scrgbClr r="0" g="0" b="0"/>
-      </a:effectRef>
-      <a:fontRef idx="minor"/>
-    </dgm:style>
-  </dgm:styleLbl>
-  <dgm:styleLbl name="trBgShp">
-    <dgm:scene3d>
-      <a:camera prst="orthographicFront"/>
-      <a:lightRig rig="threePt" dir="t"/>
-    </dgm:scene3d>
-    <dgm:sp3d/>
-    <dgm:txPr/>
-    <dgm:style>
-      <a:lnRef idx="0">
-        <a:scrgbClr r="0" g="0" b="0"/>
-      </a:lnRef>
-      <a:fillRef idx="1">
-        <a:scrgbClr r="0" g="0" b="0"/>
-      </a:fillRef>
-      <a:effectRef idx="0">
-        <a:scrgbClr r="0" g="0" b="0"/>
-      </a:effectRef>
-      <a:fontRef idx="minor"/>
-    </dgm:style>
-  </dgm:styleLbl>
-  <dgm:styleLbl name="fgShp">
-    <dgm:scene3d>
-      <a:camera prst="orthographicFront"/>
-      <a:lightRig rig="threePt" dir="t"/>
-    </dgm:scene3d>
-    <dgm:sp3d/>
-    <dgm:txPr/>
-    <dgm:style>
-      <a:lnRef idx="2">
-        <a:scrgbClr r="0" g="0" b="0"/>
-      </a:lnRef>
-      <a:fillRef idx="1">
-        <a:scrgbClr r="0" g="0" b="0"/>
-      </a:fillRef>
-      <a:effectRef idx="0">
-        <a:scrgbClr r="0" g="0" b="0"/>
-      </a:effectRef>
-      <a:fontRef idx="minor"/>
-    </dgm:style>
-  </dgm:styleLbl>
-  <dgm:styleLbl name="revTx">
-    <dgm:scene3d>
-      <a:camera prst="orthographicFront"/>
-      <a:lightRig rig="threePt" dir="t"/>
-    </dgm:scene3d>
-    <dgm:sp3d/>
-    <dgm:txPr/>
-    <dgm:style>
-      <a:lnRef idx="0">
-        <a:scrgbClr r="0" g="0" b="0"/>
-      </a:lnRef>
-      <a:fillRef idx="0">
-        <a:scrgbClr r="0" g="0" b="0"/>
-      </a:fillRef>
-      <a:effectRef idx="0">
-        <a:scrgbClr r="0" g="0" b="0"/>
-      </a:effectRef>
-      <a:fontRef idx="minor"/>
-    </dgm:style>
-  </dgm:styleLbl>
-</dgm:styleDef>
 </file>
 
 <file path=ppt/slideLayouts/slideLayout1.xml><?xml version="1.0" encoding="utf-8"?>
@@ -10153,6 +7357,939 @@
       </p:grpSpPr>
       <p:sp>
         <p:nvSpPr>
+          <p:cNvPr id="2" name="Titre 1">
+            <a:extLst>
+              <a:ext uri="{FF2B5EF4-FFF2-40B4-BE49-F238E27FC236}">
+                <a16:creationId xmlns:a16="http://schemas.microsoft.com/office/drawing/2014/main" id="{14A595CE-57DD-4962-97ED-47058F788FF5}"/>
+              </a:ext>
+            </a:extLst>
+          </p:cNvPr>
+          <p:cNvSpPr>
+            <a:spLocks noGrp="1"/>
+          </p:cNvSpPr>
+          <p:nvPr>
+            <p:ph type="title"/>
+          </p:nvPr>
+        </p:nvSpPr>
+        <p:spPr>
+          <a:xfrm>
+            <a:off x="677334" y="609600"/>
+            <a:ext cx="8596668" cy="1320800"/>
+          </a:xfrm>
+        </p:spPr>
+        <p:txBody>
+          <a:bodyPr/>
+          <a:lstStyle/>
+          <a:p>
+            <a:pPr algn="ctr"/>
+            <a:r>
+              <a:rPr lang="fr-FR" dirty="0"/>
+              <a:t>Sommaire</a:t>
+            </a:r>
+          </a:p>
+        </p:txBody>
+      </p:sp>
+      <p:sp>
+        <p:nvSpPr>
+          <p:cNvPr id="16" name="Rectangle 15">
+            <a:extLst>
+              <a:ext uri="{FF2B5EF4-FFF2-40B4-BE49-F238E27FC236}">
+                <a16:creationId xmlns:a16="http://schemas.microsoft.com/office/drawing/2014/main" id="{B16EFFB0-2A83-488B-939B-957974F17BC3}"/>
+              </a:ext>
+            </a:extLst>
+          </p:cNvPr>
+          <p:cNvSpPr/>
+          <p:nvPr/>
+        </p:nvSpPr>
+        <p:spPr>
+          <a:xfrm rot="5400000">
+            <a:off x="4916185" y="112213"/>
+            <a:ext cx="118966" cy="6633575"/>
+          </a:xfrm>
+          <a:prstGeom prst="rect">
+            <a:avLst/>
+          </a:prstGeom>
+          <a:solidFill>
+            <a:srgbClr val="A8135A"/>
+          </a:solidFill>
+          <a:ln>
+            <a:solidFill>
+              <a:schemeClr val="bg1"/>
+            </a:solidFill>
+          </a:ln>
+        </p:spPr>
+        <p:style>
+          <a:lnRef idx="2">
+            <a:schemeClr val="accent1">
+              <a:shade val="50000"/>
+            </a:schemeClr>
+          </a:lnRef>
+          <a:fillRef idx="1">
+            <a:schemeClr val="accent1"/>
+          </a:fillRef>
+          <a:effectRef idx="0">
+            <a:schemeClr val="accent1"/>
+          </a:effectRef>
+          <a:fontRef idx="minor">
+            <a:schemeClr val="lt1"/>
+          </a:fontRef>
+        </p:style>
+        <p:txBody>
+          <a:bodyPr rtlCol="0" anchor="ctr"/>
+          <a:lstStyle/>
+          <a:p>
+            <a:pPr marL="0" marR="0" lvl="0" indent="0" algn="ctr" defTabSz="457200" rtl="0" eaLnBrk="1" fontAlgn="auto" latinLnBrk="0" hangingPunct="1">
+              <a:lnSpc>
+                <a:spcPct val="100000"/>
+              </a:lnSpc>
+              <a:spcBef>
+                <a:spcPts val="0"/>
+              </a:spcBef>
+              <a:spcAft>
+                <a:spcPts val="0"/>
+              </a:spcAft>
+              <a:buClrTx/>
+              <a:buSzTx/>
+              <a:buFontTx/>
+              <a:buNone/>
+              <a:tabLst/>
+              <a:defRPr/>
+            </a:pPr>
+            <a:endParaRPr kumimoji="0" lang="fr-FR" sz="1800" b="0" i="0" u="none" strike="noStrike" kern="1200" cap="none" spc="0" normalizeH="0" baseline="0" noProof="0">
+              <a:ln>
+                <a:noFill/>
+              </a:ln>
+              <a:solidFill>
+                <a:prstClr val="white"/>
+              </a:solidFill>
+              <a:effectLst/>
+              <a:uLnTx/>
+              <a:uFillTx/>
+              <a:latin typeface="Trebuchet MS" panose="020B0603020202020204"/>
+              <a:ea typeface="+mn-ea"/>
+              <a:cs typeface="+mn-cs"/>
+            </a:endParaRPr>
+          </a:p>
+        </p:txBody>
+      </p:sp>
+      <p:sp>
+        <p:nvSpPr>
+          <p:cNvPr id="17" name="Ellipse 16">
+            <a:extLst>
+              <a:ext uri="{FF2B5EF4-FFF2-40B4-BE49-F238E27FC236}">
+                <a16:creationId xmlns:a16="http://schemas.microsoft.com/office/drawing/2014/main" id="{9A671F52-1D90-4275-8150-50427A0DE1F5}"/>
+              </a:ext>
+            </a:extLst>
+          </p:cNvPr>
+          <p:cNvSpPr/>
+          <p:nvPr/>
+        </p:nvSpPr>
+        <p:spPr>
+          <a:xfrm>
+            <a:off x="1351474" y="3144084"/>
+            <a:ext cx="564118" cy="542925"/>
+          </a:xfrm>
+          <a:prstGeom prst="ellipse">
+            <a:avLst/>
+          </a:prstGeom>
+          <a:solidFill>
+            <a:srgbClr val="A8135A"/>
+          </a:solidFill>
+          <a:ln>
+            <a:solidFill>
+              <a:schemeClr val="bg1"/>
+            </a:solidFill>
+          </a:ln>
+        </p:spPr>
+        <p:style>
+          <a:lnRef idx="2">
+            <a:schemeClr val="accent1">
+              <a:shade val="50000"/>
+            </a:schemeClr>
+          </a:lnRef>
+          <a:fillRef idx="1">
+            <a:schemeClr val="accent1"/>
+          </a:fillRef>
+          <a:effectRef idx="0">
+            <a:schemeClr val="accent1"/>
+          </a:effectRef>
+          <a:fontRef idx="minor">
+            <a:schemeClr val="lt1"/>
+          </a:fontRef>
+        </p:style>
+        <p:txBody>
+          <a:bodyPr rtlCol="0" anchor="ctr"/>
+          <a:lstStyle/>
+          <a:p>
+            <a:pPr marL="0" marR="0" lvl="0" indent="0" algn="ctr" defTabSz="457200" rtl="0" eaLnBrk="1" fontAlgn="auto" latinLnBrk="0" hangingPunct="1">
+              <a:lnSpc>
+                <a:spcPct val="100000"/>
+              </a:lnSpc>
+              <a:spcBef>
+                <a:spcPts val="0"/>
+              </a:spcBef>
+              <a:spcAft>
+                <a:spcPts val="0"/>
+              </a:spcAft>
+              <a:buClrTx/>
+              <a:buSzTx/>
+              <a:buFontTx/>
+              <a:buNone/>
+              <a:tabLst/>
+              <a:defRPr/>
+            </a:pPr>
+            <a:endParaRPr kumimoji="0" lang="fr-FR" sz="1800" b="0" i="0" u="none" strike="noStrike" kern="1200" cap="none" spc="0" normalizeH="0" baseline="0" noProof="0">
+              <a:ln>
+                <a:noFill/>
+              </a:ln>
+              <a:solidFill>
+                <a:prstClr val="white"/>
+              </a:solidFill>
+              <a:effectLst/>
+              <a:uLnTx/>
+              <a:uFillTx/>
+              <a:latin typeface="Trebuchet MS" panose="020B0603020202020204"/>
+              <a:ea typeface="+mn-ea"/>
+              <a:cs typeface="+mn-cs"/>
+            </a:endParaRPr>
+          </a:p>
+        </p:txBody>
+      </p:sp>
+      <p:sp>
+        <p:nvSpPr>
+          <p:cNvPr id="18" name="Ellipse 17">
+            <a:extLst>
+              <a:ext uri="{FF2B5EF4-FFF2-40B4-BE49-F238E27FC236}">
+                <a16:creationId xmlns:a16="http://schemas.microsoft.com/office/drawing/2014/main" id="{BC509F92-2DF1-445D-BEB2-4A281A270E30}"/>
+              </a:ext>
+            </a:extLst>
+          </p:cNvPr>
+          <p:cNvSpPr/>
+          <p:nvPr/>
+        </p:nvSpPr>
+        <p:spPr>
+          <a:xfrm>
+            <a:off x="7815645" y="3154665"/>
+            <a:ext cx="564118" cy="542925"/>
+          </a:xfrm>
+          <a:prstGeom prst="ellipse">
+            <a:avLst/>
+          </a:prstGeom>
+          <a:solidFill>
+            <a:srgbClr val="A8135A"/>
+          </a:solidFill>
+          <a:ln>
+            <a:solidFill>
+              <a:schemeClr val="bg1"/>
+            </a:solidFill>
+          </a:ln>
+        </p:spPr>
+        <p:style>
+          <a:lnRef idx="2">
+            <a:schemeClr val="accent1">
+              <a:shade val="50000"/>
+            </a:schemeClr>
+          </a:lnRef>
+          <a:fillRef idx="1">
+            <a:schemeClr val="accent1"/>
+          </a:fillRef>
+          <a:effectRef idx="0">
+            <a:schemeClr val="accent1"/>
+          </a:effectRef>
+          <a:fontRef idx="minor">
+            <a:schemeClr val="lt1"/>
+          </a:fontRef>
+        </p:style>
+        <p:txBody>
+          <a:bodyPr rtlCol="0" anchor="ctr"/>
+          <a:lstStyle/>
+          <a:p>
+            <a:pPr marL="0" marR="0" lvl="0" indent="0" algn="ctr" defTabSz="457200" rtl="0" eaLnBrk="1" fontAlgn="auto" latinLnBrk="0" hangingPunct="1">
+              <a:lnSpc>
+                <a:spcPct val="100000"/>
+              </a:lnSpc>
+              <a:spcBef>
+                <a:spcPts val="0"/>
+              </a:spcBef>
+              <a:spcAft>
+                <a:spcPts val="0"/>
+              </a:spcAft>
+              <a:buClrTx/>
+              <a:buSzTx/>
+              <a:buFontTx/>
+              <a:buNone/>
+              <a:tabLst/>
+              <a:defRPr/>
+            </a:pPr>
+            <a:endParaRPr kumimoji="0" lang="fr-FR" sz="1800" b="0" i="0" u="none" strike="noStrike" kern="1200" cap="none" spc="0" normalizeH="0" baseline="0" noProof="0">
+              <a:ln>
+                <a:noFill/>
+              </a:ln>
+              <a:solidFill>
+                <a:prstClr val="white"/>
+              </a:solidFill>
+              <a:effectLst/>
+              <a:uLnTx/>
+              <a:uFillTx/>
+              <a:latin typeface="Trebuchet MS" panose="020B0603020202020204"/>
+              <a:ea typeface="+mn-ea"/>
+              <a:cs typeface="+mn-cs"/>
+            </a:endParaRPr>
+          </a:p>
+        </p:txBody>
+      </p:sp>
+      <p:sp>
+        <p:nvSpPr>
+          <p:cNvPr id="19" name="Organigramme : Terminateur 18">
+            <a:extLst>
+              <a:ext uri="{FF2B5EF4-FFF2-40B4-BE49-F238E27FC236}">
+                <a16:creationId xmlns:a16="http://schemas.microsoft.com/office/drawing/2014/main" id="{01323297-3137-4013-9B94-63084E101E67}"/>
+              </a:ext>
+            </a:extLst>
+          </p:cNvPr>
+          <p:cNvSpPr/>
+          <p:nvPr/>
+        </p:nvSpPr>
+        <p:spPr>
+          <a:xfrm rot="5400000">
+            <a:off x="2636299" y="3275990"/>
+            <a:ext cx="267772" cy="85725"/>
+          </a:xfrm>
+          <a:prstGeom prst="flowChartTerminator">
+            <a:avLst/>
+          </a:prstGeom>
+          <a:solidFill>
+            <a:srgbClr val="A8135A"/>
+          </a:solidFill>
+          <a:ln>
+            <a:solidFill>
+              <a:schemeClr val="bg1"/>
+            </a:solidFill>
+          </a:ln>
+        </p:spPr>
+        <p:style>
+          <a:lnRef idx="2">
+            <a:schemeClr val="accent1">
+              <a:shade val="50000"/>
+            </a:schemeClr>
+          </a:lnRef>
+          <a:fillRef idx="1">
+            <a:schemeClr val="accent1"/>
+          </a:fillRef>
+          <a:effectRef idx="0">
+            <a:schemeClr val="accent1"/>
+          </a:effectRef>
+          <a:fontRef idx="minor">
+            <a:schemeClr val="lt1"/>
+          </a:fontRef>
+        </p:style>
+        <p:txBody>
+          <a:bodyPr rtlCol="0" anchor="ctr"/>
+          <a:lstStyle/>
+          <a:p>
+            <a:pPr marL="0" marR="0" lvl="0" indent="0" algn="ctr" defTabSz="457200" rtl="0" eaLnBrk="1" fontAlgn="auto" latinLnBrk="0" hangingPunct="1">
+              <a:lnSpc>
+                <a:spcPct val="100000"/>
+              </a:lnSpc>
+              <a:spcBef>
+                <a:spcPts val="0"/>
+              </a:spcBef>
+              <a:spcAft>
+                <a:spcPts val="0"/>
+              </a:spcAft>
+              <a:buClrTx/>
+              <a:buSzTx/>
+              <a:buFontTx/>
+              <a:buNone/>
+              <a:tabLst/>
+              <a:defRPr/>
+            </a:pPr>
+            <a:endParaRPr kumimoji="0" lang="fr-FR" sz="1800" b="0" i="0" u="none" strike="noStrike" kern="1200" cap="none" spc="0" normalizeH="0" baseline="0" noProof="0" dirty="0">
+              <a:ln>
+                <a:noFill/>
+              </a:ln>
+              <a:solidFill>
+                <a:prstClr val="white"/>
+              </a:solidFill>
+              <a:effectLst/>
+              <a:uLnTx/>
+              <a:uFillTx/>
+              <a:latin typeface="Trebuchet MS" panose="020B0603020202020204"/>
+              <a:ea typeface="+mn-ea"/>
+              <a:cs typeface="+mn-cs"/>
+            </a:endParaRPr>
+          </a:p>
+        </p:txBody>
+      </p:sp>
+      <p:sp>
+        <p:nvSpPr>
+          <p:cNvPr id="20" name="Organigramme : Terminateur 19">
+            <a:extLst>
+              <a:ext uri="{FF2B5EF4-FFF2-40B4-BE49-F238E27FC236}">
+                <a16:creationId xmlns:a16="http://schemas.microsoft.com/office/drawing/2014/main" id="{597D3737-FC1A-42DE-A25E-B8BABABD8ECE}"/>
+              </a:ext>
+            </a:extLst>
+          </p:cNvPr>
+          <p:cNvSpPr/>
+          <p:nvPr/>
+        </p:nvSpPr>
+        <p:spPr>
+          <a:xfrm rot="16200000">
+            <a:off x="4227114" y="3273420"/>
+            <a:ext cx="267772" cy="85725"/>
+          </a:xfrm>
+          <a:prstGeom prst="flowChartTerminator">
+            <a:avLst/>
+          </a:prstGeom>
+          <a:solidFill>
+            <a:srgbClr val="A8135A"/>
+          </a:solidFill>
+          <a:ln>
+            <a:solidFill>
+              <a:schemeClr val="bg1"/>
+            </a:solidFill>
+          </a:ln>
+        </p:spPr>
+        <p:style>
+          <a:lnRef idx="2">
+            <a:schemeClr val="accent1">
+              <a:shade val="50000"/>
+            </a:schemeClr>
+          </a:lnRef>
+          <a:fillRef idx="1">
+            <a:schemeClr val="accent1"/>
+          </a:fillRef>
+          <a:effectRef idx="0">
+            <a:schemeClr val="accent1"/>
+          </a:effectRef>
+          <a:fontRef idx="minor">
+            <a:schemeClr val="lt1"/>
+          </a:fontRef>
+        </p:style>
+        <p:txBody>
+          <a:bodyPr rtlCol="0" anchor="ctr"/>
+          <a:lstStyle/>
+          <a:p>
+            <a:pPr marL="0" marR="0" lvl="0" indent="0" algn="ctr" defTabSz="457200" rtl="0" eaLnBrk="1" fontAlgn="auto" latinLnBrk="0" hangingPunct="1">
+              <a:lnSpc>
+                <a:spcPct val="100000"/>
+              </a:lnSpc>
+              <a:spcBef>
+                <a:spcPts val="0"/>
+              </a:spcBef>
+              <a:spcAft>
+                <a:spcPts val="0"/>
+              </a:spcAft>
+              <a:buClrTx/>
+              <a:buSzTx/>
+              <a:buFontTx/>
+              <a:buNone/>
+              <a:tabLst/>
+              <a:defRPr/>
+            </a:pPr>
+            <a:endParaRPr kumimoji="0" lang="fr-FR" sz="1800" b="0" i="0" u="none" strike="noStrike" kern="1200" cap="none" spc="0" normalizeH="0" baseline="0" noProof="0" dirty="0">
+              <a:ln>
+                <a:noFill/>
+              </a:ln>
+              <a:solidFill>
+                <a:prstClr val="white"/>
+              </a:solidFill>
+              <a:effectLst/>
+              <a:uLnTx/>
+              <a:uFillTx/>
+              <a:latin typeface="Trebuchet MS" panose="020B0603020202020204"/>
+              <a:ea typeface="+mn-ea"/>
+              <a:cs typeface="+mn-cs"/>
+            </a:endParaRPr>
+          </a:p>
+        </p:txBody>
+      </p:sp>
+      <p:sp>
+        <p:nvSpPr>
+          <p:cNvPr id="21" name="Ellipse 20">
+            <a:extLst>
+              <a:ext uri="{FF2B5EF4-FFF2-40B4-BE49-F238E27FC236}">
+                <a16:creationId xmlns:a16="http://schemas.microsoft.com/office/drawing/2014/main" id="{219CFF6F-CD4C-4DC9-9DF0-D82832FAED55}"/>
+              </a:ext>
+            </a:extLst>
+          </p:cNvPr>
+          <p:cNvSpPr/>
+          <p:nvPr/>
+        </p:nvSpPr>
+        <p:spPr>
+          <a:xfrm>
+            <a:off x="5814214" y="3139177"/>
+            <a:ext cx="564118" cy="542925"/>
+          </a:xfrm>
+          <a:prstGeom prst="ellipse">
+            <a:avLst/>
+          </a:prstGeom>
+          <a:solidFill>
+            <a:srgbClr val="A8135A"/>
+          </a:solidFill>
+          <a:ln>
+            <a:solidFill>
+              <a:schemeClr val="bg1"/>
+            </a:solidFill>
+          </a:ln>
+        </p:spPr>
+        <p:style>
+          <a:lnRef idx="2">
+            <a:schemeClr val="accent1">
+              <a:shade val="50000"/>
+            </a:schemeClr>
+          </a:lnRef>
+          <a:fillRef idx="1">
+            <a:schemeClr val="accent1"/>
+          </a:fillRef>
+          <a:effectRef idx="0">
+            <a:schemeClr val="accent1"/>
+          </a:effectRef>
+          <a:fontRef idx="minor">
+            <a:schemeClr val="lt1"/>
+          </a:fontRef>
+        </p:style>
+        <p:txBody>
+          <a:bodyPr rtlCol="0" anchor="ctr"/>
+          <a:lstStyle/>
+          <a:p>
+            <a:pPr marL="0" marR="0" lvl="0" indent="0" algn="ctr" defTabSz="457200" rtl="0" eaLnBrk="1" fontAlgn="auto" latinLnBrk="0" hangingPunct="1">
+              <a:lnSpc>
+                <a:spcPct val="100000"/>
+              </a:lnSpc>
+              <a:spcBef>
+                <a:spcPts val="0"/>
+              </a:spcBef>
+              <a:spcAft>
+                <a:spcPts val="0"/>
+              </a:spcAft>
+              <a:buClrTx/>
+              <a:buSzTx/>
+              <a:buFontTx/>
+              <a:buNone/>
+              <a:tabLst/>
+              <a:defRPr/>
+            </a:pPr>
+            <a:endParaRPr kumimoji="0" lang="fr-FR" sz="1800" b="0" i="0" u="none" strike="noStrike" kern="1200" cap="none" spc="0" normalizeH="0" baseline="0" noProof="0">
+              <a:ln>
+                <a:noFill/>
+              </a:ln>
+              <a:solidFill>
+                <a:prstClr val="white"/>
+              </a:solidFill>
+              <a:effectLst/>
+              <a:uLnTx/>
+              <a:uFillTx/>
+              <a:latin typeface="Trebuchet MS" panose="020B0603020202020204"/>
+              <a:ea typeface="+mn-ea"/>
+              <a:cs typeface="+mn-cs"/>
+            </a:endParaRPr>
+          </a:p>
+        </p:txBody>
+      </p:sp>
+      <p:sp>
+        <p:nvSpPr>
+          <p:cNvPr id="23" name="ZoneTexte 22">
+            <a:extLst>
+              <a:ext uri="{FF2B5EF4-FFF2-40B4-BE49-F238E27FC236}">
+                <a16:creationId xmlns:a16="http://schemas.microsoft.com/office/drawing/2014/main" id="{07A84A6C-1C1B-441D-886C-D14F691066D5}"/>
+              </a:ext>
+            </a:extLst>
+          </p:cNvPr>
+          <p:cNvSpPr txBox="1"/>
+          <p:nvPr/>
+        </p:nvSpPr>
+        <p:spPr>
+          <a:xfrm>
+            <a:off x="805196" y="2676482"/>
+            <a:ext cx="1602320" cy="338554"/>
+          </a:xfrm>
+          <a:prstGeom prst="rect">
+            <a:avLst/>
+          </a:prstGeom>
+          <a:noFill/>
+        </p:spPr>
+        <p:txBody>
+          <a:bodyPr wrap="square" rtlCol="0">
+            <a:spAutoFit/>
+          </a:bodyPr>
+          <a:lstStyle/>
+          <a:p>
+            <a:pPr marL="0" marR="0" lvl="0" indent="0" algn="l" defTabSz="457200" rtl="0" eaLnBrk="1" fontAlgn="auto" latinLnBrk="0" hangingPunct="1">
+              <a:lnSpc>
+                <a:spcPct val="100000"/>
+              </a:lnSpc>
+              <a:spcBef>
+                <a:spcPts val="0"/>
+              </a:spcBef>
+              <a:spcAft>
+                <a:spcPts val="0"/>
+              </a:spcAft>
+              <a:buClrTx/>
+              <a:buSzTx/>
+              <a:buFontTx/>
+              <a:buNone/>
+              <a:tabLst/>
+              <a:defRPr/>
+            </a:pPr>
+            <a:r>
+              <a:rPr kumimoji="0" lang="fr-FR" sz="1600" b="0" i="0" u="none" strike="noStrike" kern="1200" cap="none" spc="0" normalizeH="0" baseline="0" noProof="0" dirty="0">
+                <a:ln>
+                  <a:noFill/>
+                </a:ln>
+                <a:solidFill>
+                  <a:prstClr val="black"/>
+                </a:solidFill>
+                <a:effectLst/>
+                <a:uLnTx/>
+                <a:uFillTx/>
+                <a:latin typeface="Trebuchet MS" panose="020B0603020202020204"/>
+                <a:ea typeface="+mn-ea"/>
+                <a:cs typeface="+mn-cs"/>
+              </a:rPr>
+              <a:t>Schéma global</a:t>
+            </a:r>
+          </a:p>
+        </p:txBody>
+      </p:sp>
+      <p:sp>
+        <p:nvSpPr>
+          <p:cNvPr id="25" name="ZoneTexte 24">
+            <a:extLst>
+              <a:ext uri="{FF2B5EF4-FFF2-40B4-BE49-F238E27FC236}">
+                <a16:creationId xmlns:a16="http://schemas.microsoft.com/office/drawing/2014/main" id="{15935F79-7B6B-4AB2-95AB-8A09DDEF34FB}"/>
+              </a:ext>
+            </a:extLst>
+          </p:cNvPr>
+          <p:cNvSpPr txBox="1"/>
+          <p:nvPr/>
+        </p:nvSpPr>
+        <p:spPr>
+          <a:xfrm>
+            <a:off x="2439671" y="2559308"/>
+            <a:ext cx="1661719" cy="584775"/>
+          </a:xfrm>
+          <a:prstGeom prst="rect">
+            <a:avLst/>
+          </a:prstGeom>
+          <a:noFill/>
+        </p:spPr>
+        <p:txBody>
+          <a:bodyPr wrap="square" rtlCol="0">
+            <a:spAutoFit/>
+          </a:bodyPr>
+          <a:lstStyle/>
+          <a:p>
+            <a:pPr marL="0" marR="0" lvl="0" indent="0" algn="l" defTabSz="457200" rtl="0" eaLnBrk="1" fontAlgn="auto" latinLnBrk="0" hangingPunct="1">
+              <a:lnSpc>
+                <a:spcPct val="100000"/>
+              </a:lnSpc>
+              <a:spcBef>
+                <a:spcPts val="0"/>
+              </a:spcBef>
+              <a:spcAft>
+                <a:spcPts val="0"/>
+              </a:spcAft>
+              <a:buClrTx/>
+              <a:buSzTx/>
+              <a:buFontTx/>
+              <a:buNone/>
+              <a:tabLst/>
+              <a:defRPr/>
+            </a:pPr>
+            <a:r>
+              <a:rPr kumimoji="0" lang="fr-FR" sz="1600" b="0" i="0" u="none" strike="noStrike" kern="1200" cap="none" spc="0" normalizeH="0" baseline="0" noProof="0" dirty="0">
+                <a:ln>
+                  <a:noFill/>
+                </a:ln>
+                <a:solidFill>
+                  <a:prstClr val="black"/>
+                </a:solidFill>
+                <a:effectLst/>
+                <a:uLnTx/>
+                <a:uFillTx/>
+                <a:latin typeface="Trebuchet MS" panose="020B0603020202020204"/>
+                <a:ea typeface="+mn-ea"/>
+                <a:cs typeface="+mn-cs"/>
+              </a:rPr>
+              <a:t>Développement web</a:t>
+            </a:r>
+          </a:p>
+        </p:txBody>
+      </p:sp>
+      <p:sp>
+        <p:nvSpPr>
+          <p:cNvPr id="26" name="ZoneTexte 25">
+            <a:extLst>
+              <a:ext uri="{FF2B5EF4-FFF2-40B4-BE49-F238E27FC236}">
+                <a16:creationId xmlns:a16="http://schemas.microsoft.com/office/drawing/2014/main" id="{5B33CCBB-4405-4F59-BF66-A74873DB50AC}"/>
+              </a:ext>
+            </a:extLst>
+          </p:cNvPr>
+          <p:cNvSpPr txBox="1"/>
+          <p:nvPr/>
+        </p:nvSpPr>
+        <p:spPr>
+          <a:xfrm>
+            <a:off x="5682438" y="2559308"/>
+            <a:ext cx="1645291" cy="584775"/>
+          </a:xfrm>
+          <a:prstGeom prst="rect">
+            <a:avLst/>
+          </a:prstGeom>
+          <a:noFill/>
+        </p:spPr>
+        <p:txBody>
+          <a:bodyPr wrap="square" rtlCol="0">
+            <a:spAutoFit/>
+          </a:bodyPr>
+          <a:lstStyle/>
+          <a:p>
+            <a:pPr marL="0" marR="0" lvl="0" indent="0" algn="l" defTabSz="457200" rtl="0" eaLnBrk="1" fontAlgn="auto" latinLnBrk="0" hangingPunct="1">
+              <a:lnSpc>
+                <a:spcPct val="100000"/>
+              </a:lnSpc>
+              <a:spcBef>
+                <a:spcPts val="0"/>
+              </a:spcBef>
+              <a:spcAft>
+                <a:spcPts val="0"/>
+              </a:spcAft>
+              <a:buClrTx/>
+              <a:buSzTx/>
+              <a:buFontTx/>
+              <a:buNone/>
+              <a:tabLst/>
+              <a:defRPr/>
+            </a:pPr>
+            <a:r>
+              <a:rPr kumimoji="0" lang="fr-FR" sz="1600" b="0" i="0" u="none" strike="noStrike" kern="1200" cap="none" spc="0" normalizeH="0" baseline="0" noProof="0" dirty="0">
+                <a:ln>
+                  <a:noFill/>
+                </a:ln>
+                <a:solidFill>
+                  <a:prstClr val="black"/>
+                </a:solidFill>
+                <a:effectLst/>
+                <a:uLnTx/>
+                <a:uFillTx/>
+                <a:latin typeface="Trebuchet MS" panose="020B0603020202020204"/>
+                <a:ea typeface="+mn-ea"/>
+                <a:cs typeface="+mn-cs"/>
+              </a:rPr>
+              <a:t>Développement </a:t>
+            </a:r>
+            <a:r>
+              <a:rPr lang="fr-FR" sz="1600" dirty="0">
+                <a:solidFill>
+                  <a:prstClr val="black"/>
+                </a:solidFill>
+                <a:latin typeface="Trebuchet MS" panose="020B0603020202020204"/>
+              </a:rPr>
+              <a:t>Arduino</a:t>
+            </a:r>
+            <a:endParaRPr kumimoji="0" lang="fr-FR" sz="1600" b="0" i="0" u="none" strike="noStrike" kern="1200" cap="none" spc="0" normalizeH="0" baseline="0" noProof="0" dirty="0">
+              <a:ln>
+                <a:noFill/>
+              </a:ln>
+              <a:solidFill>
+                <a:prstClr val="black"/>
+              </a:solidFill>
+              <a:effectLst/>
+              <a:uLnTx/>
+              <a:uFillTx/>
+              <a:latin typeface="Trebuchet MS" panose="020B0603020202020204"/>
+              <a:ea typeface="+mn-ea"/>
+              <a:cs typeface="+mn-cs"/>
+            </a:endParaRPr>
+          </a:p>
+        </p:txBody>
+      </p:sp>
+      <p:sp>
+        <p:nvSpPr>
+          <p:cNvPr id="27" name="ZoneTexte 26">
+            <a:extLst>
+              <a:ext uri="{FF2B5EF4-FFF2-40B4-BE49-F238E27FC236}">
+                <a16:creationId xmlns:a16="http://schemas.microsoft.com/office/drawing/2014/main" id="{ECD3EE34-CD43-4B83-A2BB-3A559605BB2A}"/>
+              </a:ext>
+            </a:extLst>
+          </p:cNvPr>
+          <p:cNvSpPr txBox="1"/>
+          <p:nvPr/>
+        </p:nvSpPr>
+        <p:spPr>
+          <a:xfrm>
+            <a:off x="4020719" y="2559308"/>
+            <a:ext cx="1661719" cy="584775"/>
+          </a:xfrm>
+          <a:prstGeom prst="rect">
+            <a:avLst/>
+          </a:prstGeom>
+          <a:noFill/>
+        </p:spPr>
+        <p:txBody>
+          <a:bodyPr wrap="square" rtlCol="0">
+            <a:spAutoFit/>
+          </a:bodyPr>
+          <a:lstStyle/>
+          <a:p>
+            <a:pPr marL="0" marR="0" lvl="0" indent="0" algn="l" defTabSz="457200" rtl="0" eaLnBrk="1" fontAlgn="auto" latinLnBrk="0" hangingPunct="1">
+              <a:lnSpc>
+                <a:spcPct val="100000"/>
+              </a:lnSpc>
+              <a:spcBef>
+                <a:spcPts val="0"/>
+              </a:spcBef>
+              <a:spcAft>
+                <a:spcPts val="0"/>
+              </a:spcAft>
+              <a:buClrTx/>
+              <a:buSzTx/>
+              <a:buFontTx/>
+              <a:buNone/>
+              <a:tabLst/>
+              <a:defRPr/>
+            </a:pPr>
+            <a:r>
+              <a:rPr kumimoji="0" lang="fr-FR" sz="1600" b="0" i="0" u="none" strike="noStrike" kern="1200" cap="none" spc="0" normalizeH="0" baseline="0" noProof="0" dirty="0">
+                <a:ln>
+                  <a:noFill/>
+                </a:ln>
+                <a:solidFill>
+                  <a:prstClr val="black"/>
+                </a:solidFill>
+                <a:effectLst/>
+                <a:uLnTx/>
+                <a:uFillTx/>
+                <a:latin typeface="Trebuchet MS" panose="020B0603020202020204"/>
+                <a:ea typeface="+mn-ea"/>
+                <a:cs typeface="+mn-cs"/>
+              </a:rPr>
+              <a:t>Développement web</a:t>
+            </a:r>
+          </a:p>
+        </p:txBody>
+      </p:sp>
+      <p:sp>
+        <p:nvSpPr>
+          <p:cNvPr id="28" name="ZoneTexte 27">
+            <a:extLst>
+              <a:ext uri="{FF2B5EF4-FFF2-40B4-BE49-F238E27FC236}">
+                <a16:creationId xmlns:a16="http://schemas.microsoft.com/office/drawing/2014/main" id="{B36C5AA7-1981-4EC1-8FDE-16DD9B7AFF99}"/>
+              </a:ext>
+            </a:extLst>
+          </p:cNvPr>
+          <p:cNvSpPr txBox="1"/>
+          <p:nvPr/>
+        </p:nvSpPr>
+        <p:spPr>
+          <a:xfrm>
+            <a:off x="7557118" y="2526645"/>
+            <a:ext cx="1645291" cy="584775"/>
+          </a:xfrm>
+          <a:prstGeom prst="rect">
+            <a:avLst/>
+          </a:prstGeom>
+          <a:noFill/>
+        </p:spPr>
+        <p:txBody>
+          <a:bodyPr wrap="square" rtlCol="0">
+            <a:spAutoFit/>
+          </a:bodyPr>
+          <a:lstStyle/>
+          <a:p>
+            <a:pPr marL="0" marR="0" lvl="0" indent="0" algn="l" defTabSz="457200" rtl="0" eaLnBrk="1" fontAlgn="auto" latinLnBrk="0" hangingPunct="1">
+              <a:lnSpc>
+                <a:spcPct val="100000"/>
+              </a:lnSpc>
+              <a:spcBef>
+                <a:spcPts val="0"/>
+              </a:spcBef>
+              <a:spcAft>
+                <a:spcPts val="0"/>
+              </a:spcAft>
+              <a:buClrTx/>
+              <a:buSzTx/>
+              <a:buFontTx/>
+              <a:buNone/>
+              <a:tabLst/>
+              <a:defRPr/>
+            </a:pPr>
+            <a:r>
+              <a:rPr kumimoji="0" lang="fr-FR" sz="1600" b="0" i="0" u="none" strike="noStrike" kern="1200" cap="none" spc="0" normalizeH="0" baseline="0" noProof="0" dirty="0">
+                <a:ln>
+                  <a:noFill/>
+                </a:ln>
+                <a:solidFill>
+                  <a:prstClr val="black"/>
+                </a:solidFill>
+                <a:effectLst/>
+                <a:uLnTx/>
+                <a:uFillTx/>
+                <a:latin typeface="Trebuchet MS" panose="020B0603020202020204"/>
+                <a:ea typeface="+mn-ea"/>
+                <a:cs typeface="+mn-cs"/>
+              </a:rPr>
+              <a:t>Développement </a:t>
+            </a:r>
+            <a:r>
+              <a:rPr lang="fr-FR" sz="1600" dirty="0">
+                <a:solidFill>
+                  <a:prstClr val="black"/>
+                </a:solidFill>
+                <a:latin typeface="Trebuchet MS" panose="020B0603020202020204"/>
+              </a:rPr>
+              <a:t>Arduino</a:t>
+            </a:r>
+            <a:endParaRPr kumimoji="0" lang="fr-FR" sz="1600" b="0" i="0" u="none" strike="noStrike" kern="1200" cap="none" spc="0" normalizeH="0" baseline="0" noProof="0" dirty="0">
+              <a:ln>
+                <a:noFill/>
+              </a:ln>
+              <a:solidFill>
+                <a:prstClr val="black"/>
+              </a:solidFill>
+              <a:effectLst/>
+              <a:uLnTx/>
+              <a:uFillTx/>
+              <a:latin typeface="Trebuchet MS" panose="020B0603020202020204"/>
+              <a:ea typeface="+mn-ea"/>
+              <a:cs typeface="+mn-cs"/>
+            </a:endParaRPr>
+          </a:p>
+        </p:txBody>
+      </p:sp>
+    </p:spTree>
+    <p:extLst>
+      <p:ext uri="{BB962C8B-B14F-4D97-AF65-F5344CB8AC3E}">
+        <p14:creationId xmlns:p14="http://schemas.microsoft.com/office/powerpoint/2010/main" val="2010134020"/>
+      </p:ext>
+    </p:extLst>
+  </p:cSld>
+  <p:clrMapOvr>
+    <a:masterClrMapping/>
+  </p:clrMapOvr>
+</p:sld>
+</file>
+
+<file path=ppt/slides/slide3.xml><?xml version="1.0" encoding="utf-8"?>
+<p:sld xmlns:a="http://schemas.openxmlformats.org/drawingml/2006/main" xmlns:r="http://schemas.openxmlformats.org/officeDocument/2006/relationships" xmlns:p="http://schemas.openxmlformats.org/presentationml/2006/main">
+  <p:cSld>
+    <p:spTree>
+      <p:nvGrpSpPr>
+        <p:cNvPr id="1" name=""/>
+        <p:cNvGrpSpPr/>
+        <p:nvPr/>
+      </p:nvGrpSpPr>
+      <p:grpSpPr>
+        <a:xfrm>
+          <a:off x="0" y="0"/>
+          <a:ext cx="0" cy="0"/>
+          <a:chOff x="0" y="0"/>
+          <a:chExt cx="0" cy="0"/>
+        </a:xfrm>
+      </p:grpSpPr>
+      <p:sp>
+        <p:nvSpPr>
           <p:cNvPr id="6" name="Organigramme : Terminateur 5">
             <a:extLst>
               <a:ext uri="{FF2B5EF4-FFF2-40B4-BE49-F238E27FC236}">
@@ -10172,7 +8309,7 @@
             <a:avLst/>
           </a:prstGeom>
           <a:solidFill>
-            <a:srgbClr val="A8135A"/>
+            <a:schemeClr val="bg1"/>
           </a:solidFill>
           <a:ln>
             <a:solidFill>
@@ -10518,89 +8655,6 @@
       </p:sp>
       <p:sp>
         <p:nvSpPr>
-          <p:cNvPr id="10" name="Organigramme : Terminateur 9">
-            <a:extLst>
-              <a:ext uri="{FF2B5EF4-FFF2-40B4-BE49-F238E27FC236}">
-                <a16:creationId xmlns:a16="http://schemas.microsoft.com/office/drawing/2014/main" id="{9C20B99D-C764-4A28-A481-AD86EA970D79}"/>
-              </a:ext>
-            </a:extLst>
-          </p:cNvPr>
-          <p:cNvSpPr/>
-          <p:nvPr/>
-        </p:nvSpPr>
-        <p:spPr>
-          <a:xfrm>
-            <a:off x="11376584" y="4170049"/>
-            <a:ext cx="267772" cy="85725"/>
-          </a:xfrm>
-          <a:prstGeom prst="flowChartTerminator">
-            <a:avLst/>
-          </a:prstGeom>
-          <a:solidFill>
-            <a:schemeClr val="bg1"/>
-          </a:solidFill>
-          <a:ln>
-            <a:solidFill>
-              <a:schemeClr val="bg1"/>
-            </a:solidFill>
-          </a:ln>
-        </p:spPr>
-        <p:style>
-          <a:lnRef idx="2">
-            <a:schemeClr val="accent1">
-              <a:shade val="50000"/>
-            </a:schemeClr>
-          </a:lnRef>
-          <a:fillRef idx="1">
-            <a:schemeClr val="accent1"/>
-          </a:fillRef>
-          <a:effectRef idx="0">
-            <a:schemeClr val="accent1"/>
-          </a:effectRef>
-          <a:fontRef idx="minor">
-            <a:schemeClr val="lt1"/>
-          </a:fontRef>
-        </p:style>
-        <p:txBody>
-          <a:bodyPr rtlCol="0" anchor="ctr"/>
-          <a:lstStyle/>
-          <a:p>
-            <a:pPr marL="0" marR="0" lvl="0" indent="0" algn="ctr" defTabSz="457200" rtl="0" eaLnBrk="1" fontAlgn="auto" latinLnBrk="0" hangingPunct="1">
-              <a:lnSpc>
-                <a:spcPct val="100000"/>
-              </a:lnSpc>
-              <a:spcBef>
-                <a:spcPts val="0"/>
-              </a:spcBef>
-              <a:spcAft>
-                <a:spcPts val="0"/>
-              </a:spcAft>
-              <a:buClrTx/>
-              <a:buSzTx/>
-              <a:buFontTx/>
-              <a:buNone/>
-              <a:tabLst/>
-              <a:defRPr/>
-            </a:pPr>
-            <a:endParaRPr kumimoji="0" lang="fr-FR" sz="1800" b="0" i="0" u="none" strike="noStrike" kern="1200" cap="none" spc="0" normalizeH="0" baseline="0" noProof="0">
-              <a:ln>
-                <a:noFill/>
-              </a:ln>
-              <a:solidFill>
-                <a:prstClr val="white"/>
-              </a:solidFill>
-              <a:effectLst/>
-              <a:uLnTx/>
-              <a:uFillTx/>
-              <a:latin typeface="Trebuchet MS" panose="020B0603020202020204"/>
-              <a:ea typeface="+mn-ea"/>
-              <a:cs typeface="+mn-cs"/>
-            </a:endParaRPr>
-          </a:p>
-        </p:txBody>
-      </p:sp>
-      <p:sp>
-        <p:nvSpPr>
           <p:cNvPr id="11" name="Rectangle 10">
             <a:extLst>
               <a:ext uri="{FF2B5EF4-FFF2-40B4-BE49-F238E27FC236}">
@@ -10779,7 +8833,7 @@
         </p:nvSpPr>
         <p:spPr>
           <a:xfrm>
-            <a:off x="9885891" y="1435990"/>
+            <a:off x="9834991" y="707897"/>
             <a:ext cx="1602320" cy="338554"/>
           </a:xfrm>
           <a:prstGeom prst="rect">
@@ -10845,7 +8899,7 @@
         <p:spPr>
           <a:xfrm>
             <a:off x="11603047" y="973022"/>
-            <a:ext cx="104775" cy="682203"/>
+            <a:ext cx="107984" cy="92099"/>
           </a:xfrm>
           <a:prstGeom prst="rect">
             <a:avLst/>
@@ -11095,977 +9149,6 @@
 </p:sld>
 </file>
 
-<file path=ppt/slides/slide3.xml><?xml version="1.0" encoding="utf-8"?>
-<p:sld xmlns:a="http://schemas.openxmlformats.org/drawingml/2006/main" xmlns:r="http://schemas.openxmlformats.org/officeDocument/2006/relationships" xmlns:p="http://schemas.openxmlformats.org/presentationml/2006/main">
-  <p:cSld>
-    <p:bg>
-      <p:bgPr>
-        <a:solidFill>
-          <a:schemeClr val="bg1"/>
-        </a:solidFill>
-        <a:effectLst/>
-      </p:bgPr>
-    </p:bg>
-    <p:spTree>
-      <p:nvGrpSpPr>
-        <p:cNvPr id="1" name=""/>
-        <p:cNvGrpSpPr/>
-        <p:nvPr/>
-      </p:nvGrpSpPr>
-      <p:grpSpPr>
-        <a:xfrm>
-          <a:off x="0" y="0"/>
-          <a:ext cx="0" cy="0"/>
-          <a:chOff x="0" y="0"/>
-          <a:chExt cx="0" cy="0"/>
-        </a:xfrm>
-      </p:grpSpPr>
-      <p:sp>
-        <p:nvSpPr>
-          <p:cNvPr id="4" name="Titre 1">
-            <a:extLst>
-              <a:ext uri="{FF2B5EF4-FFF2-40B4-BE49-F238E27FC236}">
-                <a16:creationId xmlns:a16="http://schemas.microsoft.com/office/drawing/2014/main" id="{C21B4BF8-DA2B-4767-A149-42BD154646C9}"/>
-              </a:ext>
-            </a:extLst>
-          </p:cNvPr>
-          <p:cNvSpPr>
-            <a:spLocks noGrp="1"/>
-          </p:cNvSpPr>
-          <p:nvPr>
-            <p:ph type="title"/>
-          </p:nvPr>
-        </p:nvSpPr>
-        <p:spPr>
-          <a:xfrm>
-            <a:off x="677863" y="966439"/>
-            <a:ext cx="8596668" cy="1320800"/>
-          </a:xfrm>
-        </p:spPr>
-        <p:txBody>
-          <a:bodyPr>
-            <a:normAutofit/>
-          </a:bodyPr>
-          <a:lstStyle/>
-          <a:p>
-            <a:r>
-              <a:rPr lang="fr-FR" sz="4400" dirty="0"/>
-              <a:t>Deux grandes parties </a:t>
-            </a:r>
-          </a:p>
-        </p:txBody>
-      </p:sp>
-      <p:pic>
-        <p:nvPicPr>
-          <p:cNvPr id="1026" name="Picture 2" descr="Image associée">
-            <a:extLst>
-              <a:ext uri="{FF2B5EF4-FFF2-40B4-BE49-F238E27FC236}">
-                <a16:creationId xmlns:a16="http://schemas.microsoft.com/office/drawing/2014/main" id="{C816F3D8-CC4C-46B3-A21E-58AE9AD30454}"/>
-              </a:ext>
-            </a:extLst>
-          </p:cNvPr>
-          <p:cNvPicPr>
-            <a:picLocks noChangeAspect="1" noChangeArrowheads="1"/>
-          </p:cNvPicPr>
-          <p:nvPr/>
-        </p:nvPicPr>
-        <p:blipFill rotWithShape="1">
-          <a:blip r:embed="rId2">
-            <a:extLst>
-              <a:ext uri="{28A0092B-C50C-407E-A947-70E740481C1C}">
-                <a14:useLocalDpi xmlns:a14="http://schemas.microsoft.com/office/drawing/2010/main" val="0"/>
-              </a:ext>
-            </a:extLst>
-          </a:blip>
-          <a:srcRect l="18677" r="15441"/>
-          <a:stretch/>
-        </p:blipFill>
-        <p:spPr bwMode="auto">
-          <a:xfrm>
-            <a:off x="143436" y="143435"/>
-            <a:ext cx="2269635" cy="609600"/>
-          </a:xfrm>
-          <a:prstGeom prst="rect">
-            <a:avLst/>
-          </a:prstGeom>
-          <a:noFill/>
-          <a:extLst>
-            <a:ext uri="{909E8E84-426E-40DD-AFC4-6F175D3DCCD1}">
-              <a14:hiddenFill xmlns:a14="http://schemas.microsoft.com/office/drawing/2010/main">
-                <a:solidFill>
-                  <a:srgbClr val="FFFFFF"/>
-                </a:solidFill>
-              </a14:hiddenFill>
-            </a:ext>
-          </a:extLst>
-        </p:spPr>
-      </p:pic>
-      <p:graphicFrame>
-        <p:nvGraphicFramePr>
-          <p:cNvPr id="1030" name="Espace réservé du contenu 2">
-            <a:extLst>
-              <a:ext uri="{FF2B5EF4-FFF2-40B4-BE49-F238E27FC236}">
-                <a16:creationId xmlns:a16="http://schemas.microsoft.com/office/drawing/2014/main" id="{44AF144D-331C-47FF-9D83-0FE443A7498D}"/>
-              </a:ext>
-            </a:extLst>
-          </p:cNvPr>
-          <p:cNvGraphicFramePr>
-            <a:graphicFrameLocks noGrp="1"/>
-          </p:cNvGraphicFramePr>
-          <p:nvPr>
-            <p:ph idx="1"/>
-          </p:nvPr>
-        </p:nvGraphicFramePr>
-        <p:xfrm>
-          <a:off x="677863" y="2160588"/>
-          <a:ext cx="8596312" cy="3881437"/>
-        </p:xfrm>
-        <a:graphic>
-          <a:graphicData uri="http://schemas.openxmlformats.org/drawingml/2006/diagram">
-            <dgm:relIds xmlns:dgm="http://schemas.openxmlformats.org/drawingml/2006/diagram" xmlns:r="http://schemas.openxmlformats.org/officeDocument/2006/relationships" r:dm="rId3" r:lo="rId4" r:qs="rId5" r:cs="rId6"/>
-          </a:graphicData>
-        </a:graphic>
-      </p:graphicFrame>
-      <p:sp>
-        <p:nvSpPr>
-          <p:cNvPr id="14" name="Organigramme : Terminateur 13">
-            <a:extLst>
-              <a:ext uri="{FF2B5EF4-FFF2-40B4-BE49-F238E27FC236}">
-                <a16:creationId xmlns:a16="http://schemas.microsoft.com/office/drawing/2014/main" id="{D2EFC649-F52B-47E5-80E9-9113F2995591}"/>
-              </a:ext>
-            </a:extLst>
-          </p:cNvPr>
-          <p:cNvSpPr/>
-          <p:nvPr/>
-        </p:nvSpPr>
-        <p:spPr>
-          <a:xfrm>
-            <a:off x="11352771" y="1569500"/>
-            <a:ext cx="358260" cy="85725"/>
-          </a:xfrm>
-          <a:prstGeom prst="flowChartTerminator">
-            <a:avLst/>
-          </a:prstGeom>
-          <a:solidFill>
-            <a:schemeClr val="bg1"/>
-          </a:solidFill>
-          <a:ln>
-            <a:solidFill>
-              <a:schemeClr val="bg1"/>
-            </a:solidFill>
-          </a:ln>
-        </p:spPr>
-        <p:style>
-          <a:lnRef idx="2">
-            <a:schemeClr val="accent1">
-              <a:shade val="50000"/>
-            </a:schemeClr>
-          </a:lnRef>
-          <a:fillRef idx="1">
-            <a:schemeClr val="accent1"/>
-          </a:fillRef>
-          <a:effectRef idx="0">
-            <a:schemeClr val="accent1"/>
-          </a:effectRef>
-          <a:fontRef idx="minor">
-            <a:schemeClr val="lt1"/>
-          </a:fontRef>
-        </p:style>
-        <p:txBody>
-          <a:bodyPr rtlCol="0" anchor="ctr"/>
-          <a:lstStyle/>
-          <a:p>
-            <a:pPr marL="0" marR="0" lvl="0" indent="0" algn="ctr" defTabSz="457200" rtl="0" eaLnBrk="1" fontAlgn="auto" latinLnBrk="0" hangingPunct="1">
-              <a:lnSpc>
-                <a:spcPct val="100000"/>
-              </a:lnSpc>
-              <a:spcBef>
-                <a:spcPts val="0"/>
-              </a:spcBef>
-              <a:spcAft>
-                <a:spcPts val="0"/>
-              </a:spcAft>
-              <a:buClrTx/>
-              <a:buSzTx/>
-              <a:buFontTx/>
-              <a:buNone/>
-              <a:tabLst/>
-              <a:defRPr/>
-            </a:pPr>
-            <a:endParaRPr kumimoji="0" lang="fr-FR" sz="1800" b="0" i="0" u="none" strike="noStrike" kern="1200" cap="none" spc="0" normalizeH="0" baseline="0" noProof="0" dirty="0">
-              <a:ln>
-                <a:noFill/>
-              </a:ln>
-              <a:solidFill>
-                <a:prstClr val="white"/>
-              </a:solidFill>
-              <a:effectLst/>
-              <a:uLnTx/>
-              <a:uFillTx/>
-              <a:latin typeface="Trebuchet MS" panose="020B0603020202020204"/>
-              <a:ea typeface="+mn-ea"/>
-              <a:cs typeface="+mn-cs"/>
-            </a:endParaRPr>
-          </a:p>
-        </p:txBody>
-      </p:sp>
-      <p:sp>
-        <p:nvSpPr>
-          <p:cNvPr id="15" name="Rectangle 14">
-            <a:extLst>
-              <a:ext uri="{FF2B5EF4-FFF2-40B4-BE49-F238E27FC236}">
-                <a16:creationId xmlns:a16="http://schemas.microsoft.com/office/drawing/2014/main" id="{965957C4-3335-4483-8A61-3DCEC534A505}"/>
-              </a:ext>
-            </a:extLst>
-          </p:cNvPr>
-          <p:cNvSpPr/>
-          <p:nvPr/>
-        </p:nvSpPr>
-        <p:spPr>
-          <a:xfrm>
-            <a:off x="11606256" y="808060"/>
-            <a:ext cx="104775" cy="5614778"/>
-          </a:xfrm>
-          <a:prstGeom prst="rect">
-            <a:avLst/>
-          </a:prstGeom>
-          <a:solidFill>
-            <a:schemeClr val="bg1"/>
-          </a:solidFill>
-          <a:ln>
-            <a:solidFill>
-              <a:schemeClr val="bg1"/>
-            </a:solidFill>
-          </a:ln>
-        </p:spPr>
-        <p:style>
-          <a:lnRef idx="2">
-            <a:schemeClr val="accent1">
-              <a:shade val="50000"/>
-            </a:schemeClr>
-          </a:lnRef>
-          <a:fillRef idx="1">
-            <a:schemeClr val="accent1"/>
-          </a:fillRef>
-          <a:effectRef idx="0">
-            <a:schemeClr val="accent1"/>
-          </a:effectRef>
-          <a:fontRef idx="minor">
-            <a:schemeClr val="lt1"/>
-          </a:fontRef>
-        </p:style>
-        <p:txBody>
-          <a:bodyPr rtlCol="0" anchor="ctr"/>
-          <a:lstStyle/>
-          <a:p>
-            <a:pPr marL="0" marR="0" lvl="0" indent="0" algn="ctr" defTabSz="457200" rtl="0" eaLnBrk="1" fontAlgn="auto" latinLnBrk="0" hangingPunct="1">
-              <a:lnSpc>
-                <a:spcPct val="100000"/>
-              </a:lnSpc>
-              <a:spcBef>
-                <a:spcPts val="0"/>
-              </a:spcBef>
-              <a:spcAft>
-                <a:spcPts val="0"/>
-              </a:spcAft>
-              <a:buClrTx/>
-              <a:buSzTx/>
-              <a:buFontTx/>
-              <a:buNone/>
-              <a:tabLst/>
-              <a:defRPr/>
-            </a:pPr>
-            <a:r>
-              <a:rPr kumimoji="0" lang="fr-FR" sz="1800" b="0" i="0" u="none" strike="noStrike" kern="1200" cap="none" spc="0" normalizeH="0" baseline="0" noProof="0" dirty="0">
-                <a:ln>
-                  <a:noFill/>
-                </a:ln>
-                <a:solidFill>
-                  <a:prstClr val="white"/>
-                </a:solidFill>
-                <a:effectLst/>
-                <a:uLnTx/>
-                <a:uFillTx/>
-                <a:latin typeface="Trebuchet MS" panose="020B0603020202020204"/>
-                <a:ea typeface="+mn-ea"/>
-                <a:cs typeface="+mn-cs"/>
-              </a:rPr>
-              <a:t>V</a:t>
-            </a:r>
-          </a:p>
-        </p:txBody>
-      </p:sp>
-      <p:sp>
-        <p:nvSpPr>
-          <p:cNvPr id="16" name="Ellipse 15">
-            <a:extLst>
-              <a:ext uri="{FF2B5EF4-FFF2-40B4-BE49-F238E27FC236}">
-                <a16:creationId xmlns:a16="http://schemas.microsoft.com/office/drawing/2014/main" id="{C7C365D7-5DBC-4EEF-A2E8-4A326E786620}"/>
-              </a:ext>
-            </a:extLst>
-          </p:cNvPr>
-          <p:cNvSpPr/>
-          <p:nvPr/>
-        </p:nvSpPr>
-        <p:spPr>
-          <a:xfrm>
-            <a:off x="11376584" y="3256218"/>
-            <a:ext cx="564118" cy="542925"/>
-          </a:xfrm>
-          <a:prstGeom prst="ellipse">
-            <a:avLst/>
-          </a:prstGeom>
-          <a:solidFill>
-            <a:schemeClr val="bg1"/>
-          </a:solidFill>
-          <a:ln>
-            <a:solidFill>
-              <a:schemeClr val="bg1"/>
-            </a:solidFill>
-          </a:ln>
-        </p:spPr>
-        <p:style>
-          <a:lnRef idx="2">
-            <a:schemeClr val="accent1">
-              <a:shade val="50000"/>
-            </a:schemeClr>
-          </a:lnRef>
-          <a:fillRef idx="1">
-            <a:schemeClr val="accent1"/>
-          </a:fillRef>
-          <a:effectRef idx="0">
-            <a:schemeClr val="accent1"/>
-          </a:effectRef>
-          <a:fontRef idx="minor">
-            <a:schemeClr val="lt1"/>
-          </a:fontRef>
-        </p:style>
-        <p:txBody>
-          <a:bodyPr rtlCol="0" anchor="ctr"/>
-          <a:lstStyle/>
-          <a:p>
-            <a:pPr marL="0" marR="0" lvl="0" indent="0" algn="ctr" defTabSz="457200" rtl="0" eaLnBrk="1" fontAlgn="auto" latinLnBrk="0" hangingPunct="1">
-              <a:lnSpc>
-                <a:spcPct val="100000"/>
-              </a:lnSpc>
-              <a:spcBef>
-                <a:spcPts val="0"/>
-              </a:spcBef>
-              <a:spcAft>
-                <a:spcPts val="0"/>
-              </a:spcAft>
-              <a:buClrTx/>
-              <a:buSzTx/>
-              <a:buFontTx/>
-              <a:buNone/>
-              <a:tabLst/>
-              <a:defRPr/>
-            </a:pPr>
-            <a:endParaRPr kumimoji="0" lang="fr-FR" sz="1800" b="0" i="0" u="none" strike="noStrike" kern="1200" cap="none" spc="0" normalizeH="0" baseline="0" noProof="0">
-              <a:ln>
-                <a:noFill/>
-              </a:ln>
-              <a:solidFill>
-                <a:prstClr val="white"/>
-              </a:solidFill>
-              <a:effectLst/>
-              <a:uLnTx/>
-              <a:uFillTx/>
-              <a:latin typeface="Trebuchet MS" panose="020B0603020202020204"/>
-              <a:ea typeface="+mn-ea"/>
-              <a:cs typeface="+mn-cs"/>
-            </a:endParaRPr>
-          </a:p>
-        </p:txBody>
-      </p:sp>
-      <p:sp>
-        <p:nvSpPr>
-          <p:cNvPr id="17" name="Ellipse 16">
-            <a:extLst>
-              <a:ext uri="{FF2B5EF4-FFF2-40B4-BE49-F238E27FC236}">
-                <a16:creationId xmlns:a16="http://schemas.microsoft.com/office/drawing/2014/main" id="{BA701CD8-C836-48B2-B9BD-B17307FC4779}"/>
-              </a:ext>
-            </a:extLst>
-          </p:cNvPr>
-          <p:cNvSpPr/>
-          <p:nvPr/>
-        </p:nvSpPr>
-        <p:spPr>
-          <a:xfrm>
-            <a:off x="11376584" y="5906725"/>
-            <a:ext cx="564118" cy="542925"/>
-          </a:xfrm>
-          <a:prstGeom prst="ellipse">
-            <a:avLst/>
-          </a:prstGeom>
-          <a:solidFill>
-            <a:schemeClr val="bg1"/>
-          </a:solidFill>
-          <a:ln>
-            <a:solidFill>
-              <a:schemeClr val="bg1"/>
-            </a:solidFill>
-          </a:ln>
-        </p:spPr>
-        <p:style>
-          <a:lnRef idx="2">
-            <a:schemeClr val="accent1">
-              <a:shade val="50000"/>
-            </a:schemeClr>
-          </a:lnRef>
-          <a:fillRef idx="1">
-            <a:schemeClr val="accent1"/>
-          </a:fillRef>
-          <a:effectRef idx="0">
-            <a:schemeClr val="accent1"/>
-          </a:effectRef>
-          <a:fontRef idx="minor">
-            <a:schemeClr val="lt1"/>
-          </a:fontRef>
-        </p:style>
-        <p:txBody>
-          <a:bodyPr rtlCol="0" anchor="ctr"/>
-          <a:lstStyle/>
-          <a:p>
-            <a:pPr marL="0" marR="0" lvl="0" indent="0" algn="ctr" defTabSz="457200" rtl="0" eaLnBrk="1" fontAlgn="auto" latinLnBrk="0" hangingPunct="1">
-              <a:lnSpc>
-                <a:spcPct val="100000"/>
-              </a:lnSpc>
-              <a:spcBef>
-                <a:spcPts val="0"/>
-              </a:spcBef>
-              <a:spcAft>
-                <a:spcPts val="0"/>
-              </a:spcAft>
-              <a:buClrTx/>
-              <a:buSzTx/>
-              <a:buFontTx/>
-              <a:buNone/>
-              <a:tabLst/>
-              <a:defRPr/>
-            </a:pPr>
-            <a:endParaRPr kumimoji="0" lang="fr-FR" sz="1800" b="0" i="0" u="none" strike="noStrike" kern="1200" cap="none" spc="0" normalizeH="0" baseline="0" noProof="0">
-              <a:ln>
-                <a:noFill/>
-              </a:ln>
-              <a:solidFill>
-                <a:prstClr val="white"/>
-              </a:solidFill>
-              <a:effectLst/>
-              <a:uLnTx/>
-              <a:uFillTx/>
-              <a:latin typeface="Trebuchet MS" panose="020B0603020202020204"/>
-              <a:ea typeface="+mn-ea"/>
-              <a:cs typeface="+mn-cs"/>
-            </a:endParaRPr>
-          </a:p>
-        </p:txBody>
-      </p:sp>
-      <p:sp>
-        <p:nvSpPr>
-          <p:cNvPr id="18" name="Organigramme : Terminateur 17">
-            <a:extLst>
-              <a:ext uri="{FF2B5EF4-FFF2-40B4-BE49-F238E27FC236}">
-                <a16:creationId xmlns:a16="http://schemas.microsoft.com/office/drawing/2014/main" id="{D8F9F4F2-95EC-4821-9BB8-41346403CFFF}"/>
-              </a:ext>
-            </a:extLst>
-          </p:cNvPr>
-          <p:cNvSpPr/>
-          <p:nvPr/>
-        </p:nvSpPr>
-        <p:spPr>
-          <a:xfrm>
-            <a:off x="11352771" y="2402849"/>
-            <a:ext cx="267772" cy="85725"/>
-          </a:xfrm>
-          <a:prstGeom prst="flowChartTerminator">
-            <a:avLst/>
-          </a:prstGeom>
-          <a:solidFill>
-            <a:schemeClr val="bg1"/>
-          </a:solidFill>
-          <a:ln>
-            <a:solidFill>
-              <a:schemeClr val="bg1"/>
-            </a:solidFill>
-          </a:ln>
-        </p:spPr>
-        <p:style>
-          <a:lnRef idx="2">
-            <a:schemeClr val="accent1">
-              <a:shade val="50000"/>
-            </a:schemeClr>
-          </a:lnRef>
-          <a:fillRef idx="1">
-            <a:schemeClr val="accent1"/>
-          </a:fillRef>
-          <a:effectRef idx="0">
-            <a:schemeClr val="accent1"/>
-          </a:effectRef>
-          <a:fontRef idx="minor">
-            <a:schemeClr val="lt1"/>
-          </a:fontRef>
-        </p:style>
-        <p:txBody>
-          <a:bodyPr rtlCol="0" anchor="ctr"/>
-          <a:lstStyle/>
-          <a:p>
-            <a:pPr marL="0" marR="0" lvl="0" indent="0" algn="ctr" defTabSz="457200" rtl="0" eaLnBrk="1" fontAlgn="auto" latinLnBrk="0" hangingPunct="1">
-              <a:lnSpc>
-                <a:spcPct val="100000"/>
-              </a:lnSpc>
-              <a:spcBef>
-                <a:spcPts val="0"/>
-              </a:spcBef>
-              <a:spcAft>
-                <a:spcPts val="0"/>
-              </a:spcAft>
-              <a:buClrTx/>
-              <a:buSzTx/>
-              <a:buFontTx/>
-              <a:buNone/>
-              <a:tabLst/>
-              <a:defRPr/>
-            </a:pPr>
-            <a:endParaRPr kumimoji="0" lang="fr-FR" sz="1800" b="0" i="0" u="none" strike="noStrike" kern="1200" cap="none" spc="0" normalizeH="0" baseline="0" noProof="0">
-              <a:ln>
-                <a:noFill/>
-              </a:ln>
-              <a:solidFill>
-                <a:prstClr val="white"/>
-              </a:solidFill>
-              <a:effectLst/>
-              <a:uLnTx/>
-              <a:uFillTx/>
-              <a:latin typeface="Trebuchet MS" panose="020B0603020202020204"/>
-              <a:ea typeface="+mn-ea"/>
-              <a:cs typeface="+mn-cs"/>
-            </a:endParaRPr>
-          </a:p>
-        </p:txBody>
-      </p:sp>
-      <p:sp>
-        <p:nvSpPr>
-          <p:cNvPr id="19" name="Rectangle 18">
-            <a:extLst>
-              <a:ext uri="{FF2B5EF4-FFF2-40B4-BE49-F238E27FC236}">
-                <a16:creationId xmlns:a16="http://schemas.microsoft.com/office/drawing/2014/main" id="{BC2DE697-4663-418A-98B4-6E011676DD0E}"/>
-              </a:ext>
-            </a:extLst>
-          </p:cNvPr>
-          <p:cNvSpPr/>
-          <p:nvPr/>
-        </p:nvSpPr>
-        <p:spPr>
-          <a:xfrm>
-            <a:off x="11606256" y="1010409"/>
-            <a:ext cx="104775" cy="54712"/>
-          </a:xfrm>
-          <a:prstGeom prst="rect">
-            <a:avLst/>
-          </a:prstGeom>
-          <a:solidFill>
-            <a:srgbClr val="A8135A"/>
-          </a:solidFill>
-          <a:ln>
-            <a:solidFill>
-              <a:schemeClr val="bg1"/>
-            </a:solidFill>
-          </a:ln>
-        </p:spPr>
-        <p:style>
-          <a:lnRef idx="2">
-            <a:schemeClr val="accent1">
-              <a:shade val="50000"/>
-            </a:schemeClr>
-          </a:lnRef>
-          <a:fillRef idx="1">
-            <a:schemeClr val="accent1"/>
-          </a:fillRef>
-          <a:effectRef idx="0">
-            <a:schemeClr val="accent1"/>
-          </a:effectRef>
-          <a:fontRef idx="minor">
-            <a:schemeClr val="lt1"/>
-          </a:fontRef>
-        </p:style>
-        <p:txBody>
-          <a:bodyPr rtlCol="0" anchor="ctr"/>
-          <a:lstStyle/>
-          <a:p>
-            <a:pPr marL="0" marR="0" lvl="0" indent="0" algn="ctr" defTabSz="457200" rtl="0" eaLnBrk="1" fontAlgn="auto" latinLnBrk="0" hangingPunct="1">
-              <a:lnSpc>
-                <a:spcPct val="100000"/>
-              </a:lnSpc>
-              <a:spcBef>
-                <a:spcPts val="0"/>
-              </a:spcBef>
-              <a:spcAft>
-                <a:spcPts val="0"/>
-              </a:spcAft>
-              <a:buClrTx/>
-              <a:buSzTx/>
-              <a:buFontTx/>
-              <a:buNone/>
-              <a:tabLst/>
-              <a:defRPr/>
-            </a:pPr>
-            <a:endParaRPr kumimoji="0" lang="fr-FR" sz="1800" b="0" i="0" u="none" strike="noStrike" kern="1200" cap="none" spc="0" normalizeH="0" baseline="0" noProof="0">
-              <a:ln>
-                <a:noFill/>
-              </a:ln>
-              <a:solidFill>
-                <a:prstClr val="white"/>
-              </a:solidFill>
-              <a:effectLst/>
-              <a:uLnTx/>
-              <a:uFillTx/>
-              <a:latin typeface="Trebuchet MS" panose="020B0603020202020204"/>
-              <a:ea typeface="+mn-ea"/>
-              <a:cs typeface="+mn-cs"/>
-            </a:endParaRPr>
-          </a:p>
-        </p:txBody>
-      </p:sp>
-      <p:sp>
-        <p:nvSpPr>
-          <p:cNvPr id="21" name="ZoneTexte 20">
-            <a:extLst>
-              <a:ext uri="{FF2B5EF4-FFF2-40B4-BE49-F238E27FC236}">
-                <a16:creationId xmlns:a16="http://schemas.microsoft.com/office/drawing/2014/main" id="{342D16EA-0A9F-4BBB-835F-36188346829A}"/>
-              </a:ext>
-            </a:extLst>
-          </p:cNvPr>
-          <p:cNvSpPr txBox="1"/>
-          <p:nvPr/>
-        </p:nvSpPr>
-        <p:spPr>
-          <a:xfrm>
-            <a:off x="9806892" y="605712"/>
-            <a:ext cx="1499097" cy="584775"/>
-          </a:xfrm>
-          <a:prstGeom prst="rect">
-            <a:avLst/>
-          </a:prstGeom>
-          <a:noFill/>
-        </p:spPr>
-        <p:txBody>
-          <a:bodyPr wrap="square" rtlCol="0">
-            <a:spAutoFit/>
-          </a:bodyPr>
-          <a:lstStyle/>
-          <a:p>
-            <a:pPr marL="0" marR="0" lvl="0" indent="0" algn="l" defTabSz="457200" rtl="0" eaLnBrk="1" fontAlgn="auto" latinLnBrk="0" hangingPunct="1">
-              <a:lnSpc>
-                <a:spcPct val="100000"/>
-              </a:lnSpc>
-              <a:spcBef>
-                <a:spcPts val="0"/>
-              </a:spcBef>
-              <a:spcAft>
-                <a:spcPts val="0"/>
-              </a:spcAft>
-              <a:buClrTx/>
-              <a:buSzTx/>
-              <a:buFontTx/>
-              <a:buNone/>
-              <a:tabLst/>
-              <a:defRPr/>
-            </a:pPr>
-            <a:r>
-              <a:rPr kumimoji="0" lang="fr-FR" sz="1600" b="0" i="0" u="none" strike="noStrike" kern="1200" cap="none" spc="0" normalizeH="0" baseline="0" noProof="0" dirty="0">
-                <a:ln>
-                  <a:noFill/>
-                </a:ln>
-                <a:solidFill>
-                  <a:prstClr val="black"/>
-                </a:solidFill>
-                <a:effectLst/>
-                <a:uLnTx/>
-                <a:uFillTx/>
-                <a:latin typeface="Trebuchet MS" panose="020B0603020202020204"/>
-                <a:ea typeface="+mn-ea"/>
-                <a:cs typeface="+mn-cs"/>
-              </a:rPr>
-              <a:t>Deux grandes parties</a:t>
-            </a:r>
-          </a:p>
-        </p:txBody>
-      </p:sp>
-      <p:sp>
-        <p:nvSpPr>
-          <p:cNvPr id="22" name="Rectangle 21">
-            <a:extLst>
-              <a:ext uri="{FF2B5EF4-FFF2-40B4-BE49-F238E27FC236}">
-                <a16:creationId xmlns:a16="http://schemas.microsoft.com/office/drawing/2014/main" id="{5786218D-E021-4821-9C6E-59550602BC34}"/>
-              </a:ext>
-            </a:extLst>
-          </p:cNvPr>
-          <p:cNvSpPr/>
-          <p:nvPr/>
-        </p:nvSpPr>
-        <p:spPr>
-          <a:xfrm>
-            <a:off x="11603047" y="973022"/>
-            <a:ext cx="104775" cy="92099"/>
-          </a:xfrm>
-          <a:prstGeom prst="rect">
-            <a:avLst/>
-          </a:prstGeom>
-          <a:solidFill>
-            <a:srgbClr val="A8135A"/>
-          </a:solidFill>
-          <a:ln>
-            <a:solidFill>
-              <a:schemeClr val="bg1"/>
-            </a:solidFill>
-          </a:ln>
-        </p:spPr>
-        <p:style>
-          <a:lnRef idx="2">
-            <a:schemeClr val="accent1">
-              <a:shade val="50000"/>
-            </a:schemeClr>
-          </a:lnRef>
-          <a:fillRef idx="1">
-            <a:schemeClr val="accent1"/>
-          </a:fillRef>
-          <a:effectRef idx="0">
-            <a:schemeClr val="accent1"/>
-          </a:effectRef>
-          <a:fontRef idx="minor">
-            <a:schemeClr val="lt1"/>
-          </a:fontRef>
-        </p:style>
-        <p:txBody>
-          <a:bodyPr rtlCol="0" anchor="ctr"/>
-          <a:lstStyle/>
-          <a:p>
-            <a:pPr marL="0" marR="0" lvl="0" indent="0" algn="ctr" defTabSz="457200" rtl="0" eaLnBrk="1" fontAlgn="auto" latinLnBrk="0" hangingPunct="1">
-              <a:lnSpc>
-                <a:spcPct val="100000"/>
-              </a:lnSpc>
-              <a:spcBef>
-                <a:spcPts val="0"/>
-              </a:spcBef>
-              <a:spcAft>
-                <a:spcPts val="0"/>
-              </a:spcAft>
-              <a:buClrTx/>
-              <a:buSzTx/>
-              <a:buFontTx/>
-              <a:buNone/>
-              <a:tabLst/>
-              <a:defRPr/>
-            </a:pPr>
-            <a:endParaRPr kumimoji="0" lang="fr-FR" sz="1800" b="0" i="0" u="none" strike="noStrike" kern="1200" cap="none" spc="0" normalizeH="0" baseline="0" noProof="0" dirty="0">
-              <a:ln>
-                <a:noFill/>
-              </a:ln>
-              <a:solidFill>
-                <a:prstClr val="white"/>
-              </a:solidFill>
-              <a:effectLst/>
-              <a:uLnTx/>
-              <a:uFillTx/>
-              <a:latin typeface="Trebuchet MS" panose="020B0603020202020204"/>
-              <a:ea typeface="+mn-ea"/>
-              <a:cs typeface="+mn-cs"/>
-            </a:endParaRPr>
-          </a:p>
-        </p:txBody>
-      </p:sp>
-      <p:sp>
-        <p:nvSpPr>
-          <p:cNvPr id="20" name="Ellipse 19">
-            <a:extLst>
-              <a:ext uri="{FF2B5EF4-FFF2-40B4-BE49-F238E27FC236}">
-                <a16:creationId xmlns:a16="http://schemas.microsoft.com/office/drawing/2014/main" id="{F4284ACC-C577-444F-9D2C-C017B031DBA0}"/>
-              </a:ext>
-            </a:extLst>
-          </p:cNvPr>
-          <p:cNvSpPr/>
-          <p:nvPr/>
-        </p:nvSpPr>
-        <p:spPr>
-          <a:xfrm>
-            <a:off x="11376584" y="605712"/>
-            <a:ext cx="564118" cy="542925"/>
-          </a:xfrm>
-          <a:prstGeom prst="ellipse">
-            <a:avLst/>
-          </a:prstGeom>
-          <a:solidFill>
-            <a:srgbClr val="A8135A"/>
-          </a:solidFill>
-          <a:ln>
-            <a:solidFill>
-              <a:schemeClr val="bg1"/>
-            </a:solidFill>
-          </a:ln>
-        </p:spPr>
-        <p:style>
-          <a:lnRef idx="2">
-            <a:schemeClr val="accent1">
-              <a:shade val="50000"/>
-            </a:schemeClr>
-          </a:lnRef>
-          <a:fillRef idx="1">
-            <a:schemeClr val="accent1"/>
-          </a:fillRef>
-          <a:effectRef idx="0">
-            <a:schemeClr val="accent1"/>
-          </a:effectRef>
-          <a:fontRef idx="minor">
-            <a:schemeClr val="lt1"/>
-          </a:fontRef>
-        </p:style>
-        <p:txBody>
-          <a:bodyPr rtlCol="0" anchor="ctr"/>
-          <a:lstStyle/>
-          <a:p>
-            <a:pPr marL="0" marR="0" lvl="0" indent="0" algn="ctr" defTabSz="457200" rtl="0" eaLnBrk="1" fontAlgn="auto" latinLnBrk="0" hangingPunct="1">
-              <a:lnSpc>
-                <a:spcPct val="100000"/>
-              </a:lnSpc>
-              <a:spcBef>
-                <a:spcPts val="0"/>
-              </a:spcBef>
-              <a:spcAft>
-                <a:spcPts val="0"/>
-              </a:spcAft>
-              <a:buClrTx/>
-              <a:buSzTx/>
-              <a:buFontTx/>
-              <a:buNone/>
-              <a:tabLst/>
-              <a:defRPr/>
-            </a:pPr>
-            <a:endParaRPr kumimoji="0" lang="fr-FR" sz="1800" b="0" i="0" u="none" strike="noStrike" kern="1200" cap="none" spc="0" normalizeH="0" baseline="0" noProof="0" dirty="0">
-              <a:ln>
-                <a:noFill/>
-              </a:ln>
-              <a:solidFill>
-                <a:prstClr val="white"/>
-              </a:solidFill>
-              <a:effectLst/>
-              <a:uLnTx/>
-              <a:uFillTx/>
-              <a:latin typeface="Trebuchet MS" panose="020B0603020202020204"/>
-              <a:ea typeface="+mn-ea"/>
-              <a:cs typeface="+mn-cs"/>
-            </a:endParaRPr>
-          </a:p>
-        </p:txBody>
-      </p:sp>
-      <p:sp>
-        <p:nvSpPr>
-          <p:cNvPr id="23" name="Organigramme : Terminateur 22">
-            <a:extLst>
-              <a:ext uri="{FF2B5EF4-FFF2-40B4-BE49-F238E27FC236}">
-                <a16:creationId xmlns:a16="http://schemas.microsoft.com/office/drawing/2014/main" id="{B5AF48DA-7508-411A-A88A-B15A505FCB36}"/>
-              </a:ext>
-            </a:extLst>
-          </p:cNvPr>
-          <p:cNvSpPr/>
-          <p:nvPr/>
-        </p:nvSpPr>
-        <p:spPr>
-          <a:xfrm>
-            <a:off x="11352771" y="4173628"/>
-            <a:ext cx="267772" cy="85725"/>
-          </a:xfrm>
-          <a:prstGeom prst="flowChartTerminator">
-            <a:avLst/>
-          </a:prstGeom>
-          <a:solidFill>
-            <a:schemeClr val="bg1"/>
-          </a:solidFill>
-          <a:ln>
-            <a:solidFill>
-              <a:schemeClr val="bg1"/>
-            </a:solidFill>
-          </a:ln>
-        </p:spPr>
-        <p:style>
-          <a:lnRef idx="2">
-            <a:schemeClr val="accent1">
-              <a:shade val="50000"/>
-            </a:schemeClr>
-          </a:lnRef>
-          <a:fillRef idx="1">
-            <a:schemeClr val="accent1"/>
-          </a:fillRef>
-          <a:effectRef idx="0">
-            <a:schemeClr val="accent1"/>
-          </a:effectRef>
-          <a:fontRef idx="minor">
-            <a:schemeClr val="lt1"/>
-          </a:fontRef>
-        </p:style>
-        <p:txBody>
-          <a:bodyPr rtlCol="0" anchor="ctr"/>
-          <a:lstStyle/>
-          <a:p>
-            <a:pPr marL="0" marR="0" lvl="0" indent="0" algn="ctr" defTabSz="457200" rtl="0" eaLnBrk="1" fontAlgn="auto" latinLnBrk="0" hangingPunct="1">
-              <a:lnSpc>
-                <a:spcPct val="100000"/>
-              </a:lnSpc>
-              <a:spcBef>
-                <a:spcPts val="0"/>
-              </a:spcBef>
-              <a:spcAft>
-                <a:spcPts val="0"/>
-              </a:spcAft>
-              <a:buClrTx/>
-              <a:buSzTx/>
-              <a:buFontTx/>
-              <a:buNone/>
-              <a:tabLst/>
-              <a:defRPr/>
-            </a:pPr>
-            <a:endParaRPr kumimoji="0" lang="fr-FR" sz="1800" b="0" i="0" u="none" strike="noStrike" kern="1200" cap="none" spc="0" normalizeH="0" baseline="0" noProof="0" dirty="0">
-              <a:ln>
-                <a:noFill/>
-              </a:ln>
-              <a:solidFill>
-                <a:prstClr val="white"/>
-              </a:solidFill>
-              <a:effectLst/>
-              <a:uLnTx/>
-              <a:uFillTx/>
-              <a:latin typeface="Trebuchet MS" panose="020B0603020202020204"/>
-              <a:ea typeface="+mn-ea"/>
-              <a:cs typeface="+mn-cs"/>
-            </a:endParaRPr>
-          </a:p>
-        </p:txBody>
-      </p:sp>
-    </p:spTree>
-    <p:extLst>
-      <p:ext uri="{BB962C8B-B14F-4D97-AF65-F5344CB8AC3E}">
-        <p14:creationId xmlns:p14="http://schemas.microsoft.com/office/powerpoint/2010/main" val="2476034120"/>
-      </p:ext>
-    </p:extLst>
-  </p:cSld>
-  <p:clrMapOvr>
-    <a:masterClrMapping/>
-  </p:clrMapOvr>
-  <mc:AlternateContent xmlns:mc="http://schemas.openxmlformats.org/markup-compatibility/2006" xmlns:p159="http://schemas.microsoft.com/office/powerpoint/2015/09/main">
-    <mc:Choice Requires="p159">
-      <p:transition xmlns:p14="http://schemas.microsoft.com/office/powerpoint/2010/main" spd="slow" p14:dur="2000">
-        <p159:morph option="byObject"/>
-      </p:transition>
-    </mc:Choice>
-    <mc:Fallback xmlns="">
-      <p:transition spd="slow">
-        <p:fade/>
-      </p:transition>
-    </mc:Fallback>
-  </mc:AlternateContent>
-</p:sld>
-</file>
-
 <file path=ppt/slides/slide4.xml><?xml version="1.0" encoding="utf-8"?>
 <p:sld xmlns:a="http://schemas.openxmlformats.org/drawingml/2006/main" xmlns:r="http://schemas.openxmlformats.org/officeDocument/2006/relationships" xmlns:p="http://schemas.openxmlformats.org/presentationml/2006/main">
   <p:cSld>
@@ -12634,7 +9717,7 @@
             <a:avLst/>
           </a:prstGeom>
           <a:solidFill>
-            <a:srgbClr val="A8135A"/>
+            <a:schemeClr val="bg1"/>
           </a:solidFill>
           <a:ln>
             <a:solidFill>
@@ -12711,7 +9794,7 @@
         <p:spPr>
           <a:xfrm>
             <a:off x="11603047" y="973022"/>
-            <a:ext cx="104775" cy="1478166"/>
+            <a:ext cx="104775" cy="644817"/>
           </a:xfrm>
           <a:prstGeom prst="rect">
             <a:avLst/>
@@ -12876,7 +9959,7 @@
         </p:nvSpPr>
         <p:spPr>
           <a:xfrm>
-            <a:off x="9781592" y="2244879"/>
+            <a:off x="9711656" y="1391510"/>
             <a:ext cx="1661719" cy="584775"/>
           </a:xfrm>
           <a:prstGeom prst="rect">
@@ -13030,89 +10113,6 @@
           </a:fontRef>
         </p:style>
       </p:cxnSp>
-      <p:sp>
-        <p:nvSpPr>
-          <p:cNvPr id="17" name="Organigramme : Terminateur 16">
-            <a:extLst>
-              <a:ext uri="{FF2B5EF4-FFF2-40B4-BE49-F238E27FC236}">
-                <a16:creationId xmlns:a16="http://schemas.microsoft.com/office/drawing/2014/main" id="{57EDD6CF-BBC4-478D-AD02-6A4BCBA05627}"/>
-              </a:ext>
-            </a:extLst>
-          </p:cNvPr>
-          <p:cNvSpPr/>
-          <p:nvPr/>
-        </p:nvSpPr>
-        <p:spPr>
-          <a:xfrm>
-            <a:off x="11349562" y="4150935"/>
-            <a:ext cx="267772" cy="85725"/>
-          </a:xfrm>
-          <a:prstGeom prst="flowChartTerminator">
-            <a:avLst/>
-          </a:prstGeom>
-          <a:solidFill>
-            <a:schemeClr val="bg1"/>
-          </a:solidFill>
-          <a:ln>
-            <a:solidFill>
-              <a:schemeClr val="bg1"/>
-            </a:solidFill>
-          </a:ln>
-        </p:spPr>
-        <p:style>
-          <a:lnRef idx="2">
-            <a:schemeClr val="accent1">
-              <a:shade val="50000"/>
-            </a:schemeClr>
-          </a:lnRef>
-          <a:fillRef idx="1">
-            <a:schemeClr val="accent1"/>
-          </a:fillRef>
-          <a:effectRef idx="0">
-            <a:schemeClr val="accent1"/>
-          </a:effectRef>
-          <a:fontRef idx="minor">
-            <a:schemeClr val="lt1"/>
-          </a:fontRef>
-        </p:style>
-        <p:txBody>
-          <a:bodyPr rtlCol="0" anchor="ctr"/>
-          <a:lstStyle/>
-          <a:p>
-            <a:pPr marL="0" marR="0" lvl="0" indent="0" algn="ctr" defTabSz="457200" rtl="0" eaLnBrk="1" fontAlgn="auto" latinLnBrk="0" hangingPunct="1">
-              <a:lnSpc>
-                <a:spcPct val="100000"/>
-              </a:lnSpc>
-              <a:spcBef>
-                <a:spcPts val="0"/>
-              </a:spcBef>
-              <a:spcAft>
-                <a:spcPts val="0"/>
-              </a:spcAft>
-              <a:buClrTx/>
-              <a:buSzTx/>
-              <a:buFontTx/>
-              <a:buNone/>
-              <a:tabLst/>
-              <a:defRPr/>
-            </a:pPr>
-            <a:endParaRPr kumimoji="0" lang="fr-FR" sz="1800" b="0" i="0" u="none" strike="noStrike" kern="1200" cap="none" spc="0" normalizeH="0" baseline="0" noProof="0" dirty="0">
-              <a:ln>
-                <a:noFill/>
-              </a:ln>
-              <a:solidFill>
-                <a:prstClr val="white"/>
-              </a:solidFill>
-              <a:effectLst/>
-              <a:uLnTx/>
-              <a:uFillTx/>
-              <a:latin typeface="Trebuchet MS" panose="020B0603020202020204"/>
-              <a:ea typeface="+mn-ea"/>
-              <a:cs typeface="+mn-cs"/>
-            </a:endParaRPr>
-          </a:p>
-        </p:txBody>
-      </p:sp>
     </p:spTree>
     <p:extLst>
       <p:ext uri="{BB962C8B-B14F-4D97-AF65-F5344CB8AC3E}">
@@ -13157,89 +10157,6 @@
       </p:grpSpPr>
       <p:sp>
         <p:nvSpPr>
-          <p:cNvPr id="15" name="Organigramme : Terminateur 14">
-            <a:extLst>
-              <a:ext uri="{FF2B5EF4-FFF2-40B4-BE49-F238E27FC236}">
-                <a16:creationId xmlns:a16="http://schemas.microsoft.com/office/drawing/2014/main" id="{EB949E70-7159-49D5-8691-6D03175CC981}"/>
-              </a:ext>
-            </a:extLst>
-          </p:cNvPr>
-          <p:cNvSpPr/>
-          <p:nvPr/>
-        </p:nvSpPr>
-        <p:spPr>
-          <a:xfrm>
-            <a:off x="11349562" y="4167569"/>
-            <a:ext cx="267772" cy="85725"/>
-          </a:xfrm>
-          <a:prstGeom prst="flowChartTerminator">
-            <a:avLst/>
-          </a:prstGeom>
-          <a:solidFill>
-            <a:schemeClr val="bg1"/>
-          </a:solidFill>
-          <a:ln>
-            <a:solidFill>
-              <a:schemeClr val="bg1"/>
-            </a:solidFill>
-          </a:ln>
-        </p:spPr>
-        <p:style>
-          <a:lnRef idx="2">
-            <a:schemeClr val="accent1">
-              <a:shade val="50000"/>
-            </a:schemeClr>
-          </a:lnRef>
-          <a:fillRef idx="1">
-            <a:schemeClr val="accent1"/>
-          </a:fillRef>
-          <a:effectRef idx="0">
-            <a:schemeClr val="accent1"/>
-          </a:effectRef>
-          <a:fontRef idx="minor">
-            <a:schemeClr val="lt1"/>
-          </a:fontRef>
-        </p:style>
-        <p:txBody>
-          <a:bodyPr rtlCol="0" anchor="ctr"/>
-          <a:lstStyle/>
-          <a:p>
-            <a:pPr marL="0" marR="0" lvl="0" indent="0" algn="ctr" defTabSz="457200" rtl="0" eaLnBrk="1" fontAlgn="auto" latinLnBrk="0" hangingPunct="1">
-              <a:lnSpc>
-                <a:spcPct val="100000"/>
-              </a:lnSpc>
-              <a:spcBef>
-                <a:spcPts val="0"/>
-              </a:spcBef>
-              <a:spcAft>
-                <a:spcPts val="0"/>
-              </a:spcAft>
-              <a:buClrTx/>
-              <a:buSzTx/>
-              <a:buFontTx/>
-              <a:buNone/>
-              <a:tabLst/>
-              <a:defRPr/>
-            </a:pPr>
-            <a:endParaRPr kumimoji="0" lang="fr-FR" sz="1800" b="0" i="0" u="none" strike="noStrike" kern="1200" cap="none" spc="0" normalizeH="0" baseline="0" noProof="0" dirty="0">
-              <a:ln>
-                <a:noFill/>
-              </a:ln>
-              <a:solidFill>
-                <a:prstClr val="white"/>
-              </a:solidFill>
-              <a:effectLst/>
-              <a:uLnTx/>
-              <a:uFillTx/>
-              <a:latin typeface="Trebuchet MS" panose="020B0603020202020204"/>
-              <a:ea typeface="+mn-ea"/>
-              <a:cs typeface="+mn-cs"/>
-            </a:endParaRPr>
-          </a:p>
-        </p:txBody>
-      </p:sp>
-      <p:sp>
-        <p:nvSpPr>
           <p:cNvPr id="3" name="Espace réservé du contenu 2">
             <a:extLst>
               <a:ext uri="{FF2B5EF4-FFF2-40B4-BE49-F238E27FC236}">
@@ -14043,7 +10960,7 @@
         <p:spPr>
           <a:xfrm>
             <a:off x="11603047" y="973022"/>
-            <a:ext cx="99857" cy="2703012"/>
+            <a:ext cx="104775" cy="1478166"/>
           </a:xfrm>
           <a:prstGeom prst="rect">
             <a:avLst/>
@@ -14243,7 +11160,7 @@
         </p:nvSpPr>
         <p:spPr>
           <a:xfrm>
-            <a:off x="9793120" y="3326711"/>
+            <a:off x="9763854" y="2228245"/>
             <a:ext cx="1724357" cy="584775"/>
           </a:xfrm>
           <a:prstGeom prst="rect">
@@ -14315,7 +11232,7 @@
             <a:avLst/>
           </a:prstGeom>
           <a:solidFill>
-            <a:srgbClr val="A8135A"/>
+            <a:schemeClr val="bg1"/>
           </a:solidFill>
           <a:ln>
             <a:solidFill>
@@ -14427,89 +11344,6 @@
           <a:chExt cx="0" cy="0"/>
         </a:xfrm>
       </p:grpSpPr>
-      <p:sp>
-        <p:nvSpPr>
-          <p:cNvPr id="15" name="Organigramme : Terminateur 14">
-            <a:extLst>
-              <a:ext uri="{FF2B5EF4-FFF2-40B4-BE49-F238E27FC236}">
-                <a16:creationId xmlns:a16="http://schemas.microsoft.com/office/drawing/2014/main" id="{25B81A28-E446-4038-994E-BB4BFA9C6767}"/>
-              </a:ext>
-            </a:extLst>
-          </p:cNvPr>
-          <p:cNvSpPr/>
-          <p:nvPr/>
-        </p:nvSpPr>
-        <p:spPr>
-          <a:xfrm>
-            <a:off x="11349562" y="4144035"/>
-            <a:ext cx="267772" cy="85725"/>
-          </a:xfrm>
-          <a:prstGeom prst="flowChartTerminator">
-            <a:avLst/>
-          </a:prstGeom>
-          <a:solidFill>
-            <a:srgbClr val="A8135A"/>
-          </a:solidFill>
-          <a:ln>
-            <a:solidFill>
-              <a:schemeClr val="bg1"/>
-            </a:solidFill>
-          </a:ln>
-        </p:spPr>
-        <p:style>
-          <a:lnRef idx="2">
-            <a:schemeClr val="accent1">
-              <a:shade val="50000"/>
-            </a:schemeClr>
-          </a:lnRef>
-          <a:fillRef idx="1">
-            <a:schemeClr val="accent1"/>
-          </a:fillRef>
-          <a:effectRef idx="0">
-            <a:schemeClr val="accent1"/>
-          </a:effectRef>
-          <a:fontRef idx="minor">
-            <a:schemeClr val="lt1"/>
-          </a:fontRef>
-        </p:style>
-        <p:txBody>
-          <a:bodyPr rtlCol="0" anchor="ctr"/>
-          <a:lstStyle/>
-          <a:p>
-            <a:pPr marL="0" marR="0" lvl="0" indent="0" algn="ctr" defTabSz="457200" rtl="0" eaLnBrk="1" fontAlgn="auto" latinLnBrk="0" hangingPunct="1">
-              <a:lnSpc>
-                <a:spcPct val="100000"/>
-              </a:lnSpc>
-              <a:spcBef>
-                <a:spcPts val="0"/>
-              </a:spcBef>
-              <a:spcAft>
-                <a:spcPts val="0"/>
-              </a:spcAft>
-              <a:buClrTx/>
-              <a:buSzTx/>
-              <a:buFontTx/>
-              <a:buNone/>
-              <a:tabLst/>
-              <a:defRPr/>
-            </a:pPr>
-            <a:endParaRPr kumimoji="0" lang="fr-FR" sz="1800" b="0" i="0" u="none" strike="noStrike" kern="1200" cap="none" spc="0" normalizeH="0" baseline="0" noProof="0" dirty="0">
-              <a:ln>
-                <a:noFill/>
-              </a:ln>
-              <a:solidFill>
-                <a:prstClr val="white"/>
-              </a:solidFill>
-              <a:effectLst/>
-              <a:uLnTx/>
-              <a:uFillTx/>
-              <a:latin typeface="Trebuchet MS" panose="020B0603020202020204"/>
-              <a:ea typeface="+mn-ea"/>
-              <a:cs typeface="+mn-cs"/>
-            </a:endParaRPr>
-          </a:p>
-        </p:txBody>
-      </p:sp>
       <p:sp>
         <p:nvSpPr>
           <p:cNvPr id="2" name="Titre 1">
@@ -15047,7 +11881,7 @@
         <p:spPr>
           <a:xfrm>
             <a:off x="11603047" y="973020"/>
-            <a:ext cx="104775" cy="3256740"/>
+            <a:ext cx="104775" cy="2675436"/>
           </a:xfrm>
           <a:prstGeom prst="rect">
             <a:avLst/>
@@ -15212,7 +12046,7 @@
         </p:nvSpPr>
         <p:spPr>
           <a:xfrm>
-            <a:off x="9793678" y="3973994"/>
+            <a:off x="9768620" y="3218832"/>
             <a:ext cx="1645291" cy="584775"/>
           </a:xfrm>
           <a:prstGeom prst="rect">
@@ -15413,89 +12247,6 @@
       </p:grpSpPr>
       <p:sp>
         <p:nvSpPr>
-          <p:cNvPr id="14" name="Organigramme : Terminateur 13">
-            <a:extLst>
-              <a:ext uri="{FF2B5EF4-FFF2-40B4-BE49-F238E27FC236}">
-                <a16:creationId xmlns:a16="http://schemas.microsoft.com/office/drawing/2014/main" id="{7361694F-02FD-4CBE-9492-B903FCDE5EBF}"/>
-              </a:ext>
-            </a:extLst>
-          </p:cNvPr>
-          <p:cNvSpPr/>
-          <p:nvPr/>
-        </p:nvSpPr>
-        <p:spPr>
-          <a:xfrm>
-            <a:off x="11373375" y="4166453"/>
-            <a:ext cx="267772" cy="85725"/>
-          </a:xfrm>
-          <a:prstGeom prst="flowChartTerminator">
-            <a:avLst/>
-          </a:prstGeom>
-          <a:solidFill>
-            <a:srgbClr val="A8135A"/>
-          </a:solidFill>
-          <a:ln>
-            <a:solidFill>
-              <a:schemeClr val="bg1"/>
-            </a:solidFill>
-          </a:ln>
-        </p:spPr>
-        <p:style>
-          <a:lnRef idx="2">
-            <a:schemeClr val="accent1">
-              <a:shade val="50000"/>
-            </a:schemeClr>
-          </a:lnRef>
-          <a:fillRef idx="1">
-            <a:schemeClr val="accent1"/>
-          </a:fillRef>
-          <a:effectRef idx="0">
-            <a:schemeClr val="accent1"/>
-          </a:effectRef>
-          <a:fontRef idx="minor">
-            <a:schemeClr val="lt1"/>
-          </a:fontRef>
-        </p:style>
-        <p:txBody>
-          <a:bodyPr rtlCol="0" anchor="ctr"/>
-          <a:lstStyle/>
-          <a:p>
-            <a:pPr marL="0" marR="0" lvl="0" indent="0" algn="ctr" defTabSz="457200" rtl="0" eaLnBrk="1" fontAlgn="auto" latinLnBrk="0" hangingPunct="1">
-              <a:lnSpc>
-                <a:spcPct val="100000"/>
-              </a:lnSpc>
-              <a:spcBef>
-                <a:spcPts val="0"/>
-              </a:spcBef>
-              <a:spcAft>
-                <a:spcPts val="0"/>
-              </a:spcAft>
-              <a:buClrTx/>
-              <a:buSzTx/>
-              <a:buFontTx/>
-              <a:buNone/>
-              <a:tabLst/>
-              <a:defRPr/>
-            </a:pPr>
-            <a:endParaRPr kumimoji="0" lang="fr-FR" sz="1800" b="0" i="0" u="none" strike="noStrike" kern="1200" cap="none" spc="0" normalizeH="0" baseline="0" noProof="0" dirty="0">
-              <a:ln>
-                <a:noFill/>
-              </a:ln>
-              <a:solidFill>
-                <a:prstClr val="white"/>
-              </a:solidFill>
-              <a:effectLst/>
-              <a:uLnTx/>
-              <a:uFillTx/>
-              <a:latin typeface="Trebuchet MS" panose="020B0603020202020204"/>
-              <a:ea typeface="+mn-ea"/>
-              <a:cs typeface="+mn-cs"/>
-            </a:endParaRPr>
-          </a:p>
-        </p:txBody>
-      </p:sp>
-      <p:sp>
-        <p:nvSpPr>
           <p:cNvPr id="3" name="Espace réservé du contenu 2">
             <a:extLst>
               <a:ext uri="{FF2B5EF4-FFF2-40B4-BE49-F238E27FC236}">
@@ -16422,7 +13173,7 @@
         </p:nvSpPr>
         <p:spPr>
           <a:xfrm>
-            <a:off x="9660276" y="5869339"/>
+            <a:off x="9733045" y="5951767"/>
             <a:ext cx="1667150" cy="584775"/>
           </a:xfrm>
           <a:prstGeom prst="rect">

--- a/Cyril/Projet Théléton.pptx
+++ b/Cyril/Projet Théléton.pptx
@@ -4,6 +4,9 @@
   <p:sldMasterIdLst>
     <p:sldMasterId id="2147483660" r:id="rId1"/>
   </p:sldMasterIdLst>
+  <p:notesMasterIdLst>
+    <p:notesMasterId r:id="rId9"/>
+  </p:notesMasterIdLst>
   <p:sldIdLst>
     <p:sldId id="266" r:id="rId2"/>
     <p:sldId id="270" r:id="rId3"/>
@@ -116,6 +119,607 @@
     </p:ext>
   </p:extLst>
 </p:presentation>
+</file>
+
+<file path=ppt/notesMasters/notesMaster1.xml><?xml version="1.0" encoding="utf-8"?>
+<p:notesMaster xmlns:a="http://schemas.openxmlformats.org/drawingml/2006/main" xmlns:r="http://schemas.openxmlformats.org/officeDocument/2006/relationships" xmlns:p="http://schemas.openxmlformats.org/presentationml/2006/main">
+  <p:cSld>
+    <p:bg>
+      <p:bgRef idx="1001">
+        <a:schemeClr val="bg1"/>
+      </p:bgRef>
+    </p:bg>
+    <p:spTree>
+      <p:nvGrpSpPr>
+        <p:cNvPr id="1" name=""/>
+        <p:cNvGrpSpPr/>
+        <p:nvPr/>
+      </p:nvGrpSpPr>
+      <p:grpSpPr>
+        <a:xfrm>
+          <a:off x="0" y="0"/>
+          <a:ext cx="0" cy="0"/>
+          <a:chOff x="0" y="0"/>
+          <a:chExt cx="0" cy="0"/>
+        </a:xfrm>
+      </p:grpSpPr>
+      <p:sp>
+        <p:nvSpPr>
+          <p:cNvPr id="2" name="Espace réservé de l'en-tête 1"/>
+          <p:cNvSpPr>
+            <a:spLocks noGrp="1"/>
+          </p:cNvSpPr>
+          <p:nvPr>
+            <p:ph type="hdr" sz="quarter"/>
+          </p:nvPr>
+        </p:nvSpPr>
+        <p:spPr>
+          <a:xfrm>
+            <a:off x="0" y="0"/>
+            <a:ext cx="2971800" cy="458788"/>
+          </a:xfrm>
+          <a:prstGeom prst="rect">
+            <a:avLst/>
+          </a:prstGeom>
+        </p:spPr>
+        <p:txBody>
+          <a:bodyPr vert="horz" lIns="91440" tIns="45720" rIns="91440" bIns="45720" rtlCol="0"/>
+          <a:lstStyle>
+            <a:lvl1pPr algn="l">
+              <a:defRPr sz="1200"/>
+            </a:lvl1pPr>
+          </a:lstStyle>
+          <a:p>
+            <a:endParaRPr lang="fr-FR"/>
+          </a:p>
+        </p:txBody>
+      </p:sp>
+      <p:sp>
+        <p:nvSpPr>
+          <p:cNvPr id="3" name="Espace réservé de la date 2"/>
+          <p:cNvSpPr>
+            <a:spLocks noGrp="1"/>
+          </p:cNvSpPr>
+          <p:nvPr>
+            <p:ph type="dt" idx="1"/>
+          </p:nvPr>
+        </p:nvSpPr>
+        <p:spPr>
+          <a:xfrm>
+            <a:off x="3884613" y="0"/>
+            <a:ext cx="2971800" cy="458788"/>
+          </a:xfrm>
+          <a:prstGeom prst="rect">
+            <a:avLst/>
+          </a:prstGeom>
+        </p:spPr>
+        <p:txBody>
+          <a:bodyPr vert="horz" lIns="91440" tIns="45720" rIns="91440" bIns="45720" rtlCol="0"/>
+          <a:lstStyle>
+            <a:lvl1pPr algn="r">
+              <a:defRPr sz="1200"/>
+            </a:lvl1pPr>
+          </a:lstStyle>
+          <a:p>
+            <a:fld id="{C6B1AD4F-F5E1-44BF-B2CE-5CC53752312E}" type="datetimeFigureOut">
+              <a:rPr lang="fr-FR" smtClean="0"/>
+              <a:t>31/01/2020</a:t>
+            </a:fld>
+            <a:endParaRPr lang="fr-FR"/>
+          </a:p>
+        </p:txBody>
+      </p:sp>
+      <p:sp>
+        <p:nvSpPr>
+          <p:cNvPr id="4" name="Espace réservé de l'image des diapositives 3"/>
+          <p:cNvSpPr>
+            <a:spLocks noGrp="1" noRot="1" noChangeAspect="1"/>
+          </p:cNvSpPr>
+          <p:nvPr>
+            <p:ph type="sldImg" idx="2"/>
+          </p:nvPr>
+        </p:nvSpPr>
+        <p:spPr>
+          <a:xfrm>
+            <a:off x="685800" y="1143000"/>
+            <a:ext cx="5486400" cy="3086100"/>
+          </a:xfrm>
+          <a:prstGeom prst="rect">
+            <a:avLst/>
+          </a:prstGeom>
+          <a:noFill/>
+          <a:ln w="12700">
+            <a:solidFill>
+              <a:prstClr val="black"/>
+            </a:solidFill>
+          </a:ln>
+        </p:spPr>
+        <p:txBody>
+          <a:bodyPr vert="horz" lIns="91440" tIns="45720" rIns="91440" bIns="45720" rtlCol="0" anchor="ctr"/>
+          <a:lstStyle/>
+          <a:p>
+            <a:endParaRPr lang="fr-FR"/>
+          </a:p>
+        </p:txBody>
+      </p:sp>
+      <p:sp>
+        <p:nvSpPr>
+          <p:cNvPr id="5" name="Espace réservé des notes 4"/>
+          <p:cNvSpPr>
+            <a:spLocks noGrp="1"/>
+          </p:cNvSpPr>
+          <p:nvPr>
+            <p:ph type="body" sz="quarter" idx="3"/>
+          </p:nvPr>
+        </p:nvSpPr>
+        <p:spPr>
+          <a:xfrm>
+            <a:off x="685800" y="4400550"/>
+            <a:ext cx="5486400" cy="3600450"/>
+          </a:xfrm>
+          <a:prstGeom prst="rect">
+            <a:avLst/>
+          </a:prstGeom>
+        </p:spPr>
+        <p:txBody>
+          <a:bodyPr vert="horz" lIns="91440" tIns="45720" rIns="91440" bIns="45720" rtlCol="0"/>
+          <a:lstStyle/>
+          <a:p>
+            <a:pPr lvl="0"/>
+            <a:r>
+              <a:rPr lang="fr-FR"/>
+              <a:t>Cliquez pour modifier les styles du texte du masque</a:t>
+            </a:r>
+          </a:p>
+          <a:p>
+            <a:pPr lvl="1"/>
+            <a:r>
+              <a:rPr lang="fr-FR"/>
+              <a:t>Deuxième niveau</a:t>
+            </a:r>
+          </a:p>
+          <a:p>
+            <a:pPr lvl="2"/>
+            <a:r>
+              <a:rPr lang="fr-FR"/>
+              <a:t>Troisième niveau</a:t>
+            </a:r>
+          </a:p>
+          <a:p>
+            <a:pPr lvl="3"/>
+            <a:r>
+              <a:rPr lang="fr-FR"/>
+              <a:t>Quatrième niveau</a:t>
+            </a:r>
+          </a:p>
+          <a:p>
+            <a:pPr lvl="4"/>
+            <a:r>
+              <a:rPr lang="fr-FR"/>
+              <a:t>Cinquième niveau</a:t>
+            </a:r>
+          </a:p>
+        </p:txBody>
+      </p:sp>
+      <p:sp>
+        <p:nvSpPr>
+          <p:cNvPr id="6" name="Espace réservé du pied de page 5"/>
+          <p:cNvSpPr>
+            <a:spLocks noGrp="1"/>
+          </p:cNvSpPr>
+          <p:nvPr>
+            <p:ph type="ftr" sz="quarter" idx="4"/>
+          </p:nvPr>
+        </p:nvSpPr>
+        <p:spPr>
+          <a:xfrm>
+            <a:off x="0" y="8685213"/>
+            <a:ext cx="2971800" cy="458787"/>
+          </a:xfrm>
+          <a:prstGeom prst="rect">
+            <a:avLst/>
+          </a:prstGeom>
+        </p:spPr>
+        <p:txBody>
+          <a:bodyPr vert="horz" lIns="91440" tIns="45720" rIns="91440" bIns="45720" rtlCol="0" anchor="b"/>
+          <a:lstStyle>
+            <a:lvl1pPr algn="l">
+              <a:defRPr sz="1200"/>
+            </a:lvl1pPr>
+          </a:lstStyle>
+          <a:p>
+            <a:endParaRPr lang="fr-FR"/>
+          </a:p>
+        </p:txBody>
+      </p:sp>
+      <p:sp>
+        <p:nvSpPr>
+          <p:cNvPr id="7" name="Espace réservé du numéro de diapositive 6"/>
+          <p:cNvSpPr>
+            <a:spLocks noGrp="1"/>
+          </p:cNvSpPr>
+          <p:nvPr>
+            <p:ph type="sldNum" sz="quarter" idx="5"/>
+          </p:nvPr>
+        </p:nvSpPr>
+        <p:spPr>
+          <a:xfrm>
+            <a:off x="3884613" y="8685213"/>
+            <a:ext cx="2971800" cy="458787"/>
+          </a:xfrm>
+          <a:prstGeom prst="rect">
+            <a:avLst/>
+          </a:prstGeom>
+        </p:spPr>
+        <p:txBody>
+          <a:bodyPr vert="horz" lIns="91440" tIns="45720" rIns="91440" bIns="45720" rtlCol="0" anchor="b"/>
+          <a:lstStyle>
+            <a:lvl1pPr algn="r">
+              <a:defRPr sz="1200"/>
+            </a:lvl1pPr>
+          </a:lstStyle>
+          <a:p>
+            <a:fld id="{0EE03F40-5359-45BD-BFB3-41D3E922B839}" type="slidenum">
+              <a:rPr lang="fr-FR" smtClean="0"/>
+              <a:t>‹N°›</a:t>
+            </a:fld>
+            <a:endParaRPr lang="fr-FR"/>
+          </a:p>
+        </p:txBody>
+      </p:sp>
+    </p:spTree>
+    <p:extLst>
+      <p:ext uri="{BB962C8B-B14F-4D97-AF65-F5344CB8AC3E}">
+        <p14:creationId xmlns:p14="http://schemas.microsoft.com/office/powerpoint/2010/main" val="3321423897"/>
+      </p:ext>
+    </p:extLst>
+  </p:cSld>
+  <p:clrMap bg1="lt1" tx1="dk1" bg2="lt2" tx2="dk2" accent1="accent1" accent2="accent2" accent3="accent3" accent4="accent4" accent5="accent5" accent6="accent6" hlink="hlink" folHlink="folHlink"/>
+  <p:notesStyle>
+    <a:lvl1pPr marL="0" algn="l" defTabSz="914400" rtl="0" eaLnBrk="1" latinLnBrk="0" hangingPunct="1">
+      <a:defRPr sz="1200" kern="1200">
+        <a:solidFill>
+          <a:schemeClr val="tx1"/>
+        </a:solidFill>
+        <a:latin typeface="+mn-lt"/>
+        <a:ea typeface="+mn-ea"/>
+        <a:cs typeface="+mn-cs"/>
+      </a:defRPr>
+    </a:lvl1pPr>
+    <a:lvl2pPr marL="457200" algn="l" defTabSz="914400" rtl="0" eaLnBrk="1" latinLnBrk="0" hangingPunct="1">
+      <a:defRPr sz="1200" kern="1200">
+        <a:solidFill>
+          <a:schemeClr val="tx1"/>
+        </a:solidFill>
+        <a:latin typeface="+mn-lt"/>
+        <a:ea typeface="+mn-ea"/>
+        <a:cs typeface="+mn-cs"/>
+      </a:defRPr>
+    </a:lvl2pPr>
+    <a:lvl3pPr marL="914400" algn="l" defTabSz="914400" rtl="0" eaLnBrk="1" latinLnBrk="0" hangingPunct="1">
+      <a:defRPr sz="1200" kern="1200">
+        <a:solidFill>
+          <a:schemeClr val="tx1"/>
+        </a:solidFill>
+        <a:latin typeface="+mn-lt"/>
+        <a:ea typeface="+mn-ea"/>
+        <a:cs typeface="+mn-cs"/>
+      </a:defRPr>
+    </a:lvl3pPr>
+    <a:lvl4pPr marL="1371600" algn="l" defTabSz="914400" rtl="0" eaLnBrk="1" latinLnBrk="0" hangingPunct="1">
+      <a:defRPr sz="1200" kern="1200">
+        <a:solidFill>
+          <a:schemeClr val="tx1"/>
+        </a:solidFill>
+        <a:latin typeface="+mn-lt"/>
+        <a:ea typeface="+mn-ea"/>
+        <a:cs typeface="+mn-cs"/>
+      </a:defRPr>
+    </a:lvl4pPr>
+    <a:lvl5pPr marL="1828800" algn="l" defTabSz="914400" rtl="0" eaLnBrk="1" latinLnBrk="0" hangingPunct="1">
+      <a:defRPr sz="1200" kern="1200">
+        <a:solidFill>
+          <a:schemeClr val="tx1"/>
+        </a:solidFill>
+        <a:latin typeface="+mn-lt"/>
+        <a:ea typeface="+mn-ea"/>
+        <a:cs typeface="+mn-cs"/>
+      </a:defRPr>
+    </a:lvl5pPr>
+    <a:lvl6pPr marL="2286000" algn="l" defTabSz="914400" rtl="0" eaLnBrk="1" latinLnBrk="0" hangingPunct="1">
+      <a:defRPr sz="1200" kern="1200">
+        <a:solidFill>
+          <a:schemeClr val="tx1"/>
+        </a:solidFill>
+        <a:latin typeface="+mn-lt"/>
+        <a:ea typeface="+mn-ea"/>
+        <a:cs typeface="+mn-cs"/>
+      </a:defRPr>
+    </a:lvl6pPr>
+    <a:lvl7pPr marL="2743200" algn="l" defTabSz="914400" rtl="0" eaLnBrk="1" latinLnBrk="0" hangingPunct="1">
+      <a:defRPr sz="1200" kern="1200">
+        <a:solidFill>
+          <a:schemeClr val="tx1"/>
+        </a:solidFill>
+        <a:latin typeface="+mn-lt"/>
+        <a:ea typeface="+mn-ea"/>
+        <a:cs typeface="+mn-cs"/>
+      </a:defRPr>
+    </a:lvl7pPr>
+    <a:lvl8pPr marL="3200400" algn="l" defTabSz="914400" rtl="0" eaLnBrk="1" latinLnBrk="0" hangingPunct="1">
+      <a:defRPr sz="1200" kern="1200">
+        <a:solidFill>
+          <a:schemeClr val="tx1"/>
+        </a:solidFill>
+        <a:latin typeface="+mn-lt"/>
+        <a:ea typeface="+mn-ea"/>
+        <a:cs typeface="+mn-cs"/>
+      </a:defRPr>
+    </a:lvl8pPr>
+    <a:lvl9pPr marL="3657600" algn="l" defTabSz="914400" rtl="0" eaLnBrk="1" latinLnBrk="0" hangingPunct="1">
+      <a:defRPr sz="1200" kern="1200">
+        <a:solidFill>
+          <a:schemeClr val="tx1"/>
+        </a:solidFill>
+        <a:latin typeface="+mn-lt"/>
+        <a:ea typeface="+mn-ea"/>
+        <a:cs typeface="+mn-cs"/>
+      </a:defRPr>
+    </a:lvl9pPr>
+  </p:notesStyle>
+</p:notesMaster>
+</file>
+
+<file path=ppt/notesSlides/notesSlide1.xml><?xml version="1.0" encoding="utf-8"?>
+<p:notes xmlns:a="http://schemas.openxmlformats.org/drawingml/2006/main" xmlns:r="http://schemas.openxmlformats.org/officeDocument/2006/relationships" xmlns:p="http://schemas.openxmlformats.org/presentationml/2006/main">
+  <p:cSld>
+    <p:spTree>
+      <p:nvGrpSpPr>
+        <p:cNvPr id="1" name=""/>
+        <p:cNvGrpSpPr/>
+        <p:nvPr/>
+      </p:nvGrpSpPr>
+      <p:grpSpPr>
+        <a:xfrm>
+          <a:off x="0" y="0"/>
+          <a:ext cx="0" cy="0"/>
+          <a:chOff x="0" y="0"/>
+          <a:chExt cx="0" cy="0"/>
+        </a:xfrm>
+      </p:grpSpPr>
+      <p:sp>
+        <p:nvSpPr>
+          <p:cNvPr id="2" name="Espace réservé de l'image des diapositives 1"/>
+          <p:cNvSpPr>
+            <a:spLocks noGrp="1" noRot="1" noChangeAspect="1"/>
+          </p:cNvSpPr>
+          <p:nvPr>
+            <p:ph type="sldImg"/>
+          </p:nvPr>
+        </p:nvSpPr>
+        <p:spPr/>
+      </p:sp>
+      <p:sp>
+        <p:nvSpPr>
+          <p:cNvPr id="3" name="Espace réservé des notes 2"/>
+          <p:cNvSpPr>
+            <a:spLocks noGrp="1"/>
+          </p:cNvSpPr>
+          <p:nvPr>
+            <p:ph type="body" idx="1"/>
+          </p:nvPr>
+        </p:nvSpPr>
+        <p:spPr/>
+        <p:txBody>
+          <a:bodyPr/>
+          <a:lstStyle/>
+          <a:p>
+            <a:endParaRPr lang="fr-FR"/>
+          </a:p>
+        </p:txBody>
+      </p:sp>
+      <p:sp>
+        <p:nvSpPr>
+          <p:cNvPr id="4" name="Espace réservé du numéro de diapositive 3"/>
+          <p:cNvSpPr>
+            <a:spLocks noGrp="1"/>
+          </p:cNvSpPr>
+          <p:nvPr>
+            <p:ph type="sldNum" sz="quarter" idx="5"/>
+          </p:nvPr>
+        </p:nvSpPr>
+        <p:spPr/>
+        <p:txBody>
+          <a:bodyPr/>
+          <a:lstStyle/>
+          <a:p>
+            <a:fld id="{0EE03F40-5359-45BD-BFB3-41D3E922B839}" type="slidenum">
+              <a:rPr lang="fr-FR" smtClean="0"/>
+              <a:t>5</a:t>
+            </a:fld>
+            <a:endParaRPr lang="fr-FR"/>
+          </a:p>
+        </p:txBody>
+      </p:sp>
+    </p:spTree>
+    <p:extLst>
+      <p:ext uri="{BB962C8B-B14F-4D97-AF65-F5344CB8AC3E}">
+        <p14:creationId xmlns:p14="http://schemas.microsoft.com/office/powerpoint/2010/main" val="1226998797"/>
+      </p:ext>
+    </p:extLst>
+  </p:cSld>
+  <p:clrMapOvr>
+    <a:masterClrMapping/>
+  </p:clrMapOvr>
+</p:notes>
+</file>
+
+<file path=ppt/notesSlides/notesSlide2.xml><?xml version="1.0" encoding="utf-8"?>
+<p:notes xmlns:a="http://schemas.openxmlformats.org/drawingml/2006/main" xmlns:r="http://schemas.openxmlformats.org/officeDocument/2006/relationships" xmlns:p="http://schemas.openxmlformats.org/presentationml/2006/main">
+  <p:cSld>
+    <p:spTree>
+      <p:nvGrpSpPr>
+        <p:cNvPr id="1" name=""/>
+        <p:cNvGrpSpPr/>
+        <p:nvPr/>
+      </p:nvGrpSpPr>
+      <p:grpSpPr>
+        <a:xfrm>
+          <a:off x="0" y="0"/>
+          <a:ext cx="0" cy="0"/>
+          <a:chOff x="0" y="0"/>
+          <a:chExt cx="0" cy="0"/>
+        </a:xfrm>
+      </p:grpSpPr>
+      <p:sp>
+        <p:nvSpPr>
+          <p:cNvPr id="2" name="Espace réservé de l'image des diapositives 1"/>
+          <p:cNvSpPr>
+            <a:spLocks noGrp="1" noRot="1" noChangeAspect="1"/>
+          </p:cNvSpPr>
+          <p:nvPr>
+            <p:ph type="sldImg"/>
+          </p:nvPr>
+        </p:nvSpPr>
+        <p:spPr/>
+      </p:sp>
+      <p:sp>
+        <p:nvSpPr>
+          <p:cNvPr id="3" name="Espace réservé des notes 2"/>
+          <p:cNvSpPr>
+            <a:spLocks noGrp="1"/>
+          </p:cNvSpPr>
+          <p:nvPr>
+            <p:ph type="body" idx="1"/>
+          </p:nvPr>
+        </p:nvSpPr>
+        <p:spPr/>
+        <p:txBody>
+          <a:bodyPr/>
+          <a:lstStyle/>
+          <a:p>
+            <a:endParaRPr lang="fr-FR"/>
+          </a:p>
+        </p:txBody>
+      </p:sp>
+      <p:sp>
+        <p:nvSpPr>
+          <p:cNvPr id="4" name="Espace réservé du numéro de diapositive 3"/>
+          <p:cNvSpPr>
+            <a:spLocks noGrp="1"/>
+          </p:cNvSpPr>
+          <p:nvPr>
+            <p:ph type="sldNum" sz="quarter" idx="5"/>
+          </p:nvPr>
+        </p:nvSpPr>
+        <p:spPr/>
+        <p:txBody>
+          <a:bodyPr/>
+          <a:lstStyle/>
+          <a:p>
+            <a:fld id="{0EE03F40-5359-45BD-BFB3-41D3E922B839}" type="slidenum">
+              <a:rPr lang="fr-FR" smtClean="0"/>
+              <a:t>6</a:t>
+            </a:fld>
+            <a:endParaRPr lang="fr-FR"/>
+          </a:p>
+        </p:txBody>
+      </p:sp>
+    </p:spTree>
+    <p:extLst>
+      <p:ext uri="{BB962C8B-B14F-4D97-AF65-F5344CB8AC3E}">
+        <p14:creationId xmlns:p14="http://schemas.microsoft.com/office/powerpoint/2010/main" val="3858435323"/>
+      </p:ext>
+    </p:extLst>
+  </p:cSld>
+  <p:clrMapOvr>
+    <a:masterClrMapping/>
+  </p:clrMapOvr>
+</p:notes>
+</file>
+
+<file path=ppt/notesSlides/notesSlide3.xml><?xml version="1.0" encoding="utf-8"?>
+<p:notes xmlns:a="http://schemas.openxmlformats.org/drawingml/2006/main" xmlns:r="http://schemas.openxmlformats.org/officeDocument/2006/relationships" xmlns:p="http://schemas.openxmlformats.org/presentationml/2006/main">
+  <p:cSld>
+    <p:spTree>
+      <p:nvGrpSpPr>
+        <p:cNvPr id="1" name=""/>
+        <p:cNvGrpSpPr/>
+        <p:nvPr/>
+      </p:nvGrpSpPr>
+      <p:grpSpPr>
+        <a:xfrm>
+          <a:off x="0" y="0"/>
+          <a:ext cx="0" cy="0"/>
+          <a:chOff x="0" y="0"/>
+          <a:chExt cx="0" cy="0"/>
+        </a:xfrm>
+      </p:grpSpPr>
+      <p:sp>
+        <p:nvSpPr>
+          <p:cNvPr id="2" name="Espace réservé de l'image des diapositives 1"/>
+          <p:cNvSpPr>
+            <a:spLocks noGrp="1" noRot="1" noChangeAspect="1"/>
+          </p:cNvSpPr>
+          <p:nvPr>
+            <p:ph type="sldImg"/>
+          </p:nvPr>
+        </p:nvSpPr>
+        <p:spPr/>
+      </p:sp>
+      <p:sp>
+        <p:nvSpPr>
+          <p:cNvPr id="3" name="Espace réservé des notes 2"/>
+          <p:cNvSpPr>
+            <a:spLocks noGrp="1"/>
+          </p:cNvSpPr>
+          <p:nvPr>
+            <p:ph type="body" idx="1"/>
+          </p:nvPr>
+        </p:nvSpPr>
+        <p:spPr/>
+        <p:txBody>
+          <a:bodyPr/>
+          <a:lstStyle/>
+          <a:p>
+            <a:endParaRPr lang="fr-FR"/>
+          </a:p>
+        </p:txBody>
+      </p:sp>
+      <p:sp>
+        <p:nvSpPr>
+          <p:cNvPr id="4" name="Espace réservé du numéro de diapositive 3"/>
+          <p:cNvSpPr>
+            <a:spLocks noGrp="1"/>
+          </p:cNvSpPr>
+          <p:nvPr>
+            <p:ph type="sldNum" sz="quarter" idx="5"/>
+          </p:nvPr>
+        </p:nvSpPr>
+        <p:spPr/>
+        <p:txBody>
+          <a:bodyPr/>
+          <a:lstStyle/>
+          <a:p>
+            <a:fld id="{0EE03F40-5359-45BD-BFB3-41D3E922B839}" type="slidenum">
+              <a:rPr lang="fr-FR" smtClean="0"/>
+              <a:t>7</a:t>
+            </a:fld>
+            <a:endParaRPr lang="fr-FR"/>
+          </a:p>
+        </p:txBody>
+      </p:sp>
+    </p:spTree>
+    <p:extLst>
+      <p:ext uri="{BB962C8B-B14F-4D97-AF65-F5344CB8AC3E}">
+        <p14:creationId xmlns:p14="http://schemas.microsoft.com/office/powerpoint/2010/main" val="3832335766"/>
+      </p:ext>
+    </p:extLst>
+  </p:cSld>
+  <p:clrMapOvr>
+    <a:masterClrMapping/>
+  </p:clrMapOvr>
+</p:notes>
 </file>
 
 <file path=ppt/slideLayouts/slideLayout1.xml><?xml version="1.0" encoding="utf-8"?>
@@ -6887,7 +7491,7 @@
         <p:spPr>
           <a:xfrm>
             <a:off x="448733" y="3898721"/>
-            <a:ext cx="9151535" cy="2893100"/>
+            <a:ext cx="9151535" cy="2708434"/>
           </a:xfrm>
           <a:prstGeom prst="rect">
             <a:avLst/>
@@ -7004,6 +7608,42 @@
               <a:defRPr/>
             </a:pPr>
             <a:r>
+              <a:rPr kumimoji="0" lang="fr-FR" sz="2400" b="0" i="0" u="none" strike="noStrike" kern="1200" cap="none" spc="0" normalizeH="0" baseline="0" noProof="0" dirty="0">
+                <a:ln>
+                  <a:noFill/>
+                </a:ln>
+                <a:solidFill>
+                  <a:prstClr val="black"/>
+                </a:solidFill>
+                <a:effectLst/>
+                <a:uLnTx/>
+                <a:uFillTx/>
+                <a:latin typeface="Eras Medium ITC" panose="020B0602030504020804" pitchFamily="34" charset="0"/>
+                <a:ea typeface="+mn-ea"/>
+                <a:cs typeface="+mn-cs"/>
+              </a:rPr>
+              <a:t>Revue de projet n°1</a:t>
+            </a:r>
+          </a:p>
+          <a:p>
+            <a:pPr marL="0" marR="0" lvl="0" indent="0" algn="ctr" defTabSz="457200" rtl="0" eaLnBrk="1" fontAlgn="auto" latinLnBrk="0" hangingPunct="1">
+              <a:lnSpc>
+                <a:spcPct val="150000"/>
+              </a:lnSpc>
+              <a:spcBef>
+                <a:spcPts val="0"/>
+              </a:spcBef>
+              <a:spcAft>
+                <a:spcPts val="0"/>
+              </a:spcAft>
+              <a:buClrTx/>
+              <a:buSzTx/>
+              <a:buFontTx/>
+              <a:buNone/>
+              <a:tabLst/>
+              <a:defRPr/>
+            </a:pPr>
+            <a:r>
               <a:rPr kumimoji="0" lang="fr-FR" sz="2800" b="0" i="0" u="none" strike="noStrike" kern="1200" cap="none" spc="0" normalizeH="0" baseline="0" noProof="0" dirty="0">
                 <a:ln>
                   <a:noFill/>
@@ -7139,72 +7779,6 @@
               </a:rPr>
               <a:t>.</a:t>
             </a:r>
-          </a:p>
-          <a:p>
-            <a:pPr marL="0" marR="0" lvl="0" indent="0" algn="ctr" defTabSz="457200" rtl="0" eaLnBrk="1" fontAlgn="auto" latinLnBrk="0" hangingPunct="1">
-              <a:lnSpc>
-                <a:spcPct val="100000"/>
-              </a:lnSpc>
-              <a:spcBef>
-                <a:spcPts val="0"/>
-              </a:spcBef>
-              <a:spcAft>
-                <a:spcPts val="0"/>
-              </a:spcAft>
-              <a:buClrTx/>
-              <a:buSzTx/>
-              <a:buFontTx/>
-              <a:buNone/>
-              <a:tabLst/>
-              <a:defRPr/>
-            </a:pPr>
-            <a:endParaRPr kumimoji="0" lang="fr-FR" sz="2400" b="0" i="0" u="none" strike="noStrike" kern="1200" cap="none" spc="0" normalizeH="0" baseline="0" noProof="0" dirty="0">
-              <a:ln>
-                <a:noFill/>
-              </a:ln>
-              <a:solidFill>
-                <a:prstClr val="black"/>
-              </a:solidFill>
-              <a:effectLst/>
-              <a:uLnTx/>
-              <a:uFillTx/>
-              <a:latin typeface="Eras Medium ITC" panose="020B0602030504020804" pitchFamily="34" charset="0"/>
-              <a:ea typeface="+mn-ea"/>
-              <a:cs typeface="+mn-cs"/>
-            </a:endParaRPr>
-          </a:p>
-          <a:p>
-            <a:pPr marL="0" marR="0" lvl="0" indent="0" algn="ctr" defTabSz="457200" rtl="0" eaLnBrk="1" fontAlgn="auto" latinLnBrk="0" hangingPunct="1">
-              <a:lnSpc>
-                <a:spcPct val="100000"/>
-              </a:lnSpc>
-              <a:spcBef>
-                <a:spcPts val="0"/>
-              </a:spcBef>
-              <a:spcAft>
-                <a:spcPts val="0"/>
-              </a:spcAft>
-              <a:buClrTx/>
-              <a:buSzTx/>
-              <a:buFontTx/>
-              <a:buNone/>
-              <a:tabLst/>
-              <a:defRPr/>
-            </a:pPr>
-            <a:endParaRPr kumimoji="0" lang="fr-FR" sz="2400" b="0" i="0" u="none" strike="noStrike" kern="1200" cap="none" spc="0" normalizeH="0" baseline="0" noProof="0" dirty="0">
-              <a:ln>
-                <a:noFill/>
-              </a:ln>
-              <a:solidFill>
-                <a:prstClr val="black"/>
-              </a:solidFill>
-              <a:effectLst/>
-              <a:uLnTx/>
-              <a:uFillTx/>
-              <a:latin typeface="Eras Medium ITC" panose="020B0602030504020804" pitchFamily="34" charset="0"/>
-              <a:ea typeface="+mn-ea"/>
-              <a:cs typeface="+mn-cs"/>
-            </a:endParaRPr>
           </a:p>
           <a:p>
             <a:pPr marL="0" marR="0" lvl="0" indent="0" algn="ctr" defTabSz="457200" rtl="0" eaLnBrk="1" fontAlgn="auto" latinLnBrk="0" hangingPunct="1">
@@ -8268,6 +8842,18 @@
   <p:clrMapOvr>
     <a:masterClrMapping/>
   </p:clrMapOvr>
+  <mc:AlternateContent xmlns:mc="http://schemas.openxmlformats.org/markup-compatibility/2006">
+    <mc:Choice xmlns:p159="http://schemas.microsoft.com/office/powerpoint/2015/09/main" Requires="p159">
+      <p:transition xmlns:p14="http://schemas.microsoft.com/office/powerpoint/2010/main" spd="slow" p14:dur="2000">
+        <p159:morph option="byObject"/>
+      </p:transition>
+    </mc:Choice>
+    <mc:Fallback>
+      <p:transition spd="slow">
+        <p:fade/>
+      </p:transition>
+    </mc:Fallback>
+  </mc:AlternateContent>
 </p:sld>
 </file>
 
@@ -9275,7 +9861,7 @@
             </a:pPr>
             <a:r>
               <a:rPr lang="fr-FR" sz="2000" dirty="0"/>
-              <a:t>Créer la page web de créneaux</a:t>
+              <a:t>Créer la page web </a:t>
             </a:r>
           </a:p>
           <a:p>
@@ -10264,7 +10850,7 @@
           <p:nvPr/>
         </p:nvPicPr>
         <p:blipFill rotWithShape="1">
-          <a:blip r:embed="rId2">
+          <a:blip r:embed="rId3">
             <a:extLst>
               <a:ext uri="{28A0092B-C50C-407E-A947-70E740481C1C}">
                 <a14:useLocalDpi xmlns:a14="http://schemas.microsoft.com/office/drawing/2010/main" val="0"/>
@@ -10319,7 +10905,7 @@
         </p:spPr>
         <p:txBody>
           <a:bodyPr vert="horz" lIns="91440" tIns="45720" rIns="91440" bIns="45720" rtlCol="0">
-            <a:normAutofit fontScale="85000" lnSpcReduction="20000"/>
+            <a:normAutofit fontScale="85000" lnSpcReduction="10000"/>
           </a:bodyPr>
           <a:lstStyle>
             <a:lvl1pPr marL="342900" indent="-342900" algn="l" defTabSz="457200" rtl="0" eaLnBrk="1" latinLnBrk="0" hangingPunct="1">
@@ -10566,13 +11152,7 @@
           <a:p>
             <a:r>
               <a:rPr lang="fr-FR" dirty="0"/>
-              <a:t>Formulaire de connexion</a:t>
-            </a:r>
-          </a:p>
-          <a:p>
-            <a:r>
-              <a:rPr lang="fr-FR" dirty="0"/>
-              <a:t>Permettre à l’administrateur et au superviseur de se connecter.</a:t>
+              <a:t>Permettre à l’administrateur et au superviseur de se connecter -&gt; formulaire de connexion</a:t>
             </a:r>
           </a:p>
           <a:p>
@@ -10596,14 +11176,8 @@
             </a:pPr>
             <a:r>
               <a:rPr lang="fr-FR" dirty="0"/>
-              <a:t>Superviseur -&gt; formulaire (ajout de créneaux)</a:t>
-            </a:r>
-          </a:p>
-          <a:p>
-            <a:pPr marL="0" indent="0">
-              <a:buNone/>
-            </a:pPr>
-            <a:endParaRPr lang="fr-FR" dirty="0"/>
+              <a:t>Superviseur -&gt; formulaire (ajout, suppression de créneaux)</a:t>
+            </a:r>
           </a:p>
           <a:p>
             <a:r>
@@ -11130,7 +11704,7 @@
         <p:spPr>
           <a:xfrm>
             <a:off x="677863" y="839788"/>
-            <a:ext cx="9690100" cy="1320800"/>
+            <a:ext cx="4739953" cy="778051"/>
           </a:xfrm>
         </p:spPr>
         <p:txBody>
@@ -11475,7 +12049,7 @@
           <p:nvPr/>
         </p:nvPicPr>
         <p:blipFill rotWithShape="1">
-          <a:blip r:embed="rId2"/>
+          <a:blip r:embed="rId3"/>
           <a:srcRect l="491" t="754" r="2507" b="50850"/>
           <a:stretch/>
         </p:blipFill>
@@ -11504,7 +12078,7 @@
           <p:nvPr/>
         </p:nvPicPr>
         <p:blipFill rotWithShape="1">
-          <a:blip r:embed="rId3">
+          <a:blip r:embed="rId4">
             <a:extLst>
               <a:ext uri="{28A0092B-C50C-407E-A947-70E740481C1C}">
                 <a14:useLocalDpi xmlns:a14="http://schemas.microsoft.com/office/drawing/2010/main" val="0"/>
@@ -12421,7 +12995,7 @@
           <p:nvPr/>
         </p:nvPicPr>
         <p:blipFill rotWithShape="1">
-          <a:blip r:embed="rId2">
+          <a:blip r:embed="rId3">
             <a:extLst>
               <a:ext uri="{28A0092B-C50C-407E-A947-70E740481C1C}">
                 <a14:useLocalDpi xmlns:a14="http://schemas.microsoft.com/office/drawing/2010/main" val="0"/>
@@ -13693,4 +14267,299 @@
     </a:ext>
   </a:extLst>
 </a:theme>
+</file>
+
+<file path=ppt/theme/theme2.xml><?xml version="1.0" encoding="utf-8"?>
+<a:theme xmlns:a="http://schemas.openxmlformats.org/drawingml/2006/main" name="Thème Office">
+  <a:themeElements>
+    <a:clrScheme name="Office">
+      <a:dk1>
+        <a:sysClr val="windowText" lastClr="000000"/>
+      </a:dk1>
+      <a:lt1>
+        <a:sysClr val="window" lastClr="FFFFFF"/>
+      </a:lt1>
+      <a:dk2>
+        <a:srgbClr val="44546A"/>
+      </a:dk2>
+      <a:lt2>
+        <a:srgbClr val="E7E6E6"/>
+      </a:lt2>
+      <a:accent1>
+        <a:srgbClr val="4472C4"/>
+      </a:accent1>
+      <a:accent2>
+        <a:srgbClr val="ED7D31"/>
+      </a:accent2>
+      <a:accent3>
+        <a:srgbClr val="A5A5A5"/>
+      </a:accent3>
+      <a:accent4>
+        <a:srgbClr val="FFC000"/>
+      </a:accent4>
+      <a:accent5>
+        <a:srgbClr val="5B9BD5"/>
+      </a:accent5>
+      <a:accent6>
+        <a:srgbClr val="70AD47"/>
+      </a:accent6>
+      <a:hlink>
+        <a:srgbClr val="0563C1"/>
+      </a:hlink>
+      <a:folHlink>
+        <a:srgbClr val="954F72"/>
+      </a:folHlink>
+    </a:clrScheme>
+    <a:fontScheme name="Office">
+      <a:majorFont>
+        <a:latin typeface="Calibri Light" panose="020F0302020204030204"/>
+        <a:ea typeface=""/>
+        <a:cs typeface=""/>
+        <a:font script="Jpan" typeface="游ゴシック Light"/>
+        <a:font script="Hang" typeface="맑은 고딕"/>
+        <a:font script="Hans" typeface="等线 Light"/>
+        <a:font script="Hant" typeface="新細明體"/>
+        <a:font script="Arab" typeface="Times New Roman"/>
+        <a:font script="Hebr" typeface="Times New Roman"/>
+        <a:font script="Thai" typeface="Angsana New"/>
+        <a:font script="Ethi" typeface="Nyala"/>
+        <a:font script="Beng" typeface="Vrinda"/>
+        <a:font script="Gujr" typeface="Shruti"/>
+        <a:font script="Khmr" typeface="MoolBoran"/>
+        <a:font script="Knda" typeface="Tunga"/>
+        <a:font script="Guru" typeface="Raavi"/>
+        <a:font script="Cans" typeface="Euphemia"/>
+        <a:font script="Cher" typeface="Plantagenet Cherokee"/>
+        <a:font script="Yiii" typeface="Microsoft Yi Baiti"/>
+        <a:font script="Tibt" typeface="Microsoft Himalaya"/>
+        <a:font script="Thaa" typeface="MV Boli"/>
+        <a:font script="Deva" typeface="Mangal"/>
+        <a:font script="Telu" typeface="Gautami"/>
+        <a:font script="Taml" typeface="Latha"/>
+        <a:font script="Syrc" typeface="Estrangelo Edessa"/>
+        <a:font script="Orya" typeface="Kalinga"/>
+        <a:font script="Mlym" typeface="Kartika"/>
+        <a:font script="Laoo" typeface="DokChampa"/>
+        <a:font script="Sinh" typeface="Iskoola Pota"/>
+        <a:font script="Mong" typeface="Mongolian Baiti"/>
+        <a:font script="Viet" typeface="Times New Roman"/>
+        <a:font script="Uigh" typeface="Microsoft Uighur"/>
+        <a:font script="Geor" typeface="Sylfaen"/>
+        <a:font script="Armn" typeface="Arial"/>
+        <a:font script="Bugi" typeface="Leelawadee UI"/>
+        <a:font script="Bopo" typeface="Microsoft JhengHei"/>
+        <a:font script="Java" typeface="Javanese Text"/>
+        <a:font script="Lisu" typeface="Segoe UI"/>
+        <a:font script="Mymr" typeface="Myanmar Text"/>
+        <a:font script="Nkoo" typeface="Ebrima"/>
+        <a:font script="Olck" typeface="Nirmala UI"/>
+        <a:font script="Osma" typeface="Ebrima"/>
+        <a:font script="Phag" typeface="Phagspa"/>
+        <a:font script="Syrn" typeface="Estrangelo Edessa"/>
+        <a:font script="Syrj" typeface="Estrangelo Edessa"/>
+        <a:font script="Syre" typeface="Estrangelo Edessa"/>
+        <a:font script="Sora" typeface="Nirmala UI"/>
+        <a:font script="Tale" typeface="Microsoft Tai Le"/>
+        <a:font script="Talu" typeface="Microsoft New Tai Lue"/>
+        <a:font script="Tfng" typeface="Ebrima"/>
+      </a:majorFont>
+      <a:minorFont>
+        <a:latin typeface="Calibri" panose="020F0502020204030204"/>
+        <a:ea typeface=""/>
+        <a:cs typeface=""/>
+        <a:font script="Jpan" typeface="游ゴシック"/>
+        <a:font script="Hang" typeface="맑은 고딕"/>
+        <a:font script="Hans" typeface="等线"/>
+        <a:font script="Hant" typeface="新細明體"/>
+        <a:font script="Arab" typeface="Arial"/>
+        <a:font script="Hebr" typeface="Arial"/>
+        <a:font script="Thai" typeface="Cordia New"/>
+        <a:font script="Ethi" typeface="Nyala"/>
+        <a:font script="Beng" typeface="Vrinda"/>
+        <a:font script="Gujr" typeface="Shruti"/>
+        <a:font script="Khmr" typeface="DaunPenh"/>
+        <a:font script="Knda" typeface="Tunga"/>
+        <a:font script="Guru" typeface="Raavi"/>
+        <a:font script="Cans" typeface="Euphemia"/>
+        <a:font script="Cher" typeface="Plantagenet Cherokee"/>
+        <a:font script="Yiii" typeface="Microsoft Yi Baiti"/>
+        <a:font script="Tibt" typeface="Microsoft Himalaya"/>
+        <a:font script="Thaa" typeface="MV Boli"/>
+        <a:font script="Deva" typeface="Mangal"/>
+        <a:font script="Telu" typeface="Gautami"/>
+        <a:font script="Taml" typeface="Latha"/>
+        <a:font script="Syrc" typeface="Estrangelo Edessa"/>
+        <a:font script="Orya" typeface="Kalinga"/>
+        <a:font script="Mlym" typeface="Kartika"/>
+        <a:font script="Laoo" typeface="DokChampa"/>
+        <a:font script="Sinh" typeface="Iskoola Pota"/>
+        <a:font script="Mong" typeface="Mongolian Baiti"/>
+        <a:font script="Viet" typeface="Arial"/>
+        <a:font script="Uigh" typeface="Microsoft Uighur"/>
+        <a:font script="Geor" typeface="Sylfaen"/>
+        <a:font script="Armn" typeface="Arial"/>
+        <a:font script="Bugi" typeface="Leelawadee UI"/>
+        <a:font script="Bopo" typeface="Microsoft JhengHei"/>
+        <a:font script="Java" typeface="Javanese Text"/>
+        <a:font script="Lisu" typeface="Segoe UI"/>
+        <a:font script="Mymr" typeface="Myanmar Text"/>
+        <a:font script="Nkoo" typeface="Ebrima"/>
+        <a:font script="Olck" typeface="Nirmala UI"/>
+        <a:font script="Osma" typeface="Ebrima"/>
+        <a:font script="Phag" typeface="Phagspa"/>
+        <a:font script="Syrn" typeface="Estrangelo Edessa"/>
+        <a:font script="Syrj" typeface="Estrangelo Edessa"/>
+        <a:font script="Syre" typeface="Estrangelo Edessa"/>
+        <a:font script="Sora" typeface="Nirmala UI"/>
+        <a:font script="Tale" typeface="Microsoft Tai Le"/>
+        <a:font script="Talu" typeface="Microsoft New Tai Lue"/>
+        <a:font script="Tfng" typeface="Ebrima"/>
+      </a:minorFont>
+    </a:fontScheme>
+    <a:fmtScheme name="Office">
+      <a:fillStyleLst>
+        <a:solidFill>
+          <a:schemeClr val="phClr"/>
+        </a:solidFill>
+        <a:gradFill rotWithShape="1">
+          <a:gsLst>
+            <a:gs pos="0">
+              <a:schemeClr val="phClr">
+                <a:lumMod val="110000"/>
+                <a:satMod val="105000"/>
+                <a:tint val="67000"/>
+              </a:schemeClr>
+            </a:gs>
+            <a:gs pos="50000">
+              <a:schemeClr val="phClr">
+                <a:lumMod val="105000"/>
+                <a:satMod val="103000"/>
+                <a:tint val="73000"/>
+              </a:schemeClr>
+            </a:gs>
+            <a:gs pos="100000">
+              <a:schemeClr val="phClr">
+                <a:lumMod val="105000"/>
+                <a:satMod val="109000"/>
+                <a:tint val="81000"/>
+              </a:schemeClr>
+            </a:gs>
+          </a:gsLst>
+          <a:lin ang="5400000" scaled="0"/>
+        </a:gradFill>
+        <a:gradFill rotWithShape="1">
+          <a:gsLst>
+            <a:gs pos="0">
+              <a:schemeClr val="phClr">
+                <a:satMod val="103000"/>
+                <a:lumMod val="102000"/>
+                <a:tint val="94000"/>
+              </a:schemeClr>
+            </a:gs>
+            <a:gs pos="50000">
+              <a:schemeClr val="phClr">
+                <a:satMod val="110000"/>
+                <a:lumMod val="100000"/>
+                <a:shade val="100000"/>
+              </a:schemeClr>
+            </a:gs>
+            <a:gs pos="100000">
+              <a:schemeClr val="phClr">
+                <a:lumMod val="99000"/>
+                <a:satMod val="120000"/>
+                <a:shade val="78000"/>
+              </a:schemeClr>
+            </a:gs>
+          </a:gsLst>
+          <a:lin ang="5400000" scaled="0"/>
+        </a:gradFill>
+      </a:fillStyleLst>
+      <a:lnStyleLst>
+        <a:ln w="6350" cap="flat" cmpd="sng" algn="ctr">
+          <a:solidFill>
+            <a:schemeClr val="phClr"/>
+          </a:solidFill>
+          <a:prstDash val="solid"/>
+          <a:miter lim="800000"/>
+        </a:ln>
+        <a:ln w="12700" cap="flat" cmpd="sng" algn="ctr">
+          <a:solidFill>
+            <a:schemeClr val="phClr"/>
+          </a:solidFill>
+          <a:prstDash val="solid"/>
+          <a:miter lim="800000"/>
+        </a:ln>
+        <a:ln w="19050" cap="flat" cmpd="sng" algn="ctr">
+          <a:solidFill>
+            <a:schemeClr val="phClr"/>
+          </a:solidFill>
+          <a:prstDash val="solid"/>
+          <a:miter lim="800000"/>
+        </a:ln>
+      </a:lnStyleLst>
+      <a:effectStyleLst>
+        <a:effectStyle>
+          <a:effectLst/>
+        </a:effectStyle>
+        <a:effectStyle>
+          <a:effectLst/>
+        </a:effectStyle>
+        <a:effectStyle>
+          <a:effectLst>
+            <a:outerShdw blurRad="57150" dist="19050" dir="5400000" algn="ctr" rotWithShape="0">
+              <a:srgbClr val="000000">
+                <a:alpha val="63000"/>
+              </a:srgbClr>
+            </a:outerShdw>
+          </a:effectLst>
+        </a:effectStyle>
+      </a:effectStyleLst>
+      <a:bgFillStyleLst>
+        <a:solidFill>
+          <a:schemeClr val="phClr"/>
+        </a:solidFill>
+        <a:solidFill>
+          <a:schemeClr val="phClr">
+            <a:tint val="95000"/>
+            <a:satMod val="170000"/>
+          </a:schemeClr>
+        </a:solidFill>
+        <a:gradFill rotWithShape="1">
+          <a:gsLst>
+            <a:gs pos="0">
+              <a:schemeClr val="phClr">
+                <a:tint val="93000"/>
+                <a:satMod val="150000"/>
+                <a:shade val="98000"/>
+                <a:lumMod val="102000"/>
+              </a:schemeClr>
+            </a:gs>
+            <a:gs pos="50000">
+              <a:schemeClr val="phClr">
+                <a:tint val="98000"/>
+                <a:satMod val="130000"/>
+                <a:shade val="90000"/>
+                <a:lumMod val="103000"/>
+              </a:schemeClr>
+            </a:gs>
+            <a:gs pos="100000">
+              <a:schemeClr val="phClr">
+                <a:shade val="63000"/>
+                <a:satMod val="120000"/>
+              </a:schemeClr>
+            </a:gs>
+          </a:gsLst>
+          <a:lin ang="5400000" scaled="0"/>
+        </a:gradFill>
+      </a:bgFillStyleLst>
+    </a:fmtScheme>
+  </a:themeElements>
+  <a:objectDefaults/>
+  <a:extraClrSchemeLst/>
+  <a:extLst>
+    <a:ext uri="{05A4C25C-085E-4340-85A3-A5531E510DB2}">
+      <thm15:themeFamily xmlns:thm15="http://schemas.microsoft.com/office/thememl/2012/main" name="Office Theme" id="{62F939B6-93AF-4DB8-9C6B-D6C7DFDC589F}" vid="{4A3C46E8-61CC-4603-A589-7422A47A8E4A}"/>
+    </a:ext>
+  </a:extLst>
+</a:theme>
 </file>
--- a/Cyril/Projet Théléton.pptx
+++ b/Cyril/Projet Théléton.pptx
@@ -116,6 +116,9 @@
   <p:extLst>
     <p:ext uri="{EFAFB233-063F-42B5-8137-9DF3F51BA10A}">
       <p15:sldGuideLst xmlns:p15="http://schemas.microsoft.com/office/powerpoint/2012/main"/>
+    </p:ext>
+    <p:ext uri="{2D200454-40CA-4A62-9FC3-DE9A4176ACB9}">
+      <p15:notesGuideLst xmlns:p15="http://schemas.microsoft.com/office/powerpoint/2012/main"/>
     </p:ext>
   </p:extLst>
 </p:presentation>
@@ -8842,13 +8845,13 @@
   <p:clrMapOvr>
     <a:masterClrMapping/>
   </p:clrMapOvr>
-  <mc:AlternateContent xmlns:mc="http://schemas.openxmlformats.org/markup-compatibility/2006">
-    <mc:Choice xmlns:p159="http://schemas.microsoft.com/office/powerpoint/2015/09/main" Requires="p159">
+  <mc:AlternateContent xmlns:mc="http://schemas.openxmlformats.org/markup-compatibility/2006" xmlns:p159="http://schemas.microsoft.com/office/powerpoint/2015/09/main">
+    <mc:Choice Requires="p159">
       <p:transition xmlns:p14="http://schemas.microsoft.com/office/powerpoint/2010/main" spd="slow" p14:dur="2000">
         <p159:morph option="byObject"/>
       </p:transition>
     </mc:Choice>
-    <mc:Fallback>
+    <mc:Fallback xmlns="">
       <p:transition spd="slow">
         <p:fade/>
       </p:transition>
@@ -11158,7 +11161,7 @@
           <a:p>
             <a:r>
               <a:rPr lang="fr-FR" dirty="0"/>
-              <a:t>En fonction du pseudo et mot de passe saisie, la personne sera redirigé vers une page dédié : </a:t>
+              <a:t>En fonction du pseudo et mot de passe saisie, la personne sera redirigée vers une page dédiée : </a:t>
             </a:r>
           </a:p>
           <a:p>

--- a/Cyril/Projet Théléton.pptx
+++ b/Cyril/Projet Théléton.pptx
@@ -206,7 +206,7 @@
           <a:p>
             <a:fld id="{C6B1AD4F-F5E1-44BF-B2CE-5CC53752312E}" type="datetimeFigureOut">
               <a:rPr lang="fr-FR" smtClean="0"/>
-              <a:t>31/01/2020</a:t>
+              <a:t>04/02/2020</a:t>
             </a:fld>
             <a:endParaRPr lang="fr-FR"/>
           </a:p>
@@ -1448,7 +1448,7 @@
             <a:fld id="{B61BEF0D-F0BB-DE4B-95CE-6DB70DBA9567}" type="datetimeFigureOut">
               <a:rPr lang="en-US" dirty="0"/>
               <a:pPr/>
-              <a:t>1/31/2020</a:t>
+              <a:t>2/4/2020</a:t>
             </a:fld>
             <a:endParaRPr lang="en-US" dirty="0"/>
           </a:p>
@@ -1701,7 +1701,7 @@
             <a:fld id="{B61BEF0D-F0BB-DE4B-95CE-6DB70DBA9567}" type="datetimeFigureOut">
               <a:rPr lang="en-US" dirty="0"/>
               <a:pPr/>
-              <a:t>1/31/2020</a:t>
+              <a:t>2/4/2020</a:t>
             </a:fld>
             <a:endParaRPr lang="en-US" dirty="0"/>
           </a:p>
@@ -2017,7 +2017,7 @@
             <a:fld id="{B61BEF0D-F0BB-DE4B-95CE-6DB70DBA9567}" type="datetimeFigureOut">
               <a:rPr lang="en-US" dirty="0"/>
               <a:pPr/>
-              <a:t>1/31/2020</a:t>
+              <a:t>2/4/2020</a:t>
             </a:fld>
             <a:endParaRPr lang="en-US" dirty="0"/>
           </a:p>
@@ -2360,7 +2360,7 @@
             <a:fld id="{B61BEF0D-F0BB-DE4B-95CE-6DB70DBA9567}" type="datetimeFigureOut">
               <a:rPr lang="en-US" dirty="0"/>
               <a:pPr/>
-              <a:t>1/31/2020</a:t>
+              <a:t>2/4/2020</a:t>
             </a:fld>
             <a:endParaRPr lang="en-US" dirty="0"/>
           </a:p>
@@ -2676,7 +2676,7 @@
             <a:fld id="{B61BEF0D-F0BB-DE4B-95CE-6DB70DBA9567}" type="datetimeFigureOut">
               <a:rPr lang="en-US" dirty="0"/>
               <a:pPr/>
-              <a:t>1/31/2020</a:t>
+              <a:t>2/4/2020</a:t>
             </a:fld>
             <a:endParaRPr lang="en-US" dirty="0"/>
           </a:p>
@@ -3071,7 +3071,7 @@
             <a:fld id="{B61BEF0D-F0BB-DE4B-95CE-6DB70DBA9567}" type="datetimeFigureOut">
               <a:rPr lang="en-US" dirty="0"/>
               <a:pPr/>
-              <a:t>1/31/2020</a:t>
+              <a:t>2/4/2020</a:t>
             </a:fld>
             <a:endParaRPr lang="en-US" dirty="0"/>
           </a:p>
@@ -3242,7 +3242,7 @@
           <a:p>
             <a:fld id="{55C6B4A9-1611-4792-9094-5F34BCA07E0B}" type="datetimeFigureOut">
               <a:rPr lang="en-US" dirty="0"/>
-              <a:t>1/31/2020</a:t>
+              <a:t>2/4/2020</a:t>
             </a:fld>
             <a:endParaRPr lang="en-US" dirty="0"/>
           </a:p>
@@ -3423,7 +3423,7 @@
             <a:fld id="{B61BEF0D-F0BB-DE4B-95CE-6DB70DBA9567}" type="datetimeFigureOut">
               <a:rPr lang="en-US" dirty="0"/>
               <a:pPr/>
-              <a:t>1/31/2020</a:t>
+              <a:t>2/4/2020</a:t>
             </a:fld>
             <a:endParaRPr lang="en-US" dirty="0"/>
           </a:p>
@@ -3601,7 +3601,7 @@
             <a:fld id="{B61BEF0D-F0BB-DE4B-95CE-6DB70DBA9567}" type="datetimeFigureOut">
               <a:rPr lang="en-US" dirty="0"/>
               <a:pPr/>
-              <a:t>1/31/2020</a:t>
+              <a:t>2/4/2020</a:t>
             </a:fld>
             <a:endParaRPr lang="en-US" dirty="0"/>
           </a:p>
@@ -3850,7 +3850,7 @@
             <a:fld id="{B61BEF0D-F0BB-DE4B-95CE-6DB70DBA9567}" type="datetimeFigureOut">
               <a:rPr lang="en-US" dirty="0"/>
               <a:pPr/>
-              <a:t>1/31/2020</a:t>
+              <a:t>2/4/2020</a:t>
             </a:fld>
             <a:endParaRPr lang="en-US" dirty="0"/>
           </a:p>
@@ -4083,7 +4083,7 @@
           <a:p>
             <a:fld id="{EB712588-04B1-427B-82EE-E8DB90309F08}" type="datetimeFigureOut">
               <a:rPr lang="en-US" dirty="0"/>
-              <a:t>1/31/2020</a:t>
+              <a:t>2/4/2020</a:t>
             </a:fld>
             <a:endParaRPr lang="en-US" dirty="0"/>
           </a:p>
@@ -4458,7 +4458,7 @@
             <a:fld id="{B61BEF0D-F0BB-DE4B-95CE-6DB70DBA9567}" type="datetimeFigureOut">
               <a:rPr lang="en-US" dirty="0"/>
               <a:pPr/>
-              <a:t>1/31/2020</a:t>
+              <a:t>2/4/2020</a:t>
             </a:fld>
             <a:endParaRPr lang="en-US" dirty="0"/>
           </a:p>
@@ -4583,7 +4583,7 @@
             <a:fld id="{B61BEF0D-F0BB-DE4B-95CE-6DB70DBA9567}" type="datetimeFigureOut">
               <a:rPr lang="en-US" dirty="0"/>
               <a:pPr/>
-              <a:t>1/31/2020</a:t>
+              <a:t>2/4/2020</a:t>
             </a:fld>
             <a:endParaRPr lang="en-US" dirty="0"/>
           </a:p>
@@ -4680,7 +4680,7 @@
             <a:fld id="{B61BEF0D-F0BB-DE4B-95CE-6DB70DBA9567}" type="datetimeFigureOut">
               <a:rPr lang="en-US" dirty="0"/>
               <a:pPr/>
-              <a:t>1/31/2020</a:t>
+              <a:t>2/4/2020</a:t>
             </a:fld>
             <a:endParaRPr lang="en-US" dirty="0"/>
           </a:p>
@@ -4936,7 +4936,7 @@
           <a:p>
             <a:fld id="{42A54C80-263E-416B-A8E0-580EDEADCBDC}" type="datetimeFigureOut">
               <a:rPr lang="en-US" dirty="0"/>
-              <a:t>1/31/2020</a:t>
+              <a:t>2/4/2020</a:t>
             </a:fld>
             <a:endParaRPr lang="en-US" dirty="0"/>
           </a:p>
@@ -5200,7 +5200,7 @@
             <a:fld id="{B61BEF0D-F0BB-DE4B-95CE-6DB70DBA9567}" type="datetimeFigureOut">
               <a:rPr lang="en-US" dirty="0"/>
               <a:pPr/>
-              <a:t>1/31/2020</a:t>
+              <a:t>2/4/2020</a:t>
             </a:fld>
             <a:endParaRPr lang="en-US" dirty="0"/>
           </a:p>
@@ -5945,7 +5945,7 @@
             <a:fld id="{B61BEF0D-F0BB-DE4B-95CE-6DB70DBA9567}" type="datetimeFigureOut">
               <a:rPr lang="en-US" dirty="0"/>
               <a:pPr/>
-              <a:t>1/31/2020</a:t>
+              <a:t>2/4/2020</a:t>
             </a:fld>
             <a:endParaRPr lang="en-US" dirty="0"/>
           </a:p>
@@ -10817,15 +10817,13 @@
             </a:r>
           </a:p>
           <a:p>
-            <a:pPr>
+            <a:pPr marL="0" indent="0">
               <a:buClr>
                 <a:schemeClr val="accent4"/>
               </a:buClr>
+              <a:buNone/>
             </a:pPr>
-            <a:r>
-              <a:rPr lang="fr-FR" dirty="0"/>
-              <a:t>Apache pour mettre en ligne le site web.</a:t>
-            </a:r>
+            <a:endParaRPr lang="fr-FR" dirty="0"/>
           </a:p>
           <a:p>
             <a:pPr marL="0" indent="0">
